--- a/3.pptx
+++ b/3.pptx
@@ -7,31 +7,30 @@
   <p:sldIdLst>
     <p:sldId id="256" r:id="rId2"/>
     <p:sldId id="257" r:id="rId3"/>
-    <p:sldId id="295" r:id="rId4"/>
-    <p:sldId id="258" r:id="rId5"/>
-    <p:sldId id="297" r:id="rId6"/>
-    <p:sldId id="298" r:id="rId7"/>
-    <p:sldId id="299" r:id="rId8"/>
-    <p:sldId id="300" r:id="rId9"/>
-    <p:sldId id="301" r:id="rId10"/>
-    <p:sldId id="302" r:id="rId11"/>
-    <p:sldId id="303" r:id="rId12"/>
-    <p:sldId id="304" r:id="rId13"/>
-    <p:sldId id="305" r:id="rId14"/>
-    <p:sldId id="296" r:id="rId15"/>
-    <p:sldId id="306" r:id="rId16"/>
-    <p:sldId id="307" r:id="rId17"/>
-    <p:sldId id="308" r:id="rId18"/>
-    <p:sldId id="311" r:id="rId19"/>
-    <p:sldId id="309" r:id="rId20"/>
-    <p:sldId id="310" r:id="rId21"/>
-    <p:sldId id="312" r:id="rId22"/>
-    <p:sldId id="313" r:id="rId23"/>
-    <p:sldId id="314" r:id="rId24"/>
-    <p:sldId id="318" r:id="rId25"/>
-    <p:sldId id="316" r:id="rId26"/>
-    <p:sldId id="317" r:id="rId27"/>
-    <p:sldId id="315" r:id="rId28"/>
+    <p:sldId id="294" r:id="rId4"/>
+    <p:sldId id="320" r:id="rId5"/>
+    <p:sldId id="321" r:id="rId6"/>
+    <p:sldId id="322" r:id="rId7"/>
+    <p:sldId id="323" r:id="rId8"/>
+    <p:sldId id="324" r:id="rId9"/>
+    <p:sldId id="325" r:id="rId10"/>
+    <p:sldId id="326" r:id="rId11"/>
+    <p:sldId id="327" r:id="rId12"/>
+    <p:sldId id="328" r:id="rId13"/>
+    <p:sldId id="329" r:id="rId14"/>
+    <p:sldId id="330" r:id="rId15"/>
+    <p:sldId id="331" r:id="rId16"/>
+    <p:sldId id="295" r:id="rId17"/>
+    <p:sldId id="258" r:id="rId18"/>
+    <p:sldId id="297" r:id="rId19"/>
+    <p:sldId id="298" r:id="rId20"/>
+    <p:sldId id="299" r:id="rId21"/>
+    <p:sldId id="300" r:id="rId22"/>
+    <p:sldId id="301" r:id="rId23"/>
+    <p:sldId id="302" r:id="rId24"/>
+    <p:sldId id="303" r:id="rId25"/>
+    <p:sldId id="304" r:id="rId26"/>
+    <p:sldId id="305" r:id="rId27"/>
   </p:sldIdLst>
   <p:sldSz cx="12192000" cy="6858000"/>
   <p:notesSz cx="6858000" cy="9144000"/>
@@ -285,7 +284,7 @@
           <a:p>
             <a:fld id="{76969C88-B244-455D-A017-012B25B1ACDD}" type="datetimeFigureOut">
               <a:rPr lang="en-US" smtClean="0"/>
-              <a:t>2/1/2024</a:t>
+              <a:t>2/2/2024</a:t>
             </a:fld>
             <a:endParaRPr lang="en-US"/>
           </a:p>
@@ -499,7 +498,7 @@
           <a:p>
             <a:fld id="{76969C88-B244-455D-A017-012B25B1ACDD}" type="datetimeFigureOut">
               <a:rPr lang="en-US" smtClean="0"/>
-              <a:t>2/1/2024</a:t>
+              <a:t>2/2/2024</a:t>
             </a:fld>
             <a:endParaRPr lang="en-US"/>
           </a:p>
@@ -723,7 +722,7 @@
           <a:p>
             <a:fld id="{76969C88-B244-455D-A017-012B25B1ACDD}" type="datetimeFigureOut">
               <a:rPr lang="en-US" smtClean="0"/>
-              <a:t>2/1/2024</a:t>
+              <a:t>2/2/2024</a:t>
             </a:fld>
             <a:endParaRPr lang="en-US"/>
           </a:p>
@@ -963,7 +962,7 @@
           <a:p>
             <a:fld id="{76969C88-B244-455D-A017-012B25B1ACDD}" type="datetimeFigureOut">
               <a:rPr lang="en-US" smtClean="0"/>
-              <a:t>2/1/2024</a:t>
+              <a:t>2/2/2024</a:t>
             </a:fld>
             <a:endParaRPr lang="en-US" dirty="0"/>
           </a:p>
@@ -1184,7 +1183,7 @@
           <a:p>
             <a:fld id="{76969C88-B244-455D-A017-012B25B1ACDD}" type="datetimeFigureOut">
               <a:rPr lang="en-US" smtClean="0"/>
-              <a:t>2/1/2024</a:t>
+              <a:t>2/2/2024</a:t>
             </a:fld>
             <a:endParaRPr lang="en-US"/>
           </a:p>
@@ -1474,7 +1473,7 @@
           <a:p>
             <a:fld id="{76969C88-B244-455D-A017-012B25B1ACDD}" type="datetimeFigureOut">
               <a:rPr lang="en-US" smtClean="0"/>
-              <a:t>2/1/2024</a:t>
+              <a:t>2/2/2024</a:t>
             </a:fld>
             <a:endParaRPr lang="en-US"/>
           </a:p>
@@ -1832,7 +1831,7 @@
           <a:p>
             <a:fld id="{76969C88-B244-455D-A017-012B25B1ACDD}" type="datetimeFigureOut">
               <a:rPr lang="en-US" smtClean="0"/>
-              <a:t>2/1/2024</a:t>
+              <a:t>2/2/2024</a:t>
             </a:fld>
             <a:endParaRPr lang="en-US"/>
           </a:p>
@@ -1998,7 +1997,7 @@
           <a:p>
             <a:fld id="{76969C88-B244-455D-A017-012B25B1ACDD}" type="datetimeFigureOut">
               <a:rPr lang="en-US" smtClean="0"/>
-              <a:t>2/1/2024</a:t>
+              <a:t>2/2/2024</a:t>
             </a:fld>
             <a:endParaRPr lang="en-US"/>
           </a:p>
@@ -2057,7 +2056,7 @@
           <a:p>
             <a:fld id="{76969C88-B244-455D-A017-012B25B1ACDD}" type="datetimeFigureOut">
               <a:rPr lang="en-US" smtClean="0"/>
-              <a:t>2/1/2024</a:t>
+              <a:t>2/2/2024</a:t>
             </a:fld>
             <a:endParaRPr lang="en-US"/>
           </a:p>
@@ -2385,7 +2384,7 @@
           <a:p>
             <a:fld id="{76969C88-B244-455D-A017-012B25B1ACDD}" type="datetimeFigureOut">
               <a:rPr lang="en-US" smtClean="0"/>
-              <a:t>2/1/2024</a:t>
+              <a:t>2/2/2024</a:t>
             </a:fld>
             <a:endParaRPr lang="en-US"/>
           </a:p>
@@ -2692,7 +2691,7 @@
           <a:p>
             <a:fld id="{76969C88-B244-455D-A017-012B25B1ACDD}" type="datetimeFigureOut">
               <a:rPr lang="en-US" smtClean="0"/>
-              <a:t>2/1/2024</a:t>
+              <a:t>2/2/2024</a:t>
             </a:fld>
             <a:endParaRPr lang="en-US"/>
           </a:p>
@@ -3458,7 +3457,7 @@
             <a:fld id="{76969C88-B244-455D-A017-012B25B1ACDD}" type="datetimeFigureOut">
               <a:rPr lang="en-US" smtClean="0"/>
               <a:pPr/>
-              <a:t>2/1/2024</a:t>
+              <a:t>2/2/2024</a:t>
             </a:fld>
             <a:endParaRPr lang="en-US"/>
           </a:p>
@@ -4441,7 +4440,7 @@
           <p:cNvPr id="2" name="제목 1">
             <a:extLst>
               <a:ext uri="{FF2B5EF4-FFF2-40B4-BE49-F238E27FC236}">
-                <a16:creationId xmlns:a16="http://schemas.microsoft.com/office/drawing/2014/main" id="{FDA77268-47C0-5813-C4FA-D23815A5A1E0}"/>
+                <a16:creationId xmlns:a16="http://schemas.microsoft.com/office/drawing/2014/main" id="{0A369040-E1C4-B9A4-6456-1FE71B51C3C8}"/>
               </a:ext>
             </a:extLst>
           </p:cNvPr>
@@ -4459,7 +4458,7 @@
           <a:p>
             <a:r>
               <a:rPr lang="en-US" altLang="ko-KR" dirty="0"/>
-              <a:t>Ethernet</a:t>
+              <a:t>ICMP</a:t>
             </a:r>
             <a:endParaRPr lang="ko-KR" altLang="en-US" dirty="0"/>
           </a:p>
@@ -4470,7 +4469,7 @@
           <p:cNvPr id="3" name="내용 개체 틀 2">
             <a:extLst>
               <a:ext uri="{FF2B5EF4-FFF2-40B4-BE49-F238E27FC236}">
-                <a16:creationId xmlns:a16="http://schemas.microsoft.com/office/drawing/2014/main" id="{352D1D30-E06A-3FDF-AC6B-E9045CCE7593}"/>
+                <a16:creationId xmlns:a16="http://schemas.microsoft.com/office/drawing/2014/main" id="{6FCC135F-16CD-C5ED-CA5F-C86F45C50872}"/>
               </a:ext>
             </a:extLst>
           </p:cNvPr>
@@ -4493,7 +4492,7 @@
     </p:spTree>
     <p:extLst>
       <p:ext uri="{BB962C8B-B14F-4D97-AF65-F5344CB8AC3E}">
-        <p14:creationId xmlns:p14="http://schemas.microsoft.com/office/powerpoint/2010/main" val="219724582"/>
+        <p14:creationId xmlns:p14="http://schemas.microsoft.com/office/powerpoint/2010/main" val="2525825330"/>
       </p:ext>
     </p:extLst>
   </p:cSld>
@@ -4525,7 +4524,7 @@
           <p:cNvPr id="2" name="제목 1">
             <a:extLst>
               <a:ext uri="{FF2B5EF4-FFF2-40B4-BE49-F238E27FC236}">
-                <a16:creationId xmlns:a16="http://schemas.microsoft.com/office/drawing/2014/main" id="{40EF865C-99C2-969A-33CB-633C1547A109}"/>
+                <a16:creationId xmlns:a16="http://schemas.microsoft.com/office/drawing/2014/main" id="{1314160E-EB42-1B88-7D1E-DBFA15A199DB}"/>
               </a:ext>
             </a:extLst>
           </p:cNvPr>
@@ -4542,9 +4541,10 @@
           <a:lstStyle/>
           <a:p>
             <a:r>
-              <a:rPr lang="ko-KR" altLang="en-US" dirty="0"/>
-              <a:t>다중 접속 프로토콜</a:t>
-            </a:r>
+              <a:rPr lang="en-US" altLang="ko-KR" dirty="0"/>
+              <a:t>Router</a:t>
+            </a:r>
+            <a:endParaRPr lang="ko-KR" altLang="en-US" dirty="0"/>
           </a:p>
         </p:txBody>
       </p:sp>
@@ -4553,7 +4553,7 @@
           <p:cNvPr id="3" name="내용 개체 틀 2">
             <a:extLst>
               <a:ext uri="{FF2B5EF4-FFF2-40B4-BE49-F238E27FC236}">
-                <a16:creationId xmlns:a16="http://schemas.microsoft.com/office/drawing/2014/main" id="{C40AC823-49BC-E0AC-7E87-EC7E94D52A4C}"/>
+                <a16:creationId xmlns:a16="http://schemas.microsoft.com/office/drawing/2014/main" id="{3D53C142-D1EA-562D-67CC-A05387B237DF}"/>
               </a:ext>
             </a:extLst>
           </p:cNvPr>
@@ -4576,7 +4576,7 @@
     </p:spTree>
     <p:extLst>
       <p:ext uri="{BB962C8B-B14F-4D97-AF65-F5344CB8AC3E}">
-        <p14:creationId xmlns:p14="http://schemas.microsoft.com/office/powerpoint/2010/main" val="160347746"/>
+        <p14:creationId xmlns:p14="http://schemas.microsoft.com/office/powerpoint/2010/main" val="1656999248"/>
       </p:ext>
     </p:extLst>
   </p:cSld>
@@ -4608,7 +4608,7 @@
           <p:cNvPr id="2" name="제목 1">
             <a:extLst>
               <a:ext uri="{FF2B5EF4-FFF2-40B4-BE49-F238E27FC236}">
-                <a16:creationId xmlns:a16="http://schemas.microsoft.com/office/drawing/2014/main" id="{0E6DF6C7-71C6-F41A-3C59-C6CDAEA1C5EB}"/>
+                <a16:creationId xmlns:a16="http://schemas.microsoft.com/office/drawing/2014/main" id="{D521AC9A-E519-EE7F-1217-F1D2B6EEEBD2}"/>
               </a:ext>
             </a:extLst>
           </p:cNvPr>
@@ -4626,7 +4626,7 @@
           <a:p>
             <a:r>
               <a:rPr lang="en-US" altLang="ko-KR" dirty="0"/>
-              <a:t>CSMA/CD</a:t>
+              <a:t>OSPF, RIP (Intra-AS)</a:t>
             </a:r>
             <a:endParaRPr lang="ko-KR" altLang="en-US" dirty="0"/>
           </a:p>
@@ -4637,7 +4637,7 @@
           <p:cNvPr id="3" name="내용 개체 틀 2">
             <a:extLst>
               <a:ext uri="{FF2B5EF4-FFF2-40B4-BE49-F238E27FC236}">
-                <a16:creationId xmlns:a16="http://schemas.microsoft.com/office/drawing/2014/main" id="{AD50170D-D0BB-69DC-D993-4EB7AE105F11}"/>
+                <a16:creationId xmlns:a16="http://schemas.microsoft.com/office/drawing/2014/main" id="{CDD3BA5E-AB57-8DB7-09B8-05453F235F00}"/>
               </a:ext>
             </a:extLst>
           </p:cNvPr>
@@ -4660,7 +4660,7 @@
     </p:spTree>
     <p:extLst>
       <p:ext uri="{BB962C8B-B14F-4D97-AF65-F5344CB8AC3E}">
-        <p14:creationId xmlns:p14="http://schemas.microsoft.com/office/powerpoint/2010/main" val="3938073431"/>
+        <p14:creationId xmlns:p14="http://schemas.microsoft.com/office/powerpoint/2010/main" val="3967982616"/>
       </p:ext>
     </p:extLst>
   </p:cSld>
@@ -4692,7 +4692,7 @@
           <p:cNvPr id="2" name="제목 1">
             <a:extLst>
               <a:ext uri="{FF2B5EF4-FFF2-40B4-BE49-F238E27FC236}">
-                <a16:creationId xmlns:a16="http://schemas.microsoft.com/office/drawing/2014/main" id="{13D882CC-F556-0303-363C-34AA8C763FD7}"/>
+                <a16:creationId xmlns:a16="http://schemas.microsoft.com/office/drawing/2014/main" id="{83291C9C-B7B2-84E0-221D-4E262D0A1D2F}"/>
               </a:ext>
             </a:extLst>
           </p:cNvPr>
@@ -4710,7 +4710,7 @@
           <a:p>
             <a:r>
               <a:rPr lang="en-US" altLang="ko-KR" dirty="0"/>
-              <a:t>Switch</a:t>
+              <a:t>BGP (Inter-AS)</a:t>
             </a:r>
             <a:endParaRPr lang="ko-KR" altLang="en-US" dirty="0"/>
           </a:p>
@@ -4721,7 +4721,7 @@
           <p:cNvPr id="3" name="내용 개체 틀 2">
             <a:extLst>
               <a:ext uri="{FF2B5EF4-FFF2-40B4-BE49-F238E27FC236}">
-                <a16:creationId xmlns:a16="http://schemas.microsoft.com/office/drawing/2014/main" id="{B48C4B06-E5BA-C721-9E39-4C426074D86F}"/>
+                <a16:creationId xmlns:a16="http://schemas.microsoft.com/office/drawing/2014/main" id="{F25F7E1C-3B60-656A-ACE4-D9E85DB99641}"/>
               </a:ext>
             </a:extLst>
           </p:cNvPr>
@@ -4744,7 +4744,7 @@
     </p:spTree>
     <p:extLst>
       <p:ext uri="{BB962C8B-B14F-4D97-AF65-F5344CB8AC3E}">
-        <p14:creationId xmlns:p14="http://schemas.microsoft.com/office/powerpoint/2010/main" val="2994615564"/>
+        <p14:creationId xmlns:p14="http://schemas.microsoft.com/office/powerpoint/2010/main" val="444810247"/>
       </p:ext>
     </p:extLst>
   </p:cSld>
@@ -4773,18 +4773,18 @@
       </p:grpSpPr>
       <p:sp>
         <p:nvSpPr>
-          <p:cNvPr id="6" name="제목 5">
-            <a:extLst>
-              <a:ext uri="{FF2B5EF4-FFF2-40B4-BE49-F238E27FC236}">
-                <a16:creationId xmlns:a16="http://schemas.microsoft.com/office/drawing/2014/main" id="{F826D273-7332-66DA-9DCE-2EDFAAD4D461}"/>
-              </a:ext>
-            </a:extLst>
-          </p:cNvPr>
-          <p:cNvSpPr>
-            <a:spLocks noGrp="1"/>
-          </p:cNvSpPr>
-          <p:nvPr>
-            <p:ph type="ctrTitle"/>
+          <p:cNvPr id="2" name="제목 1">
+            <a:extLst>
+              <a:ext uri="{FF2B5EF4-FFF2-40B4-BE49-F238E27FC236}">
+                <a16:creationId xmlns:a16="http://schemas.microsoft.com/office/drawing/2014/main" id="{C4F4B957-4A6D-57BD-C54A-A2260F4DF448}"/>
+              </a:ext>
+            </a:extLst>
+          </p:cNvPr>
+          <p:cNvSpPr>
+            <a:spLocks noGrp="1"/>
+          </p:cNvSpPr>
+          <p:nvPr>
+            <p:ph type="title"/>
           </p:nvPr>
         </p:nvSpPr>
         <p:spPr/>
@@ -4794,7 +4794,7 @@
           <a:p>
             <a:r>
               <a:rPr lang="en-US" altLang="ko-KR" dirty="0"/>
-              <a:t>Layer 1 </a:t>
+              <a:t>Hot Potato Routing</a:t>
             </a:r>
             <a:endParaRPr lang="ko-KR" altLang="en-US" dirty="0"/>
           </a:p>
@@ -4802,18 +4802,18 @@
       </p:sp>
       <p:sp>
         <p:nvSpPr>
-          <p:cNvPr id="7" name="부제목 6">
-            <a:extLst>
-              <a:ext uri="{FF2B5EF4-FFF2-40B4-BE49-F238E27FC236}">
-                <a16:creationId xmlns:a16="http://schemas.microsoft.com/office/drawing/2014/main" id="{4FD3139D-811E-04AA-6A66-753832B7229B}"/>
-              </a:ext>
-            </a:extLst>
-          </p:cNvPr>
-          <p:cNvSpPr>
-            <a:spLocks noGrp="1"/>
-          </p:cNvSpPr>
-          <p:nvPr>
-            <p:ph type="subTitle" idx="1"/>
+          <p:cNvPr id="3" name="내용 개체 틀 2">
+            <a:extLst>
+              <a:ext uri="{FF2B5EF4-FFF2-40B4-BE49-F238E27FC236}">
+                <a16:creationId xmlns:a16="http://schemas.microsoft.com/office/drawing/2014/main" id="{63BB3511-1B5A-9ACA-0939-41123542E162}"/>
+              </a:ext>
+            </a:extLst>
+          </p:cNvPr>
+          <p:cNvSpPr>
+            <a:spLocks noGrp="1"/>
+          </p:cNvSpPr>
+          <p:nvPr>
+            <p:ph idx="1"/>
           </p:nvPr>
         </p:nvSpPr>
         <p:spPr/>
@@ -4821,28 +4821,14 @@
           <a:bodyPr/>
           <a:lstStyle/>
           <a:p>
-            <a:r>
-              <a:rPr lang="ko-KR" altLang="en-US" dirty="0"/>
-              <a:t>물리 계층</a:t>
-            </a:r>
-            <a:br>
-              <a:rPr lang="en-US" altLang="ko-KR" dirty="0"/>
-            </a:br>
-            <a:r>
-              <a:rPr lang="en-US" altLang="ko-KR" dirty="0"/>
-              <a:t>(Physical Layer)</a:t>
-            </a:r>
-            <a:endParaRPr lang="ko-KR" altLang="en-US" dirty="0"/>
-          </a:p>
-          <a:p>
-            <a:endParaRPr lang="ko-KR" altLang="en-US" dirty="0"/>
+            <a:endParaRPr lang="ko-KR" altLang="en-US"/>
           </a:p>
         </p:txBody>
       </p:sp>
     </p:spTree>
     <p:extLst>
       <p:ext uri="{BB962C8B-B14F-4D97-AF65-F5344CB8AC3E}">
-        <p14:creationId xmlns:p14="http://schemas.microsoft.com/office/powerpoint/2010/main" val="2904713976"/>
+        <p14:creationId xmlns:p14="http://schemas.microsoft.com/office/powerpoint/2010/main" val="3920241493"/>
       </p:ext>
     </p:extLst>
   </p:cSld>
@@ -4874,7 +4860,7 @@
           <p:cNvPr id="2" name="제목 1">
             <a:extLst>
               <a:ext uri="{FF2B5EF4-FFF2-40B4-BE49-F238E27FC236}">
-                <a16:creationId xmlns:a16="http://schemas.microsoft.com/office/drawing/2014/main" id="{0DD83260-336B-170C-E91B-F2E68EB53686}"/>
+                <a16:creationId xmlns:a16="http://schemas.microsoft.com/office/drawing/2014/main" id="{DE0B4145-EAC0-56B9-357D-D3D49295988A}"/>
               </a:ext>
             </a:extLst>
           </p:cNvPr>
@@ -4891,9 +4877,10 @@
           <a:lstStyle/>
           <a:p>
             <a:r>
-              <a:rPr lang="ko-KR" altLang="en-US" dirty="0"/>
-              <a:t>전송모드</a:t>
-            </a:r>
+              <a:rPr lang="en-US" altLang="ko-KR" dirty="0"/>
+              <a:t>IPv6</a:t>
+            </a:r>
+            <a:endParaRPr lang="ko-KR" altLang="en-US" dirty="0"/>
           </a:p>
         </p:txBody>
       </p:sp>
@@ -4902,7 +4889,7 @@
           <p:cNvPr id="3" name="내용 개체 틀 2">
             <a:extLst>
               <a:ext uri="{FF2B5EF4-FFF2-40B4-BE49-F238E27FC236}">
-                <a16:creationId xmlns:a16="http://schemas.microsoft.com/office/drawing/2014/main" id="{F382FC43-75CE-4290-A052-49397A645387}"/>
+                <a16:creationId xmlns:a16="http://schemas.microsoft.com/office/drawing/2014/main" id="{CBC7348E-060B-EFA3-96FF-1B26127854E0}"/>
               </a:ext>
             </a:extLst>
           </p:cNvPr>
@@ -4925,7 +4912,7 @@
     </p:spTree>
     <p:extLst>
       <p:ext uri="{BB962C8B-B14F-4D97-AF65-F5344CB8AC3E}">
-        <p14:creationId xmlns:p14="http://schemas.microsoft.com/office/powerpoint/2010/main" val="306307204"/>
+        <p14:creationId xmlns:p14="http://schemas.microsoft.com/office/powerpoint/2010/main" val="1107915543"/>
       </p:ext>
     </p:extLst>
   </p:cSld>
@@ -4954,18 +4941,18 @@
       </p:grpSpPr>
       <p:sp>
         <p:nvSpPr>
-          <p:cNvPr id="2" name="제목 1">
-            <a:extLst>
-              <a:ext uri="{FF2B5EF4-FFF2-40B4-BE49-F238E27FC236}">
-                <a16:creationId xmlns:a16="http://schemas.microsoft.com/office/drawing/2014/main" id="{DD6320BC-53F4-CE76-EA60-9FDA50B62C12}"/>
-              </a:ext>
-            </a:extLst>
-          </p:cNvPr>
-          <p:cNvSpPr>
-            <a:spLocks noGrp="1"/>
-          </p:cNvSpPr>
-          <p:nvPr>
-            <p:ph type="title"/>
+          <p:cNvPr id="6" name="제목 5">
+            <a:extLst>
+              <a:ext uri="{FF2B5EF4-FFF2-40B4-BE49-F238E27FC236}">
+                <a16:creationId xmlns:a16="http://schemas.microsoft.com/office/drawing/2014/main" id="{F826D273-7332-66DA-9DCE-2EDFAAD4D461}"/>
+              </a:ext>
+            </a:extLst>
+          </p:cNvPr>
+          <p:cNvSpPr>
+            <a:spLocks noGrp="1"/>
+          </p:cNvSpPr>
+          <p:nvPr>
+            <p:ph type="ctrTitle"/>
           </p:nvPr>
         </p:nvSpPr>
         <p:spPr/>
@@ -4975,7 +4962,7 @@
           <a:p>
             <a:r>
               <a:rPr lang="en-US" altLang="ko-KR" dirty="0"/>
-              <a:t>Wireless LAN</a:t>
+              <a:t>Layer 2 </a:t>
             </a:r>
             <a:endParaRPr lang="ko-KR" altLang="en-US" dirty="0"/>
           </a:p>
@@ -4983,18 +4970,18 @@
       </p:sp>
       <p:sp>
         <p:nvSpPr>
-          <p:cNvPr id="3" name="내용 개체 틀 2">
-            <a:extLst>
-              <a:ext uri="{FF2B5EF4-FFF2-40B4-BE49-F238E27FC236}">
-                <a16:creationId xmlns:a16="http://schemas.microsoft.com/office/drawing/2014/main" id="{953E09DC-3047-015A-89FB-7EC983ACD03B}"/>
-              </a:ext>
-            </a:extLst>
-          </p:cNvPr>
-          <p:cNvSpPr>
-            <a:spLocks noGrp="1"/>
-          </p:cNvSpPr>
-          <p:nvPr>
-            <p:ph idx="1"/>
+          <p:cNvPr id="7" name="부제목 6">
+            <a:extLst>
+              <a:ext uri="{FF2B5EF4-FFF2-40B4-BE49-F238E27FC236}">
+                <a16:creationId xmlns:a16="http://schemas.microsoft.com/office/drawing/2014/main" id="{4FD3139D-811E-04AA-6A66-753832B7229B}"/>
+              </a:ext>
+            </a:extLst>
+          </p:cNvPr>
+          <p:cNvSpPr>
+            <a:spLocks noGrp="1"/>
+          </p:cNvSpPr>
+          <p:nvPr>
+            <p:ph type="subTitle" idx="1"/>
           </p:nvPr>
         </p:nvSpPr>
         <p:spPr/>
@@ -5002,14 +4989,36 @@
           <a:bodyPr/>
           <a:lstStyle/>
           <a:p>
-            <a:endParaRPr lang="ko-KR" altLang="en-US"/>
+            <a:r>
+              <a:rPr lang="ko-KR" altLang="en-US" dirty="0"/>
+              <a:t>링크 계층</a:t>
+            </a:r>
+            <a:br>
+              <a:rPr lang="en-US" altLang="ko-KR" dirty="0"/>
+            </a:br>
+            <a:r>
+              <a:rPr lang="en-US" altLang="ko-KR" dirty="0"/>
+              <a:t>(</a:t>
+            </a:r>
+            <a:r>
+              <a:rPr lang="en-US" altLang="ko-KR" dirty="0" err="1"/>
+              <a:t>DataLink</a:t>
+            </a:r>
+            <a:r>
+              <a:rPr lang="en-US" altLang="ko-KR" dirty="0"/>
+              <a:t> Layer)</a:t>
+            </a:r>
+            <a:endParaRPr lang="ko-KR" altLang="en-US" dirty="0"/>
+          </a:p>
+          <a:p>
+            <a:endParaRPr lang="ko-KR" altLang="en-US" dirty="0"/>
           </a:p>
         </p:txBody>
       </p:sp>
     </p:spTree>
     <p:extLst>
       <p:ext uri="{BB962C8B-B14F-4D97-AF65-F5344CB8AC3E}">
-        <p14:creationId xmlns:p14="http://schemas.microsoft.com/office/powerpoint/2010/main" val="1303002981"/>
+        <p14:creationId xmlns:p14="http://schemas.microsoft.com/office/powerpoint/2010/main" val="2005904950"/>
       </p:ext>
     </p:extLst>
   </p:cSld>
@@ -5041,7 +5050,7 @@
           <p:cNvPr id="2" name="제목 1">
             <a:extLst>
               <a:ext uri="{FF2B5EF4-FFF2-40B4-BE49-F238E27FC236}">
-                <a16:creationId xmlns:a16="http://schemas.microsoft.com/office/drawing/2014/main" id="{65102E3B-2E4F-EFAD-BE72-F2112DA6669F}"/>
+                <a16:creationId xmlns:a16="http://schemas.microsoft.com/office/drawing/2014/main" id="{21D78C88-D60B-A423-06DF-69795833D900}"/>
               </a:ext>
             </a:extLst>
           </p:cNvPr>
@@ -5059,7 +5068,7 @@
           <a:p>
             <a:r>
               <a:rPr lang="en-US" altLang="ko-KR" dirty="0"/>
-              <a:t>802.11 Version</a:t>
+              <a:t>Link </a:t>
             </a:r>
             <a:endParaRPr lang="ko-KR" altLang="en-US" dirty="0"/>
           </a:p>
@@ -5070,7 +5079,7 @@
           <p:cNvPr id="3" name="내용 개체 틀 2">
             <a:extLst>
               <a:ext uri="{FF2B5EF4-FFF2-40B4-BE49-F238E27FC236}">
-                <a16:creationId xmlns:a16="http://schemas.microsoft.com/office/drawing/2014/main" id="{EF57BD06-CFF3-DFC1-936E-107FDBA5AF0A}"/>
+                <a16:creationId xmlns:a16="http://schemas.microsoft.com/office/drawing/2014/main" id="{43D27213-823D-A893-0821-380722AF66E3}"/>
               </a:ext>
             </a:extLst>
           </p:cNvPr>
@@ -5093,7 +5102,7 @@
     </p:spTree>
     <p:extLst>
       <p:ext uri="{BB962C8B-B14F-4D97-AF65-F5344CB8AC3E}">
-        <p14:creationId xmlns:p14="http://schemas.microsoft.com/office/powerpoint/2010/main" val="4216409230"/>
+        <p14:creationId xmlns:p14="http://schemas.microsoft.com/office/powerpoint/2010/main" val="762231998"/>
       </p:ext>
     </p:extLst>
   </p:cSld>
@@ -5122,18 +5131,18 @@
       </p:grpSpPr>
       <p:sp>
         <p:nvSpPr>
-          <p:cNvPr id="6" name="제목 5">
-            <a:extLst>
-              <a:ext uri="{FF2B5EF4-FFF2-40B4-BE49-F238E27FC236}">
-                <a16:creationId xmlns:a16="http://schemas.microsoft.com/office/drawing/2014/main" id="{F826D273-7332-66DA-9DCE-2EDFAAD4D461}"/>
-              </a:ext>
-            </a:extLst>
-          </p:cNvPr>
-          <p:cNvSpPr>
-            <a:spLocks noGrp="1"/>
-          </p:cNvSpPr>
-          <p:nvPr>
-            <p:ph type="ctrTitle"/>
+          <p:cNvPr id="2" name="제목 1">
+            <a:extLst>
+              <a:ext uri="{FF2B5EF4-FFF2-40B4-BE49-F238E27FC236}">
+                <a16:creationId xmlns:a16="http://schemas.microsoft.com/office/drawing/2014/main" id="{B01BDAD8-3827-549E-A422-C5D3C18D92C8}"/>
+              </a:ext>
+            </a:extLst>
+          </p:cNvPr>
+          <p:cNvSpPr>
+            <a:spLocks noGrp="1"/>
+          </p:cNvSpPr>
+          <p:nvPr>
+            <p:ph type="title"/>
           </p:nvPr>
         </p:nvSpPr>
         <p:spPr/>
@@ -5142,27 +5151,26 @@
           <a:lstStyle/>
           <a:p>
             <a:r>
-              <a:rPr lang="en-US" altLang="ko-KR" dirty="0"/>
-              <a:t>Additional </a:t>
-            </a:r>
-            <a:endParaRPr lang="ko-KR" altLang="en-US" dirty="0"/>
-          </a:p>
-        </p:txBody>
-      </p:sp>
-      <p:sp>
-        <p:nvSpPr>
-          <p:cNvPr id="7" name="부제목 6">
-            <a:extLst>
-              <a:ext uri="{FF2B5EF4-FFF2-40B4-BE49-F238E27FC236}">
-                <a16:creationId xmlns:a16="http://schemas.microsoft.com/office/drawing/2014/main" id="{4FD3139D-811E-04AA-6A66-753832B7229B}"/>
-              </a:ext>
-            </a:extLst>
-          </p:cNvPr>
-          <p:cNvSpPr>
-            <a:spLocks noGrp="1"/>
-          </p:cNvSpPr>
-          <p:nvPr>
-            <p:ph type="subTitle" idx="1"/>
+              <a:rPr lang="ko-KR" altLang="en-US" dirty="0"/>
+              <a:t>오류 검출 기법</a:t>
+            </a:r>
+          </a:p>
+        </p:txBody>
+      </p:sp>
+      <p:sp>
+        <p:nvSpPr>
+          <p:cNvPr id="3" name="내용 개체 틀 2">
+            <a:extLst>
+              <a:ext uri="{FF2B5EF4-FFF2-40B4-BE49-F238E27FC236}">
+                <a16:creationId xmlns:a16="http://schemas.microsoft.com/office/drawing/2014/main" id="{7C938EEB-EE89-1012-D537-3CF47016B2EB}"/>
+              </a:ext>
+            </a:extLst>
+          </p:cNvPr>
+          <p:cNvSpPr>
+            <a:spLocks noGrp="1"/>
+          </p:cNvSpPr>
+          <p:nvPr>
+            <p:ph idx="1"/>
           </p:nvPr>
         </p:nvSpPr>
         <p:spPr/>
@@ -5170,21 +5178,14 @@
           <a:bodyPr/>
           <a:lstStyle/>
           <a:p>
-            <a:r>
-              <a:rPr lang="en-US" altLang="ko-KR" dirty="0" err="1"/>
-              <a:t>etc</a:t>
-            </a:r>
-            <a:endParaRPr lang="ko-KR" altLang="en-US" dirty="0"/>
-          </a:p>
-          <a:p>
-            <a:endParaRPr lang="ko-KR" altLang="en-US" dirty="0"/>
+            <a:endParaRPr lang="ko-KR" altLang="en-US"/>
           </a:p>
         </p:txBody>
       </p:sp>
     </p:spTree>
     <p:extLst>
       <p:ext uri="{BB962C8B-B14F-4D97-AF65-F5344CB8AC3E}">
-        <p14:creationId xmlns:p14="http://schemas.microsoft.com/office/powerpoint/2010/main" val="1048703582"/>
+        <p14:creationId xmlns:p14="http://schemas.microsoft.com/office/powerpoint/2010/main" val="3731356846"/>
       </p:ext>
     </p:extLst>
   </p:cSld>
@@ -5216,7 +5217,7 @@
           <p:cNvPr id="2" name="제목 1">
             <a:extLst>
               <a:ext uri="{FF2B5EF4-FFF2-40B4-BE49-F238E27FC236}">
-                <a16:creationId xmlns:a16="http://schemas.microsoft.com/office/drawing/2014/main" id="{BC6501BE-E02F-1B4A-F30F-91305FC630E9}"/>
+                <a16:creationId xmlns:a16="http://schemas.microsoft.com/office/drawing/2014/main" id="{3967A198-0AB4-6BD8-3F9C-267A3D25065C}"/>
               </a:ext>
             </a:extLst>
           </p:cNvPr>
@@ -5233,10 +5234,9 @@
           <a:lstStyle/>
           <a:p>
             <a:r>
-              <a:rPr lang="en-US" altLang="ko-KR" dirty="0"/>
-              <a:t>Nagle Algorithm</a:t>
-            </a:r>
-            <a:endParaRPr lang="ko-KR" altLang="en-US" dirty="0"/>
+              <a:rPr lang="ko-KR" altLang="en-US" dirty="0"/>
+              <a:t>패리티</a:t>
+            </a:r>
           </a:p>
         </p:txBody>
       </p:sp>
@@ -5245,7 +5245,7 @@
           <p:cNvPr id="3" name="내용 개체 틀 2">
             <a:extLst>
               <a:ext uri="{FF2B5EF4-FFF2-40B4-BE49-F238E27FC236}">
-                <a16:creationId xmlns:a16="http://schemas.microsoft.com/office/drawing/2014/main" id="{D396FFDD-0C86-01AE-E9C4-9DCC94B3C367}"/>
+                <a16:creationId xmlns:a16="http://schemas.microsoft.com/office/drawing/2014/main" id="{C0F4B579-EF2D-4EA7-E2FE-2A0CF3099E41}"/>
               </a:ext>
             </a:extLst>
           </p:cNvPr>
@@ -5268,7 +5268,7 @@
     </p:spTree>
     <p:extLst>
       <p:ext uri="{BB962C8B-B14F-4D97-AF65-F5344CB8AC3E}">
-        <p14:creationId xmlns:p14="http://schemas.microsoft.com/office/powerpoint/2010/main" val="111331377"/>
+        <p14:creationId xmlns:p14="http://schemas.microsoft.com/office/powerpoint/2010/main" val="3589956062"/>
       </p:ext>
     </p:extLst>
   </p:cSld>
@@ -5387,7 +5387,7 @@
           <p:cNvPr id="2" name="제목 1">
             <a:extLst>
               <a:ext uri="{FF2B5EF4-FFF2-40B4-BE49-F238E27FC236}">
-                <a16:creationId xmlns:a16="http://schemas.microsoft.com/office/drawing/2014/main" id="{363AA976-92AE-4467-C91C-A8501FD9141D}"/>
+                <a16:creationId xmlns:a16="http://schemas.microsoft.com/office/drawing/2014/main" id="{9BA432E6-1B3B-A40C-8225-BB6082DF2834}"/>
               </a:ext>
             </a:extLst>
           </p:cNvPr>
@@ -5404,10 +5404,9 @@
           <a:lstStyle/>
           <a:p>
             <a:r>
-              <a:rPr lang="en-US" altLang="ko-KR" dirty="0"/>
-              <a:t>Event Select</a:t>
-            </a:r>
-            <a:endParaRPr lang="ko-KR" altLang="en-US" dirty="0"/>
+              <a:rPr lang="ko-KR" altLang="en-US" dirty="0"/>
+              <a:t>순환 중복 검사</a:t>
+            </a:r>
           </a:p>
         </p:txBody>
       </p:sp>
@@ -5416,7 +5415,7 @@
           <p:cNvPr id="3" name="내용 개체 틀 2">
             <a:extLst>
               <a:ext uri="{FF2B5EF4-FFF2-40B4-BE49-F238E27FC236}">
-                <a16:creationId xmlns:a16="http://schemas.microsoft.com/office/drawing/2014/main" id="{3363D9E5-BC97-1702-A8FD-353350EEFDEE}"/>
+                <a16:creationId xmlns:a16="http://schemas.microsoft.com/office/drawing/2014/main" id="{6E0724E2-29F6-92C8-C89F-B3357AFFF4DA}"/>
               </a:ext>
             </a:extLst>
           </p:cNvPr>
@@ -5439,7 +5438,7 @@
     </p:spTree>
     <p:extLst>
       <p:ext uri="{BB962C8B-B14F-4D97-AF65-F5344CB8AC3E}">
-        <p14:creationId xmlns:p14="http://schemas.microsoft.com/office/powerpoint/2010/main" val="2057317864"/>
+        <p14:creationId xmlns:p14="http://schemas.microsoft.com/office/powerpoint/2010/main" val="3701361518"/>
       </p:ext>
     </p:extLst>
   </p:cSld>
@@ -5471,7 +5470,7 @@
           <p:cNvPr id="2" name="제목 1">
             <a:extLst>
               <a:ext uri="{FF2B5EF4-FFF2-40B4-BE49-F238E27FC236}">
-                <a16:creationId xmlns:a16="http://schemas.microsoft.com/office/drawing/2014/main" id="{B34287C2-D33A-F3B2-7521-9C7D1FD8BCB3}"/>
+                <a16:creationId xmlns:a16="http://schemas.microsoft.com/office/drawing/2014/main" id="{7C5E6372-6F51-D715-A51A-C43B1229A03E}"/>
               </a:ext>
             </a:extLst>
           </p:cNvPr>
@@ -5489,7 +5488,7 @@
           <a:p>
             <a:r>
               <a:rPr lang="en-US" altLang="ko-KR" dirty="0"/>
-              <a:t>Stream vs Channel</a:t>
+              <a:t>MAC </a:t>
             </a:r>
             <a:endParaRPr lang="ko-KR" altLang="en-US" dirty="0"/>
           </a:p>
@@ -5500,7 +5499,7 @@
           <p:cNvPr id="3" name="내용 개체 틀 2">
             <a:extLst>
               <a:ext uri="{FF2B5EF4-FFF2-40B4-BE49-F238E27FC236}">
-                <a16:creationId xmlns:a16="http://schemas.microsoft.com/office/drawing/2014/main" id="{C3157A60-9634-F41F-D7BC-9B27B168F26A}"/>
+                <a16:creationId xmlns:a16="http://schemas.microsoft.com/office/drawing/2014/main" id="{F09D29DC-383F-D05F-59B2-85A0C3E26E57}"/>
               </a:ext>
             </a:extLst>
           </p:cNvPr>
@@ -5523,7 +5522,7 @@
     </p:spTree>
     <p:extLst>
       <p:ext uri="{BB962C8B-B14F-4D97-AF65-F5344CB8AC3E}">
-        <p14:creationId xmlns:p14="http://schemas.microsoft.com/office/powerpoint/2010/main" val="1819251778"/>
+        <p14:creationId xmlns:p14="http://schemas.microsoft.com/office/powerpoint/2010/main" val="4144508108"/>
       </p:ext>
     </p:extLst>
   </p:cSld>
@@ -5555,7 +5554,7 @@
           <p:cNvPr id="2" name="제목 1">
             <a:extLst>
               <a:ext uri="{FF2B5EF4-FFF2-40B4-BE49-F238E27FC236}">
-                <a16:creationId xmlns:a16="http://schemas.microsoft.com/office/drawing/2014/main" id="{20176F99-3C8A-809E-6FC3-B26F28250C46}"/>
+                <a16:creationId xmlns:a16="http://schemas.microsoft.com/office/drawing/2014/main" id="{1D6B4615-45F9-3447-143F-7346580D3382}"/>
               </a:ext>
             </a:extLst>
           </p:cNvPr>
@@ -5572,12 +5571,8 @@
           <a:lstStyle/>
           <a:p>
             <a:r>
-              <a:rPr lang="en-US" altLang="ko-KR" dirty="0" err="1"/>
-              <a:t>Epoll</a:t>
-            </a:r>
-            <a:r>
               <a:rPr lang="en-US" altLang="ko-KR" dirty="0"/>
-              <a:t> &amp; IOCP</a:t>
+              <a:t>ARP</a:t>
             </a:r>
             <a:endParaRPr lang="ko-KR" altLang="en-US" dirty="0"/>
           </a:p>
@@ -5588,7 +5583,7 @@
           <p:cNvPr id="3" name="내용 개체 틀 2">
             <a:extLst>
               <a:ext uri="{FF2B5EF4-FFF2-40B4-BE49-F238E27FC236}">
-                <a16:creationId xmlns:a16="http://schemas.microsoft.com/office/drawing/2014/main" id="{37E2FE29-152F-46FE-F49B-A0019E9200A8}"/>
+                <a16:creationId xmlns:a16="http://schemas.microsoft.com/office/drawing/2014/main" id="{5C0B9DB2-F183-2566-0808-897929F2D356}"/>
               </a:ext>
             </a:extLst>
           </p:cNvPr>
@@ -5611,7 +5606,7 @@
     </p:spTree>
     <p:extLst>
       <p:ext uri="{BB962C8B-B14F-4D97-AF65-F5344CB8AC3E}">
-        <p14:creationId xmlns:p14="http://schemas.microsoft.com/office/powerpoint/2010/main" val="473764033"/>
+        <p14:creationId xmlns:p14="http://schemas.microsoft.com/office/powerpoint/2010/main" val="949376813"/>
       </p:ext>
     </p:extLst>
   </p:cSld>
@@ -5643,7 +5638,7 @@
           <p:cNvPr id="2" name="제목 1">
             <a:extLst>
               <a:ext uri="{FF2B5EF4-FFF2-40B4-BE49-F238E27FC236}">
-                <a16:creationId xmlns:a16="http://schemas.microsoft.com/office/drawing/2014/main" id="{25E8D5A6-B796-DC28-600E-2686E9CD7809}"/>
+                <a16:creationId xmlns:a16="http://schemas.microsoft.com/office/drawing/2014/main" id="{FDA77268-47C0-5813-C4FA-D23815A5A1E0}"/>
               </a:ext>
             </a:extLst>
           </p:cNvPr>
@@ -5661,7 +5656,7 @@
           <a:p>
             <a:r>
               <a:rPr lang="en-US" altLang="ko-KR" dirty="0"/>
-              <a:t>TUN/TAP 1</a:t>
+              <a:t>Ethernet</a:t>
             </a:r>
             <a:endParaRPr lang="ko-KR" altLang="en-US" dirty="0"/>
           </a:p>
@@ -5672,7 +5667,7 @@
           <p:cNvPr id="3" name="내용 개체 틀 2">
             <a:extLst>
               <a:ext uri="{FF2B5EF4-FFF2-40B4-BE49-F238E27FC236}">
-                <a16:creationId xmlns:a16="http://schemas.microsoft.com/office/drawing/2014/main" id="{90C177AA-8EF6-701C-488E-E56FF857063A}"/>
+                <a16:creationId xmlns:a16="http://schemas.microsoft.com/office/drawing/2014/main" id="{352D1D30-E06A-3FDF-AC6B-E9045CCE7593}"/>
               </a:ext>
             </a:extLst>
           </p:cNvPr>
@@ -5695,7 +5690,7 @@
     </p:spTree>
     <p:extLst>
       <p:ext uri="{BB962C8B-B14F-4D97-AF65-F5344CB8AC3E}">
-        <p14:creationId xmlns:p14="http://schemas.microsoft.com/office/powerpoint/2010/main" val="1786579865"/>
+        <p14:creationId xmlns:p14="http://schemas.microsoft.com/office/powerpoint/2010/main" val="219724582"/>
       </p:ext>
     </p:extLst>
   </p:cSld>
@@ -5727,7 +5722,7 @@
           <p:cNvPr id="2" name="제목 1">
             <a:extLst>
               <a:ext uri="{FF2B5EF4-FFF2-40B4-BE49-F238E27FC236}">
-                <a16:creationId xmlns:a16="http://schemas.microsoft.com/office/drawing/2014/main" id="{7124890F-E612-A854-F026-E5C1F9CF1CDE}"/>
+                <a16:creationId xmlns:a16="http://schemas.microsoft.com/office/drawing/2014/main" id="{40EF865C-99C2-969A-33CB-633C1547A109}"/>
               </a:ext>
             </a:extLst>
           </p:cNvPr>
@@ -5744,10 +5739,9 @@
           <a:lstStyle/>
           <a:p>
             <a:r>
-              <a:rPr lang="en-US" altLang="ko-KR" dirty="0"/>
-              <a:t>TUN/TAP 2</a:t>
-            </a:r>
-            <a:endParaRPr lang="ko-KR" altLang="en-US" dirty="0"/>
+              <a:rPr lang="ko-KR" altLang="en-US" dirty="0"/>
+              <a:t>다중 접속 프로토콜</a:t>
+            </a:r>
           </a:p>
         </p:txBody>
       </p:sp>
@@ -5756,7 +5750,7 @@
           <p:cNvPr id="3" name="내용 개체 틀 2">
             <a:extLst>
               <a:ext uri="{FF2B5EF4-FFF2-40B4-BE49-F238E27FC236}">
-                <a16:creationId xmlns:a16="http://schemas.microsoft.com/office/drawing/2014/main" id="{4442398B-62D9-8CF3-BA55-50451CDB72B4}"/>
+                <a16:creationId xmlns:a16="http://schemas.microsoft.com/office/drawing/2014/main" id="{C40AC823-49BC-E0AC-7E87-EC7E94D52A4C}"/>
               </a:ext>
             </a:extLst>
           </p:cNvPr>
@@ -5779,7 +5773,7 @@
     </p:spTree>
     <p:extLst>
       <p:ext uri="{BB962C8B-B14F-4D97-AF65-F5344CB8AC3E}">
-        <p14:creationId xmlns:p14="http://schemas.microsoft.com/office/powerpoint/2010/main" val="4107051048"/>
+        <p14:creationId xmlns:p14="http://schemas.microsoft.com/office/powerpoint/2010/main" val="160347746"/>
       </p:ext>
     </p:extLst>
   </p:cSld>
@@ -5811,7 +5805,7 @@
           <p:cNvPr id="2" name="제목 1">
             <a:extLst>
               <a:ext uri="{FF2B5EF4-FFF2-40B4-BE49-F238E27FC236}">
-                <a16:creationId xmlns:a16="http://schemas.microsoft.com/office/drawing/2014/main" id="{6AD00367-9CAC-1553-8BB7-2F4BEB828885}"/>
+                <a16:creationId xmlns:a16="http://schemas.microsoft.com/office/drawing/2014/main" id="{0E6DF6C7-71C6-F41A-3C59-C6CDAEA1C5EB}"/>
               </a:ext>
             </a:extLst>
           </p:cNvPr>
@@ -5829,7 +5823,7 @@
           <a:p>
             <a:r>
               <a:rPr lang="en-US" altLang="ko-KR" dirty="0"/>
-              <a:t>Spoofing(Sniffing)</a:t>
+              <a:t>CSMA/CD</a:t>
             </a:r>
             <a:endParaRPr lang="ko-KR" altLang="en-US" dirty="0"/>
           </a:p>
@@ -5840,7 +5834,7 @@
           <p:cNvPr id="3" name="내용 개체 틀 2">
             <a:extLst>
               <a:ext uri="{FF2B5EF4-FFF2-40B4-BE49-F238E27FC236}">
-                <a16:creationId xmlns:a16="http://schemas.microsoft.com/office/drawing/2014/main" id="{CA81C18C-03D7-F69D-83CA-714BE4432D39}"/>
+                <a16:creationId xmlns:a16="http://schemas.microsoft.com/office/drawing/2014/main" id="{AD50170D-D0BB-69DC-D993-4EB7AE105F11}"/>
               </a:ext>
             </a:extLst>
           </p:cNvPr>
@@ -5863,7 +5857,7 @@
     </p:spTree>
     <p:extLst>
       <p:ext uri="{BB962C8B-B14F-4D97-AF65-F5344CB8AC3E}">
-        <p14:creationId xmlns:p14="http://schemas.microsoft.com/office/powerpoint/2010/main" val="3689989450"/>
+        <p14:creationId xmlns:p14="http://schemas.microsoft.com/office/powerpoint/2010/main" val="3938073431"/>
       </p:ext>
     </p:extLst>
   </p:cSld>
@@ -5895,7 +5889,7 @@
           <p:cNvPr id="2" name="제목 1">
             <a:extLst>
               <a:ext uri="{FF2B5EF4-FFF2-40B4-BE49-F238E27FC236}">
-                <a16:creationId xmlns:a16="http://schemas.microsoft.com/office/drawing/2014/main" id="{78EDA00F-5128-8D2A-4F79-1F08B70D48B5}"/>
+                <a16:creationId xmlns:a16="http://schemas.microsoft.com/office/drawing/2014/main" id="{13D882CC-F556-0303-363C-34AA8C763FD7}"/>
               </a:ext>
             </a:extLst>
           </p:cNvPr>
@@ -5913,7 +5907,7 @@
           <a:p>
             <a:r>
               <a:rPr lang="en-US" altLang="ko-KR" dirty="0"/>
-              <a:t>TCP Stomp, Hijacking</a:t>
+              <a:t>Switch</a:t>
             </a:r>
             <a:endParaRPr lang="ko-KR" altLang="en-US" dirty="0"/>
           </a:p>
@@ -5924,7 +5918,7 @@
           <p:cNvPr id="3" name="내용 개체 틀 2">
             <a:extLst>
               <a:ext uri="{FF2B5EF4-FFF2-40B4-BE49-F238E27FC236}">
-                <a16:creationId xmlns:a16="http://schemas.microsoft.com/office/drawing/2014/main" id="{6AFB9BCE-6A93-D0A2-0DF0-A104604E5CA7}"/>
+                <a16:creationId xmlns:a16="http://schemas.microsoft.com/office/drawing/2014/main" id="{B48C4B06-E5BA-C721-9E39-4C426074D86F}"/>
               </a:ext>
             </a:extLst>
           </p:cNvPr>
@@ -5947,91 +5941,7 @@
     </p:spTree>
     <p:extLst>
       <p:ext uri="{BB962C8B-B14F-4D97-AF65-F5344CB8AC3E}">
-        <p14:creationId xmlns:p14="http://schemas.microsoft.com/office/powerpoint/2010/main" val="3245566460"/>
-      </p:ext>
-    </p:extLst>
-  </p:cSld>
-  <p:clrMapOvr>
-    <a:masterClrMapping/>
-  </p:clrMapOvr>
-</p:sld>
-</file>
-
-<file path=ppt/slides/slide27.xml><?xml version="1.0" encoding="utf-8"?>
-<p:sld xmlns:a="http://schemas.openxmlformats.org/drawingml/2006/main" xmlns:r="http://schemas.openxmlformats.org/officeDocument/2006/relationships" xmlns:p="http://schemas.openxmlformats.org/presentationml/2006/main">
-  <p:cSld>
-    <p:spTree>
-      <p:nvGrpSpPr>
-        <p:cNvPr id="1" name=""/>
-        <p:cNvGrpSpPr/>
-        <p:nvPr/>
-      </p:nvGrpSpPr>
-      <p:grpSpPr>
-        <a:xfrm>
-          <a:off x="0" y="0"/>
-          <a:ext cx="0" cy="0"/>
-          <a:chOff x="0" y="0"/>
-          <a:chExt cx="0" cy="0"/>
-        </a:xfrm>
-      </p:grpSpPr>
-      <p:sp>
-        <p:nvSpPr>
-          <p:cNvPr id="2" name="제목 1">
-            <a:extLst>
-              <a:ext uri="{FF2B5EF4-FFF2-40B4-BE49-F238E27FC236}">
-                <a16:creationId xmlns:a16="http://schemas.microsoft.com/office/drawing/2014/main" id="{1BDB807B-18C2-4B1B-0F96-A57F10E248DC}"/>
-              </a:ext>
-            </a:extLst>
-          </p:cNvPr>
-          <p:cNvSpPr>
-            <a:spLocks noGrp="1"/>
-          </p:cNvSpPr>
-          <p:nvPr>
-            <p:ph type="title"/>
-          </p:nvPr>
-        </p:nvSpPr>
-        <p:spPr/>
-        <p:txBody>
-          <a:bodyPr/>
-          <a:lstStyle/>
-          <a:p>
-            <a:r>
-              <a:rPr lang="en-US" altLang="ko-KR" dirty="0"/>
-              <a:t>Web Shell(Reverse Shell)</a:t>
-            </a:r>
-            <a:endParaRPr lang="ko-KR" altLang="en-US" dirty="0"/>
-          </a:p>
-        </p:txBody>
-      </p:sp>
-      <p:sp>
-        <p:nvSpPr>
-          <p:cNvPr id="3" name="내용 개체 틀 2">
-            <a:extLst>
-              <a:ext uri="{FF2B5EF4-FFF2-40B4-BE49-F238E27FC236}">
-                <a16:creationId xmlns:a16="http://schemas.microsoft.com/office/drawing/2014/main" id="{8EEFA150-82F2-452D-BBEE-C772423621EF}"/>
-              </a:ext>
-            </a:extLst>
-          </p:cNvPr>
-          <p:cNvSpPr>
-            <a:spLocks noGrp="1"/>
-          </p:cNvSpPr>
-          <p:nvPr>
-            <p:ph idx="1"/>
-          </p:nvPr>
-        </p:nvSpPr>
-        <p:spPr/>
-        <p:txBody>
-          <a:bodyPr/>
-          <a:lstStyle/>
-          <a:p>
-            <a:endParaRPr lang="ko-KR" altLang="en-US" dirty="0"/>
-          </a:p>
-        </p:txBody>
-      </p:sp>
-    </p:spTree>
-    <p:extLst>
-      <p:ext uri="{BB962C8B-B14F-4D97-AF65-F5344CB8AC3E}">
-        <p14:creationId xmlns:p14="http://schemas.microsoft.com/office/powerpoint/2010/main" val="1562778887"/>
+        <p14:creationId xmlns:p14="http://schemas.microsoft.com/office/powerpoint/2010/main" val="2994615564"/>
       </p:ext>
     </p:extLst>
   </p:cSld>
@@ -6081,7 +5991,7 @@
           <a:p>
             <a:r>
               <a:rPr lang="en-US" altLang="ko-KR" dirty="0"/>
-              <a:t>Layer 2 </a:t>
+              <a:t>Layer 3 </a:t>
             </a:r>
             <a:endParaRPr lang="ko-KR" altLang="en-US" dirty="0"/>
           </a:p>
@@ -6110,22 +6020,14 @@
           <a:p>
             <a:r>
               <a:rPr lang="ko-KR" altLang="en-US" dirty="0"/>
-              <a:t>링크 계층</a:t>
+              <a:t>네트워크 계층</a:t>
             </a:r>
             <a:br>
               <a:rPr lang="en-US" altLang="ko-KR" dirty="0"/>
             </a:br>
             <a:r>
               <a:rPr lang="en-US" altLang="ko-KR" dirty="0"/>
-              <a:t>(</a:t>
-            </a:r>
-            <a:r>
-              <a:rPr lang="en-US" altLang="ko-KR" dirty="0" err="1"/>
-              <a:t>DataLink</a:t>
-            </a:r>
-            <a:r>
-              <a:rPr lang="en-US" altLang="ko-KR" dirty="0"/>
-              <a:t> Layer)</a:t>
+              <a:t>(Network Layer)</a:t>
             </a:r>
             <a:endParaRPr lang="ko-KR" altLang="en-US" dirty="0"/>
           </a:p>
@@ -6137,7 +6039,7 @@
     </p:spTree>
     <p:extLst>
       <p:ext uri="{BB962C8B-B14F-4D97-AF65-F5344CB8AC3E}">
-        <p14:creationId xmlns:p14="http://schemas.microsoft.com/office/powerpoint/2010/main" val="2005904950"/>
+        <p14:creationId xmlns:p14="http://schemas.microsoft.com/office/powerpoint/2010/main" val="2509722968"/>
       </p:ext>
     </p:extLst>
   </p:cSld>
@@ -6169,7 +6071,7 @@
           <p:cNvPr id="2" name="제목 1">
             <a:extLst>
               <a:ext uri="{FF2B5EF4-FFF2-40B4-BE49-F238E27FC236}">
-                <a16:creationId xmlns:a16="http://schemas.microsoft.com/office/drawing/2014/main" id="{21D78C88-D60B-A423-06DF-69795833D900}"/>
+                <a16:creationId xmlns:a16="http://schemas.microsoft.com/office/drawing/2014/main" id="{D989DB82-9F96-A5EB-55B4-642F1A7B21B5}"/>
               </a:ext>
             </a:extLst>
           </p:cNvPr>
@@ -6187,7 +6089,7 @@
           <a:p>
             <a:r>
               <a:rPr lang="en-US" altLang="ko-KR" dirty="0"/>
-              <a:t>Link </a:t>
+              <a:t>IP Datagram</a:t>
             </a:r>
             <a:endParaRPr lang="ko-KR" altLang="en-US" dirty="0"/>
           </a:p>
@@ -6198,7 +6100,7 @@
           <p:cNvPr id="3" name="내용 개체 틀 2">
             <a:extLst>
               <a:ext uri="{FF2B5EF4-FFF2-40B4-BE49-F238E27FC236}">
-                <a16:creationId xmlns:a16="http://schemas.microsoft.com/office/drawing/2014/main" id="{43D27213-823D-A893-0821-380722AF66E3}"/>
+                <a16:creationId xmlns:a16="http://schemas.microsoft.com/office/drawing/2014/main" id="{D2291C35-F0C5-F9B5-6039-B7B4AD94D60D}"/>
               </a:ext>
             </a:extLst>
           </p:cNvPr>
@@ -6221,7 +6123,7 @@
     </p:spTree>
     <p:extLst>
       <p:ext uri="{BB962C8B-B14F-4D97-AF65-F5344CB8AC3E}">
-        <p14:creationId xmlns:p14="http://schemas.microsoft.com/office/powerpoint/2010/main" val="762231998"/>
+        <p14:creationId xmlns:p14="http://schemas.microsoft.com/office/powerpoint/2010/main" val="3183895354"/>
       </p:ext>
     </p:extLst>
   </p:cSld>
@@ -6253,7 +6155,7 @@
           <p:cNvPr id="2" name="제목 1">
             <a:extLst>
               <a:ext uri="{FF2B5EF4-FFF2-40B4-BE49-F238E27FC236}">
-                <a16:creationId xmlns:a16="http://schemas.microsoft.com/office/drawing/2014/main" id="{B01BDAD8-3827-549E-A422-C5D3C18D92C8}"/>
+                <a16:creationId xmlns:a16="http://schemas.microsoft.com/office/drawing/2014/main" id="{0E181B45-9E1F-EAE1-462A-3DF457D31B9A}"/>
               </a:ext>
             </a:extLst>
           </p:cNvPr>
@@ -6270,9 +6172,10 @@
           <a:lstStyle/>
           <a:p>
             <a:r>
-              <a:rPr lang="ko-KR" altLang="en-US" dirty="0"/>
-              <a:t>오류 검출 기법</a:t>
-            </a:r>
+              <a:rPr lang="en-US" altLang="ko-KR" dirty="0"/>
+              <a:t>IPv4</a:t>
+            </a:r>
+            <a:endParaRPr lang="ko-KR" altLang="en-US" dirty="0"/>
           </a:p>
         </p:txBody>
       </p:sp>
@@ -6281,7 +6184,7 @@
           <p:cNvPr id="3" name="내용 개체 틀 2">
             <a:extLst>
               <a:ext uri="{FF2B5EF4-FFF2-40B4-BE49-F238E27FC236}">
-                <a16:creationId xmlns:a16="http://schemas.microsoft.com/office/drawing/2014/main" id="{7C938EEB-EE89-1012-D537-3CF47016B2EB}"/>
+                <a16:creationId xmlns:a16="http://schemas.microsoft.com/office/drawing/2014/main" id="{8D5DE25F-1285-0A89-FB09-95AF77B17ADB}"/>
               </a:ext>
             </a:extLst>
           </p:cNvPr>
@@ -6304,7 +6207,7 @@
     </p:spTree>
     <p:extLst>
       <p:ext uri="{BB962C8B-B14F-4D97-AF65-F5344CB8AC3E}">
-        <p14:creationId xmlns:p14="http://schemas.microsoft.com/office/powerpoint/2010/main" val="3731356846"/>
+        <p14:creationId xmlns:p14="http://schemas.microsoft.com/office/powerpoint/2010/main" val="3994509119"/>
       </p:ext>
     </p:extLst>
   </p:cSld>
@@ -6336,7 +6239,7 @@
           <p:cNvPr id="2" name="제목 1">
             <a:extLst>
               <a:ext uri="{FF2B5EF4-FFF2-40B4-BE49-F238E27FC236}">
-                <a16:creationId xmlns:a16="http://schemas.microsoft.com/office/drawing/2014/main" id="{3967A198-0AB4-6BD8-3F9C-267A3D25065C}"/>
+                <a16:creationId xmlns:a16="http://schemas.microsoft.com/office/drawing/2014/main" id="{37D4A492-B248-59C9-34A0-ACB9501F4BD9}"/>
               </a:ext>
             </a:extLst>
           </p:cNvPr>
@@ -6353,9 +6256,10 @@
           <a:lstStyle/>
           <a:p>
             <a:r>
-              <a:rPr lang="ko-KR" altLang="en-US" dirty="0"/>
-              <a:t>패리티</a:t>
-            </a:r>
+              <a:rPr lang="en-US" altLang="ko-KR" dirty="0"/>
+              <a:t>Subnet, Classful, CIDR</a:t>
+            </a:r>
+            <a:endParaRPr lang="ko-KR" altLang="en-US" dirty="0"/>
           </a:p>
         </p:txBody>
       </p:sp>
@@ -6364,7 +6268,7 @@
           <p:cNvPr id="3" name="내용 개체 틀 2">
             <a:extLst>
               <a:ext uri="{FF2B5EF4-FFF2-40B4-BE49-F238E27FC236}">
-                <a16:creationId xmlns:a16="http://schemas.microsoft.com/office/drawing/2014/main" id="{C0F4B579-EF2D-4EA7-E2FE-2A0CF3099E41}"/>
+                <a16:creationId xmlns:a16="http://schemas.microsoft.com/office/drawing/2014/main" id="{EB191E59-8D95-1147-96A8-3307FDED0792}"/>
               </a:ext>
             </a:extLst>
           </p:cNvPr>
@@ -6387,7 +6291,7 @@
     </p:spTree>
     <p:extLst>
       <p:ext uri="{BB962C8B-B14F-4D97-AF65-F5344CB8AC3E}">
-        <p14:creationId xmlns:p14="http://schemas.microsoft.com/office/powerpoint/2010/main" val="3589956062"/>
+        <p14:creationId xmlns:p14="http://schemas.microsoft.com/office/powerpoint/2010/main" val="4095649906"/>
       </p:ext>
     </p:extLst>
   </p:cSld>
@@ -6419,7 +6323,7 @@
           <p:cNvPr id="2" name="제목 1">
             <a:extLst>
               <a:ext uri="{FF2B5EF4-FFF2-40B4-BE49-F238E27FC236}">
-                <a16:creationId xmlns:a16="http://schemas.microsoft.com/office/drawing/2014/main" id="{9BA432E6-1B3B-A40C-8225-BB6082DF2834}"/>
+                <a16:creationId xmlns:a16="http://schemas.microsoft.com/office/drawing/2014/main" id="{ACD3445E-75EE-3CBD-8355-42F4C990B04E}"/>
               </a:ext>
             </a:extLst>
           </p:cNvPr>
@@ -6436,9 +6340,10 @@
           <a:lstStyle/>
           <a:p>
             <a:r>
-              <a:rPr lang="ko-KR" altLang="en-US" dirty="0"/>
-              <a:t>순환 중복 검사</a:t>
-            </a:r>
+              <a:rPr lang="en-US" altLang="ko-KR" dirty="0"/>
+              <a:t>DHCP</a:t>
+            </a:r>
+            <a:endParaRPr lang="ko-KR" altLang="en-US" dirty="0"/>
           </a:p>
         </p:txBody>
       </p:sp>
@@ -6447,7 +6352,7 @@
           <p:cNvPr id="3" name="내용 개체 틀 2">
             <a:extLst>
               <a:ext uri="{FF2B5EF4-FFF2-40B4-BE49-F238E27FC236}">
-                <a16:creationId xmlns:a16="http://schemas.microsoft.com/office/drawing/2014/main" id="{6E0724E2-29F6-92C8-C89F-B3357AFFF4DA}"/>
+                <a16:creationId xmlns:a16="http://schemas.microsoft.com/office/drawing/2014/main" id="{1736D7A4-70CF-B102-D6E2-DCBF1B7C2735}"/>
               </a:ext>
             </a:extLst>
           </p:cNvPr>
@@ -6470,7 +6375,7 @@
     </p:spTree>
     <p:extLst>
       <p:ext uri="{BB962C8B-B14F-4D97-AF65-F5344CB8AC3E}">
-        <p14:creationId xmlns:p14="http://schemas.microsoft.com/office/powerpoint/2010/main" val="3701361518"/>
+        <p14:creationId xmlns:p14="http://schemas.microsoft.com/office/powerpoint/2010/main" val="2020347262"/>
       </p:ext>
     </p:extLst>
   </p:cSld>
@@ -6502,7 +6407,7 @@
           <p:cNvPr id="2" name="제목 1">
             <a:extLst>
               <a:ext uri="{FF2B5EF4-FFF2-40B4-BE49-F238E27FC236}">
-                <a16:creationId xmlns:a16="http://schemas.microsoft.com/office/drawing/2014/main" id="{7C5E6372-6F51-D715-A51A-C43B1229A03E}"/>
+                <a16:creationId xmlns:a16="http://schemas.microsoft.com/office/drawing/2014/main" id="{069D763A-9085-A4A1-6C62-727F51E9678A}"/>
               </a:ext>
             </a:extLst>
           </p:cNvPr>
@@ -6520,7 +6425,7 @@
           <a:p>
             <a:r>
               <a:rPr lang="en-US" altLang="ko-KR" dirty="0"/>
-              <a:t>MAC </a:t>
+              <a:t>NAT</a:t>
             </a:r>
             <a:endParaRPr lang="ko-KR" altLang="en-US" dirty="0"/>
           </a:p>
@@ -6531,7 +6436,7 @@
           <p:cNvPr id="3" name="내용 개체 틀 2">
             <a:extLst>
               <a:ext uri="{FF2B5EF4-FFF2-40B4-BE49-F238E27FC236}">
-                <a16:creationId xmlns:a16="http://schemas.microsoft.com/office/drawing/2014/main" id="{F09D29DC-383F-D05F-59B2-85A0C3E26E57}"/>
+                <a16:creationId xmlns:a16="http://schemas.microsoft.com/office/drawing/2014/main" id="{DA3747CD-65C3-BA21-E67F-4929F34BD2EF}"/>
               </a:ext>
             </a:extLst>
           </p:cNvPr>
@@ -6554,7 +6459,7 @@
     </p:spTree>
     <p:extLst>
       <p:ext uri="{BB962C8B-B14F-4D97-AF65-F5344CB8AC3E}">
-        <p14:creationId xmlns:p14="http://schemas.microsoft.com/office/powerpoint/2010/main" val="4144508108"/>
+        <p14:creationId xmlns:p14="http://schemas.microsoft.com/office/powerpoint/2010/main" val="3674313477"/>
       </p:ext>
     </p:extLst>
   </p:cSld>
@@ -6586,7 +6491,7 @@
           <p:cNvPr id="2" name="제목 1">
             <a:extLst>
               <a:ext uri="{FF2B5EF4-FFF2-40B4-BE49-F238E27FC236}">
-                <a16:creationId xmlns:a16="http://schemas.microsoft.com/office/drawing/2014/main" id="{1D6B4615-45F9-3447-143F-7346580D3382}"/>
+                <a16:creationId xmlns:a16="http://schemas.microsoft.com/office/drawing/2014/main" id="{ED615AC7-2BA4-8056-6389-D398FFF072C0}"/>
               </a:ext>
             </a:extLst>
           </p:cNvPr>
@@ -6604,7 +6509,7 @@
           <a:p>
             <a:r>
               <a:rPr lang="en-US" altLang="ko-KR" dirty="0"/>
-              <a:t>ARP</a:t>
+              <a:t>NAPT, STUN, TURN</a:t>
             </a:r>
             <a:endParaRPr lang="ko-KR" altLang="en-US" dirty="0"/>
           </a:p>
@@ -6615,7 +6520,7 @@
           <p:cNvPr id="3" name="내용 개체 틀 2">
             <a:extLst>
               <a:ext uri="{FF2B5EF4-FFF2-40B4-BE49-F238E27FC236}">
-                <a16:creationId xmlns:a16="http://schemas.microsoft.com/office/drawing/2014/main" id="{5C0B9DB2-F183-2566-0808-897929F2D356}"/>
+                <a16:creationId xmlns:a16="http://schemas.microsoft.com/office/drawing/2014/main" id="{D9648417-8B24-D566-F96B-84D4FC787A1C}"/>
               </a:ext>
             </a:extLst>
           </p:cNvPr>
@@ -6638,7 +6543,7 @@
     </p:spTree>
     <p:extLst>
       <p:ext uri="{BB962C8B-B14F-4D97-AF65-F5344CB8AC3E}">
-        <p14:creationId xmlns:p14="http://schemas.microsoft.com/office/powerpoint/2010/main" val="949376813"/>
+        <p14:creationId xmlns:p14="http://schemas.microsoft.com/office/powerpoint/2010/main" val="828267970"/>
       </p:ext>
     </p:extLst>
   </p:cSld>

--- a/3.pptx
+++ b/3.pptx
@@ -9,28 +9,32 @@
     <p:sldId id="257" r:id="rId3"/>
     <p:sldId id="294" r:id="rId4"/>
     <p:sldId id="320" r:id="rId5"/>
-    <p:sldId id="321" r:id="rId6"/>
-    <p:sldId id="322" r:id="rId7"/>
+    <p:sldId id="322" r:id="rId6"/>
+    <p:sldId id="332" r:id="rId7"/>
     <p:sldId id="323" r:id="rId8"/>
     <p:sldId id="324" r:id="rId9"/>
-    <p:sldId id="325" r:id="rId10"/>
-    <p:sldId id="326" r:id="rId11"/>
-    <p:sldId id="327" r:id="rId12"/>
-    <p:sldId id="328" r:id="rId13"/>
-    <p:sldId id="329" r:id="rId14"/>
-    <p:sldId id="330" r:id="rId15"/>
-    <p:sldId id="331" r:id="rId16"/>
-    <p:sldId id="295" r:id="rId17"/>
-    <p:sldId id="258" r:id="rId18"/>
-    <p:sldId id="297" r:id="rId19"/>
-    <p:sldId id="298" r:id="rId20"/>
-    <p:sldId id="299" r:id="rId21"/>
-    <p:sldId id="300" r:id="rId22"/>
-    <p:sldId id="301" r:id="rId23"/>
-    <p:sldId id="302" r:id="rId24"/>
-    <p:sldId id="303" r:id="rId25"/>
-    <p:sldId id="304" r:id="rId26"/>
-    <p:sldId id="305" r:id="rId27"/>
+    <p:sldId id="334" r:id="rId10"/>
+    <p:sldId id="325" r:id="rId11"/>
+    <p:sldId id="333" r:id="rId12"/>
+    <p:sldId id="335" r:id="rId13"/>
+    <p:sldId id="336" r:id="rId14"/>
+    <p:sldId id="326" r:id="rId15"/>
+    <p:sldId id="327" r:id="rId16"/>
+    <p:sldId id="328" r:id="rId17"/>
+    <p:sldId id="329" r:id="rId18"/>
+    <p:sldId id="330" r:id="rId19"/>
+    <p:sldId id="331" r:id="rId20"/>
+    <p:sldId id="295" r:id="rId21"/>
+    <p:sldId id="258" r:id="rId22"/>
+    <p:sldId id="297" r:id="rId23"/>
+    <p:sldId id="298" r:id="rId24"/>
+    <p:sldId id="299" r:id="rId25"/>
+    <p:sldId id="300" r:id="rId26"/>
+    <p:sldId id="301" r:id="rId27"/>
+    <p:sldId id="302" r:id="rId28"/>
+    <p:sldId id="303" r:id="rId29"/>
+    <p:sldId id="304" r:id="rId30"/>
+    <p:sldId id="305" r:id="rId31"/>
   </p:sldIdLst>
   <p:sldSz cx="12192000" cy="6858000"/>
   <p:notesSz cx="6858000" cy="9144000"/>
@@ -284,7 +288,7 @@
           <a:p>
             <a:fld id="{76969C88-B244-455D-A017-012B25B1ACDD}" type="datetimeFigureOut">
               <a:rPr lang="en-US" smtClean="0"/>
-              <a:t>2/2/2024</a:t>
+              <a:t>2/4/2024</a:t>
             </a:fld>
             <a:endParaRPr lang="en-US"/>
           </a:p>
@@ -498,7 +502,7 @@
           <a:p>
             <a:fld id="{76969C88-B244-455D-A017-012B25B1ACDD}" type="datetimeFigureOut">
               <a:rPr lang="en-US" smtClean="0"/>
-              <a:t>2/2/2024</a:t>
+              <a:t>2/4/2024</a:t>
             </a:fld>
             <a:endParaRPr lang="en-US"/>
           </a:p>
@@ -722,7 +726,7 @@
           <a:p>
             <a:fld id="{76969C88-B244-455D-A017-012B25B1ACDD}" type="datetimeFigureOut">
               <a:rPr lang="en-US" smtClean="0"/>
-              <a:t>2/2/2024</a:t>
+              <a:t>2/4/2024</a:t>
             </a:fld>
             <a:endParaRPr lang="en-US"/>
           </a:p>
@@ -962,7 +966,7 @@
           <a:p>
             <a:fld id="{76969C88-B244-455D-A017-012B25B1ACDD}" type="datetimeFigureOut">
               <a:rPr lang="en-US" smtClean="0"/>
-              <a:t>2/2/2024</a:t>
+              <a:t>2/4/2024</a:t>
             </a:fld>
             <a:endParaRPr lang="en-US" dirty="0"/>
           </a:p>
@@ -1183,7 +1187,7 @@
           <a:p>
             <a:fld id="{76969C88-B244-455D-A017-012B25B1ACDD}" type="datetimeFigureOut">
               <a:rPr lang="en-US" smtClean="0"/>
-              <a:t>2/2/2024</a:t>
+              <a:t>2/4/2024</a:t>
             </a:fld>
             <a:endParaRPr lang="en-US"/>
           </a:p>
@@ -1473,7 +1477,7 @@
           <a:p>
             <a:fld id="{76969C88-B244-455D-A017-012B25B1ACDD}" type="datetimeFigureOut">
               <a:rPr lang="en-US" smtClean="0"/>
-              <a:t>2/2/2024</a:t>
+              <a:t>2/4/2024</a:t>
             </a:fld>
             <a:endParaRPr lang="en-US"/>
           </a:p>
@@ -1831,7 +1835,7 @@
           <a:p>
             <a:fld id="{76969C88-B244-455D-A017-012B25B1ACDD}" type="datetimeFigureOut">
               <a:rPr lang="en-US" smtClean="0"/>
-              <a:t>2/2/2024</a:t>
+              <a:t>2/4/2024</a:t>
             </a:fld>
             <a:endParaRPr lang="en-US"/>
           </a:p>
@@ -1997,7 +2001,7 @@
           <a:p>
             <a:fld id="{76969C88-B244-455D-A017-012B25B1ACDD}" type="datetimeFigureOut">
               <a:rPr lang="en-US" smtClean="0"/>
-              <a:t>2/2/2024</a:t>
+              <a:t>2/4/2024</a:t>
             </a:fld>
             <a:endParaRPr lang="en-US"/>
           </a:p>
@@ -2056,7 +2060,7 @@
           <a:p>
             <a:fld id="{76969C88-B244-455D-A017-012B25B1ACDD}" type="datetimeFigureOut">
               <a:rPr lang="en-US" smtClean="0"/>
-              <a:t>2/2/2024</a:t>
+              <a:t>2/4/2024</a:t>
             </a:fld>
             <a:endParaRPr lang="en-US"/>
           </a:p>
@@ -2384,7 +2388,7 @@
           <a:p>
             <a:fld id="{76969C88-B244-455D-A017-012B25B1ACDD}" type="datetimeFigureOut">
               <a:rPr lang="en-US" smtClean="0"/>
-              <a:t>2/2/2024</a:t>
+              <a:t>2/4/2024</a:t>
             </a:fld>
             <a:endParaRPr lang="en-US"/>
           </a:p>
@@ -2691,7 +2695,7 @@
           <a:p>
             <a:fld id="{76969C88-B244-455D-A017-012B25B1ACDD}" type="datetimeFigureOut">
               <a:rPr lang="en-US" smtClean="0"/>
-              <a:t>2/2/2024</a:t>
+              <a:t>2/4/2024</a:t>
             </a:fld>
             <a:endParaRPr lang="en-US"/>
           </a:p>
@@ -3457,7 +3461,7 @@
             <a:fld id="{76969C88-B244-455D-A017-012B25B1ACDD}" type="datetimeFigureOut">
               <a:rPr lang="en-US" smtClean="0"/>
               <a:pPr/>
-              <a:t>2/2/2024</a:t>
+              <a:t>2/4/2024</a:t>
             </a:fld>
             <a:endParaRPr lang="en-US"/>
           </a:p>
@@ -4440,7 +4444,7 @@
           <p:cNvPr id="2" name="제목 1">
             <a:extLst>
               <a:ext uri="{FF2B5EF4-FFF2-40B4-BE49-F238E27FC236}">
-                <a16:creationId xmlns:a16="http://schemas.microsoft.com/office/drawing/2014/main" id="{0A369040-E1C4-B9A4-6456-1FE71B51C3C8}"/>
+                <a16:creationId xmlns:a16="http://schemas.microsoft.com/office/drawing/2014/main" id="{ED615AC7-2BA4-8056-6389-D398FFF072C0}"/>
               </a:ext>
             </a:extLst>
           </p:cNvPr>
@@ -4458,7 +4462,11 @@
           <a:p>
             <a:r>
               <a:rPr lang="en-US" altLang="ko-KR" dirty="0"/>
-              <a:t>ICMP</a:t>
+              <a:t>NAPT, </a:t>
+            </a:r>
+            <a:r>
+              <a:rPr lang="en-US" altLang="ko-KR" dirty="0" err="1"/>
+              <a:t>etc</a:t>
             </a:r>
             <a:endParaRPr lang="ko-KR" altLang="en-US" dirty="0"/>
           </a:p>
@@ -4469,7 +4477,7 @@
           <p:cNvPr id="3" name="내용 개체 틀 2">
             <a:extLst>
               <a:ext uri="{FF2B5EF4-FFF2-40B4-BE49-F238E27FC236}">
-                <a16:creationId xmlns:a16="http://schemas.microsoft.com/office/drawing/2014/main" id="{6FCC135F-16CD-C5ED-CA5F-C86F45C50872}"/>
+                <a16:creationId xmlns:a16="http://schemas.microsoft.com/office/drawing/2014/main" id="{D9648417-8B24-D566-F96B-84D4FC787A1C}"/>
               </a:ext>
             </a:extLst>
           </p:cNvPr>
@@ -4485,14 +4493,393 @@
           <a:bodyPr/>
           <a:lstStyle/>
           <a:p>
-            <a:endParaRPr lang="ko-KR" altLang="en-US"/>
-          </a:p>
-        </p:txBody>
-      </p:sp>
+            <a:r>
+              <a:rPr lang="en-US" altLang="ko-KR" sz="1600" dirty="0"/>
+              <a:t>NAPT(Network Address Port Translation </a:t>
+            </a:r>
+            <a:r>
+              <a:rPr lang="ko-KR" altLang="en-US" sz="1600" dirty="0"/>
+              <a:t>또는 </a:t>
+            </a:r>
+            <a:r>
+              <a:rPr lang="en-US" altLang="ko-KR" sz="1600" dirty="0"/>
+              <a:t>PAT)</a:t>
+            </a:r>
+            <a:r>
+              <a:rPr lang="ko-KR" altLang="en-US" sz="1600" dirty="0"/>
+              <a:t>는 공인</a:t>
+            </a:r>
+            <a:r>
+              <a:rPr lang="en-US" altLang="ko-KR" sz="1600" dirty="0"/>
+              <a:t>IP : </a:t>
+            </a:r>
+            <a:r>
+              <a:rPr lang="ko-KR" altLang="en-US" sz="1600" dirty="0"/>
+              <a:t>사설</a:t>
+            </a:r>
+            <a:r>
+              <a:rPr lang="en-US" altLang="ko-KR" sz="1600" dirty="0"/>
+              <a:t>IP = 1 : M</a:t>
+            </a:r>
+            <a:r>
+              <a:rPr lang="ko-KR" altLang="en-US" sz="1600" dirty="0"/>
+              <a:t>으로 엮기 위해</a:t>
+            </a:r>
+            <a:br>
+              <a:rPr lang="en-US" altLang="ko-KR" sz="1600" dirty="0"/>
+            </a:br>
+            <a:r>
+              <a:rPr lang="ko-KR" altLang="en-US" sz="1600" dirty="0"/>
+              <a:t>공인 </a:t>
+            </a:r>
+            <a:r>
+              <a:rPr lang="en-US" altLang="ko-KR" sz="1600" dirty="0"/>
+              <a:t>IP</a:t>
+            </a:r>
+            <a:r>
+              <a:rPr lang="ko-KR" altLang="en-US" sz="1600" dirty="0"/>
+              <a:t>의 </a:t>
+            </a:r>
+            <a:r>
+              <a:rPr lang="en-US" altLang="ko-KR" sz="1600" dirty="0"/>
+              <a:t>Port1</a:t>
+            </a:r>
+            <a:r>
+              <a:rPr lang="ko-KR" altLang="en-US" sz="1600" dirty="0"/>
+              <a:t>를 사설</a:t>
+            </a:r>
+            <a:r>
+              <a:rPr lang="en-US" altLang="ko-KR" sz="1600" dirty="0"/>
+              <a:t>IP:Port2</a:t>
+            </a:r>
+            <a:r>
+              <a:rPr lang="ko-KR" altLang="en-US" sz="1600" dirty="0"/>
+              <a:t>의 식별로 테이블을 생성하는 아이디어를 사용한 방식입니다</a:t>
+            </a:r>
+            <a:br>
+              <a:rPr lang="en-US" altLang="ko-KR" sz="1600" dirty="0"/>
+            </a:br>
+            <a:r>
+              <a:rPr lang="ko-KR" altLang="en-US" sz="1600" dirty="0"/>
+              <a:t>아래 그림처럼 </a:t>
+            </a:r>
+            <a:r>
+              <a:rPr lang="en-US" altLang="ko-KR" sz="1600" dirty="0"/>
+              <a:t>WAN(</a:t>
+            </a:r>
+            <a:r>
+              <a:rPr lang="ko-KR" altLang="en-US" sz="1600" dirty="0"/>
+              <a:t>공인</a:t>
+            </a:r>
+            <a:r>
+              <a:rPr lang="en-US" altLang="ko-KR" sz="1600" dirty="0"/>
+              <a:t>IP:Port1)</a:t>
+            </a:r>
+            <a:r>
+              <a:rPr lang="ko-KR" altLang="en-US" sz="1600" dirty="0"/>
+              <a:t>과 </a:t>
+            </a:r>
+            <a:r>
+              <a:rPr lang="en-US" altLang="ko-KR" sz="1600" dirty="0"/>
+              <a:t>LAN(</a:t>
+            </a:r>
+            <a:r>
+              <a:rPr lang="ko-KR" altLang="en-US" sz="1600" dirty="0"/>
+              <a:t>사설</a:t>
+            </a:r>
+            <a:r>
+              <a:rPr lang="en-US" altLang="ko-KR" sz="1600" dirty="0"/>
+              <a:t>IP:Port2)</a:t>
+            </a:r>
+            <a:r>
+              <a:rPr lang="ko-KR" altLang="en-US" sz="1600" dirty="0"/>
+              <a:t>이 연결되어 테이블에 저장되어 통신에 쓰입니다</a:t>
+            </a:r>
+            <a:endParaRPr lang="en-US" altLang="ko-KR" sz="1600" dirty="0"/>
+          </a:p>
+          <a:p>
+            <a:r>
+              <a:rPr lang="en-US" altLang="ko-KR" sz="1600" dirty="0"/>
+              <a:t>NAPT, static NAT, Dynamic NAT</a:t>
+            </a:r>
+            <a:r>
+              <a:rPr lang="ko-KR" altLang="en-US" sz="1600" dirty="0"/>
+              <a:t>이외에도 다음 다섯 가지의 </a:t>
+            </a:r>
+            <a:r>
+              <a:rPr lang="en-US" altLang="ko-KR" sz="1600" dirty="0"/>
+              <a:t>NAT</a:t>
+            </a:r>
+            <a:r>
+              <a:rPr lang="ko-KR" altLang="en-US" sz="1600" dirty="0"/>
+              <a:t>방식이 있습니다</a:t>
+            </a:r>
+            <a:endParaRPr lang="en-US" altLang="ko-KR" sz="1600" dirty="0"/>
+          </a:p>
+          <a:p>
+            <a:pPr marL="342900" indent="-342900">
+              <a:buFont typeface="+mj-lt"/>
+              <a:buAutoNum type="arabicPeriod"/>
+            </a:pPr>
+            <a:r>
+              <a:rPr lang="en-US" altLang="ko-KR" sz="1400" dirty="0"/>
+              <a:t>SNAT(Source NAT): </a:t>
+            </a:r>
+            <a:r>
+              <a:rPr lang="ko-KR" altLang="en-US" sz="1400" dirty="0"/>
+              <a:t>패킷을 뜯어 데이터 그램에 있는 출발지 주소를 변경하는 </a:t>
+            </a:r>
+            <a:r>
+              <a:rPr lang="en-US" altLang="ko-KR" sz="1400" dirty="0"/>
+              <a:t>NAT </a:t>
+            </a:r>
+            <a:r>
+              <a:rPr lang="ko-KR" altLang="en-US" sz="1400" dirty="0"/>
+              <a:t>입니다</a:t>
+            </a:r>
+            <a:endParaRPr lang="en-US" altLang="ko-KR" sz="1400" dirty="0"/>
+          </a:p>
+          <a:p>
+            <a:pPr marL="342900" indent="-342900">
+              <a:buFont typeface="+mj-lt"/>
+              <a:buAutoNum type="arabicPeriod"/>
+            </a:pPr>
+            <a:r>
+              <a:rPr lang="en-US" altLang="ko-KR" sz="1400" dirty="0"/>
+              <a:t>DNAT(Destination NAT): </a:t>
+            </a:r>
+            <a:r>
+              <a:rPr lang="ko-KR" altLang="en-US" sz="1400" dirty="0"/>
+              <a:t>패킷을 뜯어 데이터 그램에 있는 도착지 주소를 변경하는 </a:t>
+            </a:r>
+            <a:r>
+              <a:rPr lang="en-US" altLang="ko-KR" sz="1400" dirty="0"/>
+              <a:t>NAT </a:t>
+            </a:r>
+            <a:r>
+              <a:rPr lang="ko-KR" altLang="en-US" sz="1400" dirty="0"/>
+              <a:t>입니다</a:t>
+            </a:r>
+            <a:endParaRPr lang="en-US" altLang="ko-KR" sz="1400" dirty="0"/>
+          </a:p>
+          <a:p>
+            <a:pPr marL="342900" indent="-342900">
+              <a:buFont typeface="+mj-lt"/>
+              <a:buAutoNum type="arabicPeriod"/>
+            </a:pPr>
+            <a:r>
+              <a:rPr lang="en-US" altLang="ko-KR" sz="1400" dirty="0"/>
+              <a:t>FNAT(Full NAT): SNAT + DNAT</a:t>
+            </a:r>
+            <a:r>
+              <a:rPr lang="ko-KR" altLang="en-US" sz="1400" dirty="0"/>
+              <a:t>방식으로 패킷의 출발지</a:t>
+            </a:r>
+            <a:r>
+              <a:rPr lang="en-US" altLang="ko-KR" sz="1400" dirty="0"/>
+              <a:t>, </a:t>
+            </a:r>
+            <a:r>
+              <a:rPr lang="ko-KR" altLang="en-US" sz="1400" dirty="0"/>
+              <a:t>도착지를 둘 다 변경하는 </a:t>
+            </a:r>
+            <a:r>
+              <a:rPr lang="en-US" altLang="ko-KR" sz="1400" dirty="0"/>
+              <a:t>NAT </a:t>
+            </a:r>
+            <a:r>
+              <a:rPr lang="ko-KR" altLang="en-US" sz="1400" dirty="0"/>
+              <a:t>입니다</a:t>
+            </a:r>
+            <a:endParaRPr lang="en-US" altLang="ko-KR" sz="1400" dirty="0"/>
+          </a:p>
+          <a:p>
+            <a:pPr marL="342900" indent="-342900">
+              <a:buFont typeface="+mj-lt"/>
+              <a:buAutoNum type="arabicPeriod"/>
+            </a:pPr>
+            <a:r>
+              <a:rPr lang="en-US" altLang="ko-KR" sz="1400" dirty="0"/>
+              <a:t>XNAT(</a:t>
+            </a:r>
+            <a:r>
+              <a:rPr lang="en-US" altLang="ko-KR" sz="1400" dirty="0" err="1"/>
+              <a:t>eXclude</a:t>
+            </a:r>
+            <a:r>
+              <a:rPr lang="en-US" altLang="ko-KR" sz="1400" dirty="0"/>
+              <a:t> NAT): NAT</a:t>
+            </a:r>
+            <a:r>
+              <a:rPr lang="ko-KR" altLang="en-US" sz="1400" dirty="0"/>
+              <a:t>와 </a:t>
+            </a:r>
+            <a:r>
+              <a:rPr lang="en-US" altLang="ko-KR" sz="1400" dirty="0"/>
+              <a:t>Router</a:t>
+            </a:r>
+            <a:r>
+              <a:rPr lang="ko-KR" altLang="en-US" sz="1400" dirty="0"/>
+              <a:t>사이에</a:t>
+            </a:r>
+            <a:br>
+              <a:rPr lang="en-US" altLang="ko-KR" sz="1400" dirty="0"/>
+            </a:br>
+            <a:r>
+              <a:rPr lang="ko-KR" altLang="en-US" sz="1400" dirty="0"/>
+              <a:t>중간 단계 호스트가 있어</a:t>
+            </a:r>
+            <a:r>
+              <a:rPr lang="en-US" altLang="ko-KR" sz="1400" dirty="0"/>
+              <a:t> </a:t>
+            </a:r>
+            <a:r>
+              <a:rPr lang="ko-KR" altLang="en-US" sz="1400" dirty="0"/>
+              <a:t>해당 호스트로 가려는 경우에는</a:t>
+            </a:r>
+            <a:br>
+              <a:rPr lang="en-US" altLang="ko-KR" sz="1400" dirty="0"/>
+            </a:br>
+            <a:r>
+              <a:rPr lang="en-US" altLang="ko-KR" sz="1400" dirty="0"/>
+              <a:t>SNAT</a:t>
+            </a:r>
+            <a:r>
+              <a:rPr lang="ko-KR" altLang="en-US" sz="1400" dirty="0"/>
+              <a:t>을 </a:t>
+            </a:r>
+            <a:r>
+              <a:rPr lang="en-US" altLang="ko-KR" sz="1400" dirty="0" err="1"/>
+              <a:t>PassThrough</a:t>
+            </a:r>
+            <a:r>
+              <a:rPr lang="en-US" altLang="ko-KR" sz="1400" dirty="0"/>
+              <a:t> </a:t>
+            </a:r>
+            <a:r>
+              <a:rPr lang="ko-KR" altLang="en-US" sz="1400" dirty="0"/>
+              <a:t>하도록 중개해주는 </a:t>
+            </a:r>
+            <a:r>
+              <a:rPr lang="en-US" altLang="ko-KR" sz="1400" dirty="0"/>
+              <a:t>NAT </a:t>
+            </a:r>
+            <a:r>
+              <a:rPr lang="ko-KR" altLang="en-US" sz="1400" dirty="0"/>
+              <a:t>입니다</a:t>
+            </a:r>
+            <a:endParaRPr lang="en-US" altLang="ko-KR" sz="1400" dirty="0"/>
+          </a:p>
+          <a:p>
+            <a:pPr marL="342900" indent="-342900">
+              <a:buFont typeface="+mj-lt"/>
+              <a:buAutoNum type="arabicPeriod"/>
+            </a:pPr>
+            <a:r>
+              <a:rPr lang="en-US" altLang="ko-KR" sz="1400" dirty="0"/>
+              <a:t>DMZ(Demilitarized Zone): </a:t>
+            </a:r>
+            <a:br>
+              <a:rPr lang="en-US" altLang="ko-KR" sz="1400" dirty="0"/>
+            </a:br>
+            <a:r>
+              <a:rPr lang="ko-KR" altLang="en-US" sz="1400" dirty="0"/>
+              <a:t>외부로부터 모든 포트를</a:t>
+            </a:r>
+            <a:r>
+              <a:rPr lang="en-US" altLang="ko-KR" sz="1400" dirty="0"/>
+              <a:t> </a:t>
+            </a:r>
+            <a:r>
+              <a:rPr lang="ko-KR" altLang="en-US" sz="1400" dirty="0"/>
+              <a:t>내부로 개방하는 방식입니다</a:t>
+            </a:r>
+            <a:br>
+              <a:rPr lang="en-US" altLang="ko-KR" sz="1400" dirty="0"/>
+            </a:br>
+            <a:r>
+              <a:rPr lang="ko-KR" altLang="en-US" sz="1400" dirty="0"/>
+              <a:t>이 때</a:t>
+            </a:r>
+            <a:r>
+              <a:rPr lang="en-US" altLang="ko-KR" sz="1400" dirty="0"/>
+              <a:t>, DMZ</a:t>
+            </a:r>
+            <a:r>
+              <a:rPr lang="ko-KR" altLang="en-US" sz="1400" dirty="0"/>
+              <a:t>는 모든 포트를 여는 포트 포워딩과는 조금 다르고</a:t>
+            </a:r>
+            <a:br>
+              <a:rPr lang="en-US" altLang="ko-KR" sz="1400" dirty="0"/>
+            </a:br>
+            <a:r>
+              <a:rPr lang="ko-KR" altLang="en-US" sz="1400" dirty="0"/>
+              <a:t>외부 네트워크와 내부 네트워크 사이에 단계를 두어</a:t>
+            </a:r>
+            <a:br>
+              <a:rPr lang="en-US" altLang="ko-KR" sz="1400" dirty="0"/>
+            </a:br>
+            <a:r>
+              <a:rPr lang="en-US" altLang="ko-KR" sz="1400" dirty="0"/>
+              <a:t>DMZ</a:t>
+            </a:r>
+            <a:r>
+              <a:rPr lang="ko-KR" altLang="en-US" sz="1400" dirty="0"/>
+              <a:t>가 공격을 받더라도 내부 네트워크는 보호됩니다</a:t>
+            </a:r>
+            <a:br>
+              <a:rPr lang="en-US" altLang="ko-KR" sz="1400" dirty="0"/>
+            </a:br>
+            <a:r>
+              <a:rPr lang="ko-KR" altLang="en-US" sz="1400" dirty="0"/>
+              <a:t>하지만</a:t>
+            </a:r>
+            <a:r>
+              <a:rPr lang="en-US" altLang="ko-KR" sz="1400" dirty="0"/>
+              <a:t>, </a:t>
+            </a:r>
+            <a:r>
+              <a:rPr lang="ko-KR" altLang="en-US" sz="1400" dirty="0"/>
+              <a:t>모든 포트 개방은 리스크가 크기 때문에 잘 활용하시면 됩니다</a:t>
+            </a:r>
+            <a:endParaRPr lang="en-US" altLang="ko-KR" sz="1400" dirty="0"/>
+          </a:p>
+        </p:txBody>
+      </p:sp>
+      <p:pic>
+        <p:nvPicPr>
+          <p:cNvPr id="5" name="그림 4">
+            <a:extLst>
+              <a:ext uri="{FF2B5EF4-FFF2-40B4-BE49-F238E27FC236}">
+                <a16:creationId xmlns:a16="http://schemas.microsoft.com/office/drawing/2014/main" id="{BD8DBAC8-C315-FB3B-1E99-5D92C8C2337B}"/>
+              </a:ext>
+            </a:extLst>
+          </p:cNvPr>
+          <p:cNvPicPr>
+            <a:picLocks noChangeAspect="1"/>
+          </p:cNvPicPr>
+          <p:nvPr/>
+        </p:nvPicPr>
+        <p:blipFill>
+          <a:blip r:embed="rId2"/>
+          <a:stretch>
+            <a:fillRect/>
+          </a:stretch>
+        </p:blipFill>
+        <p:spPr>
+          <a:xfrm>
+            <a:off x="7049729" y="4203128"/>
+            <a:ext cx="5014829" cy="2127661"/>
+          </a:xfrm>
+          <a:prstGeom prst="rect">
+            <a:avLst/>
+          </a:prstGeom>
+        </p:spPr>
+      </p:pic>
     </p:spTree>
     <p:extLst>
       <p:ext uri="{BB962C8B-B14F-4D97-AF65-F5344CB8AC3E}">
-        <p14:creationId xmlns:p14="http://schemas.microsoft.com/office/powerpoint/2010/main" val="2525825330"/>
+        <p14:creationId xmlns:p14="http://schemas.microsoft.com/office/powerpoint/2010/main" val="828267970"/>
       </p:ext>
     </p:extLst>
   </p:cSld>
@@ -4524,7 +4911,7 @@
           <p:cNvPr id="2" name="제목 1">
             <a:extLst>
               <a:ext uri="{FF2B5EF4-FFF2-40B4-BE49-F238E27FC236}">
-                <a16:creationId xmlns:a16="http://schemas.microsoft.com/office/drawing/2014/main" id="{1314160E-EB42-1B88-7D1E-DBFA15A199DB}"/>
+                <a16:creationId xmlns:a16="http://schemas.microsoft.com/office/drawing/2014/main" id="{A74DE4AB-EA12-0527-78FB-3A7DADF9BF3E}"/>
               </a:ext>
             </a:extLst>
           </p:cNvPr>
@@ -4542,7 +4929,7 @@
           <a:p>
             <a:r>
               <a:rPr lang="en-US" altLang="ko-KR" dirty="0"/>
-              <a:t>Router</a:t>
+              <a:t>NAT Traversal</a:t>
             </a:r>
             <a:endParaRPr lang="ko-KR" altLang="en-US" dirty="0"/>
           </a:p>
@@ -4553,7 +4940,7 @@
           <p:cNvPr id="3" name="내용 개체 틀 2">
             <a:extLst>
               <a:ext uri="{FF2B5EF4-FFF2-40B4-BE49-F238E27FC236}">
-                <a16:creationId xmlns:a16="http://schemas.microsoft.com/office/drawing/2014/main" id="{3D53C142-D1EA-562D-67CC-A05387B237DF}"/>
+                <a16:creationId xmlns:a16="http://schemas.microsoft.com/office/drawing/2014/main" id="{17BC596A-C94D-8856-E353-1306BD635318}"/>
               </a:ext>
             </a:extLst>
           </p:cNvPr>
@@ -4564,19 +4951,432 @@
             <p:ph idx="1"/>
           </p:nvPr>
         </p:nvSpPr>
-        <p:spPr/>
+        <p:spPr>
+          <a:xfrm>
+            <a:off x="762000" y="1765139"/>
+            <a:ext cx="10805160" cy="5030918"/>
+          </a:xfrm>
+        </p:spPr>
         <p:txBody>
           <a:bodyPr/>
           <a:lstStyle/>
           <a:p>
-            <a:endParaRPr lang="ko-KR" altLang="en-US"/>
+            <a:r>
+              <a:rPr lang="en-US" altLang="ko-KR" sz="1600" dirty="0"/>
+              <a:t>NAT Filtering Rule</a:t>
+            </a:r>
+            <a:r>
+              <a:rPr lang="ko-KR" altLang="en-US" sz="1600" dirty="0"/>
+              <a:t>은 </a:t>
+            </a:r>
+            <a:r>
+              <a:rPr lang="en-US" altLang="ko-KR" sz="1600" dirty="0"/>
+              <a:t>NAT</a:t>
+            </a:r>
+            <a:r>
+              <a:rPr lang="ko-KR" altLang="en-US" sz="1600" dirty="0"/>
+              <a:t>단에서 들어온 또는 나가는 패킷의 전달여부</a:t>
+            </a:r>
+            <a:r>
+              <a:rPr lang="en-US" altLang="ko-KR" sz="1600" dirty="0"/>
+              <a:t>(</a:t>
+            </a:r>
+            <a:r>
+              <a:rPr lang="ko-KR" altLang="en-US" sz="1600" dirty="0"/>
+              <a:t>유사 방화벽</a:t>
+            </a:r>
+            <a:r>
+              <a:rPr lang="en-US" altLang="ko-KR" sz="1600" dirty="0"/>
+              <a:t>)</a:t>
+            </a:r>
+            <a:r>
+              <a:rPr lang="ko-KR" altLang="en-US" sz="1600" dirty="0"/>
+              <a:t>를</a:t>
+            </a:r>
+            <a:r>
+              <a:rPr lang="en-US" altLang="ko-KR" sz="1600" dirty="0"/>
+              <a:t> </a:t>
+            </a:r>
+            <a:r>
+              <a:rPr lang="ko-KR" altLang="en-US" sz="1600" dirty="0"/>
+              <a:t>정하는 규칙입니다</a:t>
+            </a:r>
+            <a:br>
+              <a:rPr lang="en-US" altLang="ko-KR" sz="1600" dirty="0"/>
+            </a:br>
+            <a:r>
+              <a:rPr lang="en-US" altLang="ko-KR" sz="1600" dirty="0"/>
+              <a:t>(</a:t>
+            </a:r>
+            <a:r>
+              <a:rPr lang="ko-KR" altLang="en-US" sz="1600" dirty="0"/>
+              <a:t>이는 패킷의 출발</a:t>
+            </a:r>
+            <a:r>
+              <a:rPr lang="en-US" altLang="ko-KR" sz="1600" dirty="0"/>
+              <a:t>/</a:t>
+            </a:r>
+            <a:r>
+              <a:rPr lang="ko-KR" altLang="en-US" sz="1600" dirty="0"/>
+              <a:t>도착지 </a:t>
+            </a:r>
+            <a:r>
+              <a:rPr lang="en-US" altLang="ko-KR" sz="1600" dirty="0"/>
+              <a:t>IP</a:t>
+            </a:r>
+            <a:r>
+              <a:rPr lang="ko-KR" altLang="en-US" sz="1600" dirty="0"/>
+              <a:t>주소를 수정하는 과정에서 전달여부를 검증합니다</a:t>
+            </a:r>
+            <a:r>
+              <a:rPr lang="en-US" altLang="ko-KR" sz="1600" dirty="0"/>
+              <a:t>)</a:t>
+            </a:r>
+          </a:p>
+          <a:p>
+            <a:r>
+              <a:rPr lang="en-US" altLang="ko-KR" sz="1600" dirty="0"/>
+              <a:t>NAT Filtering Rule</a:t>
+            </a:r>
+            <a:r>
+              <a:rPr lang="ko-KR" altLang="en-US" sz="1600" dirty="0"/>
+              <a:t>은 다음 두 가지 유형이 있습니다</a:t>
+            </a:r>
+            <a:endParaRPr lang="en-US" altLang="ko-KR" sz="1600" dirty="0"/>
+          </a:p>
+          <a:p>
+            <a:pPr marL="342900" indent="-342900">
+              <a:buFont typeface="+mj-lt"/>
+              <a:buAutoNum type="arabicPeriod"/>
+            </a:pPr>
+            <a:r>
+              <a:rPr lang="ko-KR" altLang="en-US" sz="1400" dirty="0" err="1"/>
+              <a:t>엔드포인트</a:t>
+            </a:r>
+            <a:r>
+              <a:rPr lang="ko-KR" altLang="en-US" sz="1400" dirty="0"/>
+              <a:t> 필터링</a:t>
+            </a:r>
+            <a:r>
+              <a:rPr lang="en-US" altLang="ko-KR" sz="1400" dirty="0"/>
+              <a:t>(Endpoint Filtering)</a:t>
+            </a:r>
+            <a:r>
+              <a:rPr lang="ko-KR" altLang="en-US" sz="1400" dirty="0"/>
+              <a:t>은 </a:t>
+            </a:r>
+            <a:r>
+              <a:rPr lang="en-US" altLang="ko-KR" sz="1400" dirty="0"/>
+              <a:t>NAT</a:t>
+            </a:r>
+            <a:r>
+              <a:rPr lang="ko-KR" altLang="en-US" sz="1400" dirty="0"/>
+              <a:t>가 내부 네트워크의 호스트가</a:t>
+            </a:r>
+            <a:br>
+              <a:rPr lang="en-US" altLang="ko-KR" sz="1400" dirty="0"/>
+            </a:br>
+            <a:r>
+              <a:rPr lang="ko-KR" altLang="en-US" sz="1400" dirty="0"/>
+              <a:t>외부 네트워크와의 연결을 초기화</a:t>
+            </a:r>
+            <a:r>
+              <a:rPr lang="en-US" altLang="ko-KR" sz="1400" dirty="0"/>
+              <a:t>(</a:t>
+            </a:r>
+            <a:r>
+              <a:rPr lang="ko-KR" altLang="en-US" sz="1400" dirty="0"/>
+              <a:t>시작 또는 종료</a:t>
+            </a:r>
+            <a:r>
+              <a:rPr lang="en-US" altLang="ko-KR" sz="1400" dirty="0"/>
+              <a:t>)</a:t>
+            </a:r>
+            <a:r>
+              <a:rPr lang="ko-KR" altLang="en-US" sz="1400" dirty="0"/>
+              <a:t>할 때만 패킷을 전달하도록 설정하는 방식입니다</a:t>
+            </a:r>
+            <a:br>
+              <a:rPr lang="en-US" altLang="ko-KR" sz="1400" dirty="0"/>
+            </a:br>
+            <a:r>
+              <a:rPr lang="ko-KR" altLang="en-US" sz="1400" dirty="0"/>
+              <a:t>외부 네트워크의 호스트가 내부 네트워크와의 연결을 초기화</a:t>
+            </a:r>
+            <a:r>
+              <a:rPr lang="en-US" altLang="ko-KR" sz="1400" dirty="0"/>
+              <a:t>(</a:t>
+            </a:r>
+            <a:r>
+              <a:rPr lang="ko-KR" altLang="en-US" sz="1400" dirty="0"/>
+              <a:t>시작 또는 종료</a:t>
+            </a:r>
+            <a:r>
+              <a:rPr lang="en-US" altLang="ko-KR" sz="1400" dirty="0"/>
+              <a:t>)</a:t>
+            </a:r>
+            <a:r>
+              <a:rPr lang="ko-KR" altLang="en-US" sz="1400" dirty="0"/>
+              <a:t>하려고 시도하면</a:t>
+            </a:r>
+            <a:r>
+              <a:rPr lang="en-US" altLang="ko-KR" sz="1400" dirty="0"/>
+              <a:t>,</a:t>
+            </a:r>
+            <a:br>
+              <a:rPr lang="en-US" altLang="ko-KR" sz="1400" dirty="0"/>
+            </a:br>
+            <a:r>
+              <a:rPr lang="en-US" altLang="ko-KR" sz="1400" dirty="0"/>
+              <a:t>NAT </a:t>
+            </a:r>
+            <a:r>
+              <a:rPr lang="ko-KR" altLang="en-US" sz="1400" dirty="0"/>
+              <a:t>장치는 이를 차단합니다</a:t>
+            </a:r>
+            <a:endParaRPr lang="en-US" altLang="ko-KR" sz="1400" dirty="0"/>
+          </a:p>
+          <a:p>
+            <a:pPr marL="342900" indent="-342900">
+              <a:buFont typeface="+mj-lt"/>
+              <a:buAutoNum type="arabicPeriod"/>
+            </a:pPr>
+            <a:r>
+              <a:rPr lang="ko-KR" altLang="en-US" sz="1400" dirty="0"/>
+              <a:t>주소 및 포트 기반 필터링</a:t>
+            </a:r>
+            <a:r>
+              <a:rPr lang="en-US" altLang="ko-KR" sz="1400" dirty="0"/>
+              <a:t>(Address and Port-Based Filtering)</a:t>
+            </a:r>
+            <a:r>
+              <a:rPr lang="ko-KR" altLang="en-US" sz="1400" dirty="0"/>
+              <a:t>은 </a:t>
+            </a:r>
+            <a:r>
+              <a:rPr lang="en-US" altLang="ko-KR" sz="1400" dirty="0"/>
+              <a:t>NAT </a:t>
+            </a:r>
+            <a:r>
+              <a:rPr lang="ko-KR" altLang="en-US" sz="1400" dirty="0"/>
+              <a:t>장치가</a:t>
+            </a:r>
+            <a:br>
+              <a:rPr lang="en-US" altLang="ko-KR" sz="1400" dirty="0"/>
+            </a:br>
+            <a:r>
+              <a:rPr lang="ko-KR" altLang="en-US" sz="1400" dirty="0"/>
+              <a:t>사전에 정의한 특정 </a:t>
+            </a:r>
+            <a:r>
+              <a:rPr lang="en-US" altLang="ko-KR" sz="1400" dirty="0"/>
+              <a:t>IP </a:t>
+            </a:r>
+            <a:r>
+              <a:rPr lang="ko-KR" altLang="en-US" sz="1400" dirty="0"/>
+              <a:t>주소와 포트 번호를 가진 패킷만 전달하도록 설정하는 방식입니다</a:t>
+            </a:r>
+            <a:br>
+              <a:rPr lang="en-US" altLang="ko-KR" sz="1400" dirty="0"/>
+            </a:br>
+            <a:r>
+              <a:rPr lang="ko-KR" altLang="en-US" sz="1400" dirty="0"/>
+              <a:t>이 방식은 내부 네트워크의 보안을 더욱 강화하는데 도움이 됩니다</a:t>
+            </a:r>
+            <a:endParaRPr lang="en-US" altLang="ko-KR" sz="1400" dirty="0"/>
+          </a:p>
+          <a:p>
+            <a:r>
+              <a:rPr lang="en-US" altLang="ko-KR" sz="1600" dirty="0"/>
+              <a:t>NAT </a:t>
+            </a:r>
+            <a:r>
+              <a:rPr lang="ko-KR" altLang="en-US" sz="1600" dirty="0"/>
+              <a:t>투과기술</a:t>
+            </a:r>
+            <a:r>
+              <a:rPr lang="en-US" altLang="ko-KR" sz="1600" dirty="0"/>
+              <a:t>(NAT</a:t>
+            </a:r>
+            <a:r>
+              <a:rPr lang="ko-KR" altLang="en-US" sz="1600" dirty="0"/>
+              <a:t> </a:t>
+            </a:r>
+            <a:r>
+              <a:rPr lang="en-US" altLang="ko-KR" sz="1600" dirty="0"/>
+              <a:t>Traversal</a:t>
+            </a:r>
+            <a:r>
+              <a:rPr lang="ko-KR" altLang="en-US" sz="1600" dirty="0"/>
+              <a:t>또는 </a:t>
+            </a:r>
+            <a:r>
+              <a:rPr lang="en-US" altLang="ko-KR" sz="1600" dirty="0" err="1"/>
+              <a:t>FireWall</a:t>
+            </a:r>
+            <a:r>
+              <a:rPr lang="en-US" altLang="ko-KR" sz="1600" dirty="0"/>
+              <a:t> Traversal)</a:t>
+            </a:r>
+            <a:r>
+              <a:rPr lang="ko-KR" altLang="en-US" sz="1600" dirty="0"/>
+              <a:t>은 두 사설</a:t>
+            </a:r>
+            <a:r>
+              <a:rPr lang="en-US" altLang="ko-KR" sz="1600" dirty="0"/>
+              <a:t>IP</a:t>
+            </a:r>
+            <a:r>
+              <a:rPr lang="ko-KR" altLang="en-US" sz="1600" dirty="0"/>
+              <a:t>를 사용하는 호스트가</a:t>
+            </a:r>
+            <a:br>
+              <a:rPr lang="en-US" altLang="ko-KR" sz="1600" dirty="0"/>
+            </a:br>
+            <a:r>
+              <a:rPr lang="ko-KR" altLang="en-US" sz="1600" dirty="0"/>
+              <a:t>서로 정보를</a:t>
+            </a:r>
+            <a:r>
+              <a:rPr lang="en-US" altLang="ko-KR" sz="1600" dirty="0"/>
+              <a:t> </a:t>
+            </a:r>
+            <a:r>
+              <a:rPr lang="ko-KR" altLang="en-US" sz="1600" dirty="0"/>
+              <a:t>주고 받을 때</a:t>
+            </a:r>
+            <a:r>
+              <a:rPr lang="en-US" altLang="ko-KR" sz="1600" dirty="0"/>
+              <a:t> </a:t>
+            </a:r>
+            <a:r>
+              <a:rPr lang="ko-KR" altLang="en-US" sz="1600" dirty="0"/>
+              <a:t>지나치는 각종 </a:t>
+            </a:r>
+            <a:r>
+              <a:rPr lang="en-US" altLang="ko-KR" sz="1600" dirty="0"/>
+              <a:t>NAT</a:t>
+            </a:r>
+            <a:r>
+              <a:rPr lang="ko-KR" altLang="en-US" sz="1600" dirty="0"/>
+              <a:t>나 방화벽으로 부터</a:t>
+            </a:r>
+            <a:br>
+              <a:rPr lang="en-US" altLang="ko-KR" sz="1600" dirty="0"/>
+            </a:br>
+            <a:r>
+              <a:rPr lang="ko-KR" altLang="en-US" sz="1600" dirty="0"/>
+              <a:t>자유롭게 통신</a:t>
+            </a:r>
+            <a:r>
+              <a:rPr lang="en-US" altLang="ko-KR" sz="1600" dirty="0"/>
+              <a:t>(one-to-one)</a:t>
+            </a:r>
+            <a:r>
+              <a:rPr lang="ko-KR" altLang="en-US" sz="1600" dirty="0"/>
+              <a:t>하도록</a:t>
+            </a:r>
+            <a:r>
+              <a:rPr lang="en-US" altLang="ko-KR" sz="1600" dirty="0"/>
+              <a:t> </a:t>
+            </a:r>
+            <a:r>
+              <a:rPr lang="ko-KR" altLang="en-US" sz="1600" dirty="0"/>
+              <a:t>해주는 기술입니다</a:t>
+            </a:r>
+            <a:endParaRPr lang="en-US" altLang="ko-KR" sz="1600" dirty="0"/>
+          </a:p>
+          <a:p>
+            <a:r>
+              <a:rPr lang="en-US" altLang="ko-KR" sz="1600" dirty="0"/>
+              <a:t>NAT </a:t>
+            </a:r>
+            <a:r>
+              <a:rPr lang="ko-KR" altLang="en-US" sz="1600" dirty="0"/>
+              <a:t>투과기술은 </a:t>
+            </a:r>
+            <a:r>
+              <a:rPr lang="en-US" altLang="ko-KR" sz="1600" dirty="0"/>
+              <a:t>NAT</a:t>
+            </a:r>
+            <a:r>
+              <a:rPr lang="ko-KR" altLang="en-US" sz="1600" dirty="0"/>
+              <a:t>테이블을 직접적으로 작성하여</a:t>
+            </a:r>
+            <a:r>
+              <a:rPr lang="en-US" altLang="ko-KR" sz="1600" dirty="0"/>
+              <a:t>(</a:t>
+            </a:r>
+            <a:r>
+              <a:rPr lang="ko-KR" altLang="en-US" sz="1600" dirty="0"/>
+              <a:t>또는 유도하여</a:t>
+            </a:r>
+            <a:r>
+              <a:rPr lang="en-US" altLang="ko-KR" sz="1600" dirty="0"/>
+              <a:t>) </a:t>
+            </a:r>
+            <a:r>
+              <a:rPr lang="ko-KR" altLang="en-US" sz="1600" dirty="0"/>
+              <a:t>두 호스트의 존재를 명시하고</a:t>
+            </a:r>
+            <a:r>
+              <a:rPr lang="en-US" altLang="ko-KR" sz="1600" dirty="0"/>
+              <a:t>,</a:t>
+            </a:r>
+            <a:br>
+              <a:rPr lang="en-US" altLang="ko-KR" sz="1600" dirty="0"/>
+            </a:br>
+            <a:r>
+              <a:rPr lang="ko-KR" altLang="en-US" sz="1600" dirty="0"/>
+              <a:t>미리 설정 된 </a:t>
+            </a:r>
+            <a:r>
+              <a:rPr lang="en-US" altLang="ko-KR" sz="1600" dirty="0"/>
+              <a:t>NAT Filtering Rule</a:t>
+            </a:r>
+            <a:r>
+              <a:rPr lang="ko-KR" altLang="en-US" sz="1600" dirty="0"/>
+              <a:t>에 맞는 방식으로 두 호스트의 연결을 수동으로 작성</a:t>
+            </a:r>
+            <a:r>
+              <a:rPr lang="en-US" altLang="ko-KR" sz="1600" dirty="0"/>
+              <a:t>(</a:t>
+            </a:r>
+            <a:r>
+              <a:rPr lang="ko-KR" altLang="en-US" sz="1600" dirty="0"/>
+              <a:t>또는 유도</a:t>
+            </a:r>
+            <a:r>
+              <a:rPr lang="en-US" altLang="ko-KR" sz="1600" dirty="0"/>
+              <a:t>)</a:t>
+            </a:r>
+            <a:r>
+              <a:rPr lang="ko-KR" altLang="en-US" sz="1600" dirty="0"/>
+              <a:t>하여</a:t>
+            </a:r>
+            <a:br>
+              <a:rPr lang="en-US" altLang="ko-KR" sz="1600" dirty="0"/>
+            </a:br>
+            <a:r>
+              <a:rPr lang="ko-KR" altLang="en-US" sz="1600" dirty="0"/>
+              <a:t>처음 부터 연결된 것 처럼 방화벽을 허물고</a:t>
+            </a:r>
+            <a:r>
+              <a:rPr lang="en-US" altLang="ko-KR" sz="1600" dirty="0"/>
+              <a:t>,</a:t>
+            </a:r>
+            <a:r>
+              <a:rPr lang="ko-KR" altLang="en-US" sz="1600" dirty="0"/>
+              <a:t> 둘 사이의 직접적인 통신이 가능하도록 합니다</a:t>
+            </a:r>
+            <a:endParaRPr lang="en-US" altLang="ko-KR" sz="1600" dirty="0"/>
           </a:p>
         </p:txBody>
       </p:sp>
     </p:spTree>
     <p:extLst>
       <p:ext uri="{BB962C8B-B14F-4D97-AF65-F5344CB8AC3E}">
-        <p14:creationId xmlns:p14="http://schemas.microsoft.com/office/powerpoint/2010/main" val="1656999248"/>
+        <p14:creationId xmlns:p14="http://schemas.microsoft.com/office/powerpoint/2010/main" val="3612516669"/>
       </p:ext>
     </p:extLst>
   </p:cSld>
@@ -4608,7 +5408,7 @@
           <p:cNvPr id="2" name="제목 1">
             <a:extLst>
               <a:ext uri="{FF2B5EF4-FFF2-40B4-BE49-F238E27FC236}">
-                <a16:creationId xmlns:a16="http://schemas.microsoft.com/office/drawing/2014/main" id="{D521AC9A-E519-EE7F-1217-F1D2B6EEEBD2}"/>
+                <a16:creationId xmlns:a16="http://schemas.microsoft.com/office/drawing/2014/main" id="{A74DE4AB-EA12-0527-78FB-3A7DADF9BF3E}"/>
               </a:ext>
             </a:extLst>
           </p:cNvPr>
@@ -4626,7 +5426,7 @@
           <a:p>
             <a:r>
               <a:rPr lang="en-US" altLang="ko-KR" dirty="0"/>
-              <a:t>OSPF, RIP (Intra-AS)</a:t>
+              <a:t>NAT Traversal</a:t>
             </a:r>
             <a:endParaRPr lang="ko-KR" altLang="en-US" dirty="0"/>
           </a:p>
@@ -4637,7 +5437,7 @@
           <p:cNvPr id="3" name="내용 개체 틀 2">
             <a:extLst>
               <a:ext uri="{FF2B5EF4-FFF2-40B4-BE49-F238E27FC236}">
-                <a16:creationId xmlns:a16="http://schemas.microsoft.com/office/drawing/2014/main" id="{CDD3BA5E-AB57-8DB7-09B8-05453F235F00}"/>
+                <a16:creationId xmlns:a16="http://schemas.microsoft.com/office/drawing/2014/main" id="{17BC596A-C94D-8856-E353-1306BD635318}"/>
               </a:ext>
             </a:extLst>
           </p:cNvPr>
@@ -4648,19 +5448,419 @@
             <p:ph idx="1"/>
           </p:nvPr>
         </p:nvSpPr>
-        <p:spPr/>
+        <p:spPr>
+          <a:xfrm>
+            <a:off x="761999" y="1765139"/>
+            <a:ext cx="11319879" cy="5025018"/>
+          </a:xfrm>
+        </p:spPr>
         <p:txBody>
           <a:bodyPr/>
           <a:lstStyle/>
           <a:p>
-            <a:endParaRPr lang="ko-KR" altLang="en-US"/>
+            <a:r>
+              <a:rPr lang="en-US" altLang="ko-KR" sz="1600" dirty="0"/>
+              <a:t>NAT Traversal</a:t>
+            </a:r>
+            <a:r>
+              <a:rPr lang="ko-KR" altLang="en-US" sz="1600" dirty="0"/>
+              <a:t>방식은 다음 세 가지가 있습니다</a:t>
+            </a:r>
+            <a:endParaRPr lang="en-US" altLang="ko-KR" sz="1600" dirty="0"/>
+          </a:p>
+          <a:p>
+            <a:pPr marL="342900" indent="-342900">
+              <a:buFont typeface="+mj-lt"/>
+              <a:buAutoNum type="arabicPeriod"/>
+            </a:pPr>
+            <a:r>
+              <a:rPr lang="en-US" altLang="ko-KR" sz="1400" dirty="0"/>
+              <a:t>Relaying </a:t>
+            </a:r>
+            <a:r>
+              <a:rPr lang="ko-KR" altLang="en-US" sz="1400" dirty="0"/>
+              <a:t>방식</a:t>
+            </a:r>
+            <a:r>
+              <a:rPr lang="en-US" altLang="ko-KR" sz="1400" dirty="0"/>
+              <a:t>: </a:t>
+            </a:r>
+            <a:r>
+              <a:rPr lang="ko-KR" altLang="en-US" sz="1400" dirty="0"/>
+              <a:t>두 사설</a:t>
+            </a:r>
+            <a:r>
+              <a:rPr lang="en-US" altLang="ko-KR" sz="1400" dirty="0"/>
+              <a:t>IP</a:t>
+            </a:r>
+            <a:r>
+              <a:rPr lang="ko-KR" altLang="en-US" sz="1400" dirty="0"/>
+              <a:t>는 클라이언트의 형태로 외부 서버를 접속하여</a:t>
+            </a:r>
+            <a:br>
+              <a:rPr lang="en-US" altLang="ko-KR" sz="1400" dirty="0"/>
+            </a:br>
+            <a:r>
+              <a:rPr lang="ko-KR" altLang="en-US" sz="1400" dirty="0"/>
+              <a:t>두 사설</a:t>
+            </a:r>
+            <a:r>
+              <a:rPr lang="en-US" altLang="ko-KR" sz="1400" dirty="0"/>
+              <a:t>IP</a:t>
+            </a:r>
+            <a:r>
+              <a:rPr lang="ko-KR" altLang="en-US" sz="1400" dirty="0"/>
+              <a:t>간의 통신을 중개하는 방식으로 가능하게 해줍니다</a:t>
+            </a:r>
+            <a:br>
+              <a:rPr lang="en-US" altLang="ko-KR" sz="1400" dirty="0"/>
+            </a:br>
+            <a:r>
+              <a:rPr lang="ko-KR" altLang="en-US" sz="1400" dirty="0"/>
+              <a:t>장점은 방화벽이나 </a:t>
+            </a:r>
+            <a:r>
+              <a:rPr lang="en-US" altLang="ko-KR" sz="1400" dirty="0"/>
+              <a:t>NAT</a:t>
+            </a:r>
+            <a:r>
+              <a:rPr lang="ko-KR" altLang="en-US" sz="1400" dirty="0"/>
+              <a:t>장비의 특성과 무관하게 클라이언트</a:t>
+            </a:r>
+            <a:r>
+              <a:rPr lang="en-US" altLang="ko-KR" sz="1400" dirty="0"/>
+              <a:t>-</a:t>
+            </a:r>
+            <a:r>
+              <a:rPr lang="ko-KR" altLang="en-US" sz="1400" dirty="0"/>
+              <a:t>서버의 형태를 그대로 사용하여</a:t>
+            </a:r>
+            <a:br>
+              <a:rPr lang="en-US" altLang="ko-KR" sz="1400" dirty="0"/>
+            </a:br>
+            <a:r>
+              <a:rPr lang="ko-KR" altLang="en-US" sz="1400" dirty="0"/>
+              <a:t>확실한 통신을 보장하는 편이지만</a:t>
+            </a:r>
+            <a:r>
+              <a:rPr lang="en-US" altLang="ko-KR" sz="1400" dirty="0"/>
+              <a:t>, </a:t>
+            </a:r>
+            <a:r>
+              <a:rPr lang="ko-KR" altLang="en-US" sz="1400" dirty="0"/>
+              <a:t>단점은 외부 </a:t>
+            </a:r>
+            <a:r>
+              <a:rPr lang="en-US" altLang="ko-KR" sz="1400" dirty="0"/>
+              <a:t>Relay</a:t>
+            </a:r>
+            <a:r>
+              <a:rPr lang="ko-KR" altLang="en-US" sz="1400" dirty="0"/>
+              <a:t>서버의 부하가 될 수 있을 것입니다</a:t>
+            </a:r>
+            <a:endParaRPr lang="en-US" altLang="ko-KR" sz="1400" dirty="0"/>
+          </a:p>
+          <a:p>
+            <a:pPr marL="342900" indent="-342900">
+              <a:buFont typeface="+mj-lt"/>
+              <a:buAutoNum type="arabicPeriod"/>
+            </a:pPr>
+            <a:r>
+              <a:rPr lang="en-US" altLang="ko-KR" sz="1400" dirty="0"/>
+              <a:t>Connection Reversal </a:t>
+            </a:r>
+            <a:r>
+              <a:rPr lang="ko-KR" altLang="en-US" sz="1400" dirty="0"/>
+              <a:t>방식</a:t>
+            </a:r>
+            <a:r>
+              <a:rPr lang="en-US" altLang="ko-KR" sz="1400" dirty="0"/>
+              <a:t>: </a:t>
+            </a:r>
+            <a:r>
+              <a:rPr lang="ko-KR" altLang="en-US" sz="1400" dirty="0"/>
+              <a:t>두 호스트 중에서 하나는 공인 </a:t>
+            </a:r>
+            <a:r>
+              <a:rPr lang="en-US" altLang="ko-KR" sz="1400" dirty="0"/>
+              <a:t>IP</a:t>
+            </a:r>
+            <a:r>
+              <a:rPr lang="ko-KR" altLang="en-US" sz="1400" dirty="0"/>
+              <a:t>를 사용한 호스트일 경우</a:t>
+            </a:r>
+            <a:r>
+              <a:rPr lang="en-US" altLang="ko-KR" sz="1400" dirty="0"/>
+              <a:t>,</a:t>
+            </a:r>
+            <a:br>
+              <a:rPr lang="en-US" altLang="ko-KR" sz="1400" dirty="0"/>
+            </a:br>
+            <a:r>
+              <a:rPr lang="ko-KR" altLang="en-US" sz="1400" dirty="0"/>
+              <a:t>일반적인 클라이언트</a:t>
+            </a:r>
+            <a:r>
+              <a:rPr lang="en-US" altLang="ko-KR" sz="1400" dirty="0"/>
+              <a:t>-</a:t>
+            </a:r>
+            <a:r>
+              <a:rPr lang="ko-KR" altLang="en-US" sz="1400" dirty="0"/>
+              <a:t>서버구조 처럼 연결을 수행하고</a:t>
+            </a:r>
+            <a:r>
+              <a:rPr lang="en-US" altLang="ko-KR" sz="1400" dirty="0"/>
+              <a:t>, </a:t>
+            </a:r>
+            <a:r>
+              <a:rPr lang="ko-KR" altLang="en-US" sz="1400" dirty="0"/>
+              <a:t>이후 연결 된 경로를 통해 상호 통신을 수행하는 방식입니다</a:t>
+            </a:r>
+            <a:br>
+              <a:rPr lang="en-US" altLang="ko-KR" sz="1400" dirty="0"/>
+            </a:br>
+            <a:r>
+              <a:rPr lang="ko-KR" altLang="en-US" sz="1400" dirty="0"/>
+              <a:t>장점은 외부 </a:t>
+            </a:r>
+            <a:r>
+              <a:rPr lang="en-US" altLang="ko-KR" sz="1400" dirty="0"/>
+              <a:t>Relay</a:t>
+            </a:r>
+            <a:r>
+              <a:rPr lang="ko-KR" altLang="en-US" sz="1400" dirty="0"/>
+              <a:t>서버를 두지 않아도 되면서 각종 방화벽과 </a:t>
+            </a:r>
+            <a:r>
+              <a:rPr lang="en-US" altLang="ko-KR" sz="1400" dirty="0"/>
+              <a:t>NAT</a:t>
+            </a:r>
+            <a:r>
+              <a:rPr lang="ko-KR" altLang="en-US" sz="1400" dirty="0"/>
+              <a:t>로 부터 자유롭지만</a:t>
+            </a:r>
+            <a:r>
+              <a:rPr lang="en-US" altLang="ko-KR" sz="1400" dirty="0"/>
+              <a:t>,</a:t>
+            </a:r>
+            <a:br>
+              <a:rPr lang="en-US" altLang="ko-KR" sz="1400" dirty="0"/>
+            </a:br>
+            <a:r>
+              <a:rPr lang="ko-KR" altLang="en-US" sz="1400" dirty="0"/>
+              <a:t>단점은 여전히 공인 </a:t>
+            </a:r>
+            <a:r>
+              <a:rPr lang="en-US" altLang="ko-KR" sz="1400" dirty="0"/>
+              <a:t>IP</a:t>
+            </a:r>
+            <a:r>
+              <a:rPr lang="ko-KR" altLang="en-US" sz="1400" dirty="0"/>
+              <a:t>를 사용하는 서버가 있어야 되기 때문에 조건이 까다롭다고 볼 수 있습니다</a:t>
+            </a:r>
+            <a:endParaRPr lang="en-US" altLang="ko-KR" sz="1400" dirty="0"/>
+          </a:p>
+          <a:p>
+            <a:pPr marL="342900" indent="-342900">
+              <a:buFont typeface="+mj-lt"/>
+              <a:buAutoNum type="arabicPeriod"/>
+            </a:pPr>
+            <a:r>
+              <a:rPr lang="ko-KR" altLang="en-US" sz="1400" dirty="0"/>
+              <a:t>홀 </a:t>
+            </a:r>
+            <a:r>
+              <a:rPr lang="ko-KR" altLang="en-US" sz="1400" dirty="0" err="1"/>
+              <a:t>펀칭</a:t>
+            </a:r>
+            <a:r>
+              <a:rPr lang="en-US" altLang="ko-KR" sz="1400" dirty="0"/>
+              <a:t>(Hole Punching) </a:t>
+            </a:r>
+            <a:r>
+              <a:rPr lang="ko-KR" altLang="en-US" sz="1400" dirty="0"/>
+              <a:t>방식</a:t>
+            </a:r>
+            <a:r>
+              <a:rPr lang="en-US" altLang="ko-KR" sz="1400" dirty="0"/>
+              <a:t>: </a:t>
+            </a:r>
+            <a:r>
+              <a:rPr lang="ko-KR" altLang="en-US" sz="1400" dirty="0"/>
+              <a:t>두 사설</a:t>
+            </a:r>
+            <a:r>
+              <a:rPr lang="en-US" altLang="ko-KR" sz="1400" dirty="0"/>
+              <a:t>IP</a:t>
+            </a:r>
+            <a:r>
+              <a:rPr lang="ko-KR" altLang="en-US" sz="1400" dirty="0"/>
+              <a:t>를 사용하는 호스트가 자신과 상대의 </a:t>
+            </a:r>
+            <a:r>
+              <a:rPr lang="en-US" altLang="ko-KR" sz="1400" dirty="0" err="1"/>
+              <a:t>IP:Port</a:t>
+            </a:r>
+            <a:r>
+              <a:rPr lang="ko-KR" altLang="en-US" sz="1400" dirty="0"/>
+              <a:t>를 가지고</a:t>
+            </a:r>
+            <a:br>
+              <a:rPr lang="en-US" altLang="ko-KR" sz="1400" dirty="0"/>
+            </a:br>
+            <a:r>
+              <a:rPr lang="ko-KR" altLang="en-US" sz="1400" dirty="0"/>
+              <a:t>이미 연결 처리가 된 것처럼</a:t>
+            </a:r>
+            <a:r>
+              <a:rPr lang="en-US" altLang="ko-KR" sz="1400" dirty="0"/>
+              <a:t>, NAT Filtering Rules</a:t>
+            </a:r>
+            <a:r>
+              <a:rPr lang="ko-KR" altLang="en-US" sz="1400" dirty="0"/>
+              <a:t>을 업데이트 하여 </a:t>
+            </a:r>
+            <a:r>
+              <a:rPr lang="en-US" altLang="ko-KR" sz="1400" dirty="0"/>
+              <a:t>(NAT Table</a:t>
+            </a:r>
+            <a:r>
+              <a:rPr lang="ko-KR" altLang="en-US" sz="1400" dirty="0"/>
+              <a:t>도 미리 등록된 상태</a:t>
+            </a:r>
+            <a:r>
+              <a:rPr lang="en-US" altLang="ko-KR" sz="1400" dirty="0"/>
+              <a:t>)</a:t>
+            </a:r>
+            <a:br>
+              <a:rPr lang="en-US" altLang="ko-KR" sz="1400" dirty="0"/>
+            </a:br>
+            <a:r>
+              <a:rPr lang="ko-KR" altLang="en-US" sz="1400" dirty="0"/>
+              <a:t>열어놓은 통로를 통해 두 호스트가 상호 통신을 수행하는 방식입니다</a:t>
+            </a:r>
+            <a:br>
+              <a:rPr lang="en-US" altLang="ko-KR" sz="1400" dirty="0"/>
+            </a:br>
+            <a:r>
+              <a:rPr lang="ko-KR" altLang="en-US" sz="1400" dirty="0"/>
+              <a:t>장점은 온전한 두 사설</a:t>
+            </a:r>
+            <a:r>
+              <a:rPr lang="en-US" altLang="ko-KR" sz="1400" dirty="0"/>
+              <a:t>IP</a:t>
+            </a:r>
+            <a:r>
+              <a:rPr lang="ko-KR" altLang="en-US" sz="1400" dirty="0"/>
+              <a:t>간의 통신으로 가장 유용한 방식이지만</a:t>
+            </a:r>
+            <a:r>
+              <a:rPr lang="en-US" altLang="ko-KR" sz="1400" dirty="0"/>
+              <a:t>,</a:t>
+            </a:r>
+            <a:br>
+              <a:rPr lang="en-US" altLang="ko-KR" sz="1400" dirty="0"/>
+            </a:br>
+            <a:r>
+              <a:rPr lang="ko-KR" altLang="en-US" sz="1400" dirty="0"/>
+              <a:t>단점으로는 상호 통신이 된 상태를 만들어 통신하기 때문에</a:t>
+            </a:r>
+            <a:r>
+              <a:rPr lang="en-US" altLang="ko-KR" sz="1400" dirty="0"/>
+              <a:t>, </a:t>
+            </a:r>
+            <a:r>
+              <a:rPr lang="ko-KR" altLang="en-US" sz="1400" dirty="0"/>
+              <a:t>통신이 끊어졌다고 생각하지 않도록</a:t>
+            </a:r>
+            <a:br>
+              <a:rPr lang="en-US" altLang="ko-KR" sz="1400" dirty="0"/>
+            </a:br>
+            <a:r>
+              <a:rPr lang="ko-KR" altLang="en-US" sz="1400" dirty="0"/>
+              <a:t>지속적인 </a:t>
+            </a:r>
+            <a:r>
+              <a:rPr lang="en-US" altLang="ko-KR" sz="1400" dirty="0" err="1"/>
+              <a:t>KeepAlive</a:t>
+            </a:r>
+            <a:r>
+              <a:rPr lang="en-US" altLang="ko-KR" sz="1400" dirty="0"/>
+              <a:t> Ping(</a:t>
+            </a:r>
+            <a:r>
+              <a:rPr lang="ko-KR" altLang="en-US" sz="1400" dirty="0"/>
+              <a:t>일명 </a:t>
+            </a:r>
+            <a:r>
+              <a:rPr lang="en-US" altLang="ko-KR" sz="1400" dirty="0"/>
+              <a:t>Heart Bit)</a:t>
+            </a:r>
+            <a:r>
+              <a:rPr lang="ko-KR" altLang="en-US" sz="1400" dirty="0"/>
+              <a:t>를 날려 통신 상태를 유지해야 합니다</a:t>
+            </a:r>
+            <a:endParaRPr lang="en-US" altLang="ko-KR" sz="1400" dirty="0"/>
+          </a:p>
+          <a:p>
+            <a:r>
+              <a:rPr lang="ko-KR" altLang="en-US" sz="1600" dirty="0"/>
+              <a:t>홀 </a:t>
+            </a:r>
+            <a:r>
+              <a:rPr lang="ko-KR" altLang="en-US" sz="1600" dirty="0" err="1"/>
+              <a:t>펀칭</a:t>
+            </a:r>
+            <a:r>
+              <a:rPr lang="ko-KR" altLang="en-US" sz="1600" dirty="0"/>
+              <a:t> 방식은 크게 두 가지 모드로 동작 할 수 있습니다</a:t>
+            </a:r>
+            <a:br>
+              <a:rPr lang="en-US" altLang="ko-KR" sz="1400" dirty="0"/>
+            </a:br>
+            <a:r>
+              <a:rPr lang="en-US" altLang="ko-KR" sz="1400" dirty="0"/>
+              <a:t>1. Endpoint Dependent: NAT</a:t>
+            </a:r>
+            <a:r>
+              <a:rPr lang="ko-KR" altLang="en-US" sz="1400" dirty="0"/>
+              <a:t>장치가 내부 호스트와 외부 호스트가 통신할 때 매번 새로운 공인 </a:t>
+            </a:r>
+            <a:r>
+              <a:rPr lang="en-US" altLang="ko-KR" sz="1400" dirty="0" err="1"/>
+              <a:t>IP:Port</a:t>
+            </a:r>
+            <a:r>
+              <a:rPr lang="ko-KR" altLang="en-US" sz="1400" dirty="0"/>
+              <a:t>를 사용해야 합니다</a:t>
+            </a:r>
+            <a:br>
+              <a:rPr lang="en-US" altLang="ko-KR" sz="1400" dirty="0"/>
+            </a:br>
+            <a:r>
+              <a:rPr lang="en-US" altLang="ko-KR" sz="1400" dirty="0"/>
+              <a:t>2. Endpoint Independent: NAT</a:t>
+            </a:r>
+            <a:r>
+              <a:rPr lang="ko-KR" altLang="en-US" sz="1400" dirty="0"/>
+              <a:t>장치가 내부 호스트와 외부 호스트가 통신할 때 매번 같은 </a:t>
+            </a:r>
+            <a:r>
+              <a:rPr lang="en-US" altLang="ko-KR" sz="1400" dirty="0" err="1"/>
+              <a:t>IP:Port</a:t>
+            </a:r>
+            <a:r>
+              <a:rPr lang="ko-KR" altLang="en-US" sz="1400" dirty="0"/>
+              <a:t>로 통신이 가능합니다</a:t>
+            </a:r>
+            <a:endParaRPr lang="en-US" altLang="ko-KR" sz="1400" dirty="0"/>
           </a:p>
         </p:txBody>
       </p:sp>
     </p:spTree>
     <p:extLst>
       <p:ext uri="{BB962C8B-B14F-4D97-AF65-F5344CB8AC3E}">
-        <p14:creationId xmlns:p14="http://schemas.microsoft.com/office/powerpoint/2010/main" val="3967982616"/>
+        <p14:creationId xmlns:p14="http://schemas.microsoft.com/office/powerpoint/2010/main" val="2822031865"/>
       </p:ext>
     </p:extLst>
   </p:cSld>
@@ -4692,7 +5892,7 @@
           <p:cNvPr id="2" name="제목 1">
             <a:extLst>
               <a:ext uri="{FF2B5EF4-FFF2-40B4-BE49-F238E27FC236}">
-                <a16:creationId xmlns:a16="http://schemas.microsoft.com/office/drawing/2014/main" id="{83291C9C-B7B2-84E0-221D-4E262D0A1D2F}"/>
+                <a16:creationId xmlns:a16="http://schemas.microsoft.com/office/drawing/2014/main" id="{A74DE4AB-EA12-0527-78FB-3A7DADF9BF3E}"/>
               </a:ext>
             </a:extLst>
           </p:cNvPr>
@@ -4710,7 +5910,7 @@
           <a:p>
             <a:r>
               <a:rPr lang="en-US" altLang="ko-KR" dirty="0"/>
-              <a:t>BGP (Inter-AS)</a:t>
+              <a:t>Hole Punching</a:t>
             </a:r>
             <a:endParaRPr lang="ko-KR" altLang="en-US" dirty="0"/>
           </a:p>
@@ -4721,7 +5921,7 @@
           <p:cNvPr id="3" name="내용 개체 틀 2">
             <a:extLst>
               <a:ext uri="{FF2B5EF4-FFF2-40B4-BE49-F238E27FC236}">
-                <a16:creationId xmlns:a16="http://schemas.microsoft.com/office/drawing/2014/main" id="{F25F7E1C-3B60-656A-ACE4-D9E85DB99641}"/>
+                <a16:creationId xmlns:a16="http://schemas.microsoft.com/office/drawing/2014/main" id="{17BC596A-C94D-8856-E353-1306BD635318}"/>
               </a:ext>
             </a:extLst>
           </p:cNvPr>
@@ -4732,19 +5932,281 @@
             <p:ph idx="1"/>
           </p:nvPr>
         </p:nvSpPr>
-        <p:spPr/>
+        <p:spPr>
+          <a:xfrm>
+            <a:off x="761999" y="1765139"/>
+            <a:ext cx="11319879" cy="5025018"/>
+          </a:xfrm>
+        </p:spPr>
         <p:txBody>
           <a:bodyPr/>
           <a:lstStyle/>
           <a:p>
-            <a:endParaRPr lang="ko-KR" altLang="en-US"/>
-          </a:p>
-        </p:txBody>
-      </p:sp>
+            <a:r>
+              <a:rPr lang="ko-KR" altLang="en-US" sz="1600" dirty="0"/>
+              <a:t>홀 </a:t>
+            </a:r>
+            <a:r>
+              <a:rPr lang="ko-KR" altLang="en-US" sz="1600" dirty="0" err="1"/>
+              <a:t>펀칭</a:t>
+            </a:r>
+            <a:r>
+              <a:rPr lang="ko-KR" altLang="en-US" sz="1600" dirty="0"/>
+              <a:t> 방식은 크게 두 가지 모드로 동작 할 수 있습니다</a:t>
+            </a:r>
+            <a:endParaRPr lang="en-US" altLang="ko-KR" sz="1400" dirty="0"/>
+          </a:p>
+          <a:p>
+            <a:pPr marL="342900" indent="-342900">
+              <a:buFont typeface="+mj-lt"/>
+              <a:buAutoNum type="arabicPeriod"/>
+            </a:pPr>
+            <a:r>
+              <a:rPr lang="en-US" altLang="ko-KR" sz="1400" dirty="0"/>
+              <a:t>Endpoint Dependent: NAT</a:t>
+            </a:r>
+            <a:r>
+              <a:rPr lang="ko-KR" altLang="en-US" sz="1400" dirty="0"/>
+              <a:t>장치가 내부 호스트와 외부 호스트가 통신할 때 매번 새로운 공인 </a:t>
+            </a:r>
+            <a:r>
+              <a:rPr lang="en-US" altLang="ko-KR" sz="1400" dirty="0" err="1"/>
+              <a:t>IP:Port</a:t>
+            </a:r>
+            <a:r>
+              <a:rPr lang="ko-KR" altLang="en-US" sz="1400" dirty="0"/>
+              <a:t>를 사용해야 합니다</a:t>
+            </a:r>
+            <a:br>
+              <a:rPr lang="en-US" altLang="ko-KR" sz="1400" dirty="0"/>
+            </a:br>
+            <a:r>
+              <a:rPr lang="ko-KR" altLang="en-US" sz="1400" dirty="0"/>
+              <a:t>비교적 복잡한 방식으로</a:t>
+            </a:r>
+            <a:r>
+              <a:rPr lang="en-US" altLang="ko-KR" sz="1400" dirty="0"/>
+              <a:t>,</a:t>
+            </a:r>
+            <a:r>
+              <a:rPr lang="ko-KR" altLang="en-US" sz="1400" dirty="0"/>
+              <a:t> 연결 지향성 홀 </a:t>
+            </a:r>
+            <a:r>
+              <a:rPr lang="ko-KR" altLang="en-US" sz="1400" dirty="0" err="1"/>
+              <a:t>펀칭을</a:t>
+            </a:r>
+            <a:r>
+              <a:rPr lang="ko-KR" altLang="en-US" sz="1400" dirty="0"/>
+              <a:t> 생성해야 하기 때문에</a:t>
+            </a:r>
+            <a:r>
+              <a:rPr lang="en-US" altLang="ko-KR" sz="1400" dirty="0"/>
+              <a:t>, TCP </a:t>
+            </a:r>
+            <a:r>
+              <a:rPr lang="ko-KR" altLang="en-US" sz="1400" dirty="0"/>
+              <a:t>홀 </a:t>
+            </a:r>
+            <a:r>
+              <a:rPr lang="ko-KR" altLang="en-US" sz="1400" dirty="0" err="1"/>
+              <a:t>펀칭</a:t>
+            </a:r>
+            <a:r>
+              <a:rPr lang="en-US" altLang="ko-KR" sz="1400" dirty="0"/>
+              <a:t>(</a:t>
+            </a:r>
+            <a:r>
+              <a:rPr lang="ko-KR" altLang="en-US" sz="1400" dirty="0"/>
+              <a:t>우측 그림</a:t>
+            </a:r>
+            <a:r>
+              <a:rPr lang="en-US" altLang="ko-KR" sz="1400" dirty="0"/>
+              <a:t>)</a:t>
+            </a:r>
+            <a:r>
+              <a:rPr lang="ko-KR" altLang="en-US" sz="1400" dirty="0"/>
+              <a:t>을 사용할 수 밖에 없습니다</a:t>
+            </a:r>
+            <a:br>
+              <a:rPr lang="en-US" altLang="ko-KR" sz="1400" dirty="0"/>
+            </a:br>
+            <a:r>
+              <a:rPr lang="en-US" altLang="ko-KR" sz="1400" dirty="0"/>
+              <a:t>(</a:t>
+            </a:r>
+            <a:r>
+              <a:rPr lang="ko-KR" altLang="en-US" sz="1400" dirty="0"/>
+              <a:t>이유는 연결을 맺을 경우에는 매번 새로운 </a:t>
+            </a:r>
+            <a:r>
+              <a:rPr lang="en-US" altLang="ko-KR" sz="1400" dirty="0" err="1"/>
+              <a:t>IP:Port</a:t>
+            </a:r>
+            <a:r>
+              <a:rPr lang="ko-KR" altLang="en-US" sz="1400" dirty="0"/>
+              <a:t>를 사용해도 </a:t>
+            </a:r>
+            <a:r>
+              <a:rPr lang="en-US" altLang="ko-KR" sz="1400" dirty="0" err="1"/>
+              <a:t>EndPoint</a:t>
+            </a:r>
+            <a:r>
+              <a:rPr lang="ko-KR" altLang="en-US" sz="1400" dirty="0"/>
+              <a:t>및 </a:t>
+            </a:r>
+            <a:r>
+              <a:rPr lang="en-US" altLang="ko-KR" sz="1400" dirty="0"/>
+              <a:t>NAT</a:t>
+            </a:r>
+            <a:r>
+              <a:rPr lang="ko-KR" altLang="en-US" sz="1400" dirty="0"/>
+              <a:t>가 자동으로 잡아주기 때문입니다</a:t>
+            </a:r>
+            <a:r>
+              <a:rPr lang="en-US" altLang="ko-KR" sz="1400" dirty="0"/>
+              <a:t>)</a:t>
+            </a:r>
+          </a:p>
+          <a:p>
+            <a:pPr marL="342900" indent="-342900">
+              <a:buFont typeface="+mj-lt"/>
+              <a:buAutoNum type="arabicPeriod"/>
+            </a:pPr>
+            <a:r>
+              <a:rPr lang="en-US" altLang="ko-KR" sz="1400" dirty="0"/>
+              <a:t>Endpoint Independent: NAT</a:t>
+            </a:r>
+            <a:r>
+              <a:rPr lang="ko-KR" altLang="en-US" sz="1400" dirty="0"/>
+              <a:t>장치가 내부 호스트와 외부 호스트가 통신할 때 매번 같은 </a:t>
+            </a:r>
+            <a:r>
+              <a:rPr lang="en-US" altLang="ko-KR" sz="1400" dirty="0" err="1"/>
+              <a:t>IP:Port</a:t>
+            </a:r>
+            <a:r>
+              <a:rPr lang="ko-KR" altLang="en-US" sz="1400" dirty="0"/>
+              <a:t>로 통신이 가능합니다</a:t>
+            </a:r>
+            <a:br>
+              <a:rPr lang="en-US" altLang="ko-KR" sz="1400" dirty="0"/>
+            </a:br>
+            <a:r>
+              <a:rPr lang="ko-KR" altLang="en-US" sz="1400" dirty="0"/>
+              <a:t>비교적 간단한 방식으로 비 연결 지향성 홀 </a:t>
+            </a:r>
+            <a:r>
+              <a:rPr lang="ko-KR" altLang="en-US" sz="1400" dirty="0" err="1"/>
+              <a:t>펀칭도</a:t>
+            </a:r>
+            <a:r>
+              <a:rPr lang="ko-KR" altLang="en-US" sz="1400" dirty="0"/>
+              <a:t> 가능하여 보통 </a:t>
+            </a:r>
+            <a:r>
+              <a:rPr lang="en-US" altLang="ko-KR" sz="1400" dirty="0"/>
+              <a:t>UDP </a:t>
+            </a:r>
+            <a:r>
+              <a:rPr lang="ko-KR" altLang="en-US" sz="1400" dirty="0" err="1"/>
+              <a:t>홀펀칭</a:t>
+            </a:r>
+            <a:r>
+              <a:rPr lang="en-US" altLang="ko-KR" sz="1400" dirty="0"/>
+              <a:t>(</a:t>
+            </a:r>
+            <a:r>
+              <a:rPr lang="ko-KR" altLang="en-US" sz="1400" dirty="0"/>
+              <a:t>좌측 그림</a:t>
+            </a:r>
+            <a:r>
+              <a:rPr lang="en-US" altLang="ko-KR" sz="1400" dirty="0"/>
+              <a:t>)</a:t>
+            </a:r>
+            <a:r>
+              <a:rPr lang="ko-KR" altLang="en-US" sz="1400" dirty="0"/>
+              <a:t>을 사용합니다</a:t>
+            </a:r>
+            <a:endParaRPr lang="en-US" altLang="ko-KR" sz="1400" dirty="0"/>
+          </a:p>
+        </p:txBody>
+      </p:sp>
+      <p:pic>
+        <p:nvPicPr>
+          <p:cNvPr id="5" name="그림 4" descr="텍스트, 도표, 그림, 지도이(가) 표시된 사진&#10;&#10;자동 생성된 설명">
+            <a:extLst>
+              <a:ext uri="{FF2B5EF4-FFF2-40B4-BE49-F238E27FC236}">
+                <a16:creationId xmlns:a16="http://schemas.microsoft.com/office/drawing/2014/main" id="{81A1F6E3-8077-2252-559F-B98B9728B375}"/>
+              </a:ext>
+            </a:extLst>
+          </p:cNvPr>
+          <p:cNvPicPr>
+            <a:picLocks noChangeAspect="1"/>
+          </p:cNvPicPr>
+          <p:nvPr/>
+        </p:nvPicPr>
+        <p:blipFill rotWithShape="1">
+          <a:blip r:embed="rId2">
+            <a:extLst>
+              <a:ext uri="{28A0092B-C50C-407E-A947-70E740481C1C}">
+                <a14:useLocalDpi xmlns:a14="http://schemas.microsoft.com/office/drawing/2010/main" val="0"/>
+              </a:ext>
+            </a:extLst>
+          </a:blip>
+          <a:srcRect l="1082" t="10603" r="1920" b="5883"/>
+          <a:stretch/>
+        </p:blipFill>
+        <p:spPr>
+          <a:xfrm>
+            <a:off x="1741162" y="3695863"/>
+            <a:ext cx="4791808" cy="3094293"/>
+          </a:xfrm>
+          <a:prstGeom prst="rect">
+            <a:avLst/>
+          </a:prstGeom>
+        </p:spPr>
+      </p:pic>
+      <p:pic>
+        <p:nvPicPr>
+          <p:cNvPr id="7" name="그림 6" descr="텍스트, 도표, 스크린샷, 라인이(가) 표시된 사진&#10;&#10;자동 생성된 설명">
+            <a:extLst>
+              <a:ext uri="{FF2B5EF4-FFF2-40B4-BE49-F238E27FC236}">
+                <a16:creationId xmlns:a16="http://schemas.microsoft.com/office/drawing/2014/main" id="{9213D94B-59A8-404E-7EBA-3A9AA7CA379D}"/>
+              </a:ext>
+            </a:extLst>
+          </p:cNvPr>
+          <p:cNvPicPr>
+            <a:picLocks noChangeAspect="1"/>
+          </p:cNvPicPr>
+          <p:nvPr/>
+        </p:nvPicPr>
+        <p:blipFill>
+          <a:blip r:embed="rId3">
+            <a:extLst>
+              <a:ext uri="{28A0092B-C50C-407E-A947-70E740481C1C}">
+                <a14:useLocalDpi xmlns:a14="http://schemas.microsoft.com/office/drawing/2010/main" val="0"/>
+              </a:ext>
+            </a:extLst>
+          </a:blip>
+          <a:stretch>
+            <a:fillRect/>
+          </a:stretch>
+        </p:blipFill>
+        <p:spPr>
+          <a:xfrm>
+            <a:off x="6609805" y="3695863"/>
+            <a:ext cx="5472069" cy="3094293"/>
+          </a:xfrm>
+          <a:prstGeom prst="rect">
+            <a:avLst/>
+          </a:prstGeom>
+        </p:spPr>
+      </p:pic>
     </p:spTree>
     <p:extLst>
       <p:ext uri="{BB962C8B-B14F-4D97-AF65-F5344CB8AC3E}">
-        <p14:creationId xmlns:p14="http://schemas.microsoft.com/office/powerpoint/2010/main" val="444810247"/>
+        <p14:creationId xmlns:p14="http://schemas.microsoft.com/office/powerpoint/2010/main" val="1226329146"/>
       </p:ext>
     </p:extLst>
   </p:cSld>
@@ -4776,7 +6238,7 @@
           <p:cNvPr id="2" name="제목 1">
             <a:extLst>
               <a:ext uri="{FF2B5EF4-FFF2-40B4-BE49-F238E27FC236}">
-                <a16:creationId xmlns:a16="http://schemas.microsoft.com/office/drawing/2014/main" id="{C4F4B957-4A6D-57BD-C54A-A2260F4DF448}"/>
+                <a16:creationId xmlns:a16="http://schemas.microsoft.com/office/drawing/2014/main" id="{0A369040-E1C4-B9A4-6456-1FE71B51C3C8}"/>
               </a:ext>
             </a:extLst>
           </p:cNvPr>
@@ -4794,7 +6256,7 @@
           <a:p>
             <a:r>
               <a:rPr lang="en-US" altLang="ko-KR" dirty="0"/>
-              <a:t>Hot Potato Routing</a:t>
+              <a:t>ICMP</a:t>
             </a:r>
             <a:endParaRPr lang="ko-KR" altLang="en-US" dirty="0"/>
           </a:p>
@@ -4805,7 +6267,7 @@
           <p:cNvPr id="3" name="내용 개체 틀 2">
             <a:extLst>
               <a:ext uri="{FF2B5EF4-FFF2-40B4-BE49-F238E27FC236}">
-                <a16:creationId xmlns:a16="http://schemas.microsoft.com/office/drawing/2014/main" id="{63BB3511-1B5A-9ACA-0939-41123542E162}"/>
+                <a16:creationId xmlns:a16="http://schemas.microsoft.com/office/drawing/2014/main" id="{6FCC135F-16CD-C5ED-CA5F-C86F45C50872}"/>
               </a:ext>
             </a:extLst>
           </p:cNvPr>
@@ -4828,7 +6290,7 @@
     </p:spTree>
     <p:extLst>
       <p:ext uri="{BB962C8B-B14F-4D97-AF65-F5344CB8AC3E}">
-        <p14:creationId xmlns:p14="http://schemas.microsoft.com/office/powerpoint/2010/main" val="3920241493"/>
+        <p14:creationId xmlns:p14="http://schemas.microsoft.com/office/powerpoint/2010/main" val="2525825330"/>
       </p:ext>
     </p:extLst>
   </p:cSld>
@@ -4860,7 +6322,7 @@
           <p:cNvPr id="2" name="제목 1">
             <a:extLst>
               <a:ext uri="{FF2B5EF4-FFF2-40B4-BE49-F238E27FC236}">
-                <a16:creationId xmlns:a16="http://schemas.microsoft.com/office/drawing/2014/main" id="{DE0B4145-EAC0-56B9-357D-D3D49295988A}"/>
+                <a16:creationId xmlns:a16="http://schemas.microsoft.com/office/drawing/2014/main" id="{1314160E-EB42-1B88-7D1E-DBFA15A199DB}"/>
               </a:ext>
             </a:extLst>
           </p:cNvPr>
@@ -4878,7 +6340,7 @@
           <a:p>
             <a:r>
               <a:rPr lang="en-US" altLang="ko-KR" dirty="0"/>
-              <a:t>IPv6</a:t>
+              <a:t>Router</a:t>
             </a:r>
             <a:endParaRPr lang="ko-KR" altLang="en-US" dirty="0"/>
           </a:p>
@@ -4889,7 +6351,7 @@
           <p:cNvPr id="3" name="내용 개체 틀 2">
             <a:extLst>
               <a:ext uri="{FF2B5EF4-FFF2-40B4-BE49-F238E27FC236}">
-                <a16:creationId xmlns:a16="http://schemas.microsoft.com/office/drawing/2014/main" id="{CBC7348E-060B-EFA3-96FF-1B26127854E0}"/>
+                <a16:creationId xmlns:a16="http://schemas.microsoft.com/office/drawing/2014/main" id="{3D53C142-D1EA-562D-67CC-A05387B237DF}"/>
               </a:ext>
             </a:extLst>
           </p:cNvPr>
@@ -4912,7 +6374,7 @@
     </p:spTree>
     <p:extLst>
       <p:ext uri="{BB962C8B-B14F-4D97-AF65-F5344CB8AC3E}">
-        <p14:creationId xmlns:p14="http://schemas.microsoft.com/office/powerpoint/2010/main" val="1107915543"/>
+        <p14:creationId xmlns:p14="http://schemas.microsoft.com/office/powerpoint/2010/main" val="1656999248"/>
       </p:ext>
     </p:extLst>
   </p:cSld>
@@ -4941,18 +6403,18 @@
       </p:grpSpPr>
       <p:sp>
         <p:nvSpPr>
-          <p:cNvPr id="6" name="제목 5">
-            <a:extLst>
-              <a:ext uri="{FF2B5EF4-FFF2-40B4-BE49-F238E27FC236}">
-                <a16:creationId xmlns:a16="http://schemas.microsoft.com/office/drawing/2014/main" id="{F826D273-7332-66DA-9DCE-2EDFAAD4D461}"/>
-              </a:ext>
-            </a:extLst>
-          </p:cNvPr>
-          <p:cNvSpPr>
-            <a:spLocks noGrp="1"/>
-          </p:cNvSpPr>
-          <p:nvPr>
-            <p:ph type="ctrTitle"/>
+          <p:cNvPr id="2" name="제목 1">
+            <a:extLst>
+              <a:ext uri="{FF2B5EF4-FFF2-40B4-BE49-F238E27FC236}">
+                <a16:creationId xmlns:a16="http://schemas.microsoft.com/office/drawing/2014/main" id="{D521AC9A-E519-EE7F-1217-F1D2B6EEEBD2}"/>
+              </a:ext>
+            </a:extLst>
+          </p:cNvPr>
+          <p:cNvSpPr>
+            <a:spLocks noGrp="1"/>
+          </p:cNvSpPr>
+          <p:nvPr>
+            <p:ph type="title"/>
           </p:nvPr>
         </p:nvSpPr>
         <p:spPr/>
@@ -4962,7 +6424,7 @@
           <a:p>
             <a:r>
               <a:rPr lang="en-US" altLang="ko-KR" dirty="0"/>
-              <a:t>Layer 2 </a:t>
+              <a:t>OSPF, RIP (Intra-AS)</a:t>
             </a:r>
             <a:endParaRPr lang="ko-KR" altLang="en-US" dirty="0"/>
           </a:p>
@@ -4970,18 +6432,18 @@
       </p:sp>
       <p:sp>
         <p:nvSpPr>
-          <p:cNvPr id="7" name="부제목 6">
-            <a:extLst>
-              <a:ext uri="{FF2B5EF4-FFF2-40B4-BE49-F238E27FC236}">
-                <a16:creationId xmlns:a16="http://schemas.microsoft.com/office/drawing/2014/main" id="{4FD3139D-811E-04AA-6A66-753832B7229B}"/>
-              </a:ext>
-            </a:extLst>
-          </p:cNvPr>
-          <p:cNvSpPr>
-            <a:spLocks noGrp="1"/>
-          </p:cNvSpPr>
-          <p:nvPr>
-            <p:ph type="subTitle" idx="1"/>
+          <p:cNvPr id="3" name="내용 개체 틀 2">
+            <a:extLst>
+              <a:ext uri="{FF2B5EF4-FFF2-40B4-BE49-F238E27FC236}">
+                <a16:creationId xmlns:a16="http://schemas.microsoft.com/office/drawing/2014/main" id="{CDD3BA5E-AB57-8DB7-09B8-05453F235F00}"/>
+              </a:ext>
+            </a:extLst>
+          </p:cNvPr>
+          <p:cNvSpPr>
+            <a:spLocks noGrp="1"/>
+          </p:cNvSpPr>
+          <p:nvPr>
+            <p:ph idx="1"/>
           </p:nvPr>
         </p:nvSpPr>
         <p:spPr/>
@@ -4989,36 +6451,14 @@
           <a:bodyPr/>
           <a:lstStyle/>
           <a:p>
-            <a:r>
-              <a:rPr lang="ko-KR" altLang="en-US" dirty="0"/>
-              <a:t>링크 계층</a:t>
-            </a:r>
-            <a:br>
-              <a:rPr lang="en-US" altLang="ko-KR" dirty="0"/>
-            </a:br>
-            <a:r>
-              <a:rPr lang="en-US" altLang="ko-KR" dirty="0"/>
-              <a:t>(</a:t>
-            </a:r>
-            <a:r>
-              <a:rPr lang="en-US" altLang="ko-KR" dirty="0" err="1"/>
-              <a:t>DataLink</a:t>
-            </a:r>
-            <a:r>
-              <a:rPr lang="en-US" altLang="ko-KR" dirty="0"/>
-              <a:t> Layer)</a:t>
-            </a:r>
-            <a:endParaRPr lang="ko-KR" altLang="en-US" dirty="0"/>
-          </a:p>
-          <a:p>
-            <a:endParaRPr lang="ko-KR" altLang="en-US" dirty="0"/>
+            <a:endParaRPr lang="ko-KR" altLang="en-US"/>
           </a:p>
         </p:txBody>
       </p:sp>
     </p:spTree>
     <p:extLst>
       <p:ext uri="{BB962C8B-B14F-4D97-AF65-F5344CB8AC3E}">
-        <p14:creationId xmlns:p14="http://schemas.microsoft.com/office/powerpoint/2010/main" val="2005904950"/>
+        <p14:creationId xmlns:p14="http://schemas.microsoft.com/office/powerpoint/2010/main" val="3967982616"/>
       </p:ext>
     </p:extLst>
   </p:cSld>
@@ -5050,7 +6490,7 @@
           <p:cNvPr id="2" name="제목 1">
             <a:extLst>
               <a:ext uri="{FF2B5EF4-FFF2-40B4-BE49-F238E27FC236}">
-                <a16:creationId xmlns:a16="http://schemas.microsoft.com/office/drawing/2014/main" id="{21D78C88-D60B-A423-06DF-69795833D900}"/>
+                <a16:creationId xmlns:a16="http://schemas.microsoft.com/office/drawing/2014/main" id="{83291C9C-B7B2-84E0-221D-4E262D0A1D2F}"/>
               </a:ext>
             </a:extLst>
           </p:cNvPr>
@@ -5068,7 +6508,7 @@
           <a:p>
             <a:r>
               <a:rPr lang="en-US" altLang="ko-KR" dirty="0"/>
-              <a:t>Link </a:t>
+              <a:t>BGP (Inter-AS)</a:t>
             </a:r>
             <a:endParaRPr lang="ko-KR" altLang="en-US" dirty="0"/>
           </a:p>
@@ -5079,7 +6519,7 @@
           <p:cNvPr id="3" name="내용 개체 틀 2">
             <a:extLst>
               <a:ext uri="{FF2B5EF4-FFF2-40B4-BE49-F238E27FC236}">
-                <a16:creationId xmlns:a16="http://schemas.microsoft.com/office/drawing/2014/main" id="{43D27213-823D-A893-0821-380722AF66E3}"/>
+                <a16:creationId xmlns:a16="http://schemas.microsoft.com/office/drawing/2014/main" id="{F25F7E1C-3B60-656A-ACE4-D9E85DB99641}"/>
               </a:ext>
             </a:extLst>
           </p:cNvPr>
@@ -5102,7 +6542,7 @@
     </p:spTree>
     <p:extLst>
       <p:ext uri="{BB962C8B-B14F-4D97-AF65-F5344CB8AC3E}">
-        <p14:creationId xmlns:p14="http://schemas.microsoft.com/office/powerpoint/2010/main" val="762231998"/>
+        <p14:creationId xmlns:p14="http://schemas.microsoft.com/office/powerpoint/2010/main" val="444810247"/>
       </p:ext>
     </p:extLst>
   </p:cSld>
@@ -5134,7 +6574,7 @@
           <p:cNvPr id="2" name="제목 1">
             <a:extLst>
               <a:ext uri="{FF2B5EF4-FFF2-40B4-BE49-F238E27FC236}">
-                <a16:creationId xmlns:a16="http://schemas.microsoft.com/office/drawing/2014/main" id="{B01BDAD8-3827-549E-A422-C5D3C18D92C8}"/>
+                <a16:creationId xmlns:a16="http://schemas.microsoft.com/office/drawing/2014/main" id="{C4F4B957-4A6D-57BD-C54A-A2260F4DF448}"/>
               </a:ext>
             </a:extLst>
           </p:cNvPr>
@@ -5151,9 +6591,10 @@
           <a:lstStyle/>
           <a:p>
             <a:r>
-              <a:rPr lang="ko-KR" altLang="en-US" dirty="0"/>
-              <a:t>오류 검출 기법</a:t>
-            </a:r>
+              <a:rPr lang="en-US" altLang="ko-KR" dirty="0"/>
+              <a:t>Hot Potato Routing</a:t>
+            </a:r>
+            <a:endParaRPr lang="ko-KR" altLang="en-US" dirty="0"/>
           </a:p>
         </p:txBody>
       </p:sp>
@@ -5162,7 +6603,7 @@
           <p:cNvPr id="3" name="내용 개체 틀 2">
             <a:extLst>
               <a:ext uri="{FF2B5EF4-FFF2-40B4-BE49-F238E27FC236}">
-                <a16:creationId xmlns:a16="http://schemas.microsoft.com/office/drawing/2014/main" id="{7C938EEB-EE89-1012-D537-3CF47016B2EB}"/>
+                <a16:creationId xmlns:a16="http://schemas.microsoft.com/office/drawing/2014/main" id="{63BB3511-1B5A-9ACA-0939-41123542E162}"/>
               </a:ext>
             </a:extLst>
           </p:cNvPr>
@@ -5185,7 +6626,7 @@
     </p:spTree>
     <p:extLst>
       <p:ext uri="{BB962C8B-B14F-4D97-AF65-F5344CB8AC3E}">
-        <p14:creationId xmlns:p14="http://schemas.microsoft.com/office/powerpoint/2010/main" val="3731356846"/>
+        <p14:creationId xmlns:p14="http://schemas.microsoft.com/office/powerpoint/2010/main" val="3920241493"/>
       </p:ext>
     </p:extLst>
   </p:cSld>
@@ -5217,7 +6658,7 @@
           <p:cNvPr id="2" name="제목 1">
             <a:extLst>
               <a:ext uri="{FF2B5EF4-FFF2-40B4-BE49-F238E27FC236}">
-                <a16:creationId xmlns:a16="http://schemas.microsoft.com/office/drawing/2014/main" id="{3967A198-0AB4-6BD8-3F9C-267A3D25065C}"/>
+                <a16:creationId xmlns:a16="http://schemas.microsoft.com/office/drawing/2014/main" id="{DE0B4145-EAC0-56B9-357D-D3D49295988A}"/>
               </a:ext>
             </a:extLst>
           </p:cNvPr>
@@ -5234,9 +6675,10 @@
           <a:lstStyle/>
           <a:p>
             <a:r>
-              <a:rPr lang="ko-KR" altLang="en-US" dirty="0"/>
-              <a:t>패리티</a:t>
-            </a:r>
+              <a:rPr lang="en-US" altLang="ko-KR" dirty="0"/>
+              <a:t>IPv6</a:t>
+            </a:r>
+            <a:endParaRPr lang="ko-KR" altLang="en-US" dirty="0"/>
           </a:p>
         </p:txBody>
       </p:sp>
@@ -5245,7 +6687,7 @@
           <p:cNvPr id="3" name="내용 개체 틀 2">
             <a:extLst>
               <a:ext uri="{FF2B5EF4-FFF2-40B4-BE49-F238E27FC236}">
-                <a16:creationId xmlns:a16="http://schemas.microsoft.com/office/drawing/2014/main" id="{C0F4B579-EF2D-4EA7-E2FE-2A0CF3099E41}"/>
+                <a16:creationId xmlns:a16="http://schemas.microsoft.com/office/drawing/2014/main" id="{CBC7348E-060B-EFA3-96FF-1B26127854E0}"/>
               </a:ext>
             </a:extLst>
           </p:cNvPr>
@@ -5268,7 +6710,7 @@
     </p:spTree>
     <p:extLst>
       <p:ext uri="{BB962C8B-B14F-4D97-AF65-F5344CB8AC3E}">
-        <p14:creationId xmlns:p14="http://schemas.microsoft.com/office/powerpoint/2010/main" val="3589956062"/>
+        <p14:creationId xmlns:p14="http://schemas.microsoft.com/office/powerpoint/2010/main" val="1107915543"/>
       </p:ext>
     </p:extLst>
   </p:cSld>
@@ -5384,18 +6826,18 @@
       </p:grpSpPr>
       <p:sp>
         <p:nvSpPr>
-          <p:cNvPr id="2" name="제목 1">
-            <a:extLst>
-              <a:ext uri="{FF2B5EF4-FFF2-40B4-BE49-F238E27FC236}">
-                <a16:creationId xmlns:a16="http://schemas.microsoft.com/office/drawing/2014/main" id="{9BA432E6-1B3B-A40C-8225-BB6082DF2834}"/>
-              </a:ext>
-            </a:extLst>
-          </p:cNvPr>
-          <p:cNvSpPr>
-            <a:spLocks noGrp="1"/>
-          </p:cNvSpPr>
-          <p:nvPr>
-            <p:ph type="title"/>
+          <p:cNvPr id="6" name="제목 5">
+            <a:extLst>
+              <a:ext uri="{FF2B5EF4-FFF2-40B4-BE49-F238E27FC236}">
+                <a16:creationId xmlns:a16="http://schemas.microsoft.com/office/drawing/2014/main" id="{F826D273-7332-66DA-9DCE-2EDFAAD4D461}"/>
+              </a:ext>
+            </a:extLst>
+          </p:cNvPr>
+          <p:cNvSpPr>
+            <a:spLocks noGrp="1"/>
+          </p:cNvSpPr>
+          <p:nvPr>
+            <p:ph type="ctrTitle"/>
           </p:nvPr>
         </p:nvSpPr>
         <p:spPr/>
@@ -5404,26 +6846,27 @@
           <a:lstStyle/>
           <a:p>
             <a:r>
-              <a:rPr lang="ko-KR" altLang="en-US" dirty="0"/>
-              <a:t>순환 중복 검사</a:t>
-            </a:r>
-          </a:p>
-        </p:txBody>
-      </p:sp>
-      <p:sp>
-        <p:nvSpPr>
-          <p:cNvPr id="3" name="내용 개체 틀 2">
-            <a:extLst>
-              <a:ext uri="{FF2B5EF4-FFF2-40B4-BE49-F238E27FC236}">
-                <a16:creationId xmlns:a16="http://schemas.microsoft.com/office/drawing/2014/main" id="{6E0724E2-29F6-92C8-C89F-B3357AFFF4DA}"/>
-              </a:ext>
-            </a:extLst>
-          </p:cNvPr>
-          <p:cNvSpPr>
-            <a:spLocks noGrp="1"/>
-          </p:cNvSpPr>
-          <p:nvPr>
-            <p:ph idx="1"/>
+              <a:rPr lang="en-US" altLang="ko-KR" dirty="0"/>
+              <a:t>Layer 2 </a:t>
+            </a:r>
+            <a:endParaRPr lang="ko-KR" altLang="en-US" dirty="0"/>
+          </a:p>
+        </p:txBody>
+      </p:sp>
+      <p:sp>
+        <p:nvSpPr>
+          <p:cNvPr id="7" name="부제목 6">
+            <a:extLst>
+              <a:ext uri="{FF2B5EF4-FFF2-40B4-BE49-F238E27FC236}">
+                <a16:creationId xmlns:a16="http://schemas.microsoft.com/office/drawing/2014/main" id="{4FD3139D-811E-04AA-6A66-753832B7229B}"/>
+              </a:ext>
+            </a:extLst>
+          </p:cNvPr>
+          <p:cNvSpPr>
+            <a:spLocks noGrp="1"/>
+          </p:cNvSpPr>
+          <p:nvPr>
+            <p:ph type="subTitle" idx="1"/>
           </p:nvPr>
         </p:nvSpPr>
         <p:spPr/>
@@ -5431,14 +6874,36 @@
           <a:bodyPr/>
           <a:lstStyle/>
           <a:p>
-            <a:endParaRPr lang="ko-KR" altLang="en-US"/>
+            <a:r>
+              <a:rPr lang="ko-KR" altLang="en-US" dirty="0"/>
+              <a:t>링크 계층</a:t>
+            </a:r>
+            <a:br>
+              <a:rPr lang="en-US" altLang="ko-KR" dirty="0"/>
+            </a:br>
+            <a:r>
+              <a:rPr lang="en-US" altLang="ko-KR" dirty="0"/>
+              <a:t>(</a:t>
+            </a:r>
+            <a:r>
+              <a:rPr lang="en-US" altLang="ko-KR" dirty="0" err="1"/>
+              <a:t>DataLink</a:t>
+            </a:r>
+            <a:r>
+              <a:rPr lang="en-US" altLang="ko-KR" dirty="0"/>
+              <a:t> Layer)</a:t>
+            </a:r>
+            <a:endParaRPr lang="ko-KR" altLang="en-US" dirty="0"/>
+          </a:p>
+          <a:p>
+            <a:endParaRPr lang="ko-KR" altLang="en-US" dirty="0"/>
           </a:p>
         </p:txBody>
       </p:sp>
     </p:spTree>
     <p:extLst>
       <p:ext uri="{BB962C8B-B14F-4D97-AF65-F5344CB8AC3E}">
-        <p14:creationId xmlns:p14="http://schemas.microsoft.com/office/powerpoint/2010/main" val="3701361518"/>
+        <p14:creationId xmlns:p14="http://schemas.microsoft.com/office/powerpoint/2010/main" val="2005904950"/>
       </p:ext>
     </p:extLst>
   </p:cSld>
@@ -5470,7 +6935,7 @@
           <p:cNvPr id="2" name="제목 1">
             <a:extLst>
               <a:ext uri="{FF2B5EF4-FFF2-40B4-BE49-F238E27FC236}">
-                <a16:creationId xmlns:a16="http://schemas.microsoft.com/office/drawing/2014/main" id="{7C5E6372-6F51-D715-A51A-C43B1229A03E}"/>
+                <a16:creationId xmlns:a16="http://schemas.microsoft.com/office/drawing/2014/main" id="{21D78C88-D60B-A423-06DF-69795833D900}"/>
               </a:ext>
             </a:extLst>
           </p:cNvPr>
@@ -5488,7 +6953,7 @@
           <a:p>
             <a:r>
               <a:rPr lang="en-US" altLang="ko-KR" dirty="0"/>
-              <a:t>MAC </a:t>
+              <a:t>Link </a:t>
             </a:r>
             <a:endParaRPr lang="ko-KR" altLang="en-US" dirty="0"/>
           </a:p>
@@ -5499,7 +6964,7 @@
           <p:cNvPr id="3" name="내용 개체 틀 2">
             <a:extLst>
               <a:ext uri="{FF2B5EF4-FFF2-40B4-BE49-F238E27FC236}">
-                <a16:creationId xmlns:a16="http://schemas.microsoft.com/office/drawing/2014/main" id="{F09D29DC-383F-D05F-59B2-85A0C3E26E57}"/>
+                <a16:creationId xmlns:a16="http://schemas.microsoft.com/office/drawing/2014/main" id="{43D27213-823D-A893-0821-380722AF66E3}"/>
               </a:ext>
             </a:extLst>
           </p:cNvPr>
@@ -5522,7 +6987,7 @@
     </p:spTree>
     <p:extLst>
       <p:ext uri="{BB962C8B-B14F-4D97-AF65-F5344CB8AC3E}">
-        <p14:creationId xmlns:p14="http://schemas.microsoft.com/office/powerpoint/2010/main" val="4144508108"/>
+        <p14:creationId xmlns:p14="http://schemas.microsoft.com/office/powerpoint/2010/main" val="762231998"/>
       </p:ext>
     </p:extLst>
   </p:cSld>
@@ -5554,7 +7019,7 @@
           <p:cNvPr id="2" name="제목 1">
             <a:extLst>
               <a:ext uri="{FF2B5EF4-FFF2-40B4-BE49-F238E27FC236}">
-                <a16:creationId xmlns:a16="http://schemas.microsoft.com/office/drawing/2014/main" id="{1D6B4615-45F9-3447-143F-7346580D3382}"/>
+                <a16:creationId xmlns:a16="http://schemas.microsoft.com/office/drawing/2014/main" id="{B01BDAD8-3827-549E-A422-C5D3C18D92C8}"/>
               </a:ext>
             </a:extLst>
           </p:cNvPr>
@@ -5571,10 +7036,9 @@
           <a:lstStyle/>
           <a:p>
             <a:r>
-              <a:rPr lang="en-US" altLang="ko-KR" dirty="0"/>
-              <a:t>ARP</a:t>
-            </a:r>
-            <a:endParaRPr lang="ko-KR" altLang="en-US" dirty="0"/>
+              <a:rPr lang="ko-KR" altLang="en-US" dirty="0"/>
+              <a:t>오류 검출 기법</a:t>
+            </a:r>
           </a:p>
         </p:txBody>
       </p:sp>
@@ -5583,7 +7047,7 @@
           <p:cNvPr id="3" name="내용 개체 틀 2">
             <a:extLst>
               <a:ext uri="{FF2B5EF4-FFF2-40B4-BE49-F238E27FC236}">
-                <a16:creationId xmlns:a16="http://schemas.microsoft.com/office/drawing/2014/main" id="{5C0B9DB2-F183-2566-0808-897929F2D356}"/>
+                <a16:creationId xmlns:a16="http://schemas.microsoft.com/office/drawing/2014/main" id="{7C938EEB-EE89-1012-D537-3CF47016B2EB}"/>
               </a:ext>
             </a:extLst>
           </p:cNvPr>
@@ -5606,7 +7070,7 @@
     </p:spTree>
     <p:extLst>
       <p:ext uri="{BB962C8B-B14F-4D97-AF65-F5344CB8AC3E}">
-        <p14:creationId xmlns:p14="http://schemas.microsoft.com/office/powerpoint/2010/main" val="949376813"/>
+        <p14:creationId xmlns:p14="http://schemas.microsoft.com/office/powerpoint/2010/main" val="3731356846"/>
       </p:ext>
     </p:extLst>
   </p:cSld>
@@ -5638,7 +7102,7 @@
           <p:cNvPr id="2" name="제목 1">
             <a:extLst>
               <a:ext uri="{FF2B5EF4-FFF2-40B4-BE49-F238E27FC236}">
-                <a16:creationId xmlns:a16="http://schemas.microsoft.com/office/drawing/2014/main" id="{FDA77268-47C0-5813-C4FA-D23815A5A1E0}"/>
+                <a16:creationId xmlns:a16="http://schemas.microsoft.com/office/drawing/2014/main" id="{3967A198-0AB4-6BD8-3F9C-267A3D25065C}"/>
               </a:ext>
             </a:extLst>
           </p:cNvPr>
@@ -5655,10 +7119,9 @@
           <a:lstStyle/>
           <a:p>
             <a:r>
-              <a:rPr lang="en-US" altLang="ko-KR" dirty="0"/>
-              <a:t>Ethernet</a:t>
-            </a:r>
-            <a:endParaRPr lang="ko-KR" altLang="en-US" dirty="0"/>
+              <a:rPr lang="ko-KR" altLang="en-US" dirty="0"/>
+              <a:t>패리티</a:t>
+            </a:r>
           </a:p>
         </p:txBody>
       </p:sp>
@@ -5667,7 +7130,7 @@
           <p:cNvPr id="3" name="내용 개체 틀 2">
             <a:extLst>
               <a:ext uri="{FF2B5EF4-FFF2-40B4-BE49-F238E27FC236}">
-                <a16:creationId xmlns:a16="http://schemas.microsoft.com/office/drawing/2014/main" id="{352D1D30-E06A-3FDF-AC6B-E9045CCE7593}"/>
+                <a16:creationId xmlns:a16="http://schemas.microsoft.com/office/drawing/2014/main" id="{C0F4B579-EF2D-4EA7-E2FE-2A0CF3099E41}"/>
               </a:ext>
             </a:extLst>
           </p:cNvPr>
@@ -5690,7 +7153,7 @@
     </p:spTree>
     <p:extLst>
       <p:ext uri="{BB962C8B-B14F-4D97-AF65-F5344CB8AC3E}">
-        <p14:creationId xmlns:p14="http://schemas.microsoft.com/office/powerpoint/2010/main" val="219724582"/>
+        <p14:creationId xmlns:p14="http://schemas.microsoft.com/office/powerpoint/2010/main" val="3589956062"/>
       </p:ext>
     </p:extLst>
   </p:cSld>
@@ -5722,7 +7185,7 @@
           <p:cNvPr id="2" name="제목 1">
             <a:extLst>
               <a:ext uri="{FF2B5EF4-FFF2-40B4-BE49-F238E27FC236}">
-                <a16:creationId xmlns:a16="http://schemas.microsoft.com/office/drawing/2014/main" id="{40EF865C-99C2-969A-33CB-633C1547A109}"/>
+                <a16:creationId xmlns:a16="http://schemas.microsoft.com/office/drawing/2014/main" id="{9BA432E6-1B3B-A40C-8225-BB6082DF2834}"/>
               </a:ext>
             </a:extLst>
           </p:cNvPr>
@@ -5740,7 +7203,7 @@
           <a:p>
             <a:r>
               <a:rPr lang="ko-KR" altLang="en-US" dirty="0"/>
-              <a:t>다중 접속 프로토콜</a:t>
+              <a:t>순환 중복 검사</a:t>
             </a:r>
           </a:p>
         </p:txBody>
@@ -5750,7 +7213,7 @@
           <p:cNvPr id="3" name="내용 개체 틀 2">
             <a:extLst>
               <a:ext uri="{FF2B5EF4-FFF2-40B4-BE49-F238E27FC236}">
-                <a16:creationId xmlns:a16="http://schemas.microsoft.com/office/drawing/2014/main" id="{C40AC823-49BC-E0AC-7E87-EC7E94D52A4C}"/>
+                <a16:creationId xmlns:a16="http://schemas.microsoft.com/office/drawing/2014/main" id="{6E0724E2-29F6-92C8-C89F-B3357AFFF4DA}"/>
               </a:ext>
             </a:extLst>
           </p:cNvPr>
@@ -5773,7 +7236,7 @@
     </p:spTree>
     <p:extLst>
       <p:ext uri="{BB962C8B-B14F-4D97-AF65-F5344CB8AC3E}">
-        <p14:creationId xmlns:p14="http://schemas.microsoft.com/office/powerpoint/2010/main" val="160347746"/>
+        <p14:creationId xmlns:p14="http://schemas.microsoft.com/office/powerpoint/2010/main" val="3701361518"/>
       </p:ext>
     </p:extLst>
   </p:cSld>
@@ -5805,7 +7268,7 @@
           <p:cNvPr id="2" name="제목 1">
             <a:extLst>
               <a:ext uri="{FF2B5EF4-FFF2-40B4-BE49-F238E27FC236}">
-                <a16:creationId xmlns:a16="http://schemas.microsoft.com/office/drawing/2014/main" id="{0E6DF6C7-71C6-F41A-3C59-C6CDAEA1C5EB}"/>
+                <a16:creationId xmlns:a16="http://schemas.microsoft.com/office/drawing/2014/main" id="{7C5E6372-6F51-D715-A51A-C43B1229A03E}"/>
               </a:ext>
             </a:extLst>
           </p:cNvPr>
@@ -5823,7 +7286,7 @@
           <a:p>
             <a:r>
               <a:rPr lang="en-US" altLang="ko-KR" dirty="0"/>
-              <a:t>CSMA/CD</a:t>
+              <a:t>MAC </a:t>
             </a:r>
             <a:endParaRPr lang="ko-KR" altLang="en-US" dirty="0"/>
           </a:p>
@@ -5834,7 +7297,7 @@
           <p:cNvPr id="3" name="내용 개체 틀 2">
             <a:extLst>
               <a:ext uri="{FF2B5EF4-FFF2-40B4-BE49-F238E27FC236}">
-                <a16:creationId xmlns:a16="http://schemas.microsoft.com/office/drawing/2014/main" id="{AD50170D-D0BB-69DC-D993-4EB7AE105F11}"/>
+                <a16:creationId xmlns:a16="http://schemas.microsoft.com/office/drawing/2014/main" id="{F09D29DC-383F-D05F-59B2-85A0C3E26E57}"/>
               </a:ext>
             </a:extLst>
           </p:cNvPr>
@@ -5857,7 +7320,7 @@
     </p:spTree>
     <p:extLst>
       <p:ext uri="{BB962C8B-B14F-4D97-AF65-F5344CB8AC3E}">
-        <p14:creationId xmlns:p14="http://schemas.microsoft.com/office/powerpoint/2010/main" val="3938073431"/>
+        <p14:creationId xmlns:p14="http://schemas.microsoft.com/office/powerpoint/2010/main" val="4144508108"/>
       </p:ext>
     </p:extLst>
   </p:cSld>
@@ -5889,7 +7352,7 @@
           <p:cNvPr id="2" name="제목 1">
             <a:extLst>
               <a:ext uri="{FF2B5EF4-FFF2-40B4-BE49-F238E27FC236}">
-                <a16:creationId xmlns:a16="http://schemas.microsoft.com/office/drawing/2014/main" id="{13D882CC-F556-0303-363C-34AA8C763FD7}"/>
+                <a16:creationId xmlns:a16="http://schemas.microsoft.com/office/drawing/2014/main" id="{1D6B4615-45F9-3447-143F-7346580D3382}"/>
               </a:ext>
             </a:extLst>
           </p:cNvPr>
@@ -5907,7 +7370,7 @@
           <a:p>
             <a:r>
               <a:rPr lang="en-US" altLang="ko-KR" dirty="0"/>
-              <a:t>Switch</a:t>
+              <a:t>ARP</a:t>
             </a:r>
             <a:endParaRPr lang="ko-KR" altLang="en-US" dirty="0"/>
           </a:p>
@@ -5918,7 +7381,7 @@
           <p:cNvPr id="3" name="내용 개체 틀 2">
             <a:extLst>
               <a:ext uri="{FF2B5EF4-FFF2-40B4-BE49-F238E27FC236}">
-                <a16:creationId xmlns:a16="http://schemas.microsoft.com/office/drawing/2014/main" id="{B48C4B06-E5BA-C721-9E39-4C426074D86F}"/>
+                <a16:creationId xmlns:a16="http://schemas.microsoft.com/office/drawing/2014/main" id="{5C0B9DB2-F183-2566-0808-897929F2D356}"/>
               </a:ext>
             </a:extLst>
           </p:cNvPr>
@@ -5941,7 +7404,258 @@
     </p:spTree>
     <p:extLst>
       <p:ext uri="{BB962C8B-B14F-4D97-AF65-F5344CB8AC3E}">
-        <p14:creationId xmlns:p14="http://schemas.microsoft.com/office/powerpoint/2010/main" val="2994615564"/>
+        <p14:creationId xmlns:p14="http://schemas.microsoft.com/office/powerpoint/2010/main" val="949376813"/>
+      </p:ext>
+    </p:extLst>
+  </p:cSld>
+  <p:clrMapOvr>
+    <a:masterClrMapping/>
+  </p:clrMapOvr>
+</p:sld>
+</file>
+
+<file path=ppt/slides/slide27.xml><?xml version="1.0" encoding="utf-8"?>
+<p:sld xmlns:a="http://schemas.openxmlformats.org/drawingml/2006/main" xmlns:r="http://schemas.openxmlformats.org/officeDocument/2006/relationships" xmlns:p="http://schemas.openxmlformats.org/presentationml/2006/main">
+  <p:cSld>
+    <p:spTree>
+      <p:nvGrpSpPr>
+        <p:cNvPr id="1" name=""/>
+        <p:cNvGrpSpPr/>
+        <p:nvPr/>
+      </p:nvGrpSpPr>
+      <p:grpSpPr>
+        <a:xfrm>
+          <a:off x="0" y="0"/>
+          <a:ext cx="0" cy="0"/>
+          <a:chOff x="0" y="0"/>
+          <a:chExt cx="0" cy="0"/>
+        </a:xfrm>
+      </p:grpSpPr>
+      <p:sp>
+        <p:nvSpPr>
+          <p:cNvPr id="2" name="제목 1">
+            <a:extLst>
+              <a:ext uri="{FF2B5EF4-FFF2-40B4-BE49-F238E27FC236}">
+                <a16:creationId xmlns:a16="http://schemas.microsoft.com/office/drawing/2014/main" id="{FDA77268-47C0-5813-C4FA-D23815A5A1E0}"/>
+              </a:ext>
+            </a:extLst>
+          </p:cNvPr>
+          <p:cNvSpPr>
+            <a:spLocks noGrp="1"/>
+          </p:cNvSpPr>
+          <p:nvPr>
+            <p:ph type="title"/>
+          </p:nvPr>
+        </p:nvSpPr>
+        <p:spPr/>
+        <p:txBody>
+          <a:bodyPr/>
+          <a:lstStyle/>
+          <a:p>
+            <a:r>
+              <a:rPr lang="en-US" altLang="ko-KR" dirty="0"/>
+              <a:t>Ethernet</a:t>
+            </a:r>
+            <a:endParaRPr lang="ko-KR" altLang="en-US" dirty="0"/>
+          </a:p>
+        </p:txBody>
+      </p:sp>
+      <p:sp>
+        <p:nvSpPr>
+          <p:cNvPr id="3" name="내용 개체 틀 2">
+            <a:extLst>
+              <a:ext uri="{FF2B5EF4-FFF2-40B4-BE49-F238E27FC236}">
+                <a16:creationId xmlns:a16="http://schemas.microsoft.com/office/drawing/2014/main" id="{352D1D30-E06A-3FDF-AC6B-E9045CCE7593}"/>
+              </a:ext>
+            </a:extLst>
+          </p:cNvPr>
+          <p:cNvSpPr>
+            <a:spLocks noGrp="1"/>
+          </p:cNvSpPr>
+          <p:nvPr>
+            <p:ph idx="1"/>
+          </p:nvPr>
+        </p:nvSpPr>
+        <p:spPr/>
+        <p:txBody>
+          <a:bodyPr/>
+          <a:lstStyle/>
+          <a:p>
+            <a:endParaRPr lang="ko-KR" altLang="en-US"/>
+          </a:p>
+        </p:txBody>
+      </p:sp>
+    </p:spTree>
+    <p:extLst>
+      <p:ext uri="{BB962C8B-B14F-4D97-AF65-F5344CB8AC3E}">
+        <p14:creationId xmlns:p14="http://schemas.microsoft.com/office/powerpoint/2010/main" val="219724582"/>
+      </p:ext>
+    </p:extLst>
+  </p:cSld>
+  <p:clrMapOvr>
+    <a:masterClrMapping/>
+  </p:clrMapOvr>
+</p:sld>
+</file>
+
+<file path=ppt/slides/slide28.xml><?xml version="1.0" encoding="utf-8"?>
+<p:sld xmlns:a="http://schemas.openxmlformats.org/drawingml/2006/main" xmlns:r="http://schemas.openxmlformats.org/officeDocument/2006/relationships" xmlns:p="http://schemas.openxmlformats.org/presentationml/2006/main">
+  <p:cSld>
+    <p:spTree>
+      <p:nvGrpSpPr>
+        <p:cNvPr id="1" name=""/>
+        <p:cNvGrpSpPr/>
+        <p:nvPr/>
+      </p:nvGrpSpPr>
+      <p:grpSpPr>
+        <a:xfrm>
+          <a:off x="0" y="0"/>
+          <a:ext cx="0" cy="0"/>
+          <a:chOff x="0" y="0"/>
+          <a:chExt cx="0" cy="0"/>
+        </a:xfrm>
+      </p:grpSpPr>
+      <p:sp>
+        <p:nvSpPr>
+          <p:cNvPr id="2" name="제목 1">
+            <a:extLst>
+              <a:ext uri="{FF2B5EF4-FFF2-40B4-BE49-F238E27FC236}">
+                <a16:creationId xmlns:a16="http://schemas.microsoft.com/office/drawing/2014/main" id="{40EF865C-99C2-969A-33CB-633C1547A109}"/>
+              </a:ext>
+            </a:extLst>
+          </p:cNvPr>
+          <p:cNvSpPr>
+            <a:spLocks noGrp="1"/>
+          </p:cNvSpPr>
+          <p:nvPr>
+            <p:ph type="title"/>
+          </p:nvPr>
+        </p:nvSpPr>
+        <p:spPr/>
+        <p:txBody>
+          <a:bodyPr/>
+          <a:lstStyle/>
+          <a:p>
+            <a:r>
+              <a:rPr lang="ko-KR" altLang="en-US" dirty="0"/>
+              <a:t>다중 접속 프로토콜</a:t>
+            </a:r>
+          </a:p>
+        </p:txBody>
+      </p:sp>
+      <p:sp>
+        <p:nvSpPr>
+          <p:cNvPr id="3" name="내용 개체 틀 2">
+            <a:extLst>
+              <a:ext uri="{FF2B5EF4-FFF2-40B4-BE49-F238E27FC236}">
+                <a16:creationId xmlns:a16="http://schemas.microsoft.com/office/drawing/2014/main" id="{C40AC823-49BC-E0AC-7E87-EC7E94D52A4C}"/>
+              </a:ext>
+            </a:extLst>
+          </p:cNvPr>
+          <p:cNvSpPr>
+            <a:spLocks noGrp="1"/>
+          </p:cNvSpPr>
+          <p:nvPr>
+            <p:ph idx="1"/>
+          </p:nvPr>
+        </p:nvSpPr>
+        <p:spPr/>
+        <p:txBody>
+          <a:bodyPr/>
+          <a:lstStyle/>
+          <a:p>
+            <a:endParaRPr lang="ko-KR" altLang="en-US"/>
+          </a:p>
+        </p:txBody>
+      </p:sp>
+    </p:spTree>
+    <p:extLst>
+      <p:ext uri="{BB962C8B-B14F-4D97-AF65-F5344CB8AC3E}">
+        <p14:creationId xmlns:p14="http://schemas.microsoft.com/office/powerpoint/2010/main" val="160347746"/>
+      </p:ext>
+    </p:extLst>
+  </p:cSld>
+  <p:clrMapOvr>
+    <a:masterClrMapping/>
+  </p:clrMapOvr>
+</p:sld>
+</file>
+
+<file path=ppt/slides/slide29.xml><?xml version="1.0" encoding="utf-8"?>
+<p:sld xmlns:a="http://schemas.openxmlformats.org/drawingml/2006/main" xmlns:r="http://schemas.openxmlformats.org/officeDocument/2006/relationships" xmlns:p="http://schemas.openxmlformats.org/presentationml/2006/main">
+  <p:cSld>
+    <p:spTree>
+      <p:nvGrpSpPr>
+        <p:cNvPr id="1" name=""/>
+        <p:cNvGrpSpPr/>
+        <p:nvPr/>
+      </p:nvGrpSpPr>
+      <p:grpSpPr>
+        <a:xfrm>
+          <a:off x="0" y="0"/>
+          <a:ext cx="0" cy="0"/>
+          <a:chOff x="0" y="0"/>
+          <a:chExt cx="0" cy="0"/>
+        </a:xfrm>
+      </p:grpSpPr>
+      <p:sp>
+        <p:nvSpPr>
+          <p:cNvPr id="2" name="제목 1">
+            <a:extLst>
+              <a:ext uri="{FF2B5EF4-FFF2-40B4-BE49-F238E27FC236}">
+                <a16:creationId xmlns:a16="http://schemas.microsoft.com/office/drawing/2014/main" id="{0E6DF6C7-71C6-F41A-3C59-C6CDAEA1C5EB}"/>
+              </a:ext>
+            </a:extLst>
+          </p:cNvPr>
+          <p:cNvSpPr>
+            <a:spLocks noGrp="1"/>
+          </p:cNvSpPr>
+          <p:nvPr>
+            <p:ph type="title"/>
+          </p:nvPr>
+        </p:nvSpPr>
+        <p:spPr/>
+        <p:txBody>
+          <a:bodyPr/>
+          <a:lstStyle/>
+          <a:p>
+            <a:r>
+              <a:rPr lang="en-US" altLang="ko-KR" dirty="0"/>
+              <a:t>CSMA/CD</a:t>
+            </a:r>
+            <a:endParaRPr lang="ko-KR" altLang="en-US" dirty="0"/>
+          </a:p>
+        </p:txBody>
+      </p:sp>
+      <p:sp>
+        <p:nvSpPr>
+          <p:cNvPr id="3" name="내용 개체 틀 2">
+            <a:extLst>
+              <a:ext uri="{FF2B5EF4-FFF2-40B4-BE49-F238E27FC236}">
+                <a16:creationId xmlns:a16="http://schemas.microsoft.com/office/drawing/2014/main" id="{AD50170D-D0BB-69DC-D993-4EB7AE105F11}"/>
+              </a:ext>
+            </a:extLst>
+          </p:cNvPr>
+          <p:cNvSpPr>
+            <a:spLocks noGrp="1"/>
+          </p:cNvSpPr>
+          <p:nvPr>
+            <p:ph idx="1"/>
+          </p:nvPr>
+        </p:nvSpPr>
+        <p:spPr/>
+        <p:txBody>
+          <a:bodyPr/>
+          <a:lstStyle/>
+          <a:p>
+            <a:endParaRPr lang="ko-KR" altLang="en-US"/>
+          </a:p>
+        </p:txBody>
+      </p:sp>
+    </p:spTree>
+    <p:extLst>
+      <p:ext uri="{BB962C8B-B14F-4D97-AF65-F5344CB8AC3E}">
+        <p14:creationId xmlns:p14="http://schemas.microsoft.com/office/powerpoint/2010/main" val="3938073431"/>
       </p:ext>
     </p:extLst>
   </p:cSld>
@@ -6049,6 +7763,90 @@
 </p:sld>
 </file>
 
+<file path=ppt/slides/slide30.xml><?xml version="1.0" encoding="utf-8"?>
+<p:sld xmlns:a="http://schemas.openxmlformats.org/drawingml/2006/main" xmlns:r="http://schemas.openxmlformats.org/officeDocument/2006/relationships" xmlns:p="http://schemas.openxmlformats.org/presentationml/2006/main">
+  <p:cSld>
+    <p:spTree>
+      <p:nvGrpSpPr>
+        <p:cNvPr id="1" name=""/>
+        <p:cNvGrpSpPr/>
+        <p:nvPr/>
+      </p:nvGrpSpPr>
+      <p:grpSpPr>
+        <a:xfrm>
+          <a:off x="0" y="0"/>
+          <a:ext cx="0" cy="0"/>
+          <a:chOff x="0" y="0"/>
+          <a:chExt cx="0" cy="0"/>
+        </a:xfrm>
+      </p:grpSpPr>
+      <p:sp>
+        <p:nvSpPr>
+          <p:cNvPr id="2" name="제목 1">
+            <a:extLst>
+              <a:ext uri="{FF2B5EF4-FFF2-40B4-BE49-F238E27FC236}">
+                <a16:creationId xmlns:a16="http://schemas.microsoft.com/office/drawing/2014/main" id="{13D882CC-F556-0303-363C-34AA8C763FD7}"/>
+              </a:ext>
+            </a:extLst>
+          </p:cNvPr>
+          <p:cNvSpPr>
+            <a:spLocks noGrp="1"/>
+          </p:cNvSpPr>
+          <p:nvPr>
+            <p:ph type="title"/>
+          </p:nvPr>
+        </p:nvSpPr>
+        <p:spPr/>
+        <p:txBody>
+          <a:bodyPr/>
+          <a:lstStyle/>
+          <a:p>
+            <a:r>
+              <a:rPr lang="en-US" altLang="ko-KR" dirty="0"/>
+              <a:t>Switch</a:t>
+            </a:r>
+            <a:endParaRPr lang="ko-KR" altLang="en-US" dirty="0"/>
+          </a:p>
+        </p:txBody>
+      </p:sp>
+      <p:sp>
+        <p:nvSpPr>
+          <p:cNvPr id="3" name="내용 개체 틀 2">
+            <a:extLst>
+              <a:ext uri="{FF2B5EF4-FFF2-40B4-BE49-F238E27FC236}">
+                <a16:creationId xmlns:a16="http://schemas.microsoft.com/office/drawing/2014/main" id="{B48C4B06-E5BA-C721-9E39-4C426074D86F}"/>
+              </a:ext>
+            </a:extLst>
+          </p:cNvPr>
+          <p:cNvSpPr>
+            <a:spLocks noGrp="1"/>
+          </p:cNvSpPr>
+          <p:nvPr>
+            <p:ph idx="1"/>
+          </p:nvPr>
+        </p:nvSpPr>
+        <p:spPr/>
+        <p:txBody>
+          <a:bodyPr/>
+          <a:lstStyle/>
+          <a:p>
+            <a:endParaRPr lang="ko-KR" altLang="en-US"/>
+          </a:p>
+        </p:txBody>
+      </p:sp>
+    </p:spTree>
+    <p:extLst>
+      <p:ext uri="{BB962C8B-B14F-4D97-AF65-F5344CB8AC3E}">
+        <p14:creationId xmlns:p14="http://schemas.microsoft.com/office/powerpoint/2010/main" val="2994615564"/>
+      </p:ext>
+    </p:extLst>
+  </p:cSld>
+  <p:clrMapOvr>
+    <a:masterClrMapping/>
+  </p:clrMapOvr>
+</p:sld>
+</file>
+
 <file path=ppt/slides/slide4.xml><?xml version="1.0" encoding="utf-8"?>
 <p:sld xmlns:a="http://schemas.openxmlformats.org/drawingml/2006/main" xmlns:r="http://schemas.openxmlformats.org/officeDocument/2006/relationships" xmlns:p="http://schemas.openxmlformats.org/presentationml/2006/main">
   <p:cSld>
@@ -6111,15 +7909,434 @@
             <p:ph idx="1"/>
           </p:nvPr>
         </p:nvSpPr>
-        <p:spPr/>
+        <p:spPr>
+          <a:xfrm>
+            <a:off x="762000" y="1765139"/>
+            <a:ext cx="10668000" cy="5036817"/>
+          </a:xfrm>
+        </p:spPr>
         <p:txBody>
           <a:bodyPr/>
           <a:lstStyle/>
           <a:p>
-            <a:endParaRPr lang="ko-KR" altLang="en-US"/>
-          </a:p>
-        </p:txBody>
-      </p:sp>
+            <a:r>
+              <a:rPr lang="en-US" altLang="ko-KR" sz="1600" dirty="0"/>
+              <a:t>IP(Internet Protocol)</a:t>
+            </a:r>
+            <a:r>
+              <a:rPr lang="ko-KR" altLang="en-US" sz="1600" dirty="0"/>
+              <a:t>은 인터넷 표준 프로토콜로 인터넷을 하는 모든 장치</a:t>
+            </a:r>
+            <a:r>
+              <a:rPr lang="en-US" altLang="ko-KR" sz="1600" dirty="0"/>
+              <a:t>(</a:t>
+            </a:r>
+            <a:r>
+              <a:rPr lang="ko-KR" altLang="en-US" sz="1600" dirty="0"/>
+              <a:t>호스트</a:t>
+            </a:r>
+            <a:r>
+              <a:rPr lang="en-US" altLang="ko-KR" sz="1600" dirty="0"/>
+              <a:t>)</a:t>
+            </a:r>
+            <a:r>
+              <a:rPr lang="ko-KR" altLang="en-US" sz="1600" dirty="0"/>
+              <a:t>를</a:t>
+            </a:r>
+            <a:br>
+              <a:rPr lang="en-US" altLang="ko-KR" sz="1600" dirty="0"/>
+            </a:br>
+            <a:r>
+              <a:rPr lang="ko-KR" altLang="en-US" sz="1600" dirty="0"/>
+              <a:t>식별해주는 프로토콜 입니다</a:t>
+            </a:r>
+            <a:endParaRPr lang="en-US" altLang="ko-KR" sz="1600" dirty="0"/>
+          </a:p>
+          <a:p>
+            <a:r>
+              <a:rPr lang="en-US" altLang="ko-KR" sz="1600" dirty="0"/>
+              <a:t>IP</a:t>
+            </a:r>
+            <a:r>
+              <a:rPr lang="ko-KR" altLang="en-US" sz="1600" dirty="0"/>
+              <a:t>는 </a:t>
+            </a:r>
+            <a:r>
+              <a:rPr lang="en-US" altLang="ko-KR" sz="1600" dirty="0"/>
+              <a:t>L3</a:t>
+            </a:r>
+            <a:r>
+              <a:rPr lang="ko-KR" altLang="en-US" sz="1600" dirty="0"/>
+              <a:t>계층 프로토콜이고</a:t>
+            </a:r>
+            <a:r>
+              <a:rPr lang="en-US" altLang="ko-KR" sz="1600" dirty="0"/>
+              <a:t>, L3</a:t>
+            </a:r>
+            <a:r>
+              <a:rPr lang="ko-KR" altLang="en-US" sz="1600" dirty="0"/>
+              <a:t>계층의 </a:t>
+            </a:r>
+            <a:r>
+              <a:rPr lang="en-US" altLang="ko-KR" sz="1600" dirty="0"/>
+              <a:t>PDU</a:t>
+            </a:r>
+            <a:r>
+              <a:rPr lang="ko-KR" altLang="en-US" sz="1600" dirty="0"/>
+              <a:t>는 데이터 그램</a:t>
+            </a:r>
+            <a:r>
+              <a:rPr lang="en-US" altLang="ko-KR" sz="1600" dirty="0"/>
+              <a:t>(Datagram)</a:t>
+            </a:r>
+            <a:r>
+              <a:rPr lang="ko-KR" altLang="en-US" sz="1600" dirty="0"/>
+              <a:t>이기 때문에</a:t>
+            </a:r>
+            <a:r>
+              <a:rPr lang="en-US" altLang="ko-KR" sz="1600" dirty="0"/>
+              <a:t>,</a:t>
+            </a:r>
+            <a:br>
+              <a:rPr lang="en-US" altLang="ko-KR" sz="1600" dirty="0"/>
+            </a:br>
+            <a:r>
+              <a:rPr lang="en-US" altLang="ko-KR" sz="1600" dirty="0"/>
+              <a:t>IP</a:t>
+            </a:r>
+            <a:r>
+              <a:rPr lang="ko-KR" altLang="en-US" sz="1600" dirty="0"/>
+              <a:t>관련정보는 </a:t>
+            </a:r>
+            <a:r>
+              <a:rPr lang="en-US" altLang="ko-KR" sz="1600" dirty="0"/>
+              <a:t>IP</a:t>
+            </a:r>
+            <a:r>
+              <a:rPr lang="ko-KR" altLang="en-US" sz="1600" dirty="0"/>
+              <a:t> </a:t>
+            </a:r>
+            <a:r>
+              <a:rPr lang="en-US" altLang="ko-KR" sz="1600" dirty="0"/>
+              <a:t>Datagram</a:t>
+            </a:r>
+            <a:r>
+              <a:rPr lang="ko-KR" altLang="en-US" sz="1600" dirty="0"/>
+              <a:t>으로 넣어서 통신하는데 사용합니다 </a:t>
+            </a:r>
+            <a:r>
+              <a:rPr lang="en-US" altLang="ko-KR" sz="1600" dirty="0"/>
+              <a:t>(</a:t>
+            </a:r>
+            <a:r>
+              <a:rPr lang="ko-KR" altLang="en-US" sz="1600" dirty="0"/>
+              <a:t>아래 그림은 </a:t>
+            </a:r>
+            <a:r>
+              <a:rPr lang="en-US" altLang="ko-KR" sz="1600" dirty="0"/>
+              <a:t>IPv4 Datagram</a:t>
+            </a:r>
+            <a:r>
+              <a:rPr lang="ko-KR" altLang="en-US" sz="1600" dirty="0"/>
+              <a:t> 입니다</a:t>
+            </a:r>
+            <a:r>
+              <a:rPr lang="en-US" altLang="ko-KR" sz="1600" dirty="0"/>
+              <a:t>)</a:t>
+            </a:r>
+            <a:r>
+              <a:rPr lang="ko-KR" altLang="en-US" sz="1600" dirty="0"/>
+              <a:t> </a:t>
+            </a:r>
+            <a:endParaRPr lang="en-US" altLang="ko-KR" sz="1600" dirty="0"/>
+          </a:p>
+          <a:p>
+            <a:r>
+              <a:rPr lang="en-US" altLang="ko-KR" sz="1600" dirty="0"/>
+              <a:t>IPv4(IP version 4)</a:t>
+            </a:r>
+            <a:r>
+              <a:rPr lang="ko-KR" altLang="en-US" sz="1600" dirty="0"/>
+              <a:t>는 </a:t>
+            </a:r>
+            <a:r>
+              <a:rPr lang="en-US" altLang="ko-KR" sz="1600" dirty="0"/>
+              <a:t>IP </a:t>
+            </a:r>
+            <a:r>
+              <a:rPr lang="ko-KR" altLang="en-US" sz="1600" dirty="0"/>
+              <a:t>표준 프로토콜의</a:t>
+            </a:r>
+            <a:r>
+              <a:rPr lang="en-US" altLang="ko-KR" sz="1600" dirty="0"/>
+              <a:t> </a:t>
+            </a:r>
+            <a:r>
+              <a:rPr lang="ko-KR" altLang="en-US" sz="1600" dirty="0"/>
+              <a:t>네 번째 판으로</a:t>
+            </a:r>
+            <a:br>
+              <a:rPr lang="en-US" altLang="ko-KR" sz="1600" dirty="0"/>
+            </a:br>
+            <a:r>
+              <a:rPr lang="ko-KR" altLang="en-US" sz="1600" dirty="0"/>
+              <a:t>오늘날 대부분의 호스트 및 </a:t>
+            </a:r>
+            <a:r>
+              <a:rPr lang="en-US" altLang="ko-KR" sz="1600" dirty="0"/>
+              <a:t>ISP</a:t>
+            </a:r>
+            <a:r>
+              <a:rPr lang="ko-KR" altLang="en-US" sz="1600" dirty="0"/>
+              <a:t>가</a:t>
+            </a:r>
+            <a:r>
+              <a:rPr lang="en-US" altLang="ko-KR" sz="1600" dirty="0"/>
+              <a:t> </a:t>
+            </a:r>
+            <a:r>
+              <a:rPr lang="ko-KR" altLang="en-US" sz="1600" dirty="0"/>
+              <a:t>받는</a:t>
+            </a:r>
+            <a:br>
+              <a:rPr lang="en-US" altLang="ko-KR" sz="1600" dirty="0"/>
+            </a:br>
+            <a:r>
+              <a:rPr lang="ko-KR" altLang="en-US" sz="1600" dirty="0"/>
+              <a:t>대중화에 성공한 첫 번째 표준 프로토콜입니다</a:t>
+            </a:r>
+            <a:endParaRPr lang="en-US" altLang="ko-KR" sz="1600" dirty="0"/>
+          </a:p>
+          <a:p>
+            <a:r>
+              <a:rPr lang="en-US" altLang="ko-KR" sz="1600" dirty="0"/>
+              <a:t>IPv4</a:t>
+            </a:r>
+            <a:r>
+              <a:rPr lang="ko-KR" altLang="en-US" sz="1600" dirty="0"/>
+              <a:t>는 </a:t>
+            </a:r>
+            <a:r>
+              <a:rPr lang="en-US" altLang="ko-KR" sz="1600" dirty="0"/>
+              <a:t>(10</a:t>
+            </a:r>
+            <a:r>
+              <a:rPr lang="ko-KR" altLang="en-US" sz="1600" dirty="0"/>
+              <a:t>진법 </a:t>
+            </a:r>
+            <a:r>
+              <a:rPr lang="en-US" altLang="ko-KR" sz="1600" dirty="0"/>
+              <a:t>0 ~ 255) </a:t>
+            </a:r>
+            <a:r>
+              <a:rPr lang="ko-KR" altLang="en-US" sz="1600" dirty="0"/>
+              <a:t>세 자리</a:t>
+            </a:r>
+            <a:r>
+              <a:rPr lang="en-US" altLang="ko-KR" sz="1600" dirty="0"/>
+              <a:t>(8</a:t>
+            </a:r>
+            <a:r>
+              <a:rPr lang="ko-KR" altLang="en-US" sz="1600" dirty="0"/>
+              <a:t>비트</a:t>
+            </a:r>
+            <a:r>
+              <a:rPr lang="en-US" altLang="ko-KR" sz="1600" dirty="0"/>
+              <a:t>) * 4 </a:t>
+            </a:r>
+            <a:r>
+              <a:rPr lang="ko-KR" altLang="en-US" sz="1600" dirty="0"/>
+              <a:t>으로</a:t>
+            </a:r>
+            <a:br>
+              <a:rPr lang="en-US" altLang="ko-KR" sz="1600" dirty="0"/>
+            </a:br>
+            <a:r>
+              <a:rPr lang="ko-KR" altLang="en-US" sz="1600" dirty="0"/>
+              <a:t>구성되어 총 </a:t>
+            </a:r>
+            <a:r>
+              <a:rPr lang="en-US" altLang="ko-KR" sz="1600" dirty="0"/>
+              <a:t>32Bit</a:t>
+            </a:r>
+            <a:r>
+              <a:rPr lang="ko-KR" altLang="en-US" sz="1600" dirty="0"/>
+              <a:t> 길이입니다</a:t>
+            </a:r>
+            <a:r>
+              <a:rPr lang="en-US" altLang="ko-KR" sz="1600" dirty="0"/>
+              <a:t>(</a:t>
+            </a:r>
+            <a:r>
+              <a:rPr lang="ko-KR" altLang="en-US" sz="1600" dirty="0"/>
+              <a:t>총 </a:t>
+            </a:r>
+            <a:r>
+              <a:rPr lang="en-US" altLang="ko-KR" sz="1600" dirty="0"/>
+              <a:t>43</a:t>
+            </a:r>
+            <a:r>
+              <a:rPr lang="ko-KR" altLang="en-US" sz="1600" dirty="0"/>
+              <a:t>억 개</a:t>
+            </a:r>
+            <a:r>
+              <a:rPr lang="en-US" altLang="ko-KR" sz="1600" dirty="0"/>
+              <a:t>)</a:t>
+            </a:r>
+          </a:p>
+          <a:p>
+            <a:r>
+              <a:rPr lang="ko-KR" altLang="en-US" sz="1600" dirty="0"/>
+              <a:t>오늘날에는 </a:t>
+            </a:r>
+            <a:r>
+              <a:rPr lang="en-US" altLang="ko-KR" sz="1600" dirty="0"/>
+              <a:t>43</a:t>
+            </a:r>
+            <a:r>
+              <a:rPr lang="ko-KR" altLang="en-US" sz="1600" dirty="0"/>
+              <a:t>억 개의 장치보다 인구 수 및 서버대수도</a:t>
+            </a:r>
+            <a:br>
+              <a:rPr lang="en-US" altLang="ko-KR" sz="1600" dirty="0"/>
+            </a:br>
+            <a:r>
+              <a:rPr lang="ko-KR" altLang="en-US" sz="1600" dirty="0"/>
+              <a:t>많을 여지가 다분하여 대체제로 </a:t>
+            </a:r>
+            <a:r>
+              <a:rPr lang="en-US" altLang="ko-KR" sz="1600" dirty="0"/>
+              <a:t>IPv6(128Bit)</a:t>
+            </a:r>
+            <a:r>
+              <a:rPr lang="ko-KR" altLang="en-US" sz="1600" dirty="0"/>
+              <a:t>를 고안하여</a:t>
+            </a:r>
+            <a:br>
+              <a:rPr lang="en-US" altLang="ko-KR" sz="1600" dirty="0"/>
+            </a:br>
+            <a:r>
+              <a:rPr lang="ko-KR" altLang="en-US" sz="1600" dirty="0"/>
+              <a:t>두 </a:t>
+            </a:r>
+            <a:r>
+              <a:rPr lang="en-US" altLang="ko-KR" sz="1600" dirty="0"/>
+              <a:t>IP</a:t>
+            </a:r>
+            <a:r>
+              <a:rPr lang="ko-KR" altLang="en-US" sz="1600" dirty="0"/>
+              <a:t> 프로토콜을 혼용해서 사용하고 있습니다</a:t>
+            </a:r>
+            <a:endParaRPr lang="en-US" altLang="ko-KR" sz="1600" dirty="0"/>
+          </a:p>
+          <a:p>
+            <a:r>
+              <a:rPr lang="en-US" altLang="ko-KR" sz="1600" dirty="0"/>
+              <a:t>IANA</a:t>
+            </a:r>
+            <a:r>
+              <a:rPr lang="ko-KR" altLang="en-US" sz="1600" dirty="0"/>
+              <a:t>는 </a:t>
+            </a:r>
+            <a:r>
+              <a:rPr lang="en-US" altLang="ko-KR" sz="1600" dirty="0"/>
+              <a:t>2011</a:t>
+            </a:r>
+            <a:r>
+              <a:rPr lang="ko-KR" altLang="en-US" sz="1600" dirty="0"/>
+              <a:t>년 </a:t>
+            </a:r>
+            <a:r>
+              <a:rPr lang="en-US" altLang="ko-KR" sz="1600" dirty="0"/>
+              <a:t>2</a:t>
+            </a:r>
+            <a:r>
+              <a:rPr lang="ko-KR" altLang="en-US" sz="1600" dirty="0"/>
+              <a:t>월 이후로 더 이상 여분 </a:t>
+            </a:r>
+            <a:r>
+              <a:rPr lang="en-US" altLang="ko-KR" sz="1600" dirty="0"/>
+              <a:t>IPv4</a:t>
+            </a:r>
+            <a:r>
+              <a:rPr lang="ko-KR" altLang="en-US" sz="1600" dirty="0"/>
+              <a:t>가 없어</a:t>
+            </a:r>
+            <a:br>
+              <a:rPr lang="en-US" altLang="ko-KR" sz="1600" dirty="0"/>
+            </a:br>
+            <a:r>
+              <a:rPr lang="ko-KR" altLang="en-US" sz="1600" dirty="0"/>
+              <a:t>각 국가에게 </a:t>
+            </a:r>
+            <a:r>
+              <a:rPr lang="en-US" altLang="ko-KR" sz="1600" dirty="0"/>
+              <a:t>IPv4</a:t>
+            </a:r>
+            <a:r>
+              <a:rPr lang="ko-KR" altLang="en-US" sz="1600" dirty="0"/>
+              <a:t>할당을 중단하였고</a:t>
+            </a:r>
+            <a:r>
+              <a:rPr lang="en-US" altLang="ko-KR" sz="1600" dirty="0"/>
+              <a:t>,</a:t>
+            </a:r>
+            <a:br>
+              <a:rPr lang="en-US" altLang="ko-KR" sz="1600" dirty="0"/>
+            </a:br>
+            <a:r>
+              <a:rPr lang="ko-KR" altLang="en-US" sz="1600" dirty="0"/>
+              <a:t>지금은 각 국가가 소지한 </a:t>
+            </a:r>
+            <a:r>
+              <a:rPr lang="en-US" altLang="ko-KR" sz="1600" dirty="0"/>
+              <a:t>IPv4</a:t>
+            </a:r>
+            <a:r>
+              <a:rPr lang="ko-KR" altLang="en-US" sz="1600" dirty="0"/>
+              <a:t>를 각 기업체에</a:t>
+            </a:r>
+            <a:r>
+              <a:rPr lang="en-US" altLang="ko-KR" sz="1600" dirty="0"/>
+              <a:t> </a:t>
+            </a:r>
+            <a:r>
+              <a:rPr lang="ko-KR" altLang="en-US" sz="1600" dirty="0"/>
+              <a:t>할당하고 있는 상황입니다</a:t>
+            </a:r>
+          </a:p>
+        </p:txBody>
+      </p:sp>
+      <p:pic>
+        <p:nvPicPr>
+          <p:cNvPr id="5" name="그림 4">
+            <a:extLst>
+              <a:ext uri="{FF2B5EF4-FFF2-40B4-BE49-F238E27FC236}">
+                <a16:creationId xmlns:a16="http://schemas.microsoft.com/office/drawing/2014/main" id="{769A91FF-E61E-BA67-181F-3EDDC3916A0B}"/>
+              </a:ext>
+            </a:extLst>
+          </p:cNvPr>
+          <p:cNvPicPr>
+            <a:picLocks noChangeAspect="1"/>
+          </p:cNvPicPr>
+          <p:nvPr/>
+        </p:nvPicPr>
+        <p:blipFill>
+          <a:blip r:embed="rId2"/>
+          <a:stretch>
+            <a:fillRect/>
+          </a:stretch>
+        </p:blipFill>
+        <p:spPr>
+          <a:xfrm>
+            <a:off x="6896347" y="3109450"/>
+            <a:ext cx="5238626" cy="3206961"/>
+          </a:xfrm>
+          <a:prstGeom prst="rect">
+            <a:avLst/>
+          </a:prstGeom>
+        </p:spPr>
+      </p:pic>
     </p:spTree>
     <p:extLst>
       <p:ext uri="{BB962C8B-B14F-4D97-AF65-F5344CB8AC3E}">
@@ -6155,7 +8372,7 @@
           <p:cNvPr id="2" name="제목 1">
             <a:extLst>
               <a:ext uri="{FF2B5EF4-FFF2-40B4-BE49-F238E27FC236}">
-                <a16:creationId xmlns:a16="http://schemas.microsoft.com/office/drawing/2014/main" id="{0E181B45-9E1F-EAE1-462A-3DF457D31B9A}"/>
+                <a16:creationId xmlns:a16="http://schemas.microsoft.com/office/drawing/2014/main" id="{37D4A492-B248-59C9-34A0-ACB9501F4BD9}"/>
               </a:ext>
             </a:extLst>
           </p:cNvPr>
@@ -6173,7 +8390,7 @@
           <a:p>
             <a:r>
               <a:rPr lang="en-US" altLang="ko-KR" dirty="0"/>
-              <a:t>IPv4</a:t>
+              <a:t>Subnet, Classful, CIDR</a:t>
             </a:r>
             <a:endParaRPr lang="ko-KR" altLang="en-US" dirty="0"/>
           </a:p>
@@ -6184,7 +8401,7 @@
           <p:cNvPr id="3" name="내용 개체 틀 2">
             <a:extLst>
               <a:ext uri="{FF2B5EF4-FFF2-40B4-BE49-F238E27FC236}">
-                <a16:creationId xmlns:a16="http://schemas.microsoft.com/office/drawing/2014/main" id="{8D5DE25F-1285-0A89-FB09-95AF77B17ADB}"/>
+                <a16:creationId xmlns:a16="http://schemas.microsoft.com/office/drawing/2014/main" id="{EB191E59-8D95-1147-96A8-3307FDED0792}"/>
               </a:ext>
             </a:extLst>
           </p:cNvPr>
@@ -6195,19 +8412,390 @@
             <p:ph idx="1"/>
           </p:nvPr>
         </p:nvSpPr>
-        <p:spPr/>
+        <p:spPr>
+          <a:xfrm>
+            <a:off x="761999" y="1765139"/>
+            <a:ext cx="10668001" cy="5008489"/>
+          </a:xfrm>
+        </p:spPr>
         <p:txBody>
           <a:bodyPr/>
           <a:lstStyle/>
           <a:p>
-            <a:endParaRPr lang="ko-KR" altLang="en-US"/>
-          </a:p>
-        </p:txBody>
-      </p:sp>
+            <a:r>
+              <a:rPr lang="en-US" altLang="ko-KR" sz="1600" dirty="0"/>
+              <a:t>IPv4</a:t>
+            </a:r>
+            <a:r>
+              <a:rPr lang="ko-KR" altLang="en-US" sz="1600" dirty="0"/>
+              <a:t>의 한계는 드러났지만</a:t>
+            </a:r>
+            <a:r>
+              <a:rPr lang="en-US" altLang="ko-KR" sz="1600" dirty="0"/>
+              <a:t>, </a:t>
+            </a:r>
+            <a:r>
+              <a:rPr lang="ko-KR" altLang="en-US" sz="1600" dirty="0"/>
+              <a:t>여전히 대부분의 장치와 통신 현황은 </a:t>
+            </a:r>
+            <a:r>
+              <a:rPr lang="en-US" altLang="ko-KR" sz="1600" dirty="0"/>
+              <a:t>IPv4</a:t>
+            </a:r>
+            <a:r>
+              <a:rPr lang="ko-KR" altLang="en-US" sz="1600" dirty="0"/>
+              <a:t>로 이루어지고 있습니다</a:t>
+            </a:r>
+            <a:endParaRPr lang="en-US" altLang="ko-KR" sz="1600" dirty="0"/>
+          </a:p>
+          <a:p>
+            <a:r>
+              <a:rPr lang="ko-KR" altLang="en-US" sz="1600" dirty="0" err="1"/>
+              <a:t>서브넷</a:t>
+            </a:r>
+            <a:r>
+              <a:rPr lang="en-US" altLang="ko-KR" sz="1600" dirty="0"/>
+              <a:t>(Subnet)</a:t>
+            </a:r>
+            <a:r>
+              <a:rPr lang="ko-KR" altLang="en-US" sz="1600" dirty="0"/>
+              <a:t>은 </a:t>
+            </a:r>
+            <a:r>
+              <a:rPr lang="en-US" altLang="ko-KR" sz="1600" dirty="0"/>
+              <a:t>IPv4</a:t>
+            </a:r>
+            <a:r>
+              <a:rPr lang="ko-KR" altLang="en-US" sz="1600" dirty="0"/>
+              <a:t>를 할당하는 과정에서 특정 대역</a:t>
+            </a:r>
+            <a:r>
+              <a:rPr lang="en-US" altLang="ko-KR" sz="1600" dirty="0"/>
+              <a:t>(1</a:t>
+            </a:r>
+            <a:r>
+              <a:rPr lang="ko-KR" altLang="en-US" sz="1600" dirty="0"/>
+              <a:t>개 이상의 </a:t>
+            </a:r>
+            <a:r>
+              <a:rPr lang="en-US" altLang="ko-KR" sz="1600" dirty="0"/>
+              <a:t>IP)</a:t>
+            </a:r>
+            <a:r>
+              <a:rPr lang="ko-KR" altLang="en-US" sz="1600" dirty="0"/>
+              <a:t>을 할당 받는 기업체처럼</a:t>
+            </a:r>
+            <a:br>
+              <a:rPr lang="en-US" altLang="ko-KR" sz="1600" dirty="0"/>
+            </a:br>
+            <a:r>
+              <a:rPr lang="ko-KR" altLang="en-US" sz="1600" dirty="0"/>
+              <a:t>범위 단위로 </a:t>
+            </a:r>
+            <a:r>
+              <a:rPr lang="en-US" altLang="ko-KR" sz="1600" dirty="0"/>
+              <a:t>IP</a:t>
+            </a:r>
+            <a:r>
+              <a:rPr lang="ko-KR" altLang="en-US" sz="1600" dirty="0"/>
+              <a:t>를 잡는 것이 필요하기에</a:t>
+            </a:r>
+            <a:r>
+              <a:rPr lang="en-US" altLang="ko-KR" sz="1600" dirty="0"/>
+              <a:t>, IPv4</a:t>
+            </a:r>
+            <a:r>
+              <a:rPr lang="ko-KR" altLang="en-US" sz="1600" dirty="0"/>
+              <a:t>의 각 자리 수에 세부적인 규칙을 둬서</a:t>
+            </a:r>
+            <a:br>
+              <a:rPr lang="en-US" altLang="ko-KR" sz="1600" dirty="0"/>
+            </a:br>
+            <a:r>
+              <a:rPr lang="ko-KR" altLang="en-US" sz="1600" dirty="0"/>
+              <a:t>좌측의 일부를 집단의 고유 주소</a:t>
+            </a:r>
+            <a:r>
+              <a:rPr lang="en-US" altLang="ko-KR" sz="1600" dirty="0"/>
+              <a:t>, </a:t>
+            </a:r>
+            <a:r>
+              <a:rPr lang="ko-KR" altLang="en-US" sz="1600" dirty="0"/>
+              <a:t>우측을 해당 집단의 서브넷의 형태로 사용하기 위한 규약입니다</a:t>
+            </a:r>
+            <a:endParaRPr lang="en-US" altLang="ko-KR" sz="1600" dirty="0"/>
+          </a:p>
+          <a:p>
+            <a:r>
+              <a:rPr lang="ko-KR" altLang="en-US" sz="1600" dirty="0"/>
+              <a:t>서브넷과 고유 </a:t>
+            </a:r>
+            <a:r>
+              <a:rPr lang="ko-KR" altLang="en-US" sz="1600" dirty="0" err="1"/>
+              <a:t>주소을</a:t>
+            </a:r>
+            <a:r>
+              <a:rPr lang="ko-KR" altLang="en-US" sz="1600" dirty="0"/>
+              <a:t> 나누는 기준은 해당 집단이 소유한 </a:t>
+            </a:r>
+            <a:r>
+              <a:rPr lang="ko-KR" altLang="en-US" sz="1600" dirty="0" err="1"/>
+              <a:t>서브넷</a:t>
+            </a:r>
+            <a:r>
+              <a:rPr lang="ko-KR" altLang="en-US" sz="1600" dirty="0"/>
+              <a:t> 마스크</a:t>
+            </a:r>
+            <a:r>
+              <a:rPr lang="en-US" altLang="ko-KR" sz="1600" dirty="0"/>
+              <a:t>(Subnet Mask)</a:t>
+            </a:r>
+            <a:r>
+              <a:rPr lang="ko-KR" altLang="en-US" sz="1600" dirty="0"/>
+              <a:t>를 통해</a:t>
+            </a:r>
+            <a:br>
+              <a:rPr lang="en-US" altLang="ko-KR" sz="1600" dirty="0"/>
+            </a:br>
+            <a:r>
+              <a:rPr lang="ko-KR" altLang="en-US" sz="1600" dirty="0"/>
+              <a:t>서브넷의 범위를 알 수 있습니다</a:t>
+            </a:r>
+            <a:br>
+              <a:rPr lang="en-US" altLang="ko-KR" sz="1600" dirty="0"/>
+            </a:br>
+            <a:r>
+              <a:rPr lang="en-US" altLang="ko-KR" sz="1600" dirty="0"/>
+              <a:t>(</a:t>
+            </a:r>
+            <a:r>
+              <a:rPr lang="ko-KR" altLang="en-US" sz="1600" dirty="0"/>
+              <a:t>예를 들어 </a:t>
+            </a:r>
+            <a:r>
+              <a:rPr lang="en-US" altLang="ko-KR" sz="1600" dirty="0"/>
+              <a:t>IP: 192.168.0.1</a:t>
+            </a:r>
+            <a:r>
+              <a:rPr lang="ko-KR" altLang="en-US" sz="1600" dirty="0"/>
+              <a:t>일 때</a:t>
+            </a:r>
+            <a:r>
+              <a:rPr lang="en-US" altLang="ko-KR" sz="1600" dirty="0"/>
+              <a:t>, </a:t>
+            </a:r>
+            <a:r>
+              <a:rPr lang="en-US" altLang="ko-KR" sz="1600" dirty="0" err="1"/>
+              <a:t>SubnetMask</a:t>
+            </a:r>
+            <a:r>
+              <a:rPr lang="en-US" altLang="ko-KR" sz="1600" dirty="0"/>
+              <a:t>: 255.255.255.0</a:t>
+            </a:r>
+            <a:r>
+              <a:rPr lang="ko-KR" altLang="en-US" sz="1600" dirty="0"/>
+              <a:t>이면</a:t>
+            </a:r>
+            <a:r>
+              <a:rPr lang="en-US" altLang="ko-KR" sz="1600" dirty="0"/>
+              <a:t>,</a:t>
+            </a:r>
+            <a:br>
+              <a:rPr lang="en-US" altLang="ko-KR" sz="1600" dirty="0"/>
+            </a:br>
+            <a:r>
+              <a:rPr lang="ko-KR" altLang="en-US" sz="1600" dirty="0"/>
+              <a:t>둘을 </a:t>
+            </a:r>
+            <a:r>
+              <a:rPr lang="en-US" altLang="ko-KR" sz="1600" dirty="0"/>
+              <a:t>AND</a:t>
+            </a:r>
+            <a:r>
+              <a:rPr lang="ko-KR" altLang="en-US" sz="1600" dirty="0"/>
+              <a:t>하면 고유주소만 남게 되고</a:t>
+            </a:r>
+            <a:r>
+              <a:rPr lang="en-US" altLang="ko-KR" sz="1600" dirty="0"/>
+              <a:t>, Mask</a:t>
+            </a:r>
+            <a:r>
+              <a:rPr lang="ko-KR" altLang="en-US" sz="1600" dirty="0"/>
+              <a:t>을 </a:t>
+            </a:r>
+            <a:r>
+              <a:rPr lang="en-US" altLang="ko-KR" sz="1600" dirty="0"/>
+              <a:t>NOT</a:t>
+            </a:r>
+            <a:r>
+              <a:rPr lang="ko-KR" altLang="en-US" sz="1600" dirty="0"/>
+              <a:t>한 결과와 </a:t>
+            </a:r>
+            <a:r>
+              <a:rPr lang="en-US" altLang="ko-KR" sz="1600" dirty="0"/>
+              <a:t>AND</a:t>
+            </a:r>
+            <a:r>
+              <a:rPr lang="ko-KR" altLang="en-US" sz="1600" dirty="0"/>
+              <a:t>하면 서브넷에서의 주소를 알 수 있습니다</a:t>
+            </a:r>
+            <a:r>
+              <a:rPr lang="en-US" altLang="ko-KR" sz="1600" dirty="0"/>
+              <a:t>)</a:t>
+            </a:r>
+          </a:p>
+          <a:p>
+            <a:r>
+              <a:rPr lang="en-US" altLang="ko-KR" sz="1600" dirty="0"/>
+              <a:t>Classful Network Address</a:t>
+            </a:r>
+            <a:r>
+              <a:rPr lang="ko-KR" altLang="en-US" sz="1600" dirty="0"/>
+              <a:t>는 초창기 </a:t>
+            </a:r>
+            <a:r>
+              <a:rPr lang="en-US" altLang="ko-KR" sz="1600" dirty="0"/>
+              <a:t>IPv4</a:t>
+            </a:r>
+            <a:r>
+              <a:rPr lang="ko-KR" altLang="en-US" sz="1600" dirty="0"/>
+              <a:t>를 </a:t>
+            </a:r>
+            <a:r>
+              <a:rPr lang="en-US" altLang="ko-KR" sz="1600" dirty="0"/>
+              <a:t>5</a:t>
+            </a:r>
+            <a:r>
+              <a:rPr lang="ko-KR" altLang="en-US" sz="1600" dirty="0"/>
+              <a:t>개의 클래스</a:t>
+            </a:r>
+            <a:r>
+              <a:rPr lang="en-US" altLang="ko-KR" sz="1600" dirty="0"/>
+              <a:t>(A, B, C, D, E)</a:t>
+            </a:r>
+            <a:r>
+              <a:rPr lang="ko-KR" altLang="en-US" sz="1600" dirty="0"/>
+              <a:t>로 나눠 구별 한 방식입니다</a:t>
+            </a:r>
+            <a:br>
+              <a:rPr lang="en-US" altLang="ko-KR" sz="1600" dirty="0"/>
+            </a:br>
+            <a:r>
+              <a:rPr lang="ko-KR" altLang="en-US" sz="1600" dirty="0"/>
+              <a:t>간단하게 우측 그림처럼</a:t>
+            </a:r>
+            <a:br>
+              <a:rPr lang="en-US" altLang="ko-KR" sz="1600" dirty="0"/>
+            </a:br>
+            <a:r>
+              <a:rPr lang="ko-KR" altLang="en-US" sz="1600" dirty="0"/>
+              <a:t>고유 주소</a:t>
+            </a:r>
+            <a:r>
+              <a:rPr lang="en-US" altLang="ko-KR" sz="1600" dirty="0"/>
+              <a:t>:</a:t>
+            </a:r>
+            <a:r>
+              <a:rPr lang="ko-KR" altLang="en-US" sz="1600" dirty="0" err="1"/>
+              <a:t>서브넷</a:t>
+            </a:r>
+            <a:r>
+              <a:rPr lang="ko-KR" altLang="en-US" sz="1600" dirty="0"/>
+              <a:t> 주소 범위를 표현합니다</a:t>
+            </a:r>
+            <a:endParaRPr lang="en-US" altLang="ko-KR" sz="1600" dirty="0"/>
+          </a:p>
+          <a:p>
+            <a:r>
+              <a:rPr lang="ko-KR" altLang="en-US" sz="1600" dirty="0"/>
+              <a:t>오늘날에는 </a:t>
+            </a:r>
+            <a:r>
+              <a:rPr lang="en-US" altLang="ko-KR" sz="1600" dirty="0"/>
+              <a:t>Classful </a:t>
+            </a:r>
+            <a:r>
+              <a:rPr lang="ko-KR" altLang="en-US" sz="1600" dirty="0"/>
+              <a:t>방식으로도</a:t>
+            </a:r>
+            <a:br>
+              <a:rPr lang="en-US" altLang="ko-KR" sz="1600" dirty="0"/>
+            </a:br>
+            <a:r>
+              <a:rPr lang="ko-KR" altLang="en-US" sz="1600" dirty="0"/>
+              <a:t>한계가 있어 조금 더 동적인 할당방식으로</a:t>
+            </a:r>
+            <a:br>
+              <a:rPr lang="en-US" altLang="ko-KR" sz="1600" dirty="0"/>
+            </a:br>
+            <a:r>
+              <a:rPr lang="en-US" altLang="ko-KR" sz="1600" dirty="0"/>
+              <a:t>CIDR(Classless Inter-Domain Routing)</a:t>
+            </a:r>
+            <a:r>
+              <a:rPr lang="ko-KR" altLang="en-US" sz="1600" dirty="0"/>
+              <a:t>을</a:t>
+            </a:r>
+            <a:br>
+              <a:rPr lang="en-US" altLang="ko-KR" sz="1600" dirty="0"/>
+            </a:br>
+            <a:r>
+              <a:rPr lang="ko-KR" altLang="en-US" sz="1600" dirty="0"/>
+              <a:t>채택하여 사용하고 있습니다</a:t>
+            </a:r>
+            <a:br>
+              <a:rPr lang="en-US" altLang="ko-KR" sz="1600" dirty="0"/>
+            </a:br>
+            <a:r>
+              <a:rPr lang="en-US" altLang="ko-KR" sz="1600" dirty="0"/>
+              <a:t>(CIDR</a:t>
+            </a:r>
+            <a:r>
+              <a:rPr lang="ko-KR" altLang="en-US" sz="1600" dirty="0"/>
+              <a:t>은 다음 페이지 그림을 참고</a:t>
+            </a:r>
+            <a:r>
+              <a:rPr lang="en-US" altLang="ko-KR" sz="1600" dirty="0"/>
+              <a:t>)</a:t>
+            </a:r>
+            <a:endParaRPr lang="ko-KR" altLang="en-US" sz="1600" dirty="0"/>
+          </a:p>
+        </p:txBody>
+      </p:sp>
+      <p:pic>
+        <p:nvPicPr>
+          <p:cNvPr id="7" name="그림 6">
+            <a:extLst>
+              <a:ext uri="{FF2B5EF4-FFF2-40B4-BE49-F238E27FC236}">
+                <a16:creationId xmlns:a16="http://schemas.microsoft.com/office/drawing/2014/main" id="{902A7124-67ED-3F90-BBFD-6B3F1AA244F6}"/>
+              </a:ext>
+            </a:extLst>
+          </p:cNvPr>
+          <p:cNvPicPr>
+            <a:picLocks noChangeAspect="1"/>
+          </p:cNvPicPr>
+          <p:nvPr/>
+        </p:nvPicPr>
+        <p:blipFill>
+          <a:blip r:embed="rId2"/>
+          <a:stretch>
+            <a:fillRect/>
+          </a:stretch>
+        </p:blipFill>
+        <p:spPr>
+          <a:xfrm>
+            <a:off x="5447211" y="4771434"/>
+            <a:ext cx="6500630" cy="2002194"/>
+          </a:xfrm>
+          <a:prstGeom prst="rect">
+            <a:avLst/>
+          </a:prstGeom>
+        </p:spPr>
+      </p:pic>
     </p:spTree>
     <p:extLst>
       <p:ext uri="{BB962C8B-B14F-4D97-AF65-F5344CB8AC3E}">
-        <p14:creationId xmlns:p14="http://schemas.microsoft.com/office/powerpoint/2010/main" val="3994509119"/>
+        <p14:creationId xmlns:p14="http://schemas.microsoft.com/office/powerpoint/2010/main" val="4095649906"/>
       </p:ext>
     </p:extLst>
   </p:cSld>
@@ -6239,7 +8827,7 @@
           <p:cNvPr id="2" name="제목 1">
             <a:extLst>
               <a:ext uri="{FF2B5EF4-FFF2-40B4-BE49-F238E27FC236}">
-                <a16:creationId xmlns:a16="http://schemas.microsoft.com/office/drawing/2014/main" id="{37D4A492-B248-59C9-34A0-ACB9501F4BD9}"/>
+                <a16:creationId xmlns:a16="http://schemas.microsoft.com/office/drawing/2014/main" id="{16E77308-DE4A-A767-C515-A6BED51A860A}"/>
               </a:ext>
             </a:extLst>
           </p:cNvPr>
@@ -6257,9 +8845,20 @@
           <a:p>
             <a:r>
               <a:rPr lang="en-US" altLang="ko-KR" dirty="0"/>
-              <a:t>Subnet, Classful, CIDR</a:t>
-            </a:r>
-            <a:endParaRPr lang="ko-KR" altLang="en-US" dirty="0"/>
+              <a:t>CIDR</a:t>
+            </a:r>
+            <a:r>
+              <a:rPr lang="ko-KR" altLang="en-US" dirty="0"/>
+              <a:t>과 </a:t>
+            </a:r>
+            <a:r>
+              <a:rPr lang="en-US" altLang="ko-KR" dirty="0"/>
+              <a:t>IPv4 </a:t>
+            </a:r>
+            <a:r>
+              <a:rPr lang="ko-KR" altLang="en-US" dirty="0"/>
+              <a:t>특수용도</a:t>
+            </a:r>
           </a:p>
         </p:txBody>
       </p:sp>
@@ -6268,7 +8867,7 @@
           <p:cNvPr id="3" name="내용 개체 틀 2">
             <a:extLst>
               <a:ext uri="{FF2B5EF4-FFF2-40B4-BE49-F238E27FC236}">
-                <a16:creationId xmlns:a16="http://schemas.microsoft.com/office/drawing/2014/main" id="{EB191E59-8D95-1147-96A8-3307FDED0792}"/>
+                <a16:creationId xmlns:a16="http://schemas.microsoft.com/office/drawing/2014/main" id="{68D619EE-3A88-D6B0-060F-D28F7156E001}"/>
               </a:ext>
             </a:extLst>
           </p:cNvPr>
@@ -6284,14 +8883,230 @@
           <a:bodyPr/>
           <a:lstStyle/>
           <a:p>
-            <a:endParaRPr lang="ko-KR" altLang="en-US"/>
-          </a:p>
-        </p:txBody>
-      </p:sp>
+            <a:r>
+              <a:rPr lang="en-US" altLang="ko-KR" sz="1600" dirty="0"/>
+              <a:t>CIDR</a:t>
+            </a:r>
+            <a:r>
+              <a:rPr lang="ko-KR" altLang="en-US" sz="1600" dirty="0"/>
+              <a:t>의 부가 설명은 아래 좌측 그림이고</a:t>
+            </a:r>
+            <a:r>
+              <a:rPr lang="en-US" altLang="ko-KR" sz="1600" dirty="0"/>
+              <a:t>,</a:t>
+            </a:r>
+            <a:br>
+              <a:rPr lang="en-US" altLang="ko-KR" sz="1600" dirty="0"/>
+            </a:br>
+            <a:r>
+              <a:rPr lang="ko-KR" altLang="en-US" sz="1600" dirty="0"/>
+              <a:t>핵심은 기존의 </a:t>
+            </a:r>
+            <a:r>
+              <a:rPr lang="en-US" altLang="ko-KR" sz="1600" dirty="0"/>
+              <a:t>Classful</a:t>
+            </a:r>
+            <a:r>
+              <a:rPr lang="ko-KR" altLang="en-US" sz="1600" dirty="0"/>
+              <a:t>은 점</a:t>
+            </a:r>
+            <a:r>
+              <a:rPr lang="en-US" altLang="ko-KR" sz="1600" dirty="0"/>
+              <a:t>(.)</a:t>
+            </a:r>
+            <a:r>
+              <a:rPr lang="ko-KR" altLang="en-US" sz="1600" dirty="0"/>
+              <a:t>단위의 정직한 </a:t>
+            </a:r>
+            <a:r>
+              <a:rPr lang="ko-KR" altLang="en-US" sz="1600" dirty="0" err="1"/>
+              <a:t>서브넷</a:t>
+            </a:r>
+            <a:r>
+              <a:rPr lang="ko-KR" altLang="en-US" sz="1600" dirty="0"/>
+              <a:t> 할당으로 유연하지 못한 범위 방식을 개선하여</a:t>
+            </a:r>
+            <a:r>
+              <a:rPr lang="en-US" altLang="ko-KR" sz="1600" dirty="0"/>
+              <a:t>,</a:t>
+            </a:r>
+            <a:br>
+              <a:rPr lang="en-US" altLang="ko-KR" sz="1600" dirty="0"/>
+            </a:br>
+            <a:r>
+              <a:rPr lang="ko-KR" altLang="en-US" sz="1600" dirty="0"/>
+              <a:t>동적인 비트로 고유주소를 잡는 방식을 사용합니다</a:t>
+            </a:r>
+            <a:endParaRPr lang="en-US" altLang="ko-KR" sz="1600" dirty="0"/>
+          </a:p>
+          <a:p>
+            <a:r>
+              <a:rPr lang="ko-KR" altLang="en-US" sz="1600" dirty="0"/>
+              <a:t>그림의 중간은 고유주소를 </a:t>
+            </a:r>
+            <a:r>
+              <a:rPr lang="en-US" altLang="ko-KR" sz="1600" dirty="0"/>
+              <a:t>26</a:t>
+            </a:r>
+            <a:r>
+              <a:rPr lang="ko-KR" altLang="en-US" sz="1600" dirty="0"/>
+              <a:t>비트를 잡고 있어 </a:t>
+            </a:r>
+            <a:r>
+              <a:rPr lang="ko-KR" altLang="en-US" sz="1600" dirty="0" err="1"/>
+              <a:t>서브넷</a:t>
+            </a:r>
+            <a:r>
+              <a:rPr lang="ko-KR" altLang="en-US" sz="1600" dirty="0"/>
+              <a:t> 마스크는 </a:t>
+            </a:r>
+            <a:r>
+              <a:rPr lang="en-US" altLang="ko-KR" sz="1600" dirty="0"/>
+              <a:t>255.255.255.192</a:t>
+            </a:r>
+            <a:r>
+              <a:rPr lang="ko-KR" altLang="en-US" sz="1600" dirty="0"/>
+              <a:t>가 됩니다</a:t>
+            </a:r>
+            <a:br>
+              <a:rPr lang="en-US" altLang="ko-KR" sz="1600" dirty="0"/>
+            </a:br>
+            <a:r>
+              <a:rPr lang="en-US" altLang="ko-KR" sz="1600" dirty="0"/>
+              <a:t>(</a:t>
+            </a:r>
+            <a:r>
+              <a:rPr lang="ko-KR" altLang="en-US" sz="1600" dirty="0"/>
+              <a:t>맨 우측은 </a:t>
+            </a:r>
+            <a:r>
+              <a:rPr lang="en-US" altLang="ko-KR" sz="1600" dirty="0"/>
+              <a:t>1100`0000 </a:t>
+            </a:r>
+            <a:r>
+              <a:rPr lang="ko-KR" altLang="en-US" sz="1600" dirty="0"/>
+              <a:t>이므로</a:t>
+            </a:r>
+            <a:r>
+              <a:rPr lang="en-US" altLang="ko-KR" sz="1600" dirty="0"/>
+              <a:t>, 192 = 128 + 64</a:t>
+            </a:r>
+            <a:r>
+              <a:rPr lang="ko-KR" altLang="en-US" sz="1600" dirty="0"/>
+              <a:t>가 됩니다</a:t>
+            </a:r>
+            <a:r>
+              <a:rPr lang="en-US" altLang="ko-KR" sz="1600" dirty="0"/>
+              <a:t>)</a:t>
+            </a:r>
+          </a:p>
+          <a:p>
+            <a:r>
+              <a:rPr lang="ko-KR" altLang="en-US" sz="1600" dirty="0"/>
+              <a:t>우측그림은 </a:t>
+            </a:r>
+            <a:r>
+              <a:rPr lang="en-US" altLang="ko-KR" sz="1600" dirty="0"/>
+              <a:t>IPv4</a:t>
+            </a:r>
+            <a:r>
+              <a:rPr lang="ko-KR" altLang="en-US" sz="1600" dirty="0"/>
+              <a:t>의 </a:t>
+            </a:r>
+            <a:r>
+              <a:rPr lang="en-US" altLang="ko-KR" sz="1600" dirty="0"/>
+              <a:t>Special Block</a:t>
+            </a:r>
+            <a:r>
+              <a:rPr lang="ko-KR" altLang="en-US" sz="1600" dirty="0"/>
+              <a:t>으로 모든 사용자가 특수한 행동을 하기 위한 </a:t>
+            </a:r>
+            <a:r>
+              <a:rPr lang="ko-KR" altLang="en-US" sz="1600" dirty="0" err="1"/>
+              <a:t>국룰</a:t>
+            </a:r>
+            <a:r>
+              <a:rPr lang="en-US" altLang="ko-KR" sz="1600" dirty="0"/>
+              <a:t>(?)</a:t>
+            </a:r>
+            <a:r>
+              <a:rPr lang="ko-KR" altLang="en-US" sz="1600" dirty="0"/>
+              <a:t>을 정한</a:t>
+            </a:r>
+            <a:br>
+              <a:rPr lang="en-US" altLang="ko-KR" sz="1600" dirty="0"/>
+            </a:br>
+            <a:r>
+              <a:rPr lang="ko-KR" altLang="en-US" sz="1600" dirty="0"/>
+              <a:t>특수 주소 범위 입니다</a:t>
+            </a:r>
+          </a:p>
+        </p:txBody>
+      </p:sp>
+      <p:pic>
+        <p:nvPicPr>
+          <p:cNvPr id="7" name="그림 6">
+            <a:extLst>
+              <a:ext uri="{FF2B5EF4-FFF2-40B4-BE49-F238E27FC236}">
+                <a16:creationId xmlns:a16="http://schemas.microsoft.com/office/drawing/2014/main" id="{69A59F15-9EA2-8CC0-D3CC-1917FAAD5EFA}"/>
+              </a:ext>
+            </a:extLst>
+          </p:cNvPr>
+          <p:cNvPicPr>
+            <a:picLocks noChangeAspect="1"/>
+          </p:cNvPicPr>
+          <p:nvPr/>
+        </p:nvPicPr>
+        <p:blipFill>
+          <a:blip r:embed="rId2"/>
+          <a:stretch>
+            <a:fillRect/>
+          </a:stretch>
+        </p:blipFill>
+        <p:spPr>
+          <a:xfrm>
+            <a:off x="5135616" y="3964577"/>
+            <a:ext cx="6939397" cy="2809051"/>
+          </a:xfrm>
+          <a:prstGeom prst="rect">
+            <a:avLst/>
+          </a:prstGeom>
+        </p:spPr>
+      </p:pic>
+      <p:pic>
+        <p:nvPicPr>
+          <p:cNvPr id="9" name="그림 8">
+            <a:extLst>
+              <a:ext uri="{FF2B5EF4-FFF2-40B4-BE49-F238E27FC236}">
+                <a16:creationId xmlns:a16="http://schemas.microsoft.com/office/drawing/2014/main" id="{C3EA1A53-82CA-337A-31EF-3FE28EE67673}"/>
+              </a:ext>
+            </a:extLst>
+          </p:cNvPr>
+          <p:cNvPicPr>
+            <a:picLocks noChangeAspect="1"/>
+          </p:cNvPicPr>
+          <p:nvPr/>
+        </p:nvPicPr>
+        <p:blipFill>
+          <a:blip r:embed="rId3"/>
+          <a:stretch>
+            <a:fillRect/>
+          </a:stretch>
+        </p:blipFill>
+        <p:spPr>
+          <a:xfrm>
+            <a:off x="205130" y="4471343"/>
+            <a:ext cx="4530156" cy="2247312"/>
+          </a:xfrm>
+          <a:prstGeom prst="rect">
+            <a:avLst/>
+          </a:prstGeom>
+        </p:spPr>
+      </p:pic>
     </p:spTree>
     <p:extLst>
       <p:ext uri="{BB962C8B-B14F-4D97-AF65-F5344CB8AC3E}">
-        <p14:creationId xmlns:p14="http://schemas.microsoft.com/office/powerpoint/2010/main" val="4095649906"/>
+        <p14:creationId xmlns:p14="http://schemas.microsoft.com/office/powerpoint/2010/main" val="1153498273"/>
       </p:ext>
     </p:extLst>
   </p:cSld>
@@ -6363,12 +9178,305 @@
             <p:ph idx="1"/>
           </p:nvPr>
         </p:nvSpPr>
-        <p:spPr/>
+        <p:spPr>
+          <a:xfrm>
+            <a:off x="762000" y="1765139"/>
+            <a:ext cx="10668000" cy="4983723"/>
+          </a:xfrm>
+        </p:spPr>
         <p:txBody>
           <a:bodyPr/>
           <a:lstStyle/>
           <a:p>
-            <a:endParaRPr lang="ko-KR" altLang="en-US"/>
+            <a:r>
+              <a:rPr lang="en-US" altLang="ko-KR" sz="1600" dirty="0"/>
+              <a:t>DHCP(Dynamic Host Configuration Protocol)</a:t>
+            </a:r>
+            <a:r>
+              <a:rPr lang="ko-KR" altLang="en-US" sz="1600" dirty="0"/>
+              <a:t>는 네트워크에 연결된 하위 호스트들에게 동적으로</a:t>
+            </a:r>
+            <a:br>
+              <a:rPr lang="en-US" altLang="ko-KR" sz="1600" dirty="0"/>
+            </a:br>
+            <a:r>
+              <a:rPr lang="ko-KR" altLang="en-US" sz="1600" dirty="0"/>
+              <a:t>사설 </a:t>
+            </a:r>
+            <a:r>
+              <a:rPr lang="en-US" altLang="ko-KR" sz="1600" dirty="0"/>
+              <a:t>IP</a:t>
+            </a:r>
+            <a:r>
+              <a:rPr lang="ko-KR" altLang="en-US" sz="1600" dirty="0"/>
+              <a:t>주소와 관련된 네트워크 설정 정보들을 할당하고 알려주는 프로토콜입니다</a:t>
+            </a:r>
+            <a:endParaRPr lang="en-US" altLang="ko-KR" sz="1600" dirty="0"/>
+          </a:p>
+          <a:p>
+            <a:r>
+              <a:rPr lang="en-US" altLang="ko-KR" sz="1600" dirty="0"/>
+              <a:t>DHCP</a:t>
+            </a:r>
+            <a:r>
+              <a:rPr lang="ko-KR" altLang="en-US" sz="1600" dirty="0"/>
+              <a:t>는 사용환경 특성상 </a:t>
+            </a:r>
+            <a:r>
+              <a:rPr lang="en-US" altLang="ko-KR" sz="1600" dirty="0"/>
+              <a:t>UDP</a:t>
+            </a:r>
+            <a:r>
+              <a:rPr lang="ko-KR" altLang="en-US" sz="1600" dirty="0"/>
+              <a:t>를 사용하여 보다 효율적인 통신을 하며</a:t>
+            </a:r>
+            <a:r>
+              <a:rPr lang="en-US" altLang="ko-KR" sz="1600" dirty="0"/>
+              <a:t>,</a:t>
+            </a:r>
+            <a:br>
+              <a:rPr lang="en-US" altLang="ko-KR" sz="1600" dirty="0"/>
+            </a:br>
+            <a:r>
+              <a:rPr lang="en-US" altLang="ko-KR" sz="1600" dirty="0"/>
+              <a:t>DHCP</a:t>
+            </a:r>
+            <a:r>
+              <a:rPr lang="ko-KR" altLang="en-US" sz="1600" dirty="0"/>
+              <a:t>서버가 서브넷에서 벗어난 외부에 존재한다면</a:t>
+            </a:r>
+            <a:r>
+              <a:rPr lang="en-US" altLang="ko-KR" sz="1600" dirty="0"/>
+              <a:t>, </a:t>
+            </a:r>
+            <a:r>
+              <a:rPr lang="ko-KR" altLang="en-US" sz="1600" dirty="0"/>
+              <a:t>해당 서브넷의 상위 라우터가</a:t>
+            </a:r>
+            <a:br>
+              <a:rPr lang="en-US" altLang="ko-KR" sz="1600" dirty="0"/>
+            </a:br>
+            <a:r>
+              <a:rPr lang="en-US" altLang="ko-KR" sz="1600" dirty="0"/>
+              <a:t>DHCP</a:t>
+            </a:r>
+            <a:r>
+              <a:rPr lang="ko-KR" altLang="en-US" sz="1600" dirty="0"/>
+              <a:t>릴레이 에이전트</a:t>
+            </a:r>
+            <a:r>
+              <a:rPr lang="en-US" altLang="ko-KR" sz="1600" dirty="0"/>
+              <a:t>(DHCP Relay Agent)</a:t>
+            </a:r>
+            <a:r>
+              <a:rPr lang="ko-KR" altLang="en-US" sz="1600" dirty="0"/>
+              <a:t>역할을 수행합니다</a:t>
+            </a:r>
+            <a:br>
+              <a:rPr lang="en-US" altLang="ko-KR" sz="1600" dirty="0"/>
+            </a:br>
+            <a:r>
+              <a:rPr lang="ko-KR" altLang="en-US" sz="1600" dirty="0"/>
+              <a:t>호스트는 릴레이 에이전트에게 요청을 보내고</a:t>
+            </a:r>
+            <a:r>
+              <a:rPr lang="en-US" altLang="ko-KR" sz="1600" dirty="0"/>
+              <a:t>, </a:t>
+            </a:r>
+            <a:r>
+              <a:rPr lang="ko-KR" altLang="en-US" sz="1600" dirty="0"/>
+              <a:t>릴레이 에이전트는 외부의 </a:t>
+            </a:r>
+            <a:r>
+              <a:rPr lang="en-US" altLang="ko-KR" sz="1600" dirty="0"/>
+              <a:t>DHCP</a:t>
+            </a:r>
+            <a:r>
+              <a:rPr lang="ko-KR" altLang="en-US" sz="1600" dirty="0"/>
+              <a:t>에게 </a:t>
+            </a:r>
+            <a:r>
+              <a:rPr lang="en-US" altLang="ko-KR" sz="1600" dirty="0"/>
+              <a:t>Unicast</a:t>
+            </a:r>
+            <a:r>
+              <a:rPr lang="ko-KR" altLang="en-US" sz="1600" dirty="0"/>
+              <a:t>방식으로</a:t>
+            </a:r>
+            <a:br>
+              <a:rPr lang="en-US" altLang="ko-KR" sz="1600" dirty="0"/>
+            </a:br>
+            <a:r>
+              <a:rPr lang="ko-KR" altLang="en-US" sz="1600" dirty="0"/>
+              <a:t>정보를 주고 받은 다음</a:t>
+            </a:r>
+            <a:r>
+              <a:rPr lang="en-US" altLang="ko-KR" sz="1600" dirty="0"/>
+              <a:t>,</a:t>
+            </a:r>
+            <a:r>
+              <a:rPr lang="ko-KR" altLang="en-US" sz="1600" dirty="0"/>
+              <a:t> 해당 내용을 호스트에게 돌려주는 방식을 사용합니다</a:t>
+            </a:r>
+            <a:endParaRPr lang="en-US" altLang="ko-KR" sz="1600" dirty="0"/>
+          </a:p>
+          <a:p>
+            <a:r>
+              <a:rPr lang="en-US" altLang="ko-KR" sz="1600" dirty="0"/>
+              <a:t>DHCP</a:t>
+            </a:r>
+            <a:r>
+              <a:rPr lang="ko-KR" altLang="en-US" sz="1600" dirty="0"/>
+              <a:t>의 동작은 다음과 같습니다</a:t>
+            </a:r>
+            <a:endParaRPr lang="en-US" altLang="ko-KR" sz="1600" dirty="0"/>
+          </a:p>
+          <a:p>
+            <a:pPr marL="342900" indent="-342900">
+              <a:buFont typeface="+mj-lt"/>
+              <a:buAutoNum type="arabicPeriod"/>
+            </a:pPr>
+            <a:r>
+              <a:rPr lang="en-US" altLang="ko-KR" sz="1400" dirty="0"/>
+              <a:t>DHCP Discover: </a:t>
+            </a:r>
+            <a:r>
+              <a:rPr lang="ko-KR" altLang="en-US" sz="1400" dirty="0"/>
+              <a:t>호스트가 네트워크에 접속하여 </a:t>
+            </a:r>
+            <a:r>
+              <a:rPr lang="en-US" altLang="ko-KR" sz="1400" dirty="0"/>
+              <a:t>IP </a:t>
+            </a:r>
+            <a:r>
+              <a:rPr lang="ko-KR" altLang="en-US" sz="1400" dirty="0"/>
+              <a:t>주소를 획득하기 위해 브로드 캐스트 방식으로</a:t>
+            </a:r>
+            <a:br>
+              <a:rPr lang="en-US" altLang="ko-KR" sz="1400" dirty="0"/>
+            </a:br>
+            <a:r>
+              <a:rPr lang="ko-KR" altLang="en-US" sz="1400" dirty="0"/>
+              <a:t>주변 </a:t>
+            </a:r>
+            <a:r>
+              <a:rPr lang="en-US" altLang="ko-KR" sz="1400" dirty="0"/>
+              <a:t>DHCP </a:t>
+            </a:r>
+            <a:r>
+              <a:rPr lang="ko-KR" altLang="en-US" sz="1400" dirty="0"/>
+              <a:t>서버에게 존재를 알립니다</a:t>
+            </a:r>
+            <a:endParaRPr lang="en-US" altLang="ko-KR" sz="1400" dirty="0"/>
+          </a:p>
+          <a:p>
+            <a:pPr marL="342900" indent="-342900">
+              <a:buFont typeface="+mj-lt"/>
+              <a:buAutoNum type="arabicPeriod"/>
+            </a:pPr>
+            <a:r>
+              <a:rPr lang="en-US" altLang="ko-KR" sz="1400" dirty="0"/>
+              <a:t>DHCP Offer: DHCP </a:t>
+            </a:r>
+            <a:r>
+              <a:rPr lang="ko-KR" altLang="en-US" sz="1400" dirty="0"/>
+              <a:t>서버는 호스트에게 할당할 수 있는 사설</a:t>
+            </a:r>
+            <a:r>
+              <a:rPr lang="en-US" altLang="ko-KR" sz="1400" dirty="0"/>
+              <a:t>IP </a:t>
+            </a:r>
+            <a:r>
+              <a:rPr lang="ko-KR" altLang="en-US" sz="1400" dirty="0"/>
+              <a:t>주소 및 추가 구성 정보를 구성하고</a:t>
+            </a:r>
+            <a:br>
+              <a:rPr lang="en-US" altLang="ko-KR" sz="1400" dirty="0"/>
+            </a:br>
+            <a:r>
+              <a:rPr lang="ko-KR" altLang="en-US" sz="1400" dirty="0"/>
+              <a:t>호스트에게 해당 정보 사용 제안 메시지를 보냅니다</a:t>
+            </a:r>
+            <a:endParaRPr lang="en-US" altLang="ko-KR" sz="1400" dirty="0"/>
+          </a:p>
+          <a:p>
+            <a:pPr marL="342900" indent="-342900">
+              <a:buFont typeface="+mj-lt"/>
+              <a:buAutoNum type="arabicPeriod"/>
+            </a:pPr>
+            <a:r>
+              <a:rPr lang="en-US" altLang="ko-KR" sz="1400" dirty="0"/>
+              <a:t>DHCP Request: </a:t>
+            </a:r>
+            <a:r>
+              <a:rPr lang="ko-KR" altLang="en-US" sz="1400" dirty="0"/>
+              <a:t>호스트는 </a:t>
+            </a:r>
+            <a:r>
+              <a:rPr lang="en-US" altLang="ko-KR" sz="1400" dirty="0"/>
+              <a:t>DHCP </a:t>
+            </a:r>
+            <a:r>
+              <a:rPr lang="ko-KR" altLang="en-US" sz="1400" dirty="0"/>
+              <a:t>서버의 제안이 통신에 이상이 없다면</a:t>
+            </a:r>
+            <a:r>
+              <a:rPr lang="en-US" altLang="ko-KR" sz="1400" dirty="0"/>
+              <a:t>(</a:t>
+            </a:r>
+            <a:r>
+              <a:rPr lang="ko-KR" altLang="en-US" sz="1400" dirty="0"/>
+              <a:t>충돌이 없거나 수상하지 않음</a:t>
+            </a:r>
+            <a:r>
+              <a:rPr lang="en-US" altLang="ko-KR" sz="1400" dirty="0"/>
+              <a:t>),</a:t>
+            </a:r>
+            <a:br>
+              <a:rPr lang="en-US" altLang="ko-KR" sz="1400" dirty="0"/>
+            </a:br>
+            <a:r>
+              <a:rPr lang="ko-KR" altLang="en-US" sz="1400" dirty="0"/>
+              <a:t>받은 설정 값을 그대로 사용하길 원하는지 의사와 교환 요청을 전송합니다</a:t>
+            </a:r>
+            <a:endParaRPr lang="en-US" altLang="ko-KR" sz="1400" dirty="0"/>
+          </a:p>
+          <a:p>
+            <a:pPr marL="342900" indent="-342900">
+              <a:buFont typeface="+mj-lt"/>
+              <a:buAutoNum type="arabicPeriod"/>
+            </a:pPr>
+            <a:r>
+              <a:rPr lang="en-US" altLang="ko-KR" sz="1400" dirty="0"/>
+              <a:t>DHCP ACK: </a:t>
+            </a:r>
+            <a:r>
+              <a:rPr lang="ko-KR" altLang="en-US" sz="1400" dirty="0"/>
+              <a:t>서버는 호스트의 요청을 확인하고</a:t>
+            </a:r>
+            <a:r>
+              <a:rPr lang="en-US" altLang="ko-KR" sz="1400" dirty="0"/>
+              <a:t>,</a:t>
+            </a:r>
+            <a:r>
+              <a:rPr lang="ko-KR" altLang="en-US" sz="1400" dirty="0"/>
+              <a:t> 사설 </a:t>
+            </a:r>
+            <a:r>
+              <a:rPr lang="en-US" altLang="ko-KR" sz="1400" dirty="0"/>
+              <a:t>IP </a:t>
+            </a:r>
+            <a:r>
+              <a:rPr lang="ko-KR" altLang="en-US" sz="1400" dirty="0"/>
+              <a:t>주소 및 구성 정보를 최종적으로 결정 짓고</a:t>
+            </a:r>
+            <a:br>
+              <a:rPr lang="en-US" altLang="ko-KR" sz="1400" dirty="0"/>
+            </a:br>
+            <a:r>
+              <a:rPr lang="ko-KR" altLang="en-US" sz="1400" dirty="0"/>
+              <a:t>최종 결정 내용을 호스트에게 전달합니다</a:t>
+            </a:r>
           </a:p>
         </p:txBody>
       </p:sp>
@@ -6452,7 +9560,404 @@
           <a:bodyPr/>
           <a:lstStyle/>
           <a:p>
-            <a:endParaRPr lang="ko-KR" altLang="en-US"/>
+            <a:r>
+              <a:rPr lang="en-US" altLang="ko-KR" sz="1600" dirty="0"/>
+              <a:t>NAT(Network Address Translation)</a:t>
+            </a:r>
+            <a:r>
+              <a:rPr lang="ko-KR" altLang="en-US" sz="1600" dirty="0"/>
+              <a:t>는 공인 </a:t>
+            </a:r>
+            <a:r>
+              <a:rPr lang="en-US" altLang="ko-KR" sz="1600" dirty="0"/>
+              <a:t>IP</a:t>
+            </a:r>
+            <a:r>
+              <a:rPr lang="ko-KR" altLang="en-US" sz="1600" dirty="0"/>
+              <a:t>주소를 그대로 사용하는 것이 아닌</a:t>
+            </a:r>
+            <a:r>
+              <a:rPr lang="en-US" altLang="ko-KR" sz="1600" dirty="0"/>
+              <a:t>,</a:t>
+            </a:r>
+            <a:br>
+              <a:rPr lang="en-US" altLang="ko-KR" sz="1600" dirty="0"/>
+            </a:br>
+            <a:r>
+              <a:rPr lang="ko-KR" altLang="en-US" sz="1600" dirty="0"/>
+              <a:t>사설 </a:t>
+            </a:r>
+            <a:r>
+              <a:rPr lang="en-US" altLang="ko-KR" sz="1600" dirty="0"/>
+              <a:t>IP</a:t>
+            </a:r>
+            <a:r>
+              <a:rPr lang="ko-KR" altLang="en-US" sz="1600" dirty="0"/>
+              <a:t>로 변환하여 다양한 호스트</a:t>
+            </a:r>
+            <a:r>
+              <a:rPr lang="en-US" altLang="ko-KR" sz="1600" dirty="0"/>
+              <a:t>(1 ~ m)</a:t>
+            </a:r>
+            <a:r>
+              <a:rPr lang="ko-KR" altLang="en-US" sz="1600" dirty="0"/>
+              <a:t>들이 다양한 공인 </a:t>
+            </a:r>
+            <a:r>
+              <a:rPr lang="en-US" altLang="ko-KR" sz="1600" dirty="0"/>
+              <a:t>IP(1 ~ m)</a:t>
+            </a:r>
+            <a:r>
+              <a:rPr lang="ko-KR" altLang="en-US" sz="1600" dirty="0"/>
+              <a:t>를 사용할 수 있도록</a:t>
+            </a:r>
+            <a:br>
+              <a:rPr lang="en-US" altLang="ko-KR" sz="1600" dirty="0"/>
+            </a:br>
+            <a:r>
+              <a:rPr lang="ko-KR" altLang="en-US" sz="1600" dirty="0"/>
+              <a:t>중개하는 역할을 수행하는 장치입니다</a:t>
+            </a:r>
+            <a:endParaRPr lang="en-US" altLang="ko-KR" sz="1600" dirty="0"/>
+          </a:p>
+          <a:p>
+            <a:r>
+              <a:rPr lang="ko-KR" altLang="en-US" sz="1600" dirty="0"/>
+              <a:t>오늘날 라우터</a:t>
+            </a:r>
+            <a:r>
+              <a:rPr lang="en-US" altLang="ko-KR" sz="1600" dirty="0"/>
+              <a:t>(L3 </a:t>
+            </a:r>
+            <a:r>
+              <a:rPr lang="ko-KR" altLang="en-US" sz="1600" dirty="0"/>
+              <a:t>스위치</a:t>
+            </a:r>
+            <a:r>
+              <a:rPr lang="en-US" altLang="ko-KR" sz="1600" dirty="0"/>
+              <a:t>)</a:t>
+            </a:r>
+            <a:r>
+              <a:rPr lang="ko-KR" altLang="en-US" sz="1600" dirty="0"/>
+              <a:t>는 </a:t>
+            </a:r>
+            <a:r>
+              <a:rPr lang="en-US" altLang="ko-KR" sz="1600" dirty="0"/>
+              <a:t>NAT </a:t>
+            </a:r>
+            <a:r>
+              <a:rPr lang="ko-KR" altLang="en-US" sz="1600" dirty="0"/>
+              <a:t>가능 라우터</a:t>
+            </a:r>
+            <a:r>
+              <a:rPr lang="en-US" altLang="ko-KR" sz="1600" dirty="0"/>
+              <a:t>(NAT-enabled router)</a:t>
+            </a:r>
+            <a:r>
+              <a:rPr lang="ko-KR" altLang="en-US" sz="1600" dirty="0"/>
+              <a:t>이기 때문에</a:t>
+            </a:r>
+            <a:r>
+              <a:rPr lang="en-US" altLang="ko-KR" sz="1600" dirty="0"/>
+              <a:t>,</a:t>
+            </a:r>
+            <a:br>
+              <a:rPr lang="en-US" altLang="ko-KR" sz="1600" dirty="0"/>
+            </a:br>
+            <a:r>
+              <a:rPr lang="ko-KR" altLang="en-US" sz="1600" dirty="0"/>
+              <a:t>라우터에 접속하면 자동적으로 사설</a:t>
+            </a:r>
+            <a:r>
+              <a:rPr lang="en-US" altLang="ko-KR" sz="1600" dirty="0"/>
+              <a:t>IP</a:t>
+            </a:r>
+            <a:r>
+              <a:rPr lang="ko-KR" altLang="en-US" sz="1600" dirty="0"/>
+              <a:t>를 할당 받습니다</a:t>
+            </a:r>
+            <a:br>
+              <a:rPr lang="en-US" altLang="ko-KR" sz="1600" dirty="0"/>
+            </a:br>
+            <a:r>
+              <a:rPr lang="ko-KR" altLang="en-US" sz="1600" dirty="0"/>
+              <a:t>물론</a:t>
+            </a:r>
+            <a:r>
+              <a:rPr lang="en-US" altLang="ko-KR" sz="1600" dirty="0"/>
+              <a:t> NAT</a:t>
+            </a:r>
+            <a:r>
+              <a:rPr lang="ko-KR" altLang="en-US" sz="1600" dirty="0"/>
+              <a:t>을 쓰지 않고 라우터를 사용한다면</a:t>
+            </a:r>
+            <a:r>
+              <a:rPr lang="en-US" altLang="ko-KR" sz="1600" dirty="0"/>
+              <a:t>, </a:t>
+            </a:r>
+            <a:r>
+              <a:rPr lang="ko-KR" altLang="en-US" sz="1600" dirty="0" err="1"/>
+              <a:t>브릿지</a:t>
+            </a:r>
+            <a:r>
+              <a:rPr lang="en-US" altLang="ko-KR" sz="1600" dirty="0"/>
+              <a:t>(Bridge)</a:t>
+            </a:r>
+            <a:r>
+              <a:rPr lang="ko-KR" altLang="en-US" sz="1600" dirty="0"/>
+              <a:t>모드를 사용하여 단일 호스트</a:t>
+            </a:r>
+            <a:r>
+              <a:rPr lang="en-US" altLang="ko-KR" sz="1600" dirty="0"/>
+              <a:t>(</a:t>
+            </a:r>
+            <a:r>
+              <a:rPr lang="ko-KR" altLang="en-US" sz="1600" dirty="0"/>
+              <a:t>장치</a:t>
+            </a:r>
+            <a:r>
+              <a:rPr lang="en-US" altLang="ko-KR" sz="1600" dirty="0"/>
+              <a:t>)</a:t>
+            </a:r>
+            <a:r>
+              <a:rPr lang="ko-KR" altLang="en-US" sz="1600" dirty="0"/>
+              <a:t>에</a:t>
+            </a:r>
+            <a:br>
+              <a:rPr lang="en-US" altLang="ko-KR" sz="1600" dirty="0"/>
+            </a:br>
+            <a:r>
+              <a:rPr lang="ko-KR" altLang="en-US" sz="1600" dirty="0"/>
+              <a:t>공인 </a:t>
+            </a:r>
+            <a:r>
+              <a:rPr lang="en-US" altLang="ko-KR" sz="1600" dirty="0"/>
+              <a:t>IP</a:t>
+            </a:r>
+            <a:r>
+              <a:rPr lang="ko-KR" altLang="en-US" sz="1600" dirty="0"/>
+              <a:t>를 그대로 할당하여 사용 할 수 있습니다</a:t>
+            </a:r>
+            <a:endParaRPr lang="en-US" altLang="ko-KR" sz="1600" dirty="0"/>
+          </a:p>
+          <a:p>
+            <a:r>
+              <a:rPr lang="en-US" altLang="ko-KR" sz="1600" dirty="0"/>
+              <a:t>NAT</a:t>
+            </a:r>
+            <a:r>
+              <a:rPr lang="ko-KR" altLang="en-US" sz="1600" dirty="0"/>
+              <a:t>의 종류는 </a:t>
+            </a:r>
+            <a:r>
+              <a:rPr lang="en-US" altLang="ko-KR" sz="1600" dirty="0"/>
+              <a:t>1:1</a:t>
+            </a:r>
+            <a:r>
+              <a:rPr lang="ko-KR" altLang="en-US" sz="1600" dirty="0"/>
+              <a:t>매핑인 </a:t>
+            </a:r>
+            <a:r>
+              <a:rPr lang="en-US" altLang="ko-KR" sz="1600" dirty="0"/>
+              <a:t>Static NAT, n:m</a:t>
+            </a:r>
+            <a:r>
+              <a:rPr lang="ko-KR" altLang="en-US" sz="1600" dirty="0"/>
+              <a:t>매핑인 </a:t>
+            </a:r>
+            <a:r>
+              <a:rPr lang="en-US" altLang="ko-KR" sz="1600" dirty="0"/>
+              <a:t>Dynamic NAT, 1:n</a:t>
+            </a:r>
+            <a:r>
+              <a:rPr lang="ko-KR" altLang="en-US" sz="1600" dirty="0"/>
+              <a:t>매핑인 </a:t>
+            </a:r>
+            <a:r>
+              <a:rPr lang="en-US" altLang="ko-KR" sz="1600" dirty="0"/>
+              <a:t>PAT</a:t>
+            </a:r>
+            <a:r>
+              <a:rPr lang="ko-KR" altLang="en-US" sz="1600" dirty="0"/>
+              <a:t>이 있습니다</a:t>
+            </a:r>
+            <a:endParaRPr lang="en-US" altLang="ko-KR" sz="1600" dirty="0"/>
+          </a:p>
+          <a:p>
+            <a:r>
+              <a:rPr lang="en-US" altLang="ko-KR" sz="1600" dirty="0"/>
+              <a:t>NAT</a:t>
+            </a:r>
+            <a:r>
+              <a:rPr lang="ko-KR" altLang="en-US" sz="1600" dirty="0"/>
+              <a:t>는 라우팅 테이블</a:t>
+            </a:r>
+            <a:r>
+              <a:rPr lang="en-US" altLang="ko-KR" sz="1600" dirty="0"/>
+              <a:t>(Routing Table)</a:t>
+            </a:r>
+            <a:r>
+              <a:rPr lang="ko-KR" altLang="en-US" sz="1600" dirty="0"/>
+              <a:t>을 소지하고 있어 이를 통해 사설 </a:t>
+            </a:r>
+            <a:r>
+              <a:rPr lang="en-US" altLang="ko-KR" sz="1600" dirty="0"/>
+              <a:t>IP</a:t>
+            </a:r>
+            <a:r>
+              <a:rPr lang="ko-KR" altLang="en-US" sz="1600" dirty="0"/>
+              <a:t>와 공인 </a:t>
+            </a:r>
+            <a:r>
+              <a:rPr lang="en-US" altLang="ko-KR" sz="1600" dirty="0"/>
+              <a:t>IP</a:t>
+            </a:r>
+            <a:r>
+              <a:rPr lang="ko-KR" altLang="en-US" sz="1600" dirty="0"/>
+              <a:t>나</a:t>
+            </a:r>
+            <a:br>
+              <a:rPr lang="en-US" altLang="ko-KR" sz="1600" dirty="0"/>
+            </a:br>
+            <a:r>
+              <a:rPr lang="en-US" altLang="ko-KR" sz="1600" dirty="0"/>
+              <a:t>IP + </a:t>
+            </a:r>
+            <a:r>
+              <a:rPr lang="ko-KR" altLang="en-US" sz="1600" dirty="0"/>
+              <a:t>특정 포트를 매핑하여 이를 참고하여 통신을 수행합니다</a:t>
+            </a:r>
+            <a:endParaRPr lang="en-US" altLang="ko-KR" sz="1600" dirty="0"/>
+          </a:p>
+          <a:p>
+            <a:r>
+              <a:rPr lang="ko-KR" altLang="en-US" sz="1600" dirty="0"/>
+              <a:t>라우팅 테이블은 두 호스트가 </a:t>
+            </a:r>
+            <a:r>
+              <a:rPr lang="en-US" altLang="ko-KR" sz="1600" dirty="0"/>
+              <a:t>TCP</a:t>
+            </a:r>
+            <a:r>
+              <a:rPr lang="ko-KR" altLang="en-US" sz="1600" dirty="0"/>
+              <a:t>연결을 맺거나 </a:t>
+            </a:r>
+            <a:r>
+              <a:rPr lang="en-US" altLang="ko-KR" sz="1600" dirty="0"/>
+              <a:t>UDP</a:t>
+            </a:r>
+            <a:r>
+              <a:rPr lang="ko-KR" altLang="en-US" sz="1600" dirty="0"/>
+              <a:t>통신이 들어오면 </a:t>
+            </a:r>
+            <a:r>
+              <a:rPr lang="en-US" altLang="ko-KR" sz="1600" dirty="0"/>
+              <a:t>(</a:t>
+            </a:r>
+            <a:r>
+              <a:rPr lang="ko-KR" altLang="en-US" sz="1600" dirty="0"/>
+              <a:t>통신이 시작되면</a:t>
+            </a:r>
+            <a:r>
+              <a:rPr lang="en-US" altLang="ko-KR" sz="1600" dirty="0"/>
+              <a:t>),</a:t>
+            </a:r>
+            <a:br>
+              <a:rPr lang="en-US" altLang="ko-KR" sz="1600" dirty="0"/>
+            </a:br>
+            <a:r>
+              <a:rPr lang="ko-KR" altLang="en-US" sz="1600" dirty="0"/>
+              <a:t>테이블을 작성한 테이블 또는 둘 사이의 연결을 테이블을 통해 중재 해줍니다</a:t>
+            </a:r>
+            <a:endParaRPr lang="en-US" altLang="ko-KR" sz="1600" dirty="0"/>
+          </a:p>
+          <a:p>
+            <a:r>
+              <a:rPr lang="en-US" altLang="ko-KR" sz="1600" dirty="0"/>
+              <a:t>IPv6</a:t>
+            </a:r>
+            <a:r>
+              <a:rPr lang="ko-KR" altLang="en-US" sz="1600" dirty="0"/>
+              <a:t>는 </a:t>
+            </a:r>
+            <a:r>
+              <a:rPr lang="en-US" altLang="ko-KR" sz="1600" dirty="0"/>
+              <a:t>IP</a:t>
+            </a:r>
+            <a:r>
+              <a:rPr lang="ko-KR" altLang="en-US" sz="1600" dirty="0"/>
+              <a:t>개수가 많아 기본 </a:t>
+            </a:r>
+            <a:r>
+              <a:rPr lang="en-US" altLang="ko-KR" sz="1600" dirty="0"/>
+              <a:t>End-to-End</a:t>
+            </a:r>
+            <a:r>
+              <a:rPr lang="ko-KR" altLang="en-US" sz="1600" dirty="0"/>
+              <a:t>로 통신하지만</a:t>
+            </a:r>
+            <a:r>
+              <a:rPr lang="en-US" altLang="ko-KR" sz="1600" dirty="0"/>
+              <a:t>,</a:t>
+            </a:r>
+            <a:br>
+              <a:rPr lang="en-US" altLang="ko-KR" sz="1600" dirty="0"/>
+            </a:br>
+            <a:r>
+              <a:rPr lang="en-US" altLang="ko-KR" sz="1600" dirty="0"/>
+              <a:t>NAT64(IPv6 to IPv4 </a:t>
+            </a:r>
+            <a:r>
+              <a:rPr lang="ko-KR" altLang="en-US" sz="1600" dirty="0"/>
+              <a:t>또는 </a:t>
+            </a:r>
+            <a:r>
+              <a:rPr lang="en-US" altLang="ko-KR" sz="1600" dirty="0"/>
+              <a:t>IPv4 to IPv6)</a:t>
+            </a:r>
+            <a:r>
+              <a:rPr lang="ko-KR" altLang="en-US" sz="1600" dirty="0"/>
+              <a:t>등의 공존 </a:t>
+            </a:r>
+            <a:r>
+              <a:rPr lang="en-US" altLang="ko-KR" sz="1600" dirty="0"/>
+              <a:t>NAT</a:t>
+            </a:r>
+            <a:r>
+              <a:rPr lang="ko-KR" altLang="en-US" sz="1600" dirty="0"/>
+              <a:t>를 사용하거나</a:t>
+            </a:r>
+            <a:r>
+              <a:rPr lang="en-US" altLang="ko-KR" sz="1600" dirty="0"/>
+              <a:t>,</a:t>
+            </a:r>
+            <a:br>
+              <a:rPr lang="en-US" altLang="ko-KR" sz="1600" dirty="0"/>
+            </a:br>
+            <a:r>
+              <a:rPr lang="en-US" altLang="ko-KR" sz="1600" dirty="0"/>
+              <a:t>NAT66(IPv6</a:t>
+            </a:r>
+            <a:r>
+              <a:rPr lang="ko-KR" altLang="en-US" sz="1600" dirty="0"/>
+              <a:t> </a:t>
+            </a:r>
+            <a:r>
+              <a:rPr lang="en-US" altLang="ko-KR" sz="1600" dirty="0"/>
+              <a:t>to</a:t>
+            </a:r>
+            <a:r>
+              <a:rPr lang="ko-KR" altLang="en-US" sz="1600" dirty="0"/>
+              <a:t> </a:t>
+            </a:r>
+            <a:r>
+              <a:rPr lang="en-US" altLang="ko-KR" sz="1600" dirty="0"/>
+              <a:t>IPv6)</a:t>
+            </a:r>
+            <a:r>
+              <a:rPr lang="ko-KR" altLang="en-US" sz="1600" dirty="0"/>
+              <a:t>을 통해서 가상화 할 수 있습니다</a:t>
+            </a:r>
           </a:p>
         </p:txBody>
       </p:sp>
@@ -6491,7 +9996,7 @@
           <p:cNvPr id="2" name="제목 1">
             <a:extLst>
               <a:ext uri="{FF2B5EF4-FFF2-40B4-BE49-F238E27FC236}">
-                <a16:creationId xmlns:a16="http://schemas.microsoft.com/office/drawing/2014/main" id="{ED615AC7-2BA4-8056-6389-D398FFF072C0}"/>
+                <a16:creationId xmlns:a16="http://schemas.microsoft.com/office/drawing/2014/main" id="{09CF9CDF-3A50-286C-E47F-C3FF3335129A}"/>
               </a:ext>
             </a:extLst>
           </p:cNvPr>
@@ -6509,7 +10014,7 @@
           <a:p>
             <a:r>
               <a:rPr lang="en-US" altLang="ko-KR" dirty="0"/>
-              <a:t>NAPT, STUN, TURN</a:t>
+              <a:t>NAT Implementation Classifications</a:t>
             </a:r>
             <a:endParaRPr lang="ko-KR" altLang="en-US" dirty="0"/>
           </a:p>
@@ -6520,7 +10025,7 @@
           <p:cNvPr id="3" name="내용 개체 틀 2">
             <a:extLst>
               <a:ext uri="{FF2B5EF4-FFF2-40B4-BE49-F238E27FC236}">
-                <a16:creationId xmlns:a16="http://schemas.microsoft.com/office/drawing/2014/main" id="{D9648417-8B24-D566-F96B-84D4FC787A1C}"/>
+                <a16:creationId xmlns:a16="http://schemas.microsoft.com/office/drawing/2014/main" id="{69D1C46F-078F-7B9E-00CB-20BC259DC920}"/>
               </a:ext>
             </a:extLst>
           </p:cNvPr>
@@ -6531,19 +10036,360 @@
             <p:ph idx="1"/>
           </p:nvPr>
         </p:nvSpPr>
-        <p:spPr/>
+        <p:spPr>
+          <a:xfrm>
+            <a:off x="762000" y="1765139"/>
+            <a:ext cx="10668000" cy="5045778"/>
+          </a:xfrm>
+        </p:spPr>
         <p:txBody>
           <a:bodyPr/>
           <a:lstStyle/>
           <a:p>
-            <a:endParaRPr lang="ko-KR" altLang="en-US"/>
-          </a:p>
-        </p:txBody>
-      </p:sp>
+            <a:r>
+              <a:rPr lang="en-US" altLang="ko-KR" sz="1600" dirty="0"/>
+              <a:t>NAT</a:t>
+            </a:r>
+            <a:r>
+              <a:rPr lang="ko-KR" altLang="en-US" sz="1600" dirty="0"/>
+              <a:t>는 주소변환 및 내부 포워딩</a:t>
+            </a:r>
+            <a:r>
+              <a:rPr lang="en-US" altLang="ko-KR" sz="1600" dirty="0"/>
+              <a:t>(</a:t>
+            </a:r>
+            <a:r>
+              <a:rPr lang="ko-KR" altLang="en-US" sz="1600" dirty="0"/>
+              <a:t>내부 패킷 전달</a:t>
+            </a:r>
+            <a:r>
+              <a:rPr lang="en-US" altLang="ko-KR" sz="1600" dirty="0"/>
+              <a:t>)</a:t>
+            </a:r>
+            <a:r>
+              <a:rPr lang="ko-KR" altLang="en-US" sz="1600" dirty="0"/>
+              <a:t>방식에 따라 크게 네 가지로 구분 합니다</a:t>
+            </a:r>
+            <a:endParaRPr lang="en-US" altLang="ko-KR" sz="1600" dirty="0"/>
+          </a:p>
+          <a:p>
+            <a:pPr marL="342900" indent="-342900">
+              <a:buFont typeface="+mj-lt"/>
+              <a:buAutoNum type="arabicPeriod"/>
+            </a:pPr>
+            <a:r>
+              <a:rPr lang="en-US" altLang="ko-KR" sz="1600" dirty="0"/>
+              <a:t>Full-cone NAT (one-to-one NAT):</a:t>
+            </a:r>
+            <a:r>
+              <a:rPr lang="ko-KR" altLang="en-US" sz="1600" dirty="0"/>
+              <a:t> 그림 좌측 상단으로 한 번 매핑이 되면</a:t>
+            </a:r>
+            <a:r>
+              <a:rPr lang="en-US" altLang="ko-KR" sz="1600" dirty="0"/>
+              <a:t>,</a:t>
+            </a:r>
+            <a:br>
+              <a:rPr lang="en-US" altLang="ko-KR" sz="1600" dirty="0"/>
+            </a:br>
+            <a:r>
+              <a:rPr lang="ko-KR" altLang="en-US" sz="1600" dirty="0"/>
+              <a:t>내부에는 모든 사설 </a:t>
+            </a:r>
+            <a:r>
+              <a:rPr lang="en-US" altLang="ko-KR" sz="1600" dirty="0"/>
+              <a:t>IP</a:t>
+            </a:r>
+            <a:r>
+              <a:rPr lang="ko-KR" altLang="en-US" sz="1600" dirty="0"/>
+              <a:t>와 </a:t>
+            </a:r>
+            <a:r>
+              <a:rPr lang="en-US" altLang="ko-KR" sz="1600" dirty="0"/>
+              <a:t>Port</a:t>
+            </a:r>
+            <a:r>
+              <a:rPr lang="ko-KR" altLang="en-US" sz="1600" dirty="0"/>
+              <a:t>가 매핑 된 테이블을 사용해서 호스트와 통신 할 수 있습니다</a:t>
+            </a:r>
+            <a:endParaRPr lang="en-US" altLang="ko-KR" sz="1600" dirty="0"/>
+          </a:p>
+          <a:p>
+            <a:pPr marL="342900" indent="-342900">
+              <a:buFont typeface="+mj-lt"/>
+              <a:buAutoNum type="arabicPeriod"/>
+            </a:pPr>
+            <a:r>
+              <a:rPr lang="en-US" altLang="ko-KR" sz="1600" dirty="0"/>
+              <a:t>Address-restricted-cone NAT:</a:t>
+            </a:r>
+            <a:br>
+              <a:rPr lang="en-US" altLang="ko-KR" sz="1600" dirty="0"/>
+            </a:br>
+            <a:r>
+              <a:rPr lang="ko-KR" altLang="en-US" sz="1600" dirty="0"/>
+              <a:t>그림 우측 상단으로 한 번 매핑이 되면</a:t>
+            </a:r>
+            <a:r>
+              <a:rPr lang="en-US" altLang="ko-KR" sz="1600" dirty="0"/>
+              <a:t>,</a:t>
+            </a:r>
+            <a:br>
+              <a:rPr lang="en-US" altLang="ko-KR" sz="1600" dirty="0"/>
+            </a:br>
+            <a:r>
+              <a:rPr lang="ko-KR" altLang="en-US" sz="1600" dirty="0"/>
+              <a:t>내부에는 연결 할 당시의 </a:t>
+            </a:r>
+            <a:r>
+              <a:rPr lang="en-US" altLang="ko-KR" sz="1600" dirty="0"/>
+              <a:t>IP</a:t>
+            </a:r>
+            <a:r>
+              <a:rPr lang="ko-KR" altLang="en-US" sz="1600" dirty="0"/>
+              <a:t>만 허용하여</a:t>
+            </a:r>
+            <a:br>
+              <a:rPr lang="en-US" altLang="ko-KR" sz="1600" dirty="0"/>
+            </a:br>
+            <a:r>
+              <a:rPr lang="ko-KR" altLang="en-US" sz="1600" dirty="0"/>
+              <a:t>모든 </a:t>
+            </a:r>
+            <a:r>
+              <a:rPr lang="en-US" altLang="ko-KR" sz="1600" dirty="0"/>
+              <a:t>Port</a:t>
+            </a:r>
+            <a:r>
+              <a:rPr lang="ko-KR" altLang="en-US" sz="1600" dirty="0"/>
+              <a:t>로 매핑 된 테이블을</a:t>
+            </a:r>
+            <a:br>
+              <a:rPr lang="en-US" altLang="ko-KR" sz="1600" dirty="0"/>
+            </a:br>
+            <a:r>
+              <a:rPr lang="ko-KR" altLang="en-US" sz="1600" dirty="0"/>
+              <a:t>사용 할 수 있습니다</a:t>
+            </a:r>
+            <a:endParaRPr lang="en-US" altLang="ko-KR" sz="1600" dirty="0"/>
+          </a:p>
+          <a:p>
+            <a:pPr marL="342900" indent="-342900">
+              <a:buFont typeface="+mj-lt"/>
+              <a:buAutoNum type="arabicPeriod"/>
+            </a:pPr>
+            <a:r>
+              <a:rPr lang="en-US" altLang="ko-KR" sz="1600" dirty="0"/>
+              <a:t>Port-restricted cone NAT:</a:t>
+            </a:r>
+            <a:br>
+              <a:rPr lang="en-US" altLang="ko-KR" sz="1600" dirty="0"/>
+            </a:br>
+            <a:r>
+              <a:rPr lang="ko-KR" altLang="en-US" sz="1600" dirty="0"/>
+              <a:t>그림 좌측 하단으로 한 번 매핑이 되면</a:t>
+            </a:r>
+            <a:r>
+              <a:rPr lang="en-US" altLang="ko-KR" sz="1600" dirty="0"/>
+              <a:t>,</a:t>
+            </a:r>
+            <a:br>
+              <a:rPr lang="en-US" altLang="ko-KR" sz="1600" dirty="0"/>
+            </a:br>
+            <a:r>
+              <a:rPr lang="ko-KR" altLang="en-US" sz="1600" dirty="0"/>
+              <a:t>내부에는 연결 할 당시의 </a:t>
+            </a:r>
+            <a:r>
+              <a:rPr lang="en-US" altLang="ko-KR" sz="1600" dirty="0" err="1"/>
+              <a:t>IP:Port</a:t>
+            </a:r>
+            <a:r>
+              <a:rPr lang="ko-KR" altLang="en-US" sz="1600" dirty="0"/>
+              <a:t>만</a:t>
+            </a:r>
+            <a:br>
+              <a:rPr lang="en-US" altLang="ko-KR" sz="1600" dirty="0"/>
+            </a:br>
+            <a:r>
+              <a:rPr lang="ko-KR" altLang="en-US" sz="1600" dirty="0"/>
+              <a:t>매핑 된 테이블을 사용 할 수 있습니다</a:t>
+            </a:r>
+            <a:endParaRPr lang="en-US" altLang="ko-KR" sz="1600" dirty="0"/>
+          </a:p>
+          <a:p>
+            <a:pPr marL="342900" indent="-342900">
+              <a:buFont typeface="+mj-lt"/>
+              <a:buAutoNum type="arabicPeriod"/>
+            </a:pPr>
+            <a:r>
+              <a:rPr lang="en-US" altLang="ko-KR" sz="1600" dirty="0"/>
+              <a:t>Symmetric NAT:</a:t>
+            </a:r>
+            <a:br>
+              <a:rPr lang="en-US" altLang="ko-KR" sz="1600" dirty="0"/>
+            </a:br>
+            <a:r>
+              <a:rPr lang="ko-KR" altLang="en-US" sz="1600" dirty="0"/>
+              <a:t>그림 우측 하단으로 매핑 할 때</a:t>
+            </a:r>
+            <a:r>
+              <a:rPr lang="en-US" altLang="ko-KR" sz="1600" dirty="0"/>
+              <a:t>,</a:t>
+            </a:r>
+            <a:br>
+              <a:rPr lang="en-US" altLang="ko-KR" sz="1600" dirty="0"/>
+            </a:br>
+            <a:r>
+              <a:rPr lang="en-US" altLang="ko-KR" sz="1600" dirty="0" err="1"/>
+              <a:t>IP:Port</a:t>
+            </a:r>
+            <a:r>
+              <a:rPr lang="ko-KR" altLang="en-US" sz="1600" dirty="0"/>
+              <a:t>당 하나의 라우터</a:t>
+            </a:r>
+            <a:r>
+              <a:rPr lang="en-US" altLang="ko-KR" sz="1600" dirty="0"/>
+              <a:t>Port</a:t>
+            </a:r>
+            <a:r>
+              <a:rPr lang="ko-KR" altLang="en-US" sz="1600" dirty="0"/>
+              <a:t>를 매핑하여</a:t>
+            </a:r>
+            <a:br>
+              <a:rPr lang="en-US" altLang="ko-KR" sz="1600" dirty="0"/>
+            </a:br>
+            <a:r>
+              <a:rPr lang="ko-KR" altLang="en-US" sz="1600" dirty="0"/>
+              <a:t>각자 독립적인 테이블 값 만을 사용합니다</a:t>
+            </a:r>
+          </a:p>
+        </p:txBody>
+      </p:sp>
+      <p:pic>
+        <p:nvPicPr>
+          <p:cNvPr id="5" name="그림 4">
+            <a:extLst>
+              <a:ext uri="{FF2B5EF4-FFF2-40B4-BE49-F238E27FC236}">
+                <a16:creationId xmlns:a16="http://schemas.microsoft.com/office/drawing/2014/main" id="{00D64570-BC01-8D11-2BF1-3DBFAB853138}"/>
+              </a:ext>
+            </a:extLst>
+          </p:cNvPr>
+          <p:cNvPicPr>
+            <a:picLocks noChangeAspect="1"/>
+          </p:cNvPicPr>
+          <p:nvPr/>
+        </p:nvPicPr>
+        <p:blipFill>
+          <a:blip r:embed="rId2"/>
+          <a:stretch>
+            <a:fillRect/>
+          </a:stretch>
+        </p:blipFill>
+        <p:spPr>
+          <a:xfrm>
+            <a:off x="5276725" y="3272253"/>
+            <a:ext cx="3292791" cy="1590942"/>
+          </a:xfrm>
+          <a:prstGeom prst="rect">
+            <a:avLst/>
+          </a:prstGeom>
+        </p:spPr>
+      </p:pic>
+      <p:pic>
+        <p:nvPicPr>
+          <p:cNvPr id="7" name="그림 6">
+            <a:extLst>
+              <a:ext uri="{FF2B5EF4-FFF2-40B4-BE49-F238E27FC236}">
+                <a16:creationId xmlns:a16="http://schemas.microsoft.com/office/drawing/2014/main" id="{8B89BA23-41C5-D4C7-37EE-880725E87540}"/>
+              </a:ext>
+            </a:extLst>
+          </p:cNvPr>
+          <p:cNvPicPr>
+            <a:picLocks noChangeAspect="1"/>
+          </p:cNvPicPr>
+          <p:nvPr/>
+        </p:nvPicPr>
+        <p:blipFill>
+          <a:blip r:embed="rId3"/>
+          <a:stretch>
+            <a:fillRect/>
+          </a:stretch>
+        </p:blipFill>
+        <p:spPr>
+          <a:xfrm>
+            <a:off x="8601895" y="3279509"/>
+            <a:ext cx="3497064" cy="2027812"/>
+          </a:xfrm>
+          <a:prstGeom prst="rect">
+            <a:avLst/>
+          </a:prstGeom>
+        </p:spPr>
+      </p:pic>
+      <p:pic>
+        <p:nvPicPr>
+          <p:cNvPr id="9" name="그림 8">
+            <a:extLst>
+              <a:ext uri="{FF2B5EF4-FFF2-40B4-BE49-F238E27FC236}">
+                <a16:creationId xmlns:a16="http://schemas.microsoft.com/office/drawing/2014/main" id="{A7FBF3E1-EC10-746B-35AA-00B24BD157B8}"/>
+              </a:ext>
+            </a:extLst>
+          </p:cNvPr>
+          <p:cNvPicPr>
+            <a:picLocks noChangeAspect="1"/>
+          </p:cNvPicPr>
+          <p:nvPr/>
+        </p:nvPicPr>
+        <p:blipFill>
+          <a:blip r:embed="rId4"/>
+          <a:stretch>
+            <a:fillRect/>
+          </a:stretch>
+        </p:blipFill>
+        <p:spPr>
+          <a:xfrm>
+            <a:off x="5289788" y="4895528"/>
+            <a:ext cx="3292791" cy="1915389"/>
+          </a:xfrm>
+          <a:prstGeom prst="rect">
+            <a:avLst/>
+          </a:prstGeom>
+        </p:spPr>
+      </p:pic>
+      <p:pic>
+        <p:nvPicPr>
+          <p:cNvPr id="11" name="그림 10">
+            <a:extLst>
+              <a:ext uri="{FF2B5EF4-FFF2-40B4-BE49-F238E27FC236}">
+                <a16:creationId xmlns:a16="http://schemas.microsoft.com/office/drawing/2014/main" id="{47552AD6-5D96-E46D-EB80-E9F6AFCC6C59}"/>
+              </a:ext>
+            </a:extLst>
+          </p:cNvPr>
+          <p:cNvPicPr>
+            <a:picLocks noChangeAspect="1"/>
+          </p:cNvPicPr>
+          <p:nvPr/>
+        </p:nvPicPr>
+        <p:blipFill>
+          <a:blip r:embed="rId5"/>
+          <a:stretch>
+            <a:fillRect/>
+          </a:stretch>
+        </p:blipFill>
+        <p:spPr>
+          <a:xfrm>
+            <a:off x="8601865" y="5335827"/>
+            <a:ext cx="3555873" cy="1475090"/>
+          </a:xfrm>
+          <a:prstGeom prst="rect">
+            <a:avLst/>
+          </a:prstGeom>
+        </p:spPr>
+      </p:pic>
     </p:spTree>
     <p:extLst>
       <p:ext uri="{BB962C8B-B14F-4D97-AF65-F5344CB8AC3E}">
-        <p14:creationId xmlns:p14="http://schemas.microsoft.com/office/powerpoint/2010/main" val="828267970"/>
+        <p14:creationId xmlns:p14="http://schemas.microsoft.com/office/powerpoint/2010/main" val="258810867"/>
       </p:ext>
     </p:extLst>
   </p:cSld>

--- a/3.pptx
+++ b/3.pptx
@@ -18,23 +18,21 @@
     <p:sldId id="333" r:id="rId12"/>
     <p:sldId id="335" r:id="rId13"/>
     <p:sldId id="336" r:id="rId14"/>
-    <p:sldId id="326" r:id="rId15"/>
-    <p:sldId id="327" r:id="rId16"/>
-    <p:sldId id="328" r:id="rId17"/>
-    <p:sldId id="329" r:id="rId18"/>
-    <p:sldId id="330" r:id="rId19"/>
+    <p:sldId id="337" r:id="rId15"/>
+    <p:sldId id="326" r:id="rId16"/>
+    <p:sldId id="327" r:id="rId17"/>
+    <p:sldId id="328" r:id="rId18"/>
+    <p:sldId id="329" r:id="rId19"/>
     <p:sldId id="331" r:id="rId20"/>
     <p:sldId id="295" r:id="rId21"/>
     <p:sldId id="258" r:id="rId22"/>
     <p:sldId id="297" r:id="rId23"/>
-    <p:sldId id="298" r:id="rId24"/>
-    <p:sldId id="299" r:id="rId25"/>
+    <p:sldId id="338" r:id="rId24"/>
+    <p:sldId id="302" r:id="rId25"/>
     <p:sldId id="300" r:id="rId26"/>
     <p:sldId id="301" r:id="rId27"/>
-    <p:sldId id="302" r:id="rId28"/>
-    <p:sldId id="303" r:id="rId29"/>
-    <p:sldId id="304" r:id="rId30"/>
-    <p:sldId id="305" r:id="rId31"/>
+    <p:sldId id="339" r:id="rId28"/>
+    <p:sldId id="305" r:id="rId29"/>
   </p:sldIdLst>
   <p:sldSz cx="12192000" cy="6858000"/>
   <p:notesSz cx="6858000" cy="9144000"/>
@@ -288,7 +286,7 @@
           <a:p>
             <a:fld id="{76969C88-B244-455D-A017-012B25B1ACDD}" type="datetimeFigureOut">
               <a:rPr lang="en-US" smtClean="0"/>
-              <a:t>2/4/2024</a:t>
+              <a:t>2/5/2024</a:t>
             </a:fld>
             <a:endParaRPr lang="en-US"/>
           </a:p>
@@ -502,7 +500,7 @@
           <a:p>
             <a:fld id="{76969C88-B244-455D-A017-012B25B1ACDD}" type="datetimeFigureOut">
               <a:rPr lang="en-US" smtClean="0"/>
-              <a:t>2/4/2024</a:t>
+              <a:t>2/5/2024</a:t>
             </a:fld>
             <a:endParaRPr lang="en-US"/>
           </a:p>
@@ -726,7 +724,7 @@
           <a:p>
             <a:fld id="{76969C88-B244-455D-A017-012B25B1ACDD}" type="datetimeFigureOut">
               <a:rPr lang="en-US" smtClean="0"/>
-              <a:t>2/4/2024</a:t>
+              <a:t>2/5/2024</a:t>
             </a:fld>
             <a:endParaRPr lang="en-US"/>
           </a:p>
@@ -966,7 +964,7 @@
           <a:p>
             <a:fld id="{76969C88-B244-455D-A017-012B25B1ACDD}" type="datetimeFigureOut">
               <a:rPr lang="en-US" smtClean="0"/>
-              <a:t>2/4/2024</a:t>
+              <a:t>2/5/2024</a:t>
             </a:fld>
             <a:endParaRPr lang="en-US" dirty="0"/>
           </a:p>
@@ -1187,7 +1185,7 @@
           <a:p>
             <a:fld id="{76969C88-B244-455D-A017-012B25B1ACDD}" type="datetimeFigureOut">
               <a:rPr lang="en-US" smtClean="0"/>
-              <a:t>2/4/2024</a:t>
+              <a:t>2/5/2024</a:t>
             </a:fld>
             <a:endParaRPr lang="en-US"/>
           </a:p>
@@ -1477,7 +1475,7 @@
           <a:p>
             <a:fld id="{76969C88-B244-455D-A017-012B25B1ACDD}" type="datetimeFigureOut">
               <a:rPr lang="en-US" smtClean="0"/>
-              <a:t>2/4/2024</a:t>
+              <a:t>2/5/2024</a:t>
             </a:fld>
             <a:endParaRPr lang="en-US"/>
           </a:p>
@@ -1835,7 +1833,7 @@
           <a:p>
             <a:fld id="{76969C88-B244-455D-A017-012B25B1ACDD}" type="datetimeFigureOut">
               <a:rPr lang="en-US" smtClean="0"/>
-              <a:t>2/4/2024</a:t>
+              <a:t>2/5/2024</a:t>
             </a:fld>
             <a:endParaRPr lang="en-US"/>
           </a:p>
@@ -2001,7 +1999,7 @@
           <a:p>
             <a:fld id="{76969C88-B244-455D-A017-012B25B1ACDD}" type="datetimeFigureOut">
               <a:rPr lang="en-US" smtClean="0"/>
-              <a:t>2/4/2024</a:t>
+              <a:t>2/5/2024</a:t>
             </a:fld>
             <a:endParaRPr lang="en-US"/>
           </a:p>
@@ -2060,7 +2058,7 @@
           <a:p>
             <a:fld id="{76969C88-B244-455D-A017-012B25B1ACDD}" type="datetimeFigureOut">
               <a:rPr lang="en-US" smtClean="0"/>
-              <a:t>2/4/2024</a:t>
+              <a:t>2/5/2024</a:t>
             </a:fld>
             <a:endParaRPr lang="en-US"/>
           </a:p>
@@ -2388,7 +2386,7 @@
           <a:p>
             <a:fld id="{76969C88-B244-455D-A017-012B25B1ACDD}" type="datetimeFigureOut">
               <a:rPr lang="en-US" smtClean="0"/>
-              <a:t>2/4/2024</a:t>
+              <a:t>2/5/2024</a:t>
             </a:fld>
             <a:endParaRPr lang="en-US"/>
           </a:p>
@@ -2695,7 +2693,7 @@
           <a:p>
             <a:fld id="{76969C88-B244-455D-A017-012B25B1ACDD}" type="datetimeFigureOut">
               <a:rPr lang="en-US" smtClean="0"/>
-              <a:t>2/4/2024</a:t>
+              <a:t>2/5/2024</a:t>
             </a:fld>
             <a:endParaRPr lang="en-US"/>
           </a:p>
@@ -3461,7 +3459,7 @@
             <a:fld id="{76969C88-B244-455D-A017-012B25B1ACDD}" type="datetimeFigureOut">
               <a:rPr lang="en-US" smtClean="0"/>
               <a:pPr/>
-              <a:t>2/4/2024</a:t>
+              <a:t>2/5/2024</a:t>
             </a:fld>
             <a:endParaRPr lang="en-US"/>
           </a:p>
@@ -4554,7 +4552,7 @@
             </a:r>
             <a:r>
               <a:rPr lang="ko-KR" altLang="en-US" sz="1600" dirty="0"/>
-              <a:t>의 식별로 테이블을 생성하는 아이디어를 사용한 방식입니다</a:t>
+              <a:t>의 식별로 바인딩 테이블을 생성하는 아이디어를 사용한 방식입니다</a:t>
             </a:r>
             <a:br>
               <a:rPr lang="en-US" altLang="ko-KR" sz="1600" dirty="0"/>
@@ -5301,7 +5299,7 @@
             </a:r>
             <a:r>
               <a:rPr lang="ko-KR" altLang="en-US" sz="1600" dirty="0"/>
-              <a:t>테이블을 직접적으로 작성하여</a:t>
+              <a:t>테이블 들을 직접적으로 작성하여</a:t>
             </a:r>
             <a:r>
               <a:rPr lang="en-US" altLang="ko-KR" sz="1600" dirty="0"/>
@@ -6238,7 +6236,7 @@
           <p:cNvPr id="2" name="제목 1">
             <a:extLst>
               <a:ext uri="{FF2B5EF4-FFF2-40B4-BE49-F238E27FC236}">
-                <a16:creationId xmlns:a16="http://schemas.microsoft.com/office/drawing/2014/main" id="{0A369040-E1C4-B9A4-6456-1FE71B51C3C8}"/>
+                <a16:creationId xmlns:a16="http://schemas.microsoft.com/office/drawing/2014/main" id="{D3504935-DA8F-4D1A-CC36-EA9341DD362E}"/>
               </a:ext>
             </a:extLst>
           </p:cNvPr>
@@ -6256,7 +6254,7 @@
           <a:p>
             <a:r>
               <a:rPr lang="en-US" altLang="ko-KR" dirty="0"/>
-              <a:t>ICMP</a:t>
+              <a:t>ICE, STUN, TURN</a:t>
             </a:r>
             <a:endParaRPr lang="ko-KR" altLang="en-US" dirty="0"/>
           </a:p>
@@ -6267,7 +6265,7 @@
           <p:cNvPr id="3" name="내용 개체 틀 2">
             <a:extLst>
               <a:ext uri="{FF2B5EF4-FFF2-40B4-BE49-F238E27FC236}">
-                <a16:creationId xmlns:a16="http://schemas.microsoft.com/office/drawing/2014/main" id="{6FCC135F-16CD-C5ED-CA5F-C86F45C50872}"/>
+                <a16:creationId xmlns:a16="http://schemas.microsoft.com/office/drawing/2014/main" id="{FD591AD9-98DF-F070-5AC1-C1589C6F4D8B}"/>
               </a:ext>
             </a:extLst>
           </p:cNvPr>
@@ -6278,19 +6276,522 @@
             <p:ph idx="1"/>
           </p:nvPr>
         </p:nvSpPr>
-        <p:spPr/>
+        <p:spPr>
+          <a:xfrm>
+            <a:off x="762000" y="1765139"/>
+            <a:ext cx="10668000" cy="5008488"/>
+          </a:xfrm>
+        </p:spPr>
         <p:txBody>
           <a:bodyPr/>
           <a:lstStyle/>
           <a:p>
-            <a:endParaRPr lang="ko-KR" altLang="en-US"/>
+            <a:r>
+              <a:rPr lang="en-US" altLang="ko-KR" sz="1600" dirty="0"/>
+              <a:t>ICE(Interactive Connectivity Establishment):</a:t>
+            </a:r>
+            <a:br>
+              <a:rPr lang="en-US" altLang="ko-KR" sz="1600" dirty="0"/>
+            </a:br>
+            <a:r>
+              <a:rPr lang="en-US" altLang="ko-KR" sz="1400" dirty="0"/>
+              <a:t>ICE</a:t>
+            </a:r>
+            <a:r>
+              <a:rPr lang="ko-KR" altLang="en-US" sz="1400" dirty="0"/>
+              <a:t>는 두 단말이 서로 통신하는 과정에서 최적의 경로로 통신 할 수 있도록 도와주는 프레임워크 입니다</a:t>
+            </a:r>
+            <a:br>
+              <a:rPr lang="en-US" altLang="ko-KR" sz="1400" dirty="0"/>
+            </a:br>
+            <a:r>
+              <a:rPr lang="en-US" altLang="ko-KR" sz="1400" dirty="0"/>
+              <a:t>ICE</a:t>
+            </a:r>
+            <a:r>
+              <a:rPr lang="ko-KR" altLang="en-US" sz="1400" dirty="0"/>
+              <a:t>는 두 단말 간의 제안 및 수락 모델로 생성되는 실시간 </a:t>
+            </a:r>
+            <a:r>
+              <a:rPr lang="en-US" altLang="ko-KR" sz="1400" dirty="0"/>
+              <a:t>UDP </a:t>
+            </a:r>
+            <a:r>
+              <a:rPr lang="ko-KR" altLang="en-US" sz="1400" dirty="0"/>
+              <a:t>통신 </a:t>
+            </a:r>
+            <a:r>
+              <a:rPr lang="en-US" altLang="ko-KR" sz="1400" dirty="0"/>
+              <a:t>NAT Traversal</a:t>
+            </a:r>
+            <a:r>
+              <a:rPr lang="ko-KR" altLang="en-US" sz="1400" dirty="0"/>
+              <a:t>기술로도 부르며</a:t>
+            </a:r>
+            <a:r>
+              <a:rPr lang="en-US" altLang="ko-KR" sz="1400" dirty="0"/>
+              <a:t>,</a:t>
+            </a:r>
+            <a:br>
+              <a:rPr lang="en-US" altLang="ko-KR" sz="1400" dirty="0"/>
+            </a:br>
+            <a:r>
+              <a:rPr lang="ko-KR" altLang="en-US" sz="1400" dirty="0"/>
+              <a:t>이를 응용하면 고도의 </a:t>
+            </a:r>
+            <a:r>
+              <a:rPr lang="en-US" altLang="ko-KR" sz="1400" dirty="0"/>
+              <a:t>TCP </a:t>
+            </a:r>
+            <a:r>
+              <a:rPr lang="ko-KR" altLang="en-US" sz="1400" dirty="0"/>
+              <a:t>프로토콜 통신도 적용 가능합니다</a:t>
+            </a:r>
+            <a:endParaRPr lang="en-US" altLang="ko-KR" sz="1400" dirty="0"/>
+          </a:p>
+          <a:p>
+            <a:r>
+              <a:rPr lang="en-US" altLang="ko-KR" sz="1600" dirty="0"/>
+              <a:t>STUN(Session Traversal Utilities for NAT): </a:t>
+            </a:r>
+            <a:r>
+              <a:rPr lang="ko-KR" altLang="en-US" sz="1400" dirty="0"/>
+              <a:t>클라이언트</a:t>
+            </a:r>
+            <a:r>
+              <a:rPr lang="en-US" altLang="ko-KR" sz="1400" dirty="0"/>
+              <a:t>–</a:t>
+            </a:r>
+            <a:r>
+              <a:rPr lang="ko-KR" altLang="en-US" sz="1400" dirty="0"/>
+              <a:t>서버 방식으로</a:t>
+            </a:r>
+            <a:br>
+              <a:rPr lang="en-US" altLang="ko-KR" sz="1400" dirty="0"/>
+            </a:br>
+            <a:r>
+              <a:rPr lang="ko-KR" altLang="en-US" sz="1400" dirty="0"/>
+              <a:t>상단 그림에서 클라이언트는 </a:t>
+            </a:r>
+            <a:r>
+              <a:rPr lang="en-US" altLang="ko-KR" sz="1400" dirty="0"/>
+              <a:t>STUN</a:t>
+            </a:r>
+            <a:r>
+              <a:rPr lang="ko-KR" altLang="en-US" sz="1400" dirty="0"/>
+              <a:t>서버에게 메시지</a:t>
+            </a:r>
+            <a:r>
+              <a:rPr lang="en-US" altLang="ko-KR" sz="1400" dirty="0"/>
+              <a:t>(</a:t>
+            </a:r>
+            <a:r>
+              <a:rPr lang="ko-KR" altLang="en-US" sz="1400" dirty="0"/>
+              <a:t>사설</a:t>
+            </a:r>
+            <a:r>
+              <a:rPr lang="en-US" altLang="ko-KR" sz="1400" dirty="0" err="1"/>
+              <a:t>IP:Port</a:t>
+            </a:r>
+            <a:r>
+              <a:rPr lang="en-US" altLang="ko-KR" sz="1400" dirty="0"/>
+              <a:t>)</a:t>
+            </a:r>
+            <a:r>
+              <a:rPr lang="ko-KR" altLang="en-US" sz="1400" dirty="0"/>
+              <a:t>를 보내고</a:t>
+            </a:r>
+            <a:r>
+              <a:rPr lang="en-US" altLang="ko-KR" sz="1400" dirty="0"/>
+              <a:t>,</a:t>
+            </a:r>
+            <a:br>
+              <a:rPr lang="en-US" altLang="ko-KR" sz="1400" dirty="0"/>
+            </a:br>
+            <a:r>
+              <a:rPr lang="en-US" altLang="ko-KR" sz="1400" dirty="0"/>
+              <a:t>“</a:t>
+            </a:r>
+            <a:r>
+              <a:rPr lang="ko-KR" altLang="en-US" sz="1400" dirty="0"/>
+              <a:t>자신의 외부</a:t>
+            </a:r>
+            <a:r>
+              <a:rPr lang="en-US" altLang="ko-KR" sz="1400" dirty="0" err="1"/>
+              <a:t>IP:Port</a:t>
+            </a:r>
+            <a:r>
+              <a:rPr lang="en-US" altLang="ko-KR" sz="1400" dirty="0"/>
+              <a:t>”</a:t>
+            </a:r>
+            <a:r>
+              <a:rPr lang="ko-KR" altLang="en-US" sz="1400" dirty="0"/>
+              <a:t>를 요청합니다 </a:t>
+            </a:r>
+            <a:r>
+              <a:rPr lang="en-US" altLang="ko-KR" sz="1400" dirty="0"/>
+              <a:t>-&gt; STUN</a:t>
+            </a:r>
+            <a:r>
+              <a:rPr lang="ko-KR" altLang="en-US" sz="1400" dirty="0"/>
+              <a:t>서버는 </a:t>
+            </a:r>
+            <a:r>
+              <a:rPr lang="en-US" altLang="ko-KR" sz="1400" dirty="0"/>
+              <a:t>NAT2_IP:Port</a:t>
+            </a:r>
+            <a:r>
+              <a:rPr lang="ko-KR" altLang="en-US" sz="1400" dirty="0"/>
+              <a:t>로 부터</a:t>
+            </a:r>
+            <a:br>
+              <a:rPr lang="en-US" altLang="ko-KR" sz="1400" dirty="0"/>
+            </a:br>
+            <a:r>
+              <a:rPr lang="ko-KR" altLang="en-US" sz="1400" dirty="0"/>
+              <a:t>메시지</a:t>
+            </a:r>
+            <a:r>
+              <a:rPr lang="en-US" altLang="ko-KR" sz="1400" dirty="0"/>
+              <a:t>(</a:t>
+            </a:r>
+            <a:r>
+              <a:rPr lang="ko-KR" altLang="en-US" sz="1400" dirty="0"/>
+              <a:t>사설</a:t>
+            </a:r>
+            <a:r>
+              <a:rPr lang="en-US" altLang="ko-KR" sz="1400" dirty="0" err="1"/>
+              <a:t>IP:Port</a:t>
+            </a:r>
+            <a:r>
+              <a:rPr lang="en-US" altLang="ko-KR" sz="1400" dirty="0"/>
+              <a:t>)</a:t>
+            </a:r>
+            <a:r>
+              <a:rPr lang="ko-KR" altLang="en-US" sz="1400" dirty="0"/>
+              <a:t>를 받기 때문에</a:t>
+            </a:r>
+            <a:r>
+              <a:rPr lang="en-US" altLang="ko-KR" sz="1400" dirty="0"/>
+              <a:t>, NAT2_IP:Port &lt;-&gt; </a:t>
+            </a:r>
+            <a:r>
+              <a:rPr lang="ko-KR" altLang="en-US" sz="1400" dirty="0"/>
+              <a:t>사설</a:t>
+            </a:r>
+            <a:r>
+              <a:rPr lang="en-US" altLang="ko-KR" sz="1400" dirty="0" err="1"/>
+              <a:t>IP:Port</a:t>
+            </a:r>
+            <a:r>
+              <a:rPr lang="ko-KR" altLang="en-US" sz="1400" dirty="0"/>
+              <a:t>로</a:t>
+            </a:r>
+            <a:br>
+              <a:rPr lang="en-US" altLang="ko-KR" sz="1400" dirty="0"/>
+            </a:br>
+            <a:r>
+              <a:rPr lang="ko-KR" altLang="en-US" sz="1400" dirty="0"/>
+              <a:t>자신의 바인딩 테이블을 작성하고 </a:t>
+            </a:r>
+            <a:r>
+              <a:rPr lang="en-US" altLang="ko-KR" sz="1400" dirty="0"/>
+              <a:t>NAT2_IP:Port</a:t>
+            </a:r>
+            <a:r>
+              <a:rPr lang="ko-KR" altLang="en-US" sz="1400" dirty="0"/>
+              <a:t>를 응답합니다</a:t>
+            </a:r>
+            <a:endParaRPr lang="en-US" altLang="ko-KR" sz="1400" dirty="0"/>
+          </a:p>
+          <a:p>
+            <a:r>
+              <a:rPr lang="ko-KR" altLang="en-US" sz="1400" dirty="0"/>
+              <a:t>이를 통해 </a:t>
+            </a:r>
+            <a:r>
+              <a:rPr lang="en-US" altLang="ko-KR" sz="1400" dirty="0"/>
+              <a:t>P2P</a:t>
+            </a:r>
+            <a:r>
+              <a:rPr lang="ko-KR" altLang="en-US" sz="1400" dirty="0"/>
+              <a:t> 통신을 하려면 양측 공인</a:t>
+            </a:r>
+            <a:r>
+              <a:rPr lang="en-US" altLang="ko-KR" sz="1400" dirty="0" err="1"/>
+              <a:t>IP:Port</a:t>
+            </a:r>
+            <a:r>
+              <a:rPr lang="ko-KR" altLang="en-US" sz="1400" dirty="0"/>
+              <a:t>를</a:t>
+            </a:r>
+            <a:r>
+              <a:rPr lang="en-US" altLang="ko-KR" sz="1400" dirty="0"/>
+              <a:t> </a:t>
+            </a:r>
+            <a:r>
+              <a:rPr lang="ko-KR" altLang="en-US" sz="1400" dirty="0"/>
+              <a:t>모두 주고 받아서</a:t>
+            </a:r>
+            <a:r>
+              <a:rPr lang="en-US" altLang="ko-KR" sz="1400" dirty="0"/>
+              <a:t>,</a:t>
+            </a:r>
+            <a:br>
+              <a:rPr lang="en-US" altLang="ko-KR" sz="1400" dirty="0"/>
+            </a:br>
+            <a:r>
+              <a:rPr lang="en-US" altLang="ko-KR" sz="1400" dirty="0"/>
+              <a:t>NAT1, NAT2</a:t>
+            </a:r>
+            <a:r>
+              <a:rPr lang="ko-KR" altLang="en-US" sz="1400" dirty="0"/>
+              <a:t>를 클라이언트가 직접</a:t>
+            </a:r>
+            <a:r>
+              <a:rPr lang="en-US" altLang="ko-KR" sz="1400" dirty="0"/>
+              <a:t> </a:t>
+            </a:r>
+            <a:r>
+              <a:rPr lang="ko-KR" altLang="en-US" sz="1400" dirty="0"/>
+              <a:t>테이블 변경 요청을 보내는 방식으로</a:t>
+            </a:r>
+            <a:br>
+              <a:rPr lang="en-US" altLang="ko-KR" sz="1400" dirty="0"/>
+            </a:br>
+            <a:r>
+              <a:rPr lang="ko-KR" altLang="en-US" sz="1400" dirty="0"/>
+              <a:t>서로 자신의 </a:t>
+            </a:r>
+            <a:r>
+              <a:rPr lang="en-US" altLang="ko-KR" sz="1400" dirty="0"/>
+              <a:t>P2P Hole</a:t>
+            </a:r>
+            <a:r>
+              <a:rPr lang="ko-KR" altLang="en-US" sz="1400" dirty="0"/>
+              <a:t>을 뚫어 통신을 수행합니다</a:t>
+            </a:r>
+            <a:endParaRPr lang="en-US" altLang="ko-KR" sz="1400" dirty="0"/>
+          </a:p>
+          <a:p>
+            <a:r>
+              <a:rPr lang="en-US" altLang="ko-KR" sz="1600" dirty="0"/>
+              <a:t>TURN(Traversal Using Relays around NAT): </a:t>
+            </a:r>
+            <a:r>
+              <a:rPr lang="en-US" altLang="ko-KR" sz="1400" dirty="0"/>
+              <a:t>STUN</a:t>
+            </a:r>
+            <a:r>
+              <a:rPr lang="ko-KR" altLang="en-US" sz="1400" dirty="0"/>
+              <a:t>의 대체재로</a:t>
+            </a:r>
+            <a:r>
+              <a:rPr lang="en-US" altLang="ko-KR" sz="1400" dirty="0"/>
+              <a:t>,</a:t>
+            </a:r>
+            <a:br>
+              <a:rPr lang="en-US" altLang="ko-KR" sz="1400" dirty="0"/>
+            </a:br>
+            <a:r>
+              <a:rPr lang="en-US" altLang="ko-KR" sz="1400" dirty="0"/>
+              <a:t>Relay </a:t>
+            </a:r>
+            <a:r>
+              <a:rPr lang="ko-KR" altLang="en-US" sz="1400" dirty="0"/>
+              <a:t>방식을 시도 할 때</a:t>
+            </a:r>
+            <a:r>
+              <a:rPr lang="en-US" altLang="ko-KR" sz="1400" dirty="0"/>
+              <a:t> Relay </a:t>
+            </a:r>
+            <a:r>
+              <a:rPr lang="ko-KR" altLang="en-US" sz="1400" dirty="0"/>
+              <a:t>서버 역을</a:t>
+            </a:r>
+            <a:r>
+              <a:rPr lang="en-US" altLang="ko-KR" sz="1400" dirty="0"/>
+              <a:t> </a:t>
+            </a:r>
+            <a:r>
+              <a:rPr lang="ko-KR" altLang="en-US" sz="1400" dirty="0"/>
+              <a:t>맡을</a:t>
+            </a:r>
+            <a:r>
+              <a:rPr lang="en-US" altLang="ko-KR" sz="1400" dirty="0"/>
+              <a:t> </a:t>
+            </a:r>
+            <a:r>
+              <a:rPr lang="ko-KR" altLang="en-US" sz="1400" dirty="0"/>
+              <a:t>호스트에게</a:t>
+            </a:r>
+            <a:br>
+              <a:rPr lang="en-US" altLang="ko-KR" sz="1400" dirty="0"/>
+            </a:br>
+            <a:r>
+              <a:rPr lang="ko-KR" altLang="en-US" sz="1400" dirty="0"/>
+              <a:t>공인 </a:t>
+            </a:r>
+            <a:r>
+              <a:rPr lang="en-US" altLang="ko-KR" sz="1400" dirty="0" err="1"/>
+              <a:t>IP:Port</a:t>
+            </a:r>
+            <a:r>
+              <a:rPr lang="en-US" altLang="ko-KR" sz="1400" dirty="0"/>
+              <a:t>(Relay Transport address: </a:t>
+            </a:r>
+            <a:r>
+              <a:rPr lang="ko-KR" altLang="en-US" sz="1400" dirty="0"/>
+              <a:t>릴레이 전달 주소</a:t>
+            </a:r>
+            <a:r>
+              <a:rPr lang="en-US" altLang="ko-KR" sz="1400" dirty="0"/>
+              <a:t>)</a:t>
+            </a:r>
+            <a:r>
+              <a:rPr lang="ko-KR" altLang="en-US" sz="1400" dirty="0"/>
+              <a:t>를</a:t>
+            </a:r>
+            <a:br>
+              <a:rPr lang="en-US" altLang="ko-KR" sz="1400" dirty="0"/>
+            </a:br>
+            <a:r>
+              <a:rPr lang="ko-KR" altLang="en-US" sz="1400" dirty="0"/>
+              <a:t>할당하는 역할을</a:t>
+            </a:r>
+            <a:r>
+              <a:rPr lang="en-US" altLang="ko-KR" sz="1400" dirty="0"/>
+              <a:t> </a:t>
+            </a:r>
+            <a:r>
+              <a:rPr lang="ko-KR" altLang="en-US" sz="1400" dirty="0"/>
+              <a:t>수행하여</a:t>
+            </a:r>
+            <a:r>
+              <a:rPr lang="en-US" altLang="ko-KR" sz="1400" dirty="0"/>
+              <a:t> Relay</a:t>
+            </a:r>
+            <a:r>
+              <a:rPr lang="ko-KR" altLang="en-US" sz="1400" dirty="0"/>
+              <a:t>방식을 사용할 수 있게 해줍니다</a:t>
+            </a:r>
+            <a:br>
+              <a:rPr lang="en-US" altLang="ko-KR" sz="1400" dirty="0"/>
+            </a:br>
+            <a:r>
+              <a:rPr lang="en-US" altLang="ko-KR" sz="1400" dirty="0"/>
+              <a:t>(</a:t>
+            </a:r>
+            <a:r>
+              <a:rPr lang="ko-KR" altLang="en-US" sz="1400" dirty="0"/>
+              <a:t>일반적으로 </a:t>
+            </a:r>
+            <a:r>
+              <a:rPr lang="en-US" altLang="ko-KR" sz="1400" dirty="0"/>
+              <a:t>Relay Transport address</a:t>
+            </a:r>
+            <a:r>
+              <a:rPr lang="ko-KR" altLang="en-US" sz="1400" dirty="0"/>
+              <a:t>는 </a:t>
+            </a:r>
+            <a:r>
+              <a:rPr lang="en-US" altLang="ko-KR" sz="1400" dirty="0"/>
+              <a:t>TURN</a:t>
+            </a:r>
+            <a:r>
+              <a:rPr lang="ko-KR" altLang="en-US" sz="1400" dirty="0"/>
+              <a:t>서버가 됩니다</a:t>
+            </a:r>
+            <a:r>
+              <a:rPr lang="en-US" altLang="ko-KR" sz="1400" dirty="0"/>
+              <a:t>)</a:t>
+            </a:r>
+          </a:p>
+          <a:p>
+            <a:r>
+              <a:rPr lang="en-US" altLang="ko-KR" sz="1400" dirty="0"/>
+              <a:t>TRUN</a:t>
+            </a:r>
+            <a:r>
+              <a:rPr lang="ko-KR" altLang="en-US" sz="1400" dirty="0"/>
+              <a:t>은 효율이 좋지 않기 때문에</a:t>
+            </a:r>
+            <a:r>
+              <a:rPr lang="en-US" altLang="ko-KR" sz="1400" dirty="0"/>
+              <a:t>, ICE</a:t>
+            </a:r>
+            <a:r>
+              <a:rPr lang="ko-KR" altLang="en-US" sz="1400" dirty="0"/>
+              <a:t>는 모든 후보군은 탐색하고 최악의 경우에만 사용하도록 되어 있습니다</a:t>
+            </a:r>
+            <a:endParaRPr lang="en-US" altLang="ko-KR" sz="1400" dirty="0"/>
           </a:p>
         </p:txBody>
       </p:sp>
+      <p:pic>
+        <p:nvPicPr>
+          <p:cNvPr id="5" name="그림 4">
+            <a:extLst>
+              <a:ext uri="{FF2B5EF4-FFF2-40B4-BE49-F238E27FC236}">
+                <a16:creationId xmlns:a16="http://schemas.microsoft.com/office/drawing/2014/main" id="{5AC74E70-B087-ED96-41DD-8AE37ACD29A4}"/>
+              </a:ext>
+            </a:extLst>
+          </p:cNvPr>
+          <p:cNvPicPr>
+            <a:picLocks noChangeAspect="1"/>
+          </p:cNvPicPr>
+          <p:nvPr/>
+        </p:nvPicPr>
+        <p:blipFill>
+          <a:blip r:embed="rId2"/>
+          <a:stretch>
+            <a:fillRect/>
+          </a:stretch>
+        </p:blipFill>
+        <p:spPr>
+          <a:xfrm>
+            <a:off x="8577661" y="2639362"/>
+            <a:ext cx="3479689" cy="1433456"/>
+          </a:xfrm>
+          <a:prstGeom prst="rect">
+            <a:avLst/>
+          </a:prstGeom>
+        </p:spPr>
+      </p:pic>
+      <p:pic>
+        <p:nvPicPr>
+          <p:cNvPr id="7" name="그림 6">
+            <a:extLst>
+              <a:ext uri="{FF2B5EF4-FFF2-40B4-BE49-F238E27FC236}">
+                <a16:creationId xmlns:a16="http://schemas.microsoft.com/office/drawing/2014/main" id="{081BBA38-75AC-63AE-48B2-776CAE530941}"/>
+              </a:ext>
+            </a:extLst>
+          </p:cNvPr>
+          <p:cNvPicPr>
+            <a:picLocks noChangeAspect="1"/>
+          </p:cNvPicPr>
+          <p:nvPr/>
+        </p:nvPicPr>
+        <p:blipFill>
+          <a:blip r:embed="rId3"/>
+          <a:stretch>
+            <a:fillRect/>
+          </a:stretch>
+        </p:blipFill>
+        <p:spPr>
+          <a:xfrm>
+            <a:off x="7203112" y="4095228"/>
+            <a:ext cx="4925031" cy="2448323"/>
+          </a:xfrm>
+          <a:prstGeom prst="rect">
+            <a:avLst/>
+          </a:prstGeom>
+        </p:spPr>
+      </p:pic>
     </p:spTree>
     <p:extLst>
       <p:ext uri="{BB962C8B-B14F-4D97-AF65-F5344CB8AC3E}">
-        <p14:creationId xmlns:p14="http://schemas.microsoft.com/office/powerpoint/2010/main" val="2525825330"/>
+        <p14:creationId xmlns:p14="http://schemas.microsoft.com/office/powerpoint/2010/main" val="2135888183"/>
       </p:ext>
     </p:extLst>
   </p:cSld>
@@ -6322,7 +6823,7 @@
           <p:cNvPr id="2" name="제목 1">
             <a:extLst>
               <a:ext uri="{FF2B5EF4-FFF2-40B4-BE49-F238E27FC236}">
-                <a16:creationId xmlns:a16="http://schemas.microsoft.com/office/drawing/2014/main" id="{1314160E-EB42-1B88-7D1E-DBFA15A199DB}"/>
+                <a16:creationId xmlns:a16="http://schemas.microsoft.com/office/drawing/2014/main" id="{0A369040-E1C4-B9A4-6456-1FE71B51C3C8}"/>
               </a:ext>
             </a:extLst>
           </p:cNvPr>
@@ -6340,7 +6841,7 @@
           <a:p>
             <a:r>
               <a:rPr lang="en-US" altLang="ko-KR" dirty="0"/>
-              <a:t>Router</a:t>
+              <a:t>ICMP</a:t>
             </a:r>
             <a:endParaRPr lang="ko-KR" altLang="en-US" dirty="0"/>
           </a:p>
@@ -6351,7 +6852,7 @@
           <p:cNvPr id="3" name="내용 개체 틀 2">
             <a:extLst>
               <a:ext uri="{FF2B5EF4-FFF2-40B4-BE49-F238E27FC236}">
-                <a16:creationId xmlns:a16="http://schemas.microsoft.com/office/drawing/2014/main" id="{3D53C142-D1EA-562D-67CC-A05387B237DF}"/>
+                <a16:creationId xmlns:a16="http://schemas.microsoft.com/office/drawing/2014/main" id="{6FCC135F-16CD-C5ED-CA5F-C86F45C50872}"/>
               </a:ext>
             </a:extLst>
           </p:cNvPr>
@@ -6367,14 +6868,464 @@
           <a:bodyPr/>
           <a:lstStyle/>
           <a:p>
-            <a:endParaRPr lang="ko-KR" altLang="en-US"/>
+            <a:r>
+              <a:rPr lang="en-US" altLang="ko-KR" sz="1600" dirty="0"/>
+              <a:t>ICMP(Internet Control Message Protocol)</a:t>
+            </a:r>
+            <a:r>
+              <a:rPr lang="ko-KR" altLang="en-US" sz="1600" dirty="0"/>
+              <a:t>는 네트워크 장치들의 통신 문제를 진단하는 데</a:t>
+            </a:r>
+            <a:br>
+              <a:rPr lang="en-US" altLang="ko-KR" sz="1600" dirty="0"/>
+            </a:br>
+            <a:r>
+              <a:rPr lang="ko-KR" altLang="en-US" sz="1600" dirty="0"/>
+              <a:t>사용하는 </a:t>
+            </a:r>
+            <a:r>
+              <a:rPr lang="en-US" altLang="ko-KR" sz="1600" dirty="0"/>
+              <a:t>L3</a:t>
+            </a:r>
+            <a:r>
+              <a:rPr lang="ko-KR" altLang="en-US" sz="1600" dirty="0"/>
+              <a:t>계층</a:t>
+            </a:r>
+            <a:r>
+              <a:rPr lang="en-US" altLang="ko-KR" sz="1600" dirty="0"/>
+              <a:t> </a:t>
+            </a:r>
+            <a:r>
+              <a:rPr lang="ko-KR" altLang="en-US" sz="1600" dirty="0"/>
+              <a:t>프로토콜입니다</a:t>
+            </a:r>
+            <a:endParaRPr lang="en-US" altLang="ko-KR" sz="1600" dirty="0"/>
+          </a:p>
+          <a:p>
+            <a:r>
+              <a:rPr lang="ko-KR" altLang="en-US" sz="1600" dirty="0"/>
+              <a:t>기존의 </a:t>
+            </a:r>
+            <a:r>
+              <a:rPr lang="en-US" altLang="ko-KR" sz="1600" dirty="0"/>
+              <a:t>IP</a:t>
+            </a:r>
+            <a:r>
+              <a:rPr lang="ko-KR" altLang="en-US" sz="1600" dirty="0"/>
+              <a:t>프로토콜은 상대방과의 연결 에러 관련 처리가 없이 구별하는 것에만 집중되어 있어</a:t>
+            </a:r>
+            <a:r>
+              <a:rPr lang="en-US" altLang="ko-KR" sz="1600" dirty="0"/>
+              <a:t>,</a:t>
+            </a:r>
+            <a:br>
+              <a:rPr lang="en-US" altLang="ko-KR" sz="1600" dirty="0"/>
+            </a:br>
+            <a:r>
+              <a:rPr lang="ko-KR" altLang="en-US" sz="1600" dirty="0"/>
+              <a:t>연결시도를 하기 전에 존재여부를 확인하거나 네트워크의 상태를 진단하는 전용 프로토콜로</a:t>
+            </a:r>
+            <a:br>
+              <a:rPr lang="en-US" altLang="ko-KR" sz="1600" dirty="0"/>
+            </a:br>
+            <a:r>
+              <a:rPr lang="en-US" altLang="ko-KR" sz="1600" dirty="0"/>
+              <a:t>ICMP</a:t>
+            </a:r>
+            <a:r>
+              <a:rPr lang="ko-KR" altLang="en-US" sz="1600" dirty="0"/>
+              <a:t>가 채택되어 많은 연결처리의 선봉으로 사용되고 있습니다</a:t>
+            </a:r>
+            <a:endParaRPr lang="en-US" altLang="ko-KR" sz="1600" dirty="0"/>
+          </a:p>
+          <a:p>
+            <a:r>
+              <a:rPr lang="en-US" altLang="ko-KR" sz="1600" dirty="0"/>
+              <a:t>ICMP </a:t>
+            </a:r>
+            <a:r>
+              <a:rPr lang="ko-KR" altLang="en-US" sz="1600" dirty="0"/>
+              <a:t>메시지는 크게 오류보고</a:t>
+            </a:r>
+            <a:r>
+              <a:rPr lang="en-US" altLang="ko-KR" sz="1600" dirty="0"/>
+              <a:t>(error-reporting)</a:t>
+            </a:r>
+            <a:r>
+              <a:rPr lang="ko-KR" altLang="en-US" sz="1600" dirty="0"/>
+              <a:t>메시지와 질의</a:t>
+            </a:r>
+            <a:r>
+              <a:rPr lang="en-US" altLang="ko-KR" sz="1600" dirty="0"/>
+              <a:t>(query)</a:t>
+            </a:r>
+            <a:r>
+              <a:rPr lang="ko-KR" altLang="en-US" sz="1600" dirty="0"/>
+              <a:t>메시지로 나뉩니다 </a:t>
+            </a:r>
+            <a:r>
+              <a:rPr lang="en-US" altLang="ko-KR" sz="1600" dirty="0"/>
+              <a:t>(</a:t>
+            </a:r>
+            <a:r>
+              <a:rPr lang="ko-KR" altLang="en-US" sz="1600" dirty="0"/>
+              <a:t>아래 그림</a:t>
+            </a:r>
+            <a:r>
+              <a:rPr lang="en-US" altLang="ko-KR" sz="1600" dirty="0"/>
+              <a:t>)</a:t>
+            </a:r>
+          </a:p>
+          <a:p>
+            <a:r>
+              <a:rPr lang="en-US" altLang="ko-KR" sz="1600" dirty="0"/>
+              <a:t>ICMP</a:t>
+            </a:r>
+            <a:r>
+              <a:rPr lang="ko-KR" altLang="en-US" sz="1600" dirty="0"/>
+              <a:t>는 대부분 </a:t>
+            </a:r>
+            <a:r>
+              <a:rPr lang="en-US" altLang="ko-KR" sz="1600" dirty="0"/>
+              <a:t>ping</a:t>
+            </a:r>
+            <a:r>
+              <a:rPr lang="ko-KR" altLang="en-US" sz="1600" dirty="0"/>
+              <a:t>명령과 </a:t>
+            </a:r>
+            <a:r>
+              <a:rPr lang="en-US" altLang="ko-KR" sz="1600" dirty="0"/>
+              <a:t>trace route</a:t>
+            </a:r>
+            <a:r>
+              <a:rPr lang="ko-KR" altLang="en-US" sz="1600" dirty="0"/>
+              <a:t>명령에서 많이 쓰입니다</a:t>
+            </a:r>
+            <a:endParaRPr lang="en-US" altLang="ko-KR" sz="1600" dirty="0"/>
+          </a:p>
+          <a:p>
+            <a:r>
+              <a:rPr lang="en-US" altLang="ko-KR" sz="1600" dirty="0"/>
+              <a:t>ping </a:t>
+            </a:r>
+            <a:r>
+              <a:rPr lang="ko-KR" altLang="en-US" sz="1600" dirty="0"/>
+              <a:t>명령은 대상 </a:t>
+            </a:r>
+            <a:r>
+              <a:rPr lang="en-US" altLang="ko-KR" sz="1600" dirty="0"/>
+              <a:t>IP</a:t>
+            </a:r>
+            <a:r>
+              <a:rPr lang="ko-KR" altLang="en-US" sz="1600" dirty="0"/>
+              <a:t>가 인터넷에 연결되어 도달가능한지를 따지고</a:t>
+            </a:r>
+            <a:r>
+              <a:rPr lang="en-US" altLang="ko-KR" sz="1600" dirty="0"/>
+              <a:t>,</a:t>
+            </a:r>
+            <a:br>
+              <a:rPr lang="en-US" altLang="ko-KR" sz="1600" dirty="0"/>
+            </a:br>
+            <a:r>
+              <a:rPr lang="en-US" altLang="ko-KR" sz="1600" dirty="0"/>
+              <a:t>TTL(</a:t>
+            </a:r>
+            <a:r>
+              <a:rPr lang="ko-KR" altLang="ko-KR" sz="1600" dirty="0"/>
+              <a:t>Time </a:t>
+            </a:r>
+            <a:r>
+              <a:rPr lang="en-US" altLang="ko-KR" sz="1600" dirty="0"/>
+              <a:t>T</a:t>
+            </a:r>
+            <a:r>
+              <a:rPr lang="ko-KR" altLang="ko-KR" sz="1600" dirty="0" err="1"/>
+              <a:t>o</a:t>
+            </a:r>
+            <a:r>
+              <a:rPr lang="ko-KR" altLang="ko-KR" sz="1600" dirty="0"/>
+              <a:t> </a:t>
+            </a:r>
+            <a:r>
+              <a:rPr lang="en-US" altLang="ko-KR" sz="1600" dirty="0"/>
+              <a:t>L</a:t>
+            </a:r>
+            <a:r>
+              <a:rPr lang="ko-KR" altLang="ko-KR" sz="1600" dirty="0" err="1"/>
+              <a:t>ive</a:t>
+            </a:r>
+            <a:r>
+              <a:rPr lang="en-US" altLang="ko-KR" sz="1600" dirty="0"/>
+              <a:t>: </a:t>
+            </a:r>
+            <a:r>
+              <a:rPr lang="ko-KR" altLang="en-US" sz="1600" dirty="0"/>
+              <a:t>라우터</a:t>
+            </a:r>
+            <a:r>
+              <a:rPr lang="en-US" altLang="ko-KR" sz="1600" dirty="0"/>
+              <a:t>(</a:t>
+            </a:r>
+            <a:r>
+              <a:rPr lang="ko-KR" altLang="en-US" sz="1600" dirty="0"/>
+              <a:t>또는 홉</a:t>
+            </a:r>
+            <a:r>
+              <a:rPr lang="en-US" altLang="ko-KR" sz="1600" dirty="0"/>
+              <a:t>)</a:t>
+            </a:r>
+            <a:r>
+              <a:rPr lang="ko-KR" altLang="en-US" sz="1600" dirty="0"/>
+              <a:t>마다 </a:t>
+            </a:r>
+            <a:r>
+              <a:rPr lang="en-US" altLang="ko-KR" sz="1600" dirty="0"/>
+              <a:t>1</a:t>
+            </a:r>
+            <a:r>
+              <a:rPr lang="ko-KR" altLang="en-US" sz="1600" dirty="0"/>
+              <a:t>씩 감소하여 </a:t>
+            </a:r>
+            <a:r>
+              <a:rPr lang="en-US" altLang="ko-KR" sz="1600" dirty="0"/>
+              <a:t>0</a:t>
+            </a:r>
+            <a:r>
+              <a:rPr lang="ko-KR" altLang="en-US" sz="1600" dirty="0"/>
+              <a:t>이 되면 만료</a:t>
+            </a:r>
+            <a:r>
+              <a:rPr lang="en-US" altLang="ko-KR" sz="1600" dirty="0"/>
+              <a:t>),</a:t>
+            </a:r>
+            <a:br>
+              <a:rPr lang="en-US" altLang="ko-KR" sz="1600" dirty="0"/>
+            </a:br>
+            <a:r>
+              <a:rPr lang="en-US" altLang="ko-KR" sz="1600" dirty="0"/>
+              <a:t>RTT(Round Trip Time: </a:t>
+            </a:r>
+            <a:r>
+              <a:rPr lang="ko-KR" altLang="en-US" sz="1600" dirty="0"/>
+              <a:t>왕복 도착 시간</a:t>
+            </a:r>
+            <a:r>
+              <a:rPr lang="en-US" altLang="ko-KR" sz="1600" dirty="0"/>
+              <a:t>)</a:t>
+            </a:r>
+            <a:r>
+              <a:rPr lang="ko-KR" altLang="en-US" sz="1600" dirty="0"/>
+              <a:t>등을 받을 수 있고</a:t>
+            </a:r>
+            <a:br>
+              <a:rPr lang="en-US" altLang="ko-KR" sz="1600" dirty="0"/>
+            </a:br>
+            <a:r>
+              <a:rPr lang="ko-KR" altLang="en-US" sz="1600" dirty="0"/>
+              <a:t>요청 바이트 수를 추가로 조절 할 수 있습니다</a:t>
+            </a:r>
+            <a:endParaRPr lang="en-US" altLang="ko-KR" sz="1600" dirty="0"/>
+          </a:p>
+          <a:p>
+            <a:r>
+              <a:rPr lang="en-US" altLang="ko-KR" sz="1600" dirty="0"/>
+              <a:t>traceroute(</a:t>
+            </a:r>
+            <a:r>
+              <a:rPr lang="ko-KR" altLang="en-US" sz="1600" dirty="0"/>
+              <a:t>또는 </a:t>
+            </a:r>
+            <a:r>
+              <a:rPr lang="en-US" altLang="ko-KR" sz="1600" dirty="0" err="1"/>
+              <a:t>tracert</a:t>
+            </a:r>
+            <a:r>
+              <a:rPr lang="en-US" altLang="ko-KR" sz="1600" dirty="0"/>
+              <a:t>) </a:t>
+            </a:r>
+            <a:r>
+              <a:rPr lang="ko-KR" altLang="en-US" sz="1600" dirty="0"/>
+              <a:t>명령은 </a:t>
+            </a:r>
+            <a:r>
+              <a:rPr lang="en-US" altLang="ko-KR" sz="1600" dirty="0"/>
+              <a:t>TTL</a:t>
+            </a:r>
+            <a:r>
+              <a:rPr lang="ko-KR" altLang="en-US" sz="1600" dirty="0"/>
+              <a:t>을 </a:t>
+            </a:r>
+            <a:r>
+              <a:rPr lang="en-US" altLang="ko-KR" sz="1600" dirty="0"/>
+              <a:t>1</a:t>
+            </a:r>
+            <a:r>
+              <a:rPr lang="ko-KR" altLang="en-US" sz="1600" dirty="0"/>
+              <a:t>부터 받아서 만료 될 때마다</a:t>
+            </a:r>
+            <a:br>
+              <a:rPr lang="en-US" altLang="ko-KR" sz="1600" dirty="0"/>
+            </a:br>
+            <a:r>
+              <a:rPr lang="en-US" altLang="ko-KR" sz="1600" dirty="0"/>
+              <a:t>+1</a:t>
+            </a:r>
+            <a:r>
+              <a:rPr lang="ko-KR" altLang="en-US" sz="1600" dirty="0"/>
+              <a:t>씩 해서 특정 </a:t>
+            </a:r>
+            <a:r>
+              <a:rPr lang="en-US" altLang="ko-KR" sz="1600" dirty="0"/>
+              <a:t>IP</a:t>
+            </a:r>
+            <a:r>
+              <a:rPr lang="ko-KR" altLang="en-US" sz="1600" dirty="0"/>
+              <a:t>에 도달하거나</a:t>
+            </a:r>
+            <a:r>
+              <a:rPr lang="en-US" altLang="ko-KR" sz="1600" dirty="0"/>
+              <a:t> </a:t>
+            </a:r>
+            <a:r>
+              <a:rPr lang="ko-KR" altLang="en-US" sz="1600" dirty="0"/>
+              <a:t>최대 홉</a:t>
+            </a:r>
+            <a:r>
+              <a:rPr lang="en-US" altLang="ko-KR" sz="1600" dirty="0"/>
+              <a:t>(</a:t>
+            </a:r>
+            <a:r>
+              <a:rPr lang="ko-KR" altLang="en-US" sz="1600" dirty="0"/>
+              <a:t>보통 </a:t>
+            </a:r>
+            <a:r>
+              <a:rPr lang="en-US" altLang="ko-KR" sz="1600" dirty="0"/>
+              <a:t>30</a:t>
+            </a:r>
+            <a:r>
+              <a:rPr lang="ko-KR" altLang="en-US" sz="1600" dirty="0"/>
+              <a:t>홉</a:t>
+            </a:r>
+            <a:r>
+              <a:rPr lang="en-US" altLang="ko-KR" sz="1600" dirty="0"/>
+              <a:t>)</a:t>
+            </a:r>
+            <a:r>
+              <a:rPr lang="ko-KR" altLang="en-US" sz="1600" dirty="0"/>
+              <a:t>을 넘으면</a:t>
+            </a:r>
+            <a:r>
+              <a:rPr lang="en-US" altLang="ko-KR" sz="1600" dirty="0"/>
+              <a:t>,</a:t>
+            </a:r>
+            <a:br>
+              <a:rPr lang="en-US" altLang="ko-KR" sz="1600" dirty="0"/>
+            </a:br>
+            <a:r>
+              <a:rPr lang="ko-KR" altLang="en-US" sz="1600" dirty="0"/>
+              <a:t>명령이 종료되는 방식으로</a:t>
+            </a:r>
+            <a:r>
+              <a:rPr lang="en-US" altLang="ko-KR" sz="1600" dirty="0"/>
+              <a:t>, </a:t>
+            </a:r>
+            <a:r>
+              <a:rPr lang="ko-KR" altLang="en-US" sz="1600" dirty="0"/>
+              <a:t>이는</a:t>
+            </a:r>
+            <a:r>
+              <a:rPr lang="en-US" altLang="ko-KR" sz="1600" dirty="0"/>
+              <a:t> </a:t>
+            </a:r>
+            <a:r>
+              <a:rPr lang="ko-KR" altLang="en-US" sz="1600" dirty="0"/>
+              <a:t>특정 </a:t>
+            </a:r>
+            <a:r>
+              <a:rPr lang="en-US" altLang="ko-KR" sz="1600" dirty="0"/>
+              <a:t>IP</a:t>
+            </a:r>
+            <a:r>
+              <a:rPr lang="ko-KR" altLang="en-US" sz="1600" dirty="0"/>
+              <a:t>에 가기까지</a:t>
+            </a:r>
+            <a:br>
+              <a:rPr lang="en-US" altLang="ko-KR" sz="1600" dirty="0"/>
+            </a:br>
+            <a:r>
+              <a:rPr lang="ko-KR" altLang="en-US" sz="1600" dirty="0"/>
+              <a:t>지나치는 홉</a:t>
+            </a:r>
+            <a:r>
+              <a:rPr lang="en-US" altLang="ko-KR" sz="1600" dirty="0"/>
+              <a:t>(Router)</a:t>
+            </a:r>
+            <a:r>
+              <a:rPr lang="ko-KR" altLang="en-US" sz="1600" dirty="0"/>
+              <a:t>의 정보</a:t>
+            </a:r>
+            <a:r>
+              <a:rPr lang="en-US" altLang="ko-KR" sz="1600" dirty="0"/>
+              <a:t>(IP</a:t>
+            </a:r>
+            <a:r>
+              <a:rPr lang="ko-KR" altLang="en-US" sz="1600" dirty="0"/>
+              <a:t>등</a:t>
+            </a:r>
+            <a:r>
+              <a:rPr lang="en-US" altLang="ko-KR" sz="1600" dirty="0"/>
+              <a:t>)</a:t>
+            </a:r>
+            <a:r>
+              <a:rPr lang="ko-KR" altLang="en-US" sz="1600" dirty="0"/>
+              <a:t>와 </a:t>
+            </a:r>
+            <a:r>
+              <a:rPr lang="en-US" altLang="ko-KR" sz="1600" dirty="0"/>
+              <a:t>RTT</a:t>
+            </a:r>
+            <a:r>
+              <a:rPr lang="ko-KR" altLang="en-US" sz="1600" dirty="0"/>
+              <a:t>등을 가져오는 명령입니다</a:t>
+            </a:r>
           </a:p>
         </p:txBody>
       </p:sp>
+      <p:pic>
+        <p:nvPicPr>
+          <p:cNvPr id="7" name="그림 6">
+            <a:extLst>
+              <a:ext uri="{FF2B5EF4-FFF2-40B4-BE49-F238E27FC236}">
+                <a16:creationId xmlns:a16="http://schemas.microsoft.com/office/drawing/2014/main" id="{01C12DCD-2E46-D531-BF4D-45D07FCFD60A}"/>
+              </a:ext>
+            </a:extLst>
+          </p:cNvPr>
+          <p:cNvPicPr>
+            <a:picLocks noChangeAspect="1"/>
+          </p:cNvPicPr>
+          <p:nvPr/>
+        </p:nvPicPr>
+        <p:blipFill>
+          <a:blip r:embed="rId2"/>
+          <a:stretch>
+            <a:fillRect/>
+          </a:stretch>
+        </p:blipFill>
+        <p:spPr>
+          <a:xfrm>
+            <a:off x="8194204" y="4605731"/>
+            <a:ext cx="3893056" cy="2173360"/>
+          </a:xfrm>
+          <a:prstGeom prst="rect">
+            <a:avLst/>
+          </a:prstGeom>
+        </p:spPr>
+      </p:pic>
     </p:spTree>
     <p:extLst>
       <p:ext uri="{BB962C8B-B14F-4D97-AF65-F5344CB8AC3E}">
-        <p14:creationId xmlns:p14="http://schemas.microsoft.com/office/powerpoint/2010/main" val="1656999248"/>
+        <p14:creationId xmlns:p14="http://schemas.microsoft.com/office/powerpoint/2010/main" val="2525825330"/>
       </p:ext>
     </p:extLst>
   </p:cSld>
@@ -6406,7 +7357,7 @@
           <p:cNvPr id="2" name="제목 1">
             <a:extLst>
               <a:ext uri="{FF2B5EF4-FFF2-40B4-BE49-F238E27FC236}">
-                <a16:creationId xmlns:a16="http://schemas.microsoft.com/office/drawing/2014/main" id="{D521AC9A-E519-EE7F-1217-F1D2B6EEEBD2}"/>
+                <a16:creationId xmlns:a16="http://schemas.microsoft.com/office/drawing/2014/main" id="{1314160E-EB42-1B88-7D1E-DBFA15A199DB}"/>
               </a:ext>
             </a:extLst>
           </p:cNvPr>
@@ -6424,7 +7375,7 @@
           <a:p>
             <a:r>
               <a:rPr lang="en-US" altLang="ko-KR" dirty="0"/>
-              <a:t>OSPF, RIP (Intra-AS)</a:t>
+              <a:t>Router</a:t>
             </a:r>
             <a:endParaRPr lang="ko-KR" altLang="en-US" dirty="0"/>
           </a:p>
@@ -6435,7 +7386,7 @@
           <p:cNvPr id="3" name="내용 개체 틀 2">
             <a:extLst>
               <a:ext uri="{FF2B5EF4-FFF2-40B4-BE49-F238E27FC236}">
-                <a16:creationId xmlns:a16="http://schemas.microsoft.com/office/drawing/2014/main" id="{CDD3BA5E-AB57-8DB7-09B8-05453F235F00}"/>
+                <a16:creationId xmlns:a16="http://schemas.microsoft.com/office/drawing/2014/main" id="{3D53C142-D1EA-562D-67CC-A05387B237DF}"/>
               </a:ext>
             </a:extLst>
           </p:cNvPr>
@@ -6446,19 +7397,385 @@
             <p:ph idx="1"/>
           </p:nvPr>
         </p:nvSpPr>
-        <p:spPr/>
+        <p:spPr>
+          <a:xfrm>
+            <a:off x="762000" y="1765139"/>
+            <a:ext cx="10668000" cy="5013220"/>
+          </a:xfrm>
+        </p:spPr>
         <p:txBody>
           <a:bodyPr/>
           <a:lstStyle/>
           <a:p>
-            <a:endParaRPr lang="ko-KR" altLang="en-US"/>
+            <a:r>
+              <a:rPr lang="ko-KR" altLang="en-US" sz="1600" dirty="0"/>
+              <a:t>라우터</a:t>
+            </a:r>
+            <a:r>
+              <a:rPr lang="en-US" altLang="ko-KR" sz="1600" dirty="0"/>
+              <a:t>(Router)</a:t>
+            </a:r>
+            <a:r>
+              <a:rPr lang="ko-KR" altLang="en-US" sz="1600" dirty="0"/>
+              <a:t>는 </a:t>
+            </a:r>
+            <a:r>
+              <a:rPr lang="en-US" altLang="ko-KR" sz="1600" dirty="0"/>
+              <a:t>L3</a:t>
+            </a:r>
+            <a:r>
+              <a:rPr lang="ko-KR" altLang="en-US" sz="1600" dirty="0"/>
+              <a:t>계층에서 연결된 장치들의 패킷 송수신이 원활하게 이루어지도록</a:t>
+            </a:r>
+            <a:br>
+              <a:rPr lang="en-US" altLang="ko-KR" sz="1600" dirty="0"/>
+            </a:br>
+            <a:r>
+              <a:rPr lang="ko-KR" altLang="en-US" sz="1600" dirty="0"/>
+              <a:t>도와주는 장치입니다 </a:t>
+            </a:r>
+            <a:r>
+              <a:rPr lang="en-US" altLang="ko-KR" sz="1600" dirty="0"/>
+              <a:t>(</a:t>
+            </a:r>
+            <a:r>
+              <a:rPr lang="ko-KR" altLang="en-US" sz="1600" dirty="0"/>
+              <a:t>또는 </a:t>
+            </a:r>
+            <a:r>
+              <a:rPr lang="en-US" altLang="ko-KR" sz="1600" dirty="0"/>
+              <a:t>L3 Switch)</a:t>
+            </a:r>
+          </a:p>
+          <a:p>
+            <a:r>
+              <a:rPr lang="ko-KR" altLang="en-US" sz="1600" dirty="0"/>
+              <a:t>라우팅 테이블</a:t>
+            </a:r>
+            <a:r>
+              <a:rPr lang="en-US" altLang="ko-KR" sz="1600" dirty="0"/>
+              <a:t>(Routing</a:t>
+            </a:r>
+            <a:r>
+              <a:rPr lang="ko-KR" altLang="en-US" sz="1600" dirty="0"/>
+              <a:t> </a:t>
+            </a:r>
+            <a:r>
+              <a:rPr lang="en-US" altLang="ko-KR" sz="1600" dirty="0"/>
+              <a:t>Table) </a:t>
+            </a:r>
+            <a:r>
+              <a:rPr lang="ko-KR" altLang="en-US" sz="1600" dirty="0"/>
+              <a:t>또는 포워딩 테이블</a:t>
+            </a:r>
+            <a:r>
+              <a:rPr lang="en-US" altLang="ko-KR" sz="1600" dirty="0"/>
+              <a:t>(Forwarding Table)</a:t>
+            </a:r>
+            <a:r>
+              <a:rPr lang="ko-KR" altLang="en-US" sz="1600" dirty="0"/>
+              <a:t>은</a:t>
+            </a:r>
+            <a:br>
+              <a:rPr lang="en-US" altLang="ko-KR" sz="1600" dirty="0"/>
+            </a:br>
+            <a:r>
+              <a:rPr lang="en-US" altLang="ko-KR" sz="1600" dirty="0"/>
+              <a:t>Subnet(CIDR)</a:t>
+            </a:r>
+            <a:r>
+              <a:rPr lang="ko-KR" altLang="en-US" sz="1600" dirty="0"/>
+              <a:t>과 인터페이스</a:t>
+            </a:r>
+            <a:r>
+              <a:rPr lang="en-US" altLang="ko-KR" sz="1600" dirty="0"/>
+              <a:t>(Interface </a:t>
+            </a:r>
+            <a:r>
+              <a:rPr lang="ko-KR" altLang="en-US" sz="1600" dirty="0"/>
+              <a:t>간단하게 슬롯 넘버</a:t>
+            </a:r>
+            <a:r>
+              <a:rPr lang="en-US" altLang="ko-KR" sz="1600" dirty="0"/>
+              <a:t>)</a:t>
+            </a:r>
+            <a:r>
+              <a:rPr lang="ko-KR" altLang="en-US" sz="1600" dirty="0"/>
+              <a:t>로 매핑을 잡은 테이블로</a:t>
+            </a:r>
+            <a:br>
+              <a:rPr lang="en-US" altLang="ko-KR" sz="1600" dirty="0"/>
+            </a:br>
+            <a:r>
+              <a:rPr lang="ko-KR" altLang="en-US" sz="1600" dirty="0"/>
+              <a:t>라우팅 내에 서브넷들을 물리적으로 라우팅할 때 참고하기 위한 테이블입니다 </a:t>
+            </a:r>
+            <a:r>
+              <a:rPr lang="en-US" altLang="ko-KR" sz="1600" dirty="0"/>
+              <a:t>(</a:t>
+            </a:r>
+            <a:r>
+              <a:rPr lang="ko-KR" altLang="en-US" sz="1600" dirty="0"/>
+              <a:t>아래 그림</a:t>
+            </a:r>
+            <a:r>
+              <a:rPr lang="en-US" altLang="ko-KR" sz="1600" dirty="0"/>
+              <a:t>)</a:t>
+            </a:r>
+          </a:p>
+          <a:p>
+            <a:r>
+              <a:rPr lang="ko-KR" altLang="en-US" sz="1600" dirty="0"/>
+              <a:t>라우팅 테이블은 그림처럼 직선의 연결구조를 가져서 정직한 테이블이 생성 될 수도 있지만</a:t>
+            </a:r>
+            <a:r>
+              <a:rPr lang="en-US" altLang="ko-KR" sz="1600" dirty="0"/>
+              <a:t>,</a:t>
+            </a:r>
+            <a:br>
+              <a:rPr lang="en-US" altLang="ko-KR" sz="1600" dirty="0"/>
+            </a:br>
+            <a:r>
+              <a:rPr lang="ko-KR" altLang="en-US" sz="1600" dirty="0"/>
+              <a:t>실제 네트워크에서는 상단의 그래프처럼 복잡하게 얽혀 있을 때가 많습니다</a:t>
+            </a:r>
+            <a:endParaRPr lang="en-US" altLang="ko-KR" sz="1600" dirty="0"/>
+          </a:p>
+          <a:p>
+            <a:r>
+              <a:rPr lang="ko-KR" altLang="en-US" sz="1600" dirty="0"/>
+              <a:t>이때</a:t>
+            </a:r>
+            <a:r>
+              <a:rPr lang="en-US" altLang="ko-KR" sz="1600" dirty="0"/>
+              <a:t>, </a:t>
+            </a:r>
+            <a:r>
+              <a:rPr lang="ko-KR" altLang="en-US" sz="1600" dirty="0"/>
+              <a:t>각 라우터는 출발지에서 목적지까지</a:t>
+            </a:r>
+            <a:br>
+              <a:rPr lang="en-US" altLang="ko-KR" sz="1600" dirty="0"/>
+            </a:br>
+            <a:r>
+              <a:rPr lang="ko-KR" altLang="en-US" sz="1600" dirty="0"/>
+              <a:t>가장 저비용 또는 고효율로 통신이</a:t>
+            </a:r>
+            <a:r>
+              <a:rPr lang="en-US" altLang="ko-KR" sz="1600" dirty="0"/>
+              <a:t> </a:t>
+            </a:r>
+            <a:r>
+              <a:rPr lang="ko-KR" altLang="en-US" sz="1600" dirty="0"/>
+              <a:t>가능하도록</a:t>
+            </a:r>
+            <a:br>
+              <a:rPr lang="en-US" altLang="ko-KR" sz="1600" dirty="0"/>
+            </a:br>
+            <a:r>
+              <a:rPr lang="ko-KR" altLang="en-US" sz="1600" dirty="0"/>
+              <a:t>라우팅 알고리즘을 수행하여</a:t>
+            </a:r>
+            <a:r>
+              <a:rPr lang="en-US" altLang="ko-KR" sz="1600" dirty="0"/>
+              <a:t>, </a:t>
+            </a:r>
+            <a:r>
+              <a:rPr lang="ko-KR" altLang="en-US" sz="1600" dirty="0"/>
+              <a:t>이를 통해</a:t>
+            </a:r>
+            <a:br>
+              <a:rPr lang="en-US" altLang="ko-KR" sz="1600" dirty="0"/>
+            </a:br>
+            <a:r>
+              <a:rPr lang="ko-KR" altLang="en-US" sz="1600" dirty="0"/>
+              <a:t>라우팅 테이블을 작성하고 통신에 사용됩니다</a:t>
+            </a:r>
+            <a:endParaRPr lang="en-US" altLang="ko-KR" sz="1600" dirty="0"/>
+          </a:p>
+          <a:p>
+            <a:r>
+              <a:rPr lang="ko-KR" altLang="en-US" sz="1600" dirty="0"/>
+              <a:t>라우팅 알고리즘은 크게 두 가지로</a:t>
+            </a:r>
+            <a:br>
+              <a:rPr lang="en-US" altLang="ko-KR" sz="1600" dirty="0"/>
+            </a:br>
+            <a:r>
+              <a:rPr lang="en-US" altLang="ko-KR" sz="1600" dirty="0"/>
+              <a:t>1. </a:t>
+            </a:r>
+            <a:r>
+              <a:rPr lang="ko-KR" altLang="en-US" sz="1600" dirty="0"/>
+              <a:t>링크 상태 알고리즘</a:t>
+            </a:r>
+            <a:r>
+              <a:rPr lang="en-US" altLang="ko-KR" sz="1600" dirty="0">
+                <a:sym typeface="Wingdings" panose="05000000000000000000" pitchFamily="2" charset="2"/>
+              </a:rPr>
+              <a:t>(Link</a:t>
+            </a:r>
+            <a:r>
+              <a:rPr lang="ko-KR" altLang="en-US" sz="1600" dirty="0">
+                <a:sym typeface="Wingdings" panose="05000000000000000000" pitchFamily="2" charset="2"/>
+              </a:rPr>
+              <a:t> </a:t>
+            </a:r>
+            <a:r>
+              <a:rPr lang="en-US" altLang="ko-KR" sz="1600" dirty="0">
+                <a:sym typeface="Wingdings" panose="05000000000000000000" pitchFamily="2" charset="2"/>
+              </a:rPr>
+              <a:t>State):</a:t>
+            </a:r>
+            <a:br>
+              <a:rPr lang="en-US" altLang="ko-KR" sz="1600" dirty="0">
+                <a:sym typeface="Wingdings" panose="05000000000000000000" pitchFamily="2" charset="2"/>
+              </a:rPr>
+            </a:br>
+            <a:r>
+              <a:rPr lang="ko-KR" altLang="en-US" sz="1600" dirty="0">
+                <a:sym typeface="Wingdings" panose="05000000000000000000" pitchFamily="2" charset="2"/>
+              </a:rPr>
+              <a:t>최단거리를 </a:t>
+            </a:r>
+            <a:r>
+              <a:rPr lang="en-US" altLang="ko-KR" sz="1600" dirty="0">
+                <a:sym typeface="Wingdings" panose="05000000000000000000" pitchFamily="2" charset="2"/>
+              </a:rPr>
+              <a:t>Dijkstra </a:t>
+            </a:r>
+            <a:r>
+              <a:rPr lang="ko-KR" altLang="en-US" sz="1600" dirty="0">
+                <a:sym typeface="Wingdings" panose="05000000000000000000" pitchFamily="2" charset="2"/>
+              </a:rPr>
+              <a:t>방식으로 찾는 알고리즘 입니다</a:t>
+            </a:r>
+            <a:br>
+              <a:rPr lang="en-US" altLang="ko-KR" sz="1600" dirty="0">
+                <a:sym typeface="Wingdings" panose="05000000000000000000" pitchFamily="2" charset="2"/>
+              </a:rPr>
+            </a:br>
+            <a:r>
+              <a:rPr lang="en-US" altLang="ko-KR" sz="1600" dirty="0">
+                <a:sym typeface="Wingdings" panose="05000000000000000000" pitchFamily="2" charset="2"/>
+              </a:rPr>
+              <a:t>2. </a:t>
+            </a:r>
+            <a:r>
+              <a:rPr lang="ko-KR" altLang="en-US" sz="1600" dirty="0">
+                <a:sym typeface="Wingdings" panose="05000000000000000000" pitchFamily="2" charset="2"/>
+              </a:rPr>
+              <a:t>거리 벡터 알고리즘</a:t>
+            </a:r>
+            <a:r>
+              <a:rPr lang="en-US" altLang="ko-KR" sz="1600" dirty="0">
+                <a:sym typeface="Wingdings" panose="05000000000000000000" pitchFamily="2" charset="2"/>
+              </a:rPr>
+              <a:t>(Distance</a:t>
+            </a:r>
+            <a:r>
+              <a:rPr lang="ko-KR" altLang="en-US" sz="1600" dirty="0">
+                <a:sym typeface="Wingdings" panose="05000000000000000000" pitchFamily="2" charset="2"/>
+              </a:rPr>
+              <a:t> </a:t>
+            </a:r>
+            <a:r>
+              <a:rPr lang="en-US" altLang="ko-KR" sz="1600" dirty="0">
+                <a:sym typeface="Wingdings" panose="05000000000000000000" pitchFamily="2" charset="2"/>
+              </a:rPr>
+              <a:t>Vector):</a:t>
+            </a:r>
+            <a:br>
+              <a:rPr lang="en-US" altLang="ko-KR" sz="1600" dirty="0">
+                <a:sym typeface="Wingdings" panose="05000000000000000000" pitchFamily="2" charset="2"/>
+              </a:rPr>
+            </a:br>
+            <a:r>
+              <a:rPr lang="ko-KR" altLang="en-US" sz="1600" dirty="0">
+                <a:sym typeface="Wingdings" panose="05000000000000000000" pitchFamily="2" charset="2"/>
+              </a:rPr>
+              <a:t>최단거리를 </a:t>
+            </a:r>
+            <a:r>
+              <a:rPr lang="en-US" altLang="ko-KR" sz="1600" dirty="0">
+                <a:sym typeface="Wingdings" panose="05000000000000000000" pitchFamily="2" charset="2"/>
+              </a:rPr>
+              <a:t>Bellman-Ford </a:t>
+            </a:r>
+            <a:r>
+              <a:rPr lang="ko-KR" altLang="en-US" sz="1600" dirty="0">
+                <a:sym typeface="Wingdings" panose="05000000000000000000" pitchFamily="2" charset="2"/>
+              </a:rPr>
+              <a:t>방식으로 찾는 알고리즘 입니다</a:t>
+            </a:r>
+            <a:endParaRPr lang="ko-KR" altLang="en-US" sz="1600" dirty="0"/>
           </a:p>
         </p:txBody>
       </p:sp>
+      <p:pic>
+        <p:nvPicPr>
+          <p:cNvPr id="5" name="그림 4">
+            <a:extLst>
+              <a:ext uri="{FF2B5EF4-FFF2-40B4-BE49-F238E27FC236}">
+                <a16:creationId xmlns:a16="http://schemas.microsoft.com/office/drawing/2014/main" id="{C005DE5E-B01C-D036-32EF-3545B5B957EA}"/>
+              </a:ext>
+            </a:extLst>
+          </p:cNvPr>
+          <p:cNvPicPr>
+            <a:picLocks noChangeAspect="1"/>
+          </p:cNvPicPr>
+          <p:nvPr/>
+        </p:nvPicPr>
+        <p:blipFill>
+          <a:blip r:embed="rId2"/>
+          <a:stretch>
+            <a:fillRect/>
+          </a:stretch>
+        </p:blipFill>
+        <p:spPr>
+          <a:xfrm>
+            <a:off x="6265114" y="4066420"/>
+            <a:ext cx="5855604" cy="2406343"/>
+          </a:xfrm>
+          <a:prstGeom prst="rect">
+            <a:avLst/>
+          </a:prstGeom>
+        </p:spPr>
+      </p:pic>
+      <p:pic>
+        <p:nvPicPr>
+          <p:cNvPr id="7" name="그림 6">
+            <a:extLst>
+              <a:ext uri="{FF2B5EF4-FFF2-40B4-BE49-F238E27FC236}">
+                <a16:creationId xmlns:a16="http://schemas.microsoft.com/office/drawing/2014/main" id="{4EBFC96D-C6FB-3988-2A24-FDBE414E5567}"/>
+              </a:ext>
+            </a:extLst>
+          </p:cNvPr>
+          <p:cNvPicPr>
+            <a:picLocks noChangeAspect="1"/>
+          </p:cNvPicPr>
+          <p:nvPr/>
+        </p:nvPicPr>
+        <p:blipFill>
+          <a:blip r:embed="rId3"/>
+          <a:stretch>
+            <a:fillRect/>
+          </a:stretch>
+        </p:blipFill>
+        <p:spPr>
+          <a:xfrm>
+            <a:off x="10669859" y="2941129"/>
+            <a:ext cx="1439061" cy="1081085"/>
+          </a:xfrm>
+          <a:prstGeom prst="rect">
+            <a:avLst/>
+          </a:prstGeom>
+        </p:spPr>
+      </p:pic>
     </p:spTree>
     <p:extLst>
       <p:ext uri="{BB962C8B-B14F-4D97-AF65-F5344CB8AC3E}">
-        <p14:creationId xmlns:p14="http://schemas.microsoft.com/office/powerpoint/2010/main" val="3967982616"/>
+        <p14:creationId xmlns:p14="http://schemas.microsoft.com/office/powerpoint/2010/main" val="1656999248"/>
       </p:ext>
     </p:extLst>
   </p:cSld>
@@ -6490,7 +7807,7 @@
           <p:cNvPr id="2" name="제목 1">
             <a:extLst>
               <a:ext uri="{FF2B5EF4-FFF2-40B4-BE49-F238E27FC236}">
-                <a16:creationId xmlns:a16="http://schemas.microsoft.com/office/drawing/2014/main" id="{83291C9C-B7B2-84E0-221D-4E262D0A1D2F}"/>
+                <a16:creationId xmlns:a16="http://schemas.microsoft.com/office/drawing/2014/main" id="{D521AC9A-E519-EE7F-1217-F1D2B6EEEBD2}"/>
               </a:ext>
             </a:extLst>
           </p:cNvPr>
@@ -6508,7 +7825,7 @@
           <a:p>
             <a:r>
               <a:rPr lang="en-US" altLang="ko-KR" dirty="0"/>
-              <a:t>BGP (Inter-AS)</a:t>
+              <a:t>OSPF, RIP (Intra-AS)</a:t>
             </a:r>
             <a:endParaRPr lang="ko-KR" altLang="en-US" dirty="0"/>
           </a:p>
@@ -6519,7 +7836,7 @@
           <p:cNvPr id="3" name="내용 개체 틀 2">
             <a:extLst>
               <a:ext uri="{FF2B5EF4-FFF2-40B4-BE49-F238E27FC236}">
-                <a16:creationId xmlns:a16="http://schemas.microsoft.com/office/drawing/2014/main" id="{F25F7E1C-3B60-656A-ACE4-D9E85DB99641}"/>
+                <a16:creationId xmlns:a16="http://schemas.microsoft.com/office/drawing/2014/main" id="{CDD3BA5E-AB57-8DB7-09B8-05453F235F00}"/>
               </a:ext>
             </a:extLst>
           </p:cNvPr>
@@ -6530,19 +7847,415 @@
             <p:ph idx="1"/>
           </p:nvPr>
         </p:nvSpPr>
-        <p:spPr/>
+        <p:spPr>
+          <a:xfrm>
+            <a:off x="761999" y="1765139"/>
+            <a:ext cx="10771239" cy="5032085"/>
+          </a:xfrm>
+        </p:spPr>
         <p:txBody>
           <a:bodyPr/>
           <a:lstStyle/>
           <a:p>
-            <a:endParaRPr lang="ko-KR" altLang="en-US"/>
+            <a:r>
+              <a:rPr lang="en-US" altLang="ko-KR" sz="1600" dirty="0"/>
+              <a:t>AS(Autonomous System)</a:t>
+            </a:r>
+            <a:r>
+              <a:rPr lang="ko-KR" altLang="en-US" sz="1600" dirty="0"/>
+              <a:t>은 </a:t>
+            </a:r>
+            <a:r>
+              <a:rPr lang="en-US" altLang="ko-KR" sz="1600" dirty="0"/>
+              <a:t>ISP</a:t>
+            </a:r>
+            <a:r>
+              <a:rPr lang="ko-KR" altLang="en-US" sz="1600" dirty="0"/>
+              <a:t>등의 자치 시스템으로</a:t>
+            </a:r>
+            <a:r>
+              <a:rPr lang="en-US" altLang="ko-KR" sz="1600" dirty="0"/>
+              <a:t>,</a:t>
+            </a:r>
+            <a:br>
+              <a:rPr lang="en-US" altLang="ko-KR" sz="1600" dirty="0"/>
+            </a:br>
+            <a:r>
+              <a:rPr lang="ko-KR" altLang="en-US" sz="1600" dirty="0"/>
+              <a:t>실질적인 내부는 결국 수 많은 라우터들의 그룹으로</a:t>
+            </a:r>
+            <a:r>
+              <a:rPr lang="en-US" altLang="ko-KR" sz="1600" dirty="0"/>
+              <a:t> </a:t>
+            </a:r>
+            <a:r>
+              <a:rPr lang="ko-KR" altLang="en-US" sz="1600" dirty="0"/>
+              <a:t>되어 있으며</a:t>
+            </a:r>
+            <a:r>
+              <a:rPr lang="en-US" altLang="ko-KR" sz="1600" dirty="0"/>
+              <a:t>,</a:t>
+            </a:r>
+            <a:r>
+              <a:rPr lang="ko-KR" altLang="en-US" sz="1600" dirty="0"/>
+              <a:t> 이들은 하나의 </a:t>
+            </a:r>
+            <a:r>
+              <a:rPr lang="en-US" altLang="ko-KR" sz="1600" dirty="0"/>
+              <a:t>ASN</a:t>
+            </a:r>
+            <a:r>
+              <a:rPr lang="ko-KR" altLang="en-US" sz="1600" dirty="0"/>
+              <a:t>을 부여 받고</a:t>
+            </a:r>
+            <a:br>
+              <a:rPr lang="en-US" altLang="ko-KR" sz="1600" dirty="0"/>
+            </a:br>
+            <a:r>
+              <a:rPr lang="ko-KR" altLang="en-US" sz="1600" dirty="0"/>
+              <a:t>내부 라우팅과는 </a:t>
+            </a:r>
+            <a:r>
+              <a:rPr lang="en-US" altLang="ko-KR" sz="1600" dirty="0"/>
+              <a:t>Intra-AS </a:t>
+            </a:r>
+            <a:r>
+              <a:rPr lang="ko-KR" altLang="en-US" sz="1600" dirty="0"/>
+              <a:t>라우팅 프로토콜을 사용하여 통신하고</a:t>
+            </a:r>
+            <a:r>
+              <a:rPr lang="en-US" altLang="ko-KR" sz="1600" dirty="0"/>
+              <a:t>,</a:t>
+            </a:r>
+            <a:br>
+              <a:rPr lang="en-US" altLang="ko-KR" sz="1600" dirty="0"/>
+            </a:br>
+            <a:r>
+              <a:rPr lang="ko-KR" altLang="en-US" sz="1600" dirty="0"/>
+              <a:t>외부 라우팅과는 </a:t>
+            </a:r>
+            <a:r>
+              <a:rPr lang="en-US" altLang="ko-KR" sz="1600" dirty="0"/>
+              <a:t>Inter-AS </a:t>
+            </a:r>
+            <a:r>
+              <a:rPr lang="ko-KR" altLang="en-US" sz="1600" dirty="0"/>
+              <a:t>라우팅 프로토콜을 사용하여 통신하고 있습니다 </a:t>
+            </a:r>
+            <a:r>
+              <a:rPr lang="en-US" altLang="ko-KR" sz="1600" dirty="0"/>
+              <a:t>(</a:t>
+            </a:r>
+            <a:r>
+              <a:rPr lang="ko-KR" altLang="en-US" sz="1600" dirty="0"/>
+              <a:t>아래 그림</a:t>
+            </a:r>
+            <a:r>
+              <a:rPr lang="en-US" altLang="ko-KR" sz="1600" dirty="0"/>
+              <a:t>)</a:t>
+            </a:r>
+          </a:p>
+          <a:p>
+            <a:r>
+              <a:rPr lang="en-US" altLang="ko-KR" sz="1600" dirty="0"/>
+              <a:t>Intra-AS</a:t>
+            </a:r>
+            <a:r>
+              <a:rPr lang="ko-KR" altLang="en-US" sz="1600" dirty="0"/>
+              <a:t> 라우팅 방식으로는 </a:t>
+            </a:r>
+            <a:r>
+              <a:rPr lang="en-US" altLang="ko-KR" sz="1600" dirty="0"/>
+              <a:t>RIP</a:t>
+            </a:r>
+            <a:r>
+              <a:rPr lang="ko-KR" altLang="en-US" sz="1600" dirty="0"/>
+              <a:t>와 </a:t>
+            </a:r>
+            <a:r>
+              <a:rPr lang="en-US" altLang="ko-KR" sz="1600" dirty="0"/>
+              <a:t>OSPF</a:t>
+            </a:r>
+            <a:r>
+              <a:rPr lang="ko-KR" altLang="en-US" sz="1600" dirty="0"/>
+              <a:t>방식이 있고</a:t>
+            </a:r>
+            <a:r>
+              <a:rPr lang="en-US" altLang="ko-KR" sz="1600" dirty="0"/>
+              <a:t>, Inter-AS </a:t>
+            </a:r>
+            <a:r>
+              <a:rPr lang="ko-KR" altLang="en-US" sz="1600" dirty="0"/>
+              <a:t>라우팅 방식으로는 </a:t>
+            </a:r>
+            <a:r>
+              <a:rPr lang="en-US" altLang="ko-KR" sz="1600" dirty="0"/>
+              <a:t>BGP</a:t>
+            </a:r>
+            <a:r>
+              <a:rPr lang="ko-KR" altLang="en-US" sz="1600" dirty="0"/>
+              <a:t>방식이 있습니다</a:t>
+            </a:r>
+            <a:endParaRPr lang="en-US" altLang="ko-KR" sz="1600" dirty="0"/>
+          </a:p>
+          <a:p>
+            <a:r>
+              <a:rPr lang="en-US" altLang="ko-KR" sz="1600" dirty="0"/>
+              <a:t>RIP(Routing Information Protocol)</a:t>
+            </a:r>
+            <a:r>
+              <a:rPr lang="ko-KR" altLang="en-US" sz="1600" dirty="0"/>
+              <a:t>는 홉</a:t>
+            </a:r>
+            <a:r>
+              <a:rPr lang="en-US" altLang="ko-KR" sz="1600" dirty="0"/>
+              <a:t>(hop, Router)</a:t>
+            </a:r>
+            <a:r>
+              <a:rPr lang="ko-KR" altLang="en-US" sz="1600" dirty="0"/>
+              <a:t>수 기반 경로 비용 계산 방식으로</a:t>
+            </a:r>
+            <a:br>
+              <a:rPr lang="en-US" altLang="ko-KR" sz="1600" dirty="0"/>
+            </a:br>
+            <a:r>
+              <a:rPr lang="ko-KR" altLang="en-US" sz="1600" dirty="0"/>
+              <a:t>최단 경로를 최소 홉 수로 평가하고</a:t>
+            </a:r>
+            <a:r>
+              <a:rPr lang="en-US" altLang="ko-KR" sz="1600" dirty="0"/>
+              <a:t>,</a:t>
+            </a:r>
+            <a:r>
+              <a:rPr lang="ko-KR" altLang="en-US" sz="1600" dirty="0"/>
+              <a:t> 거리 벡터 알고리즘을 채택한 프로토콜입니다</a:t>
+            </a:r>
+            <a:br>
+              <a:rPr lang="en-US" altLang="ko-KR" sz="1600" dirty="0"/>
+            </a:br>
+            <a:r>
+              <a:rPr lang="en-US" altLang="ko-KR" sz="1600" dirty="0"/>
+              <a:t>RIP</a:t>
+            </a:r>
+            <a:r>
+              <a:rPr lang="ko-KR" altLang="en-US" sz="1600" dirty="0"/>
+              <a:t>는 최대 홉 수가 정해진 </a:t>
+            </a:r>
+            <a:r>
+              <a:rPr lang="en-US" altLang="ko-KR" sz="1600" dirty="0"/>
+              <a:t>IGP(Interior Gateway Protocol)</a:t>
+            </a:r>
+            <a:r>
+              <a:rPr lang="ko-KR" altLang="en-US" sz="1600" dirty="0"/>
+              <a:t>에 적합한 편이지만</a:t>
+            </a:r>
+            <a:r>
+              <a:rPr lang="en-US" altLang="ko-KR" sz="1600" dirty="0"/>
+              <a:t>,</a:t>
+            </a:r>
+            <a:br>
+              <a:rPr lang="en-US" altLang="ko-KR" sz="1600" dirty="0"/>
+            </a:br>
+            <a:r>
+              <a:rPr lang="en-US" altLang="ko-KR" sz="1600" dirty="0"/>
+              <a:t>Convergence</a:t>
+            </a:r>
+            <a:r>
+              <a:rPr lang="ko-KR" altLang="en-US" sz="1600" dirty="0"/>
+              <a:t> </a:t>
+            </a:r>
+            <a:r>
+              <a:rPr lang="en-US" altLang="ko-KR" sz="1600" dirty="0"/>
+              <a:t>Time(</a:t>
+            </a:r>
+            <a:r>
+              <a:rPr lang="ko-KR" altLang="en-US" sz="1600" dirty="0"/>
+              <a:t>네트워크 부하나 상태에 따른 변화에 대처하는 시간</a:t>
+            </a:r>
+            <a:r>
+              <a:rPr lang="en-US" altLang="ko-KR" sz="1600" dirty="0"/>
+              <a:t>)</a:t>
+            </a:r>
+            <a:r>
+              <a:rPr lang="ko-KR" altLang="en-US" sz="1600" dirty="0"/>
+              <a:t>이</a:t>
+            </a:r>
+            <a:br>
+              <a:rPr lang="en-US" altLang="ko-KR" sz="1600" dirty="0"/>
+            </a:br>
+            <a:r>
+              <a:rPr lang="ko-KR" altLang="en-US" sz="1600" dirty="0"/>
+              <a:t>느리다는 점이 단점이 될 수 있습니다 </a:t>
+            </a:r>
+            <a:r>
+              <a:rPr lang="en-US" altLang="ko-KR" sz="1600" dirty="0"/>
+              <a:t>(Update</a:t>
+            </a:r>
+            <a:r>
+              <a:rPr lang="ko-KR" altLang="en-US" sz="1600" dirty="0"/>
+              <a:t>가 특정 시간 주기로 이루어집니다</a:t>
+            </a:r>
+            <a:r>
+              <a:rPr lang="en-US" altLang="ko-KR" sz="1600" dirty="0"/>
+              <a:t>)</a:t>
+            </a:r>
+          </a:p>
+          <a:p>
+            <a:r>
+              <a:rPr lang="en-US" altLang="ko-KR" sz="1600" dirty="0"/>
+              <a:t>OSPF(Open Shortest Path First)</a:t>
+            </a:r>
+            <a:r>
+              <a:rPr lang="ko-KR" altLang="en-US" sz="1600" dirty="0"/>
+              <a:t>는 최소 시간 비용을 기반으로 계산을 수행하며</a:t>
+            </a:r>
+            <a:r>
+              <a:rPr lang="en-US" altLang="ko-KR" sz="1600" dirty="0"/>
+              <a:t>,</a:t>
+            </a:r>
+            <a:br>
+              <a:rPr lang="en-US" altLang="ko-KR" sz="1600" dirty="0"/>
+            </a:br>
+            <a:r>
+              <a:rPr lang="ko-KR" altLang="en-US" sz="1600" dirty="0"/>
+              <a:t>최단 경로를 최소 시간으로 평가하고</a:t>
+            </a:r>
+            <a:r>
+              <a:rPr lang="en-US" altLang="ko-KR" sz="1600" dirty="0"/>
+              <a:t>, </a:t>
+            </a:r>
+            <a:r>
+              <a:rPr lang="ko-KR" altLang="en-US" sz="1600" dirty="0"/>
+              <a:t>링크 상태 알고리즘을 채택한 프로토콜입니다</a:t>
+            </a:r>
+            <a:br>
+              <a:rPr lang="en-US" altLang="ko-KR" sz="1600" dirty="0"/>
+            </a:br>
+            <a:r>
+              <a:rPr lang="en-US" altLang="ko-KR" sz="1600" dirty="0"/>
+              <a:t>OSPF</a:t>
+            </a:r>
+            <a:r>
+              <a:rPr lang="ko-KR" altLang="en-US" sz="1600" dirty="0"/>
+              <a:t>는 네트워크의 변화가 생긴 라우터가 새롭게 테이블을 만들기 위해</a:t>
+            </a:r>
+            <a:r>
+              <a:rPr lang="en-US" altLang="ko-KR" sz="1600" dirty="0"/>
+              <a:t>,</a:t>
+            </a:r>
+            <a:br>
+              <a:rPr lang="en-US" altLang="ko-KR" sz="1600" dirty="0"/>
+            </a:br>
+            <a:r>
+              <a:rPr lang="ko-KR" altLang="en-US" sz="1600" dirty="0"/>
+              <a:t>패킷을 전송하여 </a:t>
+            </a:r>
+            <a:r>
+              <a:rPr lang="en-US" altLang="ko-KR" sz="1600" dirty="0"/>
+              <a:t>Flooding(</a:t>
+            </a:r>
+            <a:r>
+              <a:rPr lang="ko-KR" altLang="en-US" sz="1600" dirty="0"/>
+              <a:t>받은 패킷을 복사해서 주변에 그대로 넘기는 것</a:t>
+            </a:r>
+            <a:r>
+              <a:rPr lang="en-US" altLang="ko-KR" sz="1600" dirty="0"/>
+              <a:t>)</a:t>
+            </a:r>
+            <a:r>
+              <a:rPr lang="ko-KR" altLang="en-US" sz="1600" dirty="0"/>
+              <a:t>을</a:t>
+            </a:r>
+            <a:br>
+              <a:rPr lang="en-US" altLang="ko-KR" sz="1600" dirty="0"/>
+            </a:br>
+            <a:r>
+              <a:rPr lang="ko-KR" altLang="en-US" sz="1600" dirty="0"/>
+              <a:t>수행하기 때문에</a:t>
+            </a:r>
+            <a:r>
+              <a:rPr lang="en-US" altLang="ko-KR" sz="1600" dirty="0"/>
+              <a:t>, </a:t>
+            </a:r>
+            <a:r>
+              <a:rPr lang="ko-KR" altLang="en-US" sz="1600" dirty="0"/>
+              <a:t>주변 라우터는 </a:t>
+            </a:r>
+            <a:r>
+              <a:rPr lang="en-US" altLang="ko-KR" sz="1600" dirty="0"/>
+              <a:t>Flooding</a:t>
+            </a:r>
+            <a:r>
+              <a:rPr lang="ko-KR" altLang="en-US" sz="1600" dirty="0"/>
+              <a:t>을 보고 변화의 여부를</a:t>
+            </a:r>
+            <a:br>
+              <a:rPr lang="en-US" altLang="ko-KR" sz="1600" dirty="0"/>
+            </a:br>
+            <a:r>
+              <a:rPr lang="ko-KR" altLang="en-US" sz="1600" dirty="0"/>
+              <a:t>즉시 알아 챌 수 있어 </a:t>
+            </a:r>
+            <a:r>
+              <a:rPr lang="en-US" altLang="ko-KR" sz="1600" dirty="0"/>
+              <a:t>Convergence</a:t>
+            </a:r>
+            <a:r>
+              <a:rPr lang="ko-KR" altLang="en-US" sz="1600" dirty="0"/>
+              <a:t> </a:t>
+            </a:r>
+            <a:r>
+              <a:rPr lang="en-US" altLang="ko-KR" sz="1600" dirty="0"/>
+              <a:t>Time</a:t>
+            </a:r>
+            <a:r>
+              <a:rPr lang="ko-KR" altLang="en-US" sz="1600" dirty="0"/>
+              <a:t>이 짧고</a:t>
+            </a:r>
+            <a:r>
+              <a:rPr lang="en-US" altLang="ko-KR" sz="1600" dirty="0"/>
+              <a:t>,</a:t>
+            </a:r>
+            <a:r>
+              <a:rPr lang="ko-KR" altLang="en-US" sz="1600" dirty="0"/>
+              <a:t> 비교적 효율적인 경로를 잘 찾는 편입니다</a:t>
+            </a:r>
           </a:p>
         </p:txBody>
       </p:sp>
+      <p:pic>
+        <p:nvPicPr>
+          <p:cNvPr id="5" name="그림 4">
+            <a:extLst>
+              <a:ext uri="{FF2B5EF4-FFF2-40B4-BE49-F238E27FC236}">
+                <a16:creationId xmlns:a16="http://schemas.microsoft.com/office/drawing/2014/main" id="{3B0886E2-79C7-A8F3-5660-83655FA89161}"/>
+              </a:ext>
+            </a:extLst>
+          </p:cNvPr>
+          <p:cNvPicPr>
+            <a:picLocks noChangeAspect="1"/>
+          </p:cNvPicPr>
+          <p:nvPr/>
+        </p:nvPicPr>
+        <p:blipFill rotWithShape="1">
+          <a:blip r:embed="rId2"/>
+          <a:srcRect t="4902" r="1693"/>
+          <a:stretch/>
+        </p:blipFill>
+        <p:spPr>
+          <a:xfrm>
+            <a:off x="9220688" y="4235811"/>
+            <a:ext cx="2923341" cy="2036375"/>
+          </a:xfrm>
+          <a:prstGeom prst="rect">
+            <a:avLst/>
+          </a:prstGeom>
+        </p:spPr>
+      </p:pic>
     </p:spTree>
     <p:extLst>
       <p:ext uri="{BB962C8B-B14F-4D97-AF65-F5344CB8AC3E}">
-        <p14:creationId xmlns:p14="http://schemas.microsoft.com/office/powerpoint/2010/main" val="444810247"/>
+        <p14:creationId xmlns:p14="http://schemas.microsoft.com/office/powerpoint/2010/main" val="3967982616"/>
       </p:ext>
     </p:extLst>
   </p:cSld>
@@ -6574,7 +8287,7 @@
           <p:cNvPr id="2" name="제목 1">
             <a:extLst>
               <a:ext uri="{FF2B5EF4-FFF2-40B4-BE49-F238E27FC236}">
-                <a16:creationId xmlns:a16="http://schemas.microsoft.com/office/drawing/2014/main" id="{C4F4B957-4A6D-57BD-C54A-A2260F4DF448}"/>
+                <a16:creationId xmlns:a16="http://schemas.microsoft.com/office/drawing/2014/main" id="{83291C9C-B7B2-84E0-221D-4E262D0A1D2F}"/>
               </a:ext>
             </a:extLst>
           </p:cNvPr>
@@ -6592,7 +8305,7 @@
           <a:p>
             <a:r>
               <a:rPr lang="en-US" altLang="ko-KR" dirty="0"/>
-              <a:t>Hot Potato Routing</a:t>
+              <a:t>BGP (Inter-AS)</a:t>
             </a:r>
             <a:endParaRPr lang="ko-KR" altLang="en-US" dirty="0"/>
           </a:p>
@@ -6603,7 +8316,7 @@
           <p:cNvPr id="3" name="내용 개체 틀 2">
             <a:extLst>
               <a:ext uri="{FF2B5EF4-FFF2-40B4-BE49-F238E27FC236}">
-                <a16:creationId xmlns:a16="http://schemas.microsoft.com/office/drawing/2014/main" id="{63BB3511-1B5A-9ACA-0939-41123542E162}"/>
+                <a16:creationId xmlns:a16="http://schemas.microsoft.com/office/drawing/2014/main" id="{F25F7E1C-3B60-656A-ACE4-D9E85DB99641}"/>
               </a:ext>
             </a:extLst>
           </p:cNvPr>
@@ -6614,19 +8327,347 @@
             <p:ph idx="1"/>
           </p:nvPr>
         </p:nvSpPr>
-        <p:spPr/>
+        <p:spPr>
+          <a:xfrm>
+            <a:off x="762000" y="1765139"/>
+            <a:ext cx="10668000" cy="5020287"/>
+          </a:xfrm>
+        </p:spPr>
         <p:txBody>
           <a:bodyPr/>
           <a:lstStyle/>
           <a:p>
-            <a:endParaRPr lang="ko-KR" altLang="en-US"/>
+            <a:r>
+              <a:rPr lang="en-US" altLang="ko-KR" sz="1600" dirty="0"/>
+              <a:t>Inter-AS </a:t>
+            </a:r>
+            <a:r>
+              <a:rPr lang="ko-KR" altLang="en-US" sz="1600" dirty="0"/>
+              <a:t>라우팅 프로토콜에는 </a:t>
+            </a:r>
+            <a:r>
+              <a:rPr lang="en-US" altLang="ko-KR" sz="1600" dirty="0"/>
+              <a:t>BGP</a:t>
+            </a:r>
+            <a:r>
+              <a:rPr lang="ko-KR" altLang="en-US" sz="1600" dirty="0"/>
+              <a:t>가 있습니다</a:t>
+            </a:r>
+            <a:endParaRPr lang="en-US" altLang="ko-KR" sz="1600" dirty="0"/>
+          </a:p>
+          <a:p>
+            <a:r>
+              <a:rPr lang="en-US" altLang="ko-KR" sz="1600" dirty="0"/>
+              <a:t>BGP(Border Gateway Protocol)</a:t>
+            </a:r>
+            <a:r>
+              <a:rPr lang="ko-KR" altLang="en-US" sz="1600" dirty="0"/>
+              <a:t>은 서로 다른</a:t>
+            </a:r>
+            <a:r>
+              <a:rPr lang="en-US" altLang="ko-KR" sz="1600" dirty="0"/>
+              <a:t>(ASN</a:t>
+            </a:r>
+            <a:r>
+              <a:rPr lang="ko-KR" altLang="en-US" sz="1600" dirty="0"/>
+              <a:t>이 다른</a:t>
+            </a:r>
+            <a:r>
+              <a:rPr lang="en-US" altLang="ko-KR" sz="1600" dirty="0"/>
+              <a:t>)</a:t>
+            </a:r>
+            <a:r>
+              <a:rPr lang="ko-KR" altLang="en-US" sz="1600" dirty="0"/>
+              <a:t> </a:t>
+            </a:r>
+            <a:r>
+              <a:rPr lang="en-US" altLang="ko-KR" sz="1600" dirty="0"/>
+              <a:t>AS</a:t>
+            </a:r>
+            <a:r>
+              <a:rPr lang="ko-KR" altLang="en-US" sz="1600" dirty="0"/>
+              <a:t>끼리</a:t>
+            </a:r>
+            <a:br>
+              <a:rPr lang="en-US" altLang="ko-KR" sz="1600" dirty="0"/>
+            </a:br>
+            <a:r>
+              <a:rPr lang="ko-KR" altLang="en-US" sz="1600" dirty="0"/>
+              <a:t>경계 사이 통신을 수행할 때</a:t>
+            </a:r>
+            <a:r>
+              <a:rPr lang="en-US" altLang="ko-KR" sz="1600" dirty="0"/>
+              <a:t> </a:t>
+            </a:r>
+            <a:r>
+              <a:rPr lang="ko-KR" altLang="en-US" sz="1600" dirty="0"/>
+              <a:t>사용하는 프로토콜입니다</a:t>
+            </a:r>
+            <a:br>
+              <a:rPr lang="en-US" altLang="ko-KR" sz="1600" dirty="0"/>
+            </a:br>
+            <a:r>
+              <a:rPr lang="ko-KR" altLang="en-US" sz="1600" dirty="0"/>
+              <a:t>다만</a:t>
+            </a:r>
+            <a:r>
+              <a:rPr lang="en-US" altLang="ko-KR" sz="1600" dirty="0"/>
+              <a:t>, </a:t>
+            </a:r>
+            <a:r>
+              <a:rPr lang="ko-KR" altLang="en-US" sz="1600" dirty="0"/>
+              <a:t>같은 </a:t>
+            </a:r>
+            <a:r>
+              <a:rPr lang="en-US" altLang="ko-KR" sz="1600" dirty="0"/>
+              <a:t>AS</a:t>
+            </a:r>
+            <a:r>
+              <a:rPr lang="ko-KR" altLang="en-US" sz="1600" dirty="0"/>
+              <a:t>내부에서도 경계 정보 등을 넘겨야 하는 경우에 </a:t>
+            </a:r>
+            <a:r>
+              <a:rPr lang="en-US" altLang="ko-KR" sz="1600" dirty="0"/>
+              <a:t>BGP</a:t>
+            </a:r>
+            <a:r>
+              <a:rPr lang="ko-KR" altLang="en-US" sz="1600" dirty="0"/>
+              <a:t> 연결이 필요하기 때문에</a:t>
+            </a:r>
+            <a:r>
+              <a:rPr lang="en-US" altLang="ko-KR" sz="1600" dirty="0"/>
+              <a:t>,</a:t>
+            </a:r>
+            <a:br>
+              <a:rPr lang="en-US" altLang="ko-KR" sz="1600" dirty="0"/>
+            </a:br>
+            <a:r>
+              <a:rPr lang="ko-KR" altLang="en-US" sz="1600" dirty="0"/>
+              <a:t>항상 외부 경계만을 수행하는 프로토콜은 아니라고 볼 수 있습니다 </a:t>
+            </a:r>
+            <a:r>
+              <a:rPr lang="en-US" altLang="ko-KR" sz="1600" dirty="0"/>
+              <a:t>(</a:t>
+            </a:r>
+            <a:r>
+              <a:rPr lang="ko-KR" altLang="en-US" sz="1600" dirty="0"/>
+              <a:t>아래 그림</a:t>
+            </a:r>
+            <a:r>
+              <a:rPr lang="en-US" altLang="ko-KR" sz="1600" dirty="0"/>
+              <a:t>)</a:t>
+            </a:r>
+          </a:p>
+          <a:p>
+            <a:r>
+              <a:rPr lang="ko-KR" altLang="en-US" sz="1600" dirty="0"/>
+              <a:t>외부 경계에서 통신하는 것을 </a:t>
+            </a:r>
+            <a:r>
+              <a:rPr lang="en-US" altLang="ko-KR" sz="1600" dirty="0"/>
+              <a:t>eBGP(external BGP)</a:t>
+            </a:r>
+            <a:r>
+              <a:rPr lang="ko-KR" altLang="en-US" sz="1600" dirty="0"/>
+              <a:t>로 부르고</a:t>
+            </a:r>
+            <a:r>
+              <a:rPr lang="en-US" altLang="ko-KR" sz="1600" dirty="0"/>
+              <a:t>,</a:t>
+            </a:r>
+            <a:br>
+              <a:rPr lang="en-US" altLang="ko-KR" sz="1600" dirty="0"/>
+            </a:br>
+            <a:r>
+              <a:rPr lang="ko-KR" altLang="en-US" sz="1600" dirty="0"/>
+              <a:t>내부 경계에서 통신하는 것을 </a:t>
+            </a:r>
+            <a:r>
+              <a:rPr lang="en-US" altLang="ko-KR" sz="1600" dirty="0"/>
+              <a:t>iBGP(internal BGP)</a:t>
+            </a:r>
+            <a:r>
+              <a:rPr lang="ko-KR" altLang="en-US" sz="1600" dirty="0"/>
+              <a:t>로 부릅니다</a:t>
+            </a:r>
+            <a:endParaRPr lang="en-US" altLang="ko-KR" sz="1600" dirty="0"/>
+          </a:p>
+          <a:p>
+            <a:r>
+              <a:rPr lang="en-US" altLang="ko-KR" sz="1600" dirty="0"/>
+              <a:t>eBGP</a:t>
+            </a:r>
+            <a:r>
+              <a:rPr lang="ko-KR" altLang="en-US" sz="1600" dirty="0"/>
+              <a:t>는 항상 일대일</a:t>
+            </a:r>
+            <a:r>
+              <a:rPr lang="en-US" altLang="ko-KR" sz="1600" dirty="0"/>
+              <a:t>(one-to-one)</a:t>
+            </a:r>
+            <a:r>
+              <a:rPr lang="ko-KR" altLang="en-US" sz="1600" dirty="0"/>
+              <a:t> 연결을 원칙으로 하고</a:t>
+            </a:r>
+            <a:r>
+              <a:rPr lang="en-US" altLang="ko-KR" sz="1600" dirty="0"/>
+              <a:t>, iBGP</a:t>
+            </a:r>
+            <a:r>
+              <a:rPr lang="ko-KR" altLang="en-US" sz="1600" dirty="0"/>
+              <a:t>는 </a:t>
+            </a:r>
+            <a:r>
+              <a:rPr lang="en-US" altLang="ko-KR" sz="1600" dirty="0"/>
+              <a:t>TCP</a:t>
+            </a:r>
+            <a:r>
+              <a:rPr lang="ko-KR" altLang="en-US" sz="1600" dirty="0"/>
+              <a:t>원격 연결도 허용하는 편입니다</a:t>
+            </a:r>
+            <a:endParaRPr lang="en-US" altLang="ko-KR" sz="1600" dirty="0"/>
+          </a:p>
+          <a:p>
+            <a:r>
+              <a:rPr lang="en-US" altLang="ko-KR" sz="1600" dirty="0"/>
+              <a:t>eBGP</a:t>
+            </a:r>
+            <a:r>
+              <a:rPr lang="ko-KR" altLang="en-US" sz="1600" dirty="0"/>
+              <a:t> 프로토콜은 </a:t>
+            </a:r>
+            <a:r>
+              <a:rPr lang="en-US" altLang="ko-KR" sz="1600" dirty="0"/>
+              <a:t>Hot Potato Routing </a:t>
+            </a:r>
+            <a:r>
+              <a:rPr lang="ko-KR" altLang="en-US" sz="1600" dirty="0"/>
+              <a:t>방식을</a:t>
+            </a:r>
+            <a:br>
+              <a:rPr lang="en-US" altLang="ko-KR" sz="1600" dirty="0"/>
+            </a:br>
+            <a:r>
+              <a:rPr lang="ko-KR" altLang="en-US" sz="1600" dirty="0"/>
+              <a:t>사용하여 패킷을 주고 받습니다</a:t>
+            </a:r>
+            <a:endParaRPr lang="en-US" altLang="ko-KR" sz="1600" dirty="0"/>
+          </a:p>
+          <a:p>
+            <a:r>
+              <a:rPr lang="ko-KR" altLang="en-US" sz="1600" dirty="0"/>
+              <a:t>뜨거운 감자 알고리즘</a:t>
+            </a:r>
+            <a:r>
+              <a:rPr lang="en-US" altLang="ko-KR" sz="1600" dirty="0"/>
+              <a:t>(Hot Potato Routing)</a:t>
+            </a:r>
+            <a:r>
+              <a:rPr lang="ko-KR" altLang="en-US" sz="1600" dirty="0"/>
+              <a:t>은</a:t>
+            </a:r>
+            <a:br>
+              <a:rPr lang="en-US" altLang="ko-KR" sz="1600" dirty="0"/>
+            </a:br>
+            <a:r>
+              <a:rPr lang="ko-KR" altLang="en-US" sz="1600" dirty="0"/>
+              <a:t>패킷을 받은 홉이 연결 된 주변 홉 중에서</a:t>
+            </a:r>
+            <a:br>
+              <a:rPr lang="en-US" altLang="ko-KR" sz="1600" dirty="0"/>
+            </a:br>
+            <a:r>
+              <a:rPr lang="ko-KR" altLang="en-US" sz="1600" dirty="0"/>
+              <a:t>가장 비용이 적은 홉</a:t>
+            </a:r>
+            <a:r>
+              <a:rPr lang="en-US" altLang="ko-KR" sz="1600" dirty="0"/>
+              <a:t>(=</a:t>
+            </a:r>
+            <a:r>
+              <a:rPr lang="ko-KR" altLang="en-US" sz="1600" dirty="0"/>
+              <a:t>라우터 큐에 패킷이 가장 적은 홉</a:t>
+            </a:r>
+            <a:r>
+              <a:rPr lang="en-US" altLang="ko-KR" sz="1600" dirty="0"/>
+              <a:t>)</a:t>
+            </a:r>
+            <a:br>
+              <a:rPr lang="en-US" altLang="ko-KR" sz="1600" dirty="0"/>
+            </a:br>
+            <a:r>
+              <a:rPr lang="ko-KR" altLang="en-US" sz="1600" dirty="0"/>
+              <a:t>에게 빠르게 넘기는 알고리즘입니다</a:t>
+            </a:r>
+            <a:endParaRPr lang="en-US" altLang="ko-KR" sz="1600" dirty="0"/>
+          </a:p>
+          <a:p>
+            <a:r>
+              <a:rPr lang="en-US" altLang="ko-KR" sz="1600" dirty="0"/>
+              <a:t>iBGP</a:t>
+            </a:r>
+            <a:r>
+              <a:rPr lang="ko-KR" altLang="en-US" sz="1600" dirty="0"/>
+              <a:t>는 해당 알고리즘을 쓰면 무한 루프 문제가 걸려 </a:t>
+            </a:r>
+            <a:r>
+              <a:rPr lang="en-US" altLang="ko-KR" sz="1600" dirty="0"/>
+              <a:t>“AS </a:t>
+            </a:r>
+            <a:r>
+              <a:rPr lang="ko-KR" altLang="en-US" sz="1600" dirty="0"/>
+              <a:t>경로 루프 방지</a:t>
+            </a:r>
+            <a:r>
+              <a:rPr lang="en-US" altLang="ko-KR" sz="1600" dirty="0"/>
+              <a:t>” </a:t>
+            </a:r>
+            <a:r>
+              <a:rPr lang="ko-KR" altLang="en-US" sz="1600" dirty="0"/>
+              <a:t>메커니즘을 사용합니다</a:t>
+            </a:r>
           </a:p>
         </p:txBody>
       </p:sp>
+      <p:pic>
+        <p:nvPicPr>
+          <p:cNvPr id="5" name="그림 4" descr="원, 도표, 스크린샷이(가) 표시된 사진&#10;&#10;자동 생성된 설명">
+            <a:extLst>
+              <a:ext uri="{FF2B5EF4-FFF2-40B4-BE49-F238E27FC236}">
+                <a16:creationId xmlns:a16="http://schemas.microsoft.com/office/drawing/2014/main" id="{DC7DE451-651C-46F9-6873-AF067472F645}"/>
+              </a:ext>
+            </a:extLst>
+          </p:cNvPr>
+          <p:cNvPicPr>
+            <a:picLocks noChangeAspect="1"/>
+          </p:cNvPicPr>
+          <p:nvPr/>
+        </p:nvPicPr>
+        <p:blipFill rotWithShape="1">
+          <a:blip r:embed="rId2">
+            <a:extLst>
+              <a:ext uri="{28A0092B-C50C-407E-A947-70E740481C1C}">
+                <a14:useLocalDpi xmlns:a14="http://schemas.microsoft.com/office/drawing/2010/main" val="0"/>
+              </a:ext>
+            </a:extLst>
+          </a:blip>
+          <a:srcRect t="4394" b="6645"/>
+          <a:stretch/>
+        </p:blipFill>
+        <p:spPr>
+          <a:xfrm>
+            <a:off x="6653100" y="4501203"/>
+            <a:ext cx="5463822" cy="1911392"/>
+          </a:xfrm>
+          <a:prstGeom prst="rect">
+            <a:avLst/>
+          </a:prstGeom>
+        </p:spPr>
+      </p:pic>
     </p:spTree>
     <p:extLst>
       <p:ext uri="{BB962C8B-B14F-4D97-AF65-F5344CB8AC3E}">
-        <p14:creationId xmlns:p14="http://schemas.microsoft.com/office/powerpoint/2010/main" val="3920241493"/>
+        <p14:creationId xmlns:p14="http://schemas.microsoft.com/office/powerpoint/2010/main" val="444810247"/>
       </p:ext>
     </p:extLst>
   </p:cSld>
@@ -6703,10 +8744,201 @@
           <a:bodyPr/>
           <a:lstStyle/>
           <a:p>
-            <a:endParaRPr lang="ko-KR" altLang="en-US"/>
+            <a:r>
+              <a:rPr lang="ko-KR" altLang="en-US" sz="1600" dirty="0"/>
+              <a:t>기존의 </a:t>
+            </a:r>
+            <a:r>
+              <a:rPr lang="en-US" altLang="ko-KR" sz="1600" dirty="0"/>
+              <a:t>IPv4</a:t>
+            </a:r>
+            <a:r>
+              <a:rPr lang="ko-KR" altLang="en-US" sz="1600" dirty="0"/>
+              <a:t>가 대중화 되고나서 사용자가 많아지기 시작하고</a:t>
+            </a:r>
+            <a:r>
+              <a:rPr lang="en-US" altLang="ko-KR" sz="1600" dirty="0"/>
+              <a:t>,</a:t>
+            </a:r>
+            <a:br>
+              <a:rPr lang="en-US" altLang="ko-KR" sz="1600" dirty="0"/>
+            </a:br>
+            <a:r>
+              <a:rPr lang="ko-KR" altLang="en-US" sz="1600" dirty="0"/>
+              <a:t>오늘날에는 </a:t>
+            </a:r>
+            <a:r>
+              <a:rPr lang="en-US" altLang="ko-KR" sz="1600" dirty="0"/>
+              <a:t>43</a:t>
+            </a:r>
+            <a:r>
+              <a:rPr lang="ko-KR" altLang="en-US" sz="1600" dirty="0"/>
+              <a:t>억에 준하는 장치들이 사용되고 있습니다</a:t>
+            </a:r>
+            <a:endParaRPr lang="en-US" altLang="ko-KR" sz="1600" dirty="0"/>
+          </a:p>
+          <a:p>
+            <a:r>
+              <a:rPr lang="en-US" altLang="ko-KR" sz="1600" dirty="0"/>
+              <a:t>IPv6</a:t>
+            </a:r>
+            <a:r>
+              <a:rPr lang="ko-KR" altLang="en-US" sz="1600" dirty="0"/>
+              <a:t>은 </a:t>
+            </a:r>
+            <a:r>
+              <a:rPr lang="en-US" altLang="ko-KR" sz="1600" dirty="0"/>
+              <a:t>IPv4</a:t>
+            </a:r>
+            <a:r>
+              <a:rPr lang="ko-KR" altLang="en-US" sz="1600" dirty="0"/>
+              <a:t>의 구조를 대부분 가져오되</a:t>
+            </a:r>
+            <a:r>
+              <a:rPr lang="en-US" altLang="ko-KR" sz="1600" dirty="0"/>
+              <a:t>,</a:t>
+            </a:r>
+            <a:br>
+              <a:rPr lang="en-US" altLang="ko-KR" sz="1600" dirty="0"/>
+            </a:br>
+            <a:r>
+              <a:rPr lang="ko-KR" altLang="en-US" sz="1600" dirty="0"/>
+              <a:t>경우의 수를 </a:t>
+            </a:r>
+            <a:r>
+              <a:rPr lang="en-US" altLang="ko-KR" sz="1600" dirty="0"/>
+              <a:t>256^4</a:t>
+            </a:r>
+            <a:r>
+              <a:rPr lang="ko-KR" altLang="en-US" sz="1600" dirty="0"/>
+              <a:t>에서 </a:t>
+            </a:r>
+            <a:r>
+              <a:rPr lang="en-US" altLang="ko-KR" sz="1600" dirty="0"/>
+              <a:t>(256^4)^4</a:t>
+            </a:r>
+            <a:r>
+              <a:rPr lang="ko-KR" altLang="en-US" sz="1600" dirty="0"/>
+              <a:t>으로 늘린 주소 체계입니다</a:t>
+            </a:r>
+            <a:endParaRPr lang="en-US" altLang="ko-KR" sz="1600" dirty="0"/>
+          </a:p>
+          <a:p>
+            <a:r>
+              <a:rPr lang="en-US" altLang="ko-KR" sz="1600" dirty="0"/>
+              <a:t>IPv6</a:t>
+            </a:r>
+            <a:r>
+              <a:rPr lang="ko-KR" altLang="en-US" sz="1600" dirty="0"/>
+              <a:t>는 기본적으로 브로드 캐스트와</a:t>
+            </a:r>
+            <a:r>
+              <a:rPr lang="en-US" altLang="ko-KR" sz="1600" dirty="0"/>
+              <a:t> </a:t>
+            </a:r>
+            <a:r>
+              <a:rPr lang="ko-KR" altLang="en-US" sz="1600" dirty="0"/>
+              <a:t>사설</a:t>
+            </a:r>
+            <a:r>
+              <a:rPr lang="en-US" altLang="ko-KR" sz="1600" dirty="0"/>
+              <a:t>IP</a:t>
+            </a:r>
+            <a:r>
+              <a:rPr lang="ko-KR" altLang="en-US" sz="1600" dirty="0"/>
+              <a:t>의 개념을</a:t>
+            </a:r>
+            <a:br>
+              <a:rPr lang="en-US" altLang="ko-KR" sz="1600" dirty="0"/>
+            </a:br>
+            <a:r>
+              <a:rPr lang="ko-KR" altLang="en-US" sz="1600" dirty="0"/>
+              <a:t>쓰지 않고</a:t>
+            </a:r>
+            <a:r>
+              <a:rPr lang="en-US" altLang="ko-KR" sz="1600" dirty="0"/>
+              <a:t>, One-to-One </a:t>
+            </a:r>
+            <a:r>
+              <a:rPr lang="ko-KR" altLang="en-US" sz="1600" dirty="0"/>
+              <a:t>또는 멀티캐스트 까지만</a:t>
+            </a:r>
+            <a:br>
+              <a:rPr lang="en-US" altLang="ko-KR" sz="1600" dirty="0"/>
+            </a:br>
+            <a:r>
+              <a:rPr lang="ko-KR" altLang="en-US" sz="1600" dirty="0"/>
+              <a:t>사용하는 것을 버전 표준으로 지정 했습니다</a:t>
+            </a:r>
           </a:p>
         </p:txBody>
       </p:sp>
+      <p:pic>
+        <p:nvPicPr>
+          <p:cNvPr id="5" name="그림 4" descr="텍스트, 스크린샷, 평행, 직사각형이(가) 표시된 사진&#10;&#10;자동 생성된 설명">
+            <a:extLst>
+              <a:ext uri="{FF2B5EF4-FFF2-40B4-BE49-F238E27FC236}">
+                <a16:creationId xmlns:a16="http://schemas.microsoft.com/office/drawing/2014/main" id="{69791D58-9E43-FA23-862E-B28043BA76AB}"/>
+              </a:ext>
+            </a:extLst>
+          </p:cNvPr>
+          <p:cNvPicPr>
+            <a:picLocks noChangeAspect="1"/>
+          </p:cNvPicPr>
+          <p:nvPr/>
+        </p:nvPicPr>
+        <p:blipFill>
+          <a:blip r:embed="rId2">
+            <a:extLst>
+              <a:ext uri="{28A0092B-C50C-407E-A947-70E740481C1C}">
+                <a14:useLocalDpi xmlns:a14="http://schemas.microsoft.com/office/drawing/2010/main" val="0"/>
+              </a:ext>
+            </a:extLst>
+          </a:blip>
+          <a:stretch>
+            <a:fillRect/>
+          </a:stretch>
+        </p:blipFill>
+        <p:spPr>
+          <a:xfrm>
+            <a:off x="2214154" y="4081784"/>
+            <a:ext cx="4789168" cy="2691843"/>
+          </a:xfrm>
+          <a:prstGeom prst="rect">
+            <a:avLst/>
+          </a:prstGeom>
+        </p:spPr>
+      </p:pic>
+      <p:pic>
+        <p:nvPicPr>
+          <p:cNvPr id="7" name="그림 6">
+            <a:extLst>
+              <a:ext uri="{FF2B5EF4-FFF2-40B4-BE49-F238E27FC236}">
+                <a16:creationId xmlns:a16="http://schemas.microsoft.com/office/drawing/2014/main" id="{E562D6DE-4AB0-E0D2-787C-9178305ED6AB}"/>
+              </a:ext>
+            </a:extLst>
+          </p:cNvPr>
+          <p:cNvPicPr>
+            <a:picLocks noChangeAspect="1"/>
+          </p:cNvPicPr>
+          <p:nvPr/>
+        </p:nvPicPr>
+        <p:blipFill>
+          <a:blip r:embed="rId3"/>
+          <a:stretch>
+            <a:fillRect/>
+          </a:stretch>
+        </p:blipFill>
+        <p:spPr>
+          <a:xfrm>
+            <a:off x="7067005" y="2164716"/>
+            <a:ext cx="5062633" cy="4621823"/>
+          </a:xfrm>
+          <a:prstGeom prst="rect">
+            <a:avLst/>
+          </a:prstGeom>
+        </p:spPr>
+      </p:pic>
     </p:spTree>
     <p:extLst>
       <p:ext uri="{BB962C8B-B14F-4D97-AF65-F5344CB8AC3E}">
@@ -6980,7 +9212,294 @@
           <a:bodyPr/>
           <a:lstStyle/>
           <a:p>
-            <a:endParaRPr lang="ko-KR" altLang="en-US"/>
+            <a:r>
+              <a:rPr lang="ko-KR" altLang="en-US" sz="1600" dirty="0"/>
+              <a:t>링크 계층</a:t>
+            </a:r>
+            <a:r>
+              <a:rPr lang="en-US" altLang="ko-KR" sz="1600" dirty="0"/>
+              <a:t>(Link Layer)</a:t>
+            </a:r>
+            <a:r>
+              <a:rPr lang="ko-KR" altLang="en-US" sz="1600" dirty="0"/>
+              <a:t>은 </a:t>
+            </a:r>
+            <a:r>
+              <a:rPr lang="en-US" altLang="ko-KR" sz="1600" dirty="0"/>
+              <a:t>L3</a:t>
+            </a:r>
+            <a:r>
+              <a:rPr lang="ko-KR" altLang="en-US" sz="1600" dirty="0"/>
+              <a:t>계층의 주소 구별 단계와 </a:t>
+            </a:r>
+            <a:r>
+              <a:rPr lang="en-US" altLang="ko-KR" sz="1600" dirty="0"/>
+              <a:t>L1 </a:t>
+            </a:r>
+            <a:r>
+              <a:rPr lang="ko-KR" altLang="en-US" sz="1600" dirty="0"/>
+              <a:t>물리적 전송 장치 사이에 있는</a:t>
+            </a:r>
+            <a:r>
+              <a:rPr lang="en-US" altLang="ko-KR" sz="1600" dirty="0"/>
+              <a:t> </a:t>
+            </a:r>
+            <a:r>
+              <a:rPr lang="ko-KR" altLang="en-US" sz="1600" dirty="0"/>
+              <a:t>계층으로</a:t>
+            </a:r>
+            <a:r>
+              <a:rPr lang="en-US" altLang="ko-KR" sz="1600" dirty="0"/>
+              <a:t>,</a:t>
+            </a:r>
+            <a:br>
+              <a:rPr lang="en-US" altLang="ko-KR" sz="1600" dirty="0"/>
+            </a:br>
+            <a:r>
+              <a:rPr lang="ko-KR" altLang="en-US" sz="1600" dirty="0"/>
+              <a:t>물리적으로 연결 된 두 장치의 데이터를 </a:t>
+            </a:r>
+            <a:r>
+              <a:rPr lang="en-US" altLang="ko-KR" sz="1600" dirty="0"/>
+              <a:t>L1</a:t>
+            </a:r>
+            <a:r>
+              <a:rPr lang="ko-KR" altLang="en-US" sz="1600" dirty="0"/>
+              <a:t>으로 부터 가져와서 장치가 사용 가능하게 변환하고</a:t>
+            </a:r>
+            <a:br>
+              <a:rPr lang="en-US" altLang="ko-KR" sz="1600" dirty="0"/>
+            </a:br>
+            <a:r>
+              <a:rPr lang="ko-KR" altLang="en-US" sz="1600" dirty="0"/>
+              <a:t>가장 먼저 오류 검출이나 스위치의 접근제어를 수행하여 효율성도 챙기는 계층이라 볼 수 있습니다</a:t>
+            </a:r>
+            <a:endParaRPr lang="en-US" altLang="ko-KR" sz="1600" dirty="0"/>
+          </a:p>
+          <a:p>
+            <a:r>
+              <a:rPr lang="en-US" altLang="ko-KR" sz="1600" dirty="0"/>
+              <a:t>L2</a:t>
+            </a:r>
+            <a:r>
+              <a:rPr lang="ko-KR" altLang="en-US" sz="1600" dirty="0"/>
+              <a:t>계층 프로토콜을 사용하는 장치들을 노드</a:t>
+            </a:r>
+            <a:r>
+              <a:rPr lang="en-US" altLang="ko-KR" sz="1600" dirty="0"/>
+              <a:t>(Node)</a:t>
+            </a:r>
+            <a:r>
+              <a:rPr lang="ko-KR" altLang="en-US" sz="1600" dirty="0"/>
+              <a:t>라고 표현하고</a:t>
+            </a:r>
+            <a:br>
+              <a:rPr lang="en-US" altLang="ko-KR" sz="1600" dirty="0"/>
+            </a:br>
+            <a:r>
+              <a:rPr lang="ko-KR" altLang="en-US" sz="1600" dirty="0"/>
+              <a:t>노드를 연결하는 통신채널을 링크</a:t>
+            </a:r>
+            <a:r>
+              <a:rPr lang="en-US" altLang="ko-KR" sz="1600" dirty="0"/>
+              <a:t>(Link)</a:t>
+            </a:r>
+            <a:r>
+              <a:rPr lang="ko-KR" altLang="en-US" sz="1600" dirty="0"/>
+              <a:t>라고 표현합니다</a:t>
+            </a:r>
+            <a:endParaRPr lang="en-US" altLang="ko-KR" sz="1600" dirty="0"/>
+          </a:p>
+          <a:p>
+            <a:r>
+              <a:rPr lang="en-US" altLang="ko-KR" sz="1600" dirty="0"/>
+              <a:t>L2</a:t>
+            </a:r>
+            <a:r>
+              <a:rPr lang="ko-KR" altLang="en-US" sz="1600" dirty="0"/>
+              <a:t>계층에서 제공하는 서비스는 다음과 같습니다</a:t>
+            </a:r>
+            <a:endParaRPr lang="en-US" altLang="ko-KR" sz="1600" dirty="0"/>
+          </a:p>
+          <a:p>
+            <a:pPr marL="342900" indent="-342900">
+              <a:buFont typeface="+mj-lt"/>
+              <a:buAutoNum type="arabicPeriod"/>
+            </a:pPr>
+            <a:r>
+              <a:rPr lang="ko-KR" altLang="en-US" sz="1600" dirty="0"/>
+              <a:t>프레임 화</a:t>
+            </a:r>
+            <a:r>
+              <a:rPr lang="en-US" altLang="ko-KR" sz="1600" dirty="0"/>
+              <a:t>(Framing)</a:t>
+            </a:r>
+            <a:r>
+              <a:rPr lang="ko-KR" altLang="en-US" sz="1600" dirty="0"/>
+              <a:t>는</a:t>
+            </a:r>
+            <a:r>
+              <a:rPr lang="en-US" altLang="ko-KR" sz="1600" dirty="0"/>
+              <a:t> L3</a:t>
+            </a:r>
+            <a:r>
+              <a:rPr lang="ko-KR" altLang="en-US" sz="1600" dirty="0"/>
+              <a:t>에서 받는 데이터 그램을 프레임</a:t>
+            </a:r>
+            <a:r>
+              <a:rPr lang="en-US" altLang="ko-KR" sz="1600" dirty="0"/>
+              <a:t>(L2 PDU)</a:t>
+            </a:r>
+            <a:r>
+              <a:rPr lang="ko-KR" altLang="en-US" sz="1600" dirty="0"/>
+              <a:t>로 씌운 다음</a:t>
+            </a:r>
+            <a:r>
+              <a:rPr lang="en-US" altLang="ko-KR" sz="1600" dirty="0"/>
+              <a:t>,</a:t>
+            </a:r>
+            <a:br>
+              <a:rPr lang="en-US" altLang="ko-KR" sz="1600" dirty="0"/>
+            </a:br>
+            <a:r>
+              <a:rPr lang="en-US" altLang="ko-KR" sz="1600" dirty="0"/>
+              <a:t>L1</a:t>
+            </a:r>
+            <a:r>
+              <a:rPr lang="ko-KR" altLang="en-US" sz="1600" dirty="0"/>
+              <a:t>에게 비트의 형태로</a:t>
+            </a:r>
+            <a:r>
+              <a:rPr lang="en-US" altLang="ko-KR" sz="1600" dirty="0"/>
+              <a:t> </a:t>
+            </a:r>
+            <a:r>
+              <a:rPr lang="ko-KR" altLang="en-US" sz="1600" dirty="0"/>
+              <a:t>전송</a:t>
+            </a:r>
+            <a:r>
+              <a:rPr lang="en-US" altLang="ko-KR" sz="1600" dirty="0"/>
+              <a:t> (</a:t>
+            </a:r>
+            <a:r>
+              <a:rPr lang="ko-KR" altLang="en-US" sz="1600" dirty="0"/>
+              <a:t>반대도 이하 동일</a:t>
+            </a:r>
+            <a:r>
+              <a:rPr lang="en-US" altLang="ko-KR" sz="1600" dirty="0"/>
+              <a:t>)</a:t>
+            </a:r>
+          </a:p>
+          <a:p>
+            <a:pPr marL="342900" indent="-342900">
+              <a:buFont typeface="+mj-lt"/>
+              <a:buAutoNum type="arabicPeriod"/>
+            </a:pPr>
+            <a:r>
+              <a:rPr lang="ko-KR" altLang="en-US" sz="1600" dirty="0"/>
+              <a:t>링크 접근</a:t>
+            </a:r>
+            <a:r>
+              <a:rPr lang="en-US" altLang="ko-KR" sz="1600" dirty="0"/>
+              <a:t>(Link Access)</a:t>
+            </a:r>
+            <a:r>
+              <a:rPr lang="ko-KR" altLang="en-US" sz="1600" dirty="0"/>
+              <a:t>은 여러 노드가 하나의 링크를 공유 할 때</a:t>
+            </a:r>
+            <a:r>
+              <a:rPr lang="en-US" altLang="ko-KR" sz="1600" dirty="0"/>
+              <a:t>,</a:t>
+            </a:r>
+            <a:br>
+              <a:rPr lang="en-US" altLang="ko-KR" sz="1600" dirty="0"/>
+            </a:br>
+            <a:r>
+              <a:rPr lang="ko-KR" altLang="en-US" sz="1600" dirty="0"/>
+              <a:t>각 노드가 해당 링크를 효율적으로 사용하기 위한 방법을 제공합니다 </a:t>
+            </a:r>
+            <a:r>
+              <a:rPr lang="en-US" altLang="ko-KR" sz="1600" dirty="0"/>
+              <a:t>(</a:t>
+            </a:r>
+            <a:r>
+              <a:rPr lang="ko-KR" altLang="en-US" sz="1600" dirty="0"/>
+              <a:t>예를 들어 </a:t>
+            </a:r>
+            <a:r>
+              <a:rPr lang="en-US" altLang="ko-KR" sz="1600" dirty="0"/>
+              <a:t>MAC</a:t>
+            </a:r>
+            <a:r>
+              <a:rPr lang="ko-KR" altLang="en-US" sz="1600" dirty="0"/>
+              <a:t>등이 있습니다</a:t>
+            </a:r>
+            <a:r>
+              <a:rPr lang="en-US" altLang="ko-KR" sz="1600" dirty="0"/>
+              <a:t>)</a:t>
+            </a:r>
+          </a:p>
+          <a:p>
+            <a:pPr marL="342900" indent="-342900">
+              <a:buFont typeface="+mj-lt"/>
+              <a:buAutoNum type="arabicPeriod"/>
+            </a:pPr>
+            <a:r>
+              <a:rPr lang="ko-KR" altLang="en-US" sz="1600" dirty="0"/>
+              <a:t>신뢰적 전달</a:t>
+            </a:r>
+            <a:r>
+              <a:rPr lang="en-US" altLang="ko-KR" sz="1600" dirty="0"/>
+              <a:t>(Reliable Delivery)</a:t>
+            </a:r>
+            <a:r>
+              <a:rPr lang="ko-KR" altLang="en-US" sz="1600" dirty="0"/>
+              <a:t>은 송신측 노드로 부터 수신측 노드까지 데이터를 안정적으로</a:t>
+            </a:r>
+            <a:br>
+              <a:rPr lang="en-US" altLang="ko-KR" sz="1600" dirty="0"/>
+            </a:br>
+            <a:r>
+              <a:rPr lang="ko-KR" altLang="en-US" sz="1600" dirty="0"/>
+              <a:t>전달하게 해주는 방법을 제공합니다 </a:t>
+            </a:r>
+            <a:r>
+              <a:rPr lang="en-US" altLang="ko-KR" sz="1600" dirty="0"/>
+              <a:t>(</a:t>
+            </a:r>
+            <a:r>
+              <a:rPr lang="ko-KR" altLang="en-US" sz="1600" dirty="0"/>
+              <a:t>예를 들어 흐름제어 등이 있습니다</a:t>
+            </a:r>
+            <a:r>
+              <a:rPr lang="en-US" altLang="ko-KR" sz="1600" dirty="0"/>
+              <a:t>)</a:t>
+            </a:r>
+          </a:p>
+          <a:p>
+            <a:pPr marL="342900" indent="-342900">
+              <a:buFont typeface="+mj-lt"/>
+              <a:buAutoNum type="arabicPeriod"/>
+            </a:pPr>
+            <a:r>
+              <a:rPr lang="ko-KR" altLang="en-US" sz="1600" dirty="0"/>
+              <a:t>오류 검출 및 정정</a:t>
+            </a:r>
+            <a:r>
+              <a:rPr lang="en-US" altLang="ko-KR" sz="1600" dirty="0"/>
+              <a:t>(Error Detection and Correction)</a:t>
+            </a:r>
+            <a:r>
+              <a:rPr lang="ko-KR" altLang="en-US" sz="1600" dirty="0"/>
+              <a:t>은 데이터 프레임이 비트 단위로 전송이</a:t>
+            </a:r>
+            <a:br>
+              <a:rPr lang="en-US" altLang="ko-KR" sz="1600" dirty="0"/>
+            </a:br>
+            <a:r>
+              <a:rPr lang="ko-KR" altLang="en-US" sz="1600" dirty="0"/>
+              <a:t>이루어 지는 과정에서 생긴 오류를 찾아내고 능력 선에서 수정하는 기능까지 제공합니다</a:t>
+            </a:r>
           </a:p>
         </p:txBody>
       </p:sp>
@@ -7058,15 +9577,367 @@
             <p:ph idx="1"/>
           </p:nvPr>
         </p:nvSpPr>
-        <p:spPr/>
+        <p:spPr>
+          <a:xfrm>
+            <a:off x="762000" y="1765139"/>
+            <a:ext cx="11231388" cy="4898541"/>
+          </a:xfrm>
+        </p:spPr>
         <p:txBody>
           <a:bodyPr/>
           <a:lstStyle/>
           <a:p>
-            <a:endParaRPr lang="ko-KR" altLang="en-US"/>
+            <a:r>
+              <a:rPr lang="en-US" altLang="ko-KR" sz="1600" dirty="0"/>
+              <a:t>L2 </a:t>
+            </a:r>
+            <a:r>
+              <a:rPr lang="ko-KR" altLang="en-US" sz="1600" dirty="0"/>
+              <a:t>계층은 가장 먼저 오류 검출을 수행하면서도 비트단위의 전송에서 생긴 오류일 가능성이 높아</a:t>
+            </a:r>
+            <a:br>
+              <a:rPr lang="en-US" altLang="ko-KR" sz="1600" dirty="0"/>
+            </a:br>
+            <a:r>
+              <a:rPr lang="ko-KR" altLang="en-US" sz="1600" dirty="0"/>
+              <a:t>오류 검출 기법 또한 중요한 장치라 볼 수 있습니다</a:t>
+            </a:r>
+            <a:endParaRPr lang="en-US" altLang="ko-KR" sz="1600" dirty="0"/>
+          </a:p>
+          <a:p>
+            <a:pPr marL="342900" indent="-342900">
+              <a:buFont typeface="+mj-lt"/>
+              <a:buAutoNum type="arabicPeriod"/>
+            </a:pPr>
+            <a:r>
+              <a:rPr lang="ko-KR" altLang="en-US" sz="1600" dirty="0"/>
+              <a:t>오류 검출</a:t>
+            </a:r>
+            <a:r>
+              <a:rPr lang="en-US" altLang="ko-KR" sz="1600" dirty="0"/>
+              <a:t>(Error Detection) : </a:t>
+            </a:r>
+            <a:r>
+              <a:rPr lang="ko-KR" altLang="en-US" sz="1600" dirty="0"/>
+              <a:t>프레임의 헤더에 포함된 오류 검출용 정보들을 사용하여</a:t>
+            </a:r>
+            <a:br>
+              <a:rPr lang="en-US" altLang="ko-KR" sz="1600" dirty="0"/>
+            </a:br>
+            <a:r>
+              <a:rPr lang="ko-KR" altLang="en-US" sz="1600" dirty="0"/>
+              <a:t>프레임 송수신 간에 발생한 오류를 검출할 수 있습니다</a:t>
+            </a:r>
+            <a:endParaRPr lang="en-US" altLang="ko-KR" sz="1600" dirty="0"/>
+          </a:p>
+          <a:p>
+            <a:pPr marL="342900" indent="-342900">
+              <a:buFont typeface="+mj-lt"/>
+              <a:buAutoNum type="arabicPeriod"/>
+            </a:pPr>
+            <a:r>
+              <a:rPr lang="ko-KR" altLang="en-US" sz="1600" dirty="0"/>
+              <a:t>오류 정정</a:t>
+            </a:r>
+            <a:r>
+              <a:rPr lang="en-US" altLang="ko-KR" sz="1600" dirty="0"/>
+              <a:t>(Error Correction) : </a:t>
+            </a:r>
+            <a:r>
+              <a:rPr lang="ko-KR" altLang="en-US" sz="1600" dirty="0"/>
+              <a:t>오류 검출 후 검출된 오류에 대해</a:t>
+            </a:r>
+            <a:br>
+              <a:rPr lang="en-US" altLang="ko-KR" sz="1600" dirty="0"/>
+            </a:br>
+            <a:r>
+              <a:rPr lang="ko-KR" altLang="en-US" sz="1600" dirty="0"/>
+              <a:t>추가적인 오류 정정 코드를 사용하여 데이터를 일부 복구 할 수 있는 기능을 제공합니다</a:t>
+            </a:r>
+            <a:endParaRPr lang="en-US" altLang="ko-KR" sz="1600" dirty="0"/>
+          </a:p>
+          <a:p>
+            <a:r>
+              <a:rPr lang="ko-KR" altLang="en-US" sz="1600" dirty="0"/>
+              <a:t>다음 두 가지는 </a:t>
+            </a:r>
+            <a:r>
+              <a:rPr lang="en-US" altLang="ko-KR" sz="1600" dirty="0"/>
+              <a:t>L2 </a:t>
+            </a:r>
+            <a:r>
+              <a:rPr lang="ko-KR" altLang="en-US" sz="1600" dirty="0"/>
+              <a:t>계층에서 쓰이는 오류 검출 및 정정 기법들 입니다</a:t>
+            </a:r>
+            <a:endParaRPr lang="en-US" altLang="ko-KR" sz="1600" dirty="0"/>
+          </a:p>
+          <a:p>
+            <a:pPr marL="342900" indent="-342900">
+              <a:buFont typeface="+mj-lt"/>
+              <a:buAutoNum type="arabicPeriod"/>
+            </a:pPr>
+            <a:r>
+              <a:rPr lang="ko-KR" altLang="en-US" sz="1600" dirty="0"/>
+              <a:t>패리티 검사</a:t>
+            </a:r>
+            <a:r>
+              <a:rPr lang="en-US" altLang="ko-KR" sz="1600" dirty="0"/>
+              <a:t>(Parity Check): </a:t>
+            </a:r>
+            <a:r>
+              <a:rPr lang="ko-KR" altLang="en-US" sz="1600" dirty="0"/>
+              <a:t>짝수 또는 홀수 패리티 비트를 미리 구한다음</a:t>
+            </a:r>
+            <a:r>
+              <a:rPr lang="en-US" altLang="ko-KR" sz="1600" dirty="0"/>
+              <a:t>,</a:t>
+            </a:r>
+            <a:br>
+              <a:rPr lang="en-US" altLang="ko-KR" sz="1600" dirty="0"/>
+            </a:br>
+            <a:r>
+              <a:rPr lang="ko-KR" altLang="en-US" sz="1600" dirty="0"/>
+              <a:t>패리티비트를 사용하여 오류를 검출 할 수 있습니다</a:t>
+            </a:r>
+            <a:br>
+              <a:rPr lang="en-US" altLang="ko-KR" sz="1600" dirty="0"/>
+            </a:br>
+            <a:r>
+              <a:rPr lang="ko-KR" altLang="en-US" sz="1600" dirty="0"/>
+              <a:t>패리티비트는 </a:t>
+            </a:r>
+            <a:r>
+              <a:rPr lang="en-US" altLang="ko-KR" sz="1600" dirty="0"/>
+              <a:t>1</a:t>
+            </a:r>
+            <a:r>
+              <a:rPr lang="ko-KR" altLang="en-US" sz="1600" dirty="0"/>
+              <a:t>차원도 되지만 정정기술까지 쓰려면</a:t>
+            </a:r>
+            <a:r>
+              <a:rPr lang="en-US" altLang="ko-KR" sz="1600" dirty="0"/>
+              <a:t> 2</a:t>
+            </a:r>
+            <a:r>
+              <a:rPr lang="ko-KR" altLang="en-US" sz="1600" dirty="0"/>
+              <a:t>차원 패리티를 사용하여</a:t>
+            </a:r>
+            <a:br>
+              <a:rPr lang="en-US" altLang="ko-KR" sz="1600" dirty="0"/>
+            </a:br>
+            <a:r>
+              <a:rPr lang="ko-KR" altLang="en-US" sz="1600" dirty="0"/>
+              <a:t>가로세로를 둘 다 검증하면 정정시도도 어느정도 해볼 수 있을 것입니다</a:t>
+            </a:r>
+            <a:endParaRPr lang="en-US" altLang="ko-KR" sz="1600" dirty="0"/>
+          </a:p>
+          <a:p>
+            <a:pPr marL="342900" indent="-342900">
+              <a:buFont typeface="+mj-lt"/>
+              <a:buAutoNum type="arabicPeriod"/>
+            </a:pPr>
+            <a:r>
+              <a:rPr lang="ko-KR" altLang="en-US" sz="1600" dirty="0"/>
+              <a:t>순환 중복 검사</a:t>
+            </a:r>
+            <a:r>
+              <a:rPr lang="en-US" altLang="ko-KR" sz="1600" dirty="0"/>
+              <a:t>(Cyclic Redundancy Check, CRC): </a:t>
+            </a:r>
+            <a:r>
+              <a:rPr lang="ko-KR" altLang="en-US" sz="1600" dirty="0"/>
+              <a:t>프레임 가장 우측에 </a:t>
+            </a:r>
+            <a:r>
+              <a:rPr lang="en-US" altLang="ko-KR" sz="1600" dirty="0"/>
+              <a:t>4</a:t>
+            </a:r>
+            <a:r>
+              <a:rPr lang="ko-KR" altLang="en-US" sz="1600" dirty="0"/>
+              <a:t>바이트 블록을 추가하여</a:t>
+            </a:r>
+            <a:r>
+              <a:rPr lang="en-US" altLang="ko-KR" sz="1600" dirty="0"/>
+              <a:t>,</a:t>
+            </a:r>
+            <a:br>
+              <a:rPr lang="en-US" altLang="ko-KR" sz="1600" dirty="0"/>
+            </a:br>
+            <a:r>
+              <a:rPr lang="ko-KR" altLang="en-US" sz="1600" dirty="0"/>
+              <a:t>생성자 다항식 </a:t>
+            </a:r>
+            <a:r>
+              <a:rPr lang="en-US" altLang="ko-KR" sz="1600" dirty="0"/>
+              <a:t>G</a:t>
+            </a:r>
+            <a:r>
+              <a:rPr lang="ko-KR" altLang="en-US" sz="1600" dirty="0"/>
+              <a:t>를 공유하고 있고</a:t>
+            </a:r>
+            <a:r>
+              <a:rPr lang="en-US" altLang="ko-KR" sz="1600" dirty="0"/>
+              <a:t>, </a:t>
+            </a:r>
+            <a:r>
+              <a:rPr lang="ko-KR" altLang="en-US" sz="1600" dirty="0"/>
+              <a:t>전송 전체 데이터를 </a:t>
+            </a:r>
+            <a:r>
+              <a:rPr lang="en-US" altLang="ko-KR" sz="1600" dirty="0"/>
+              <a:t>D</a:t>
+            </a:r>
+            <a:r>
+              <a:rPr lang="ko-KR" altLang="en-US" sz="1600" dirty="0"/>
+              <a:t>로 할 때</a:t>
+            </a:r>
+            <a:r>
+              <a:rPr lang="en-US" altLang="ko-KR" sz="1600" dirty="0"/>
+              <a:t>, D</a:t>
+            </a:r>
+            <a:r>
+              <a:rPr lang="ko-KR" altLang="en-US" sz="1600" dirty="0"/>
+              <a:t>를 </a:t>
+            </a:r>
+            <a:r>
+              <a:rPr lang="en-US" altLang="ko-KR" sz="1600" dirty="0"/>
+              <a:t>G</a:t>
+            </a:r>
+            <a:r>
+              <a:rPr lang="ko-KR" altLang="en-US" sz="1600" dirty="0"/>
+              <a:t>로 </a:t>
+            </a:r>
+            <a:r>
+              <a:rPr lang="en-US" altLang="ko-KR" sz="1600" dirty="0"/>
+              <a:t>“XOR </a:t>
+            </a:r>
+            <a:r>
+              <a:rPr lang="ko-KR" altLang="en-US" sz="1600" dirty="0"/>
+              <a:t>나눗셈</a:t>
+            </a:r>
+            <a:r>
+              <a:rPr lang="en-US" altLang="ko-KR" sz="1600" dirty="0"/>
+              <a:t>”</a:t>
+            </a:r>
+            <a:r>
+              <a:rPr lang="ko-KR" altLang="en-US" sz="1600" dirty="0"/>
+              <a:t>을 수행하여</a:t>
+            </a:r>
+            <a:br>
+              <a:rPr lang="en-US" altLang="ko-KR" sz="1600" dirty="0"/>
+            </a:br>
+            <a:r>
+              <a:rPr lang="ko-KR" altLang="en-US" sz="1600" dirty="0"/>
+              <a:t>나온 나머지를 </a:t>
+            </a:r>
+            <a:r>
+              <a:rPr lang="en-US" altLang="ko-KR" sz="1600" dirty="0"/>
+              <a:t>R</a:t>
+            </a:r>
+            <a:r>
+              <a:rPr lang="ko-KR" altLang="en-US" sz="1600" dirty="0"/>
+              <a:t>이라 한다면</a:t>
+            </a:r>
+            <a:r>
+              <a:rPr lang="en-US" altLang="ko-KR" sz="1600" dirty="0"/>
+              <a:t>, 4</a:t>
+            </a:r>
+            <a:r>
+              <a:rPr lang="ko-KR" altLang="en-US" sz="1600" dirty="0"/>
+              <a:t>바이트 블록에는 </a:t>
+            </a:r>
+            <a:r>
+              <a:rPr lang="en-US" altLang="ko-KR" sz="1600" dirty="0"/>
+              <a:t>R</a:t>
+            </a:r>
+            <a:r>
+              <a:rPr lang="ko-KR" altLang="en-US" sz="1600" dirty="0"/>
+              <a:t>이 들어가 전송이 되면</a:t>
+            </a:r>
+            <a:r>
+              <a:rPr lang="en-US" altLang="ko-KR" sz="1600" dirty="0"/>
+              <a:t>,</a:t>
+            </a:r>
+            <a:br>
+              <a:rPr lang="en-US" altLang="ko-KR" sz="1600" dirty="0"/>
+            </a:br>
+            <a:r>
+              <a:rPr lang="ko-KR" altLang="en-US" sz="1600" dirty="0"/>
+              <a:t>수신측은 똑같이 </a:t>
+            </a:r>
+            <a:r>
+              <a:rPr lang="en-US" altLang="ko-KR" sz="1600" dirty="0"/>
+              <a:t>D+R</a:t>
+            </a:r>
+            <a:r>
+              <a:rPr lang="ko-KR" altLang="en-US" sz="1600" dirty="0"/>
+              <a:t>을 </a:t>
+            </a:r>
+            <a:r>
+              <a:rPr lang="en-US" altLang="ko-KR" sz="1600" dirty="0"/>
+              <a:t>G</a:t>
+            </a:r>
+            <a:r>
+              <a:rPr lang="ko-KR" altLang="en-US" sz="1600" dirty="0"/>
+              <a:t>로 </a:t>
+            </a:r>
+            <a:r>
+              <a:rPr lang="en-US" altLang="ko-KR" sz="1600" dirty="0"/>
+              <a:t>XOR </a:t>
+            </a:r>
+            <a:r>
+              <a:rPr lang="ko-KR" altLang="en-US" sz="1600" dirty="0"/>
+              <a:t>나눗셈을 수행하여 나머지가 없으면</a:t>
+            </a:r>
+            <a:r>
+              <a:rPr lang="en-US" altLang="ko-KR" sz="1600" dirty="0"/>
+              <a:t>(0</a:t>
+            </a:r>
+            <a:r>
+              <a:rPr lang="ko-KR" altLang="en-US" sz="1600" dirty="0"/>
+              <a:t>이면</a:t>
+            </a:r>
+            <a:r>
+              <a:rPr lang="en-US" altLang="ko-KR" sz="1600" dirty="0"/>
+              <a:t>) </a:t>
+            </a:r>
+            <a:r>
+              <a:rPr lang="ko-KR" altLang="en-US" sz="1600" dirty="0"/>
+              <a:t>비트의 문제가 없다는 의미입니다</a:t>
+            </a:r>
           </a:p>
         </p:txBody>
       </p:sp>
+      <p:pic>
+        <p:nvPicPr>
+          <p:cNvPr id="5" name="그림 4">
+            <a:extLst>
+              <a:ext uri="{FF2B5EF4-FFF2-40B4-BE49-F238E27FC236}">
+                <a16:creationId xmlns:a16="http://schemas.microsoft.com/office/drawing/2014/main" id="{75FBBBF4-F517-6DBA-C3A6-4ED3DEEA73A8}"/>
+              </a:ext>
+            </a:extLst>
+          </p:cNvPr>
+          <p:cNvPicPr>
+            <a:picLocks noChangeAspect="1"/>
+          </p:cNvPicPr>
+          <p:nvPr/>
+        </p:nvPicPr>
+        <p:blipFill>
+          <a:blip r:embed="rId2"/>
+          <a:stretch>
+            <a:fillRect/>
+          </a:stretch>
+        </p:blipFill>
+        <p:spPr>
+          <a:xfrm>
+            <a:off x="8633505" y="3916330"/>
+            <a:ext cx="3489764" cy="1560891"/>
+          </a:xfrm>
+          <a:prstGeom prst="rect">
+            <a:avLst/>
+          </a:prstGeom>
+        </p:spPr>
+      </p:pic>
     </p:spTree>
     <p:extLst>
       <p:ext uri="{BB962C8B-B14F-4D97-AF65-F5344CB8AC3E}">
@@ -7102,7 +9973,7 @@
           <p:cNvPr id="2" name="제목 1">
             <a:extLst>
               <a:ext uri="{FF2B5EF4-FFF2-40B4-BE49-F238E27FC236}">
-                <a16:creationId xmlns:a16="http://schemas.microsoft.com/office/drawing/2014/main" id="{3967A198-0AB4-6BD8-3F9C-267A3D25065C}"/>
+                <a16:creationId xmlns:a16="http://schemas.microsoft.com/office/drawing/2014/main" id="{0DA8425A-F73B-7348-5982-0916F7004E24}"/>
               </a:ext>
             </a:extLst>
           </p:cNvPr>
@@ -7119,41 +9990,46 @@
           <a:lstStyle/>
           <a:p>
             <a:r>
-              <a:rPr lang="ko-KR" altLang="en-US" dirty="0"/>
-              <a:t>패리티</a:t>
-            </a:r>
+              <a:rPr lang="en-US" altLang="ko-KR" dirty="0"/>
+              <a:t>CRC</a:t>
+            </a:r>
+            <a:endParaRPr lang="ko-KR" altLang="en-US" dirty="0"/>
           </a:p>
         </p:txBody>
       </p:sp>
-      <p:sp>
-        <p:nvSpPr>
-          <p:cNvPr id="3" name="내용 개체 틀 2">
+      <p:pic>
+        <p:nvPicPr>
+          <p:cNvPr id="5" name="내용 개체 틀 4">
             <a:extLst>
               <a:ext uri="{FF2B5EF4-FFF2-40B4-BE49-F238E27FC236}">
-                <a16:creationId xmlns:a16="http://schemas.microsoft.com/office/drawing/2014/main" id="{C0F4B579-EF2D-4EA7-E2FE-2A0CF3099E41}"/>
+                <a16:creationId xmlns:a16="http://schemas.microsoft.com/office/drawing/2014/main" id="{5DDBE917-55E8-4B77-6D5C-125CDD7566BE}"/>
               </a:ext>
             </a:extLst>
           </p:cNvPr>
-          <p:cNvSpPr>
-            <a:spLocks noGrp="1"/>
-          </p:cNvSpPr>
+          <p:cNvPicPr>
+            <a:picLocks noGrp="1" noChangeAspect="1"/>
+          </p:cNvPicPr>
           <p:nvPr>
             <p:ph idx="1"/>
           </p:nvPr>
-        </p:nvSpPr>
-        <p:spPr/>
-        <p:txBody>
-          <a:bodyPr/>
-          <a:lstStyle/>
-          <a:p>
-            <a:endParaRPr lang="ko-KR" altLang="en-US"/>
-          </a:p>
-        </p:txBody>
-      </p:sp>
+        </p:nvPicPr>
+        <p:blipFill>
+          <a:blip r:embed="rId2"/>
+          <a:stretch>
+            <a:fillRect/>
+          </a:stretch>
+        </p:blipFill>
+        <p:spPr>
+          <a:xfrm>
+            <a:off x="2170459" y="1765300"/>
+            <a:ext cx="7851082" cy="4899025"/>
+          </a:xfrm>
+        </p:spPr>
+      </p:pic>
     </p:spTree>
     <p:extLst>
       <p:ext uri="{BB962C8B-B14F-4D97-AF65-F5344CB8AC3E}">
-        <p14:creationId xmlns:p14="http://schemas.microsoft.com/office/powerpoint/2010/main" val="3589956062"/>
+        <p14:creationId xmlns:p14="http://schemas.microsoft.com/office/powerpoint/2010/main" val="2959827140"/>
       </p:ext>
     </p:extLst>
   </p:cSld>
@@ -7185,7 +10061,7 @@
           <p:cNvPr id="2" name="제목 1">
             <a:extLst>
               <a:ext uri="{FF2B5EF4-FFF2-40B4-BE49-F238E27FC236}">
-                <a16:creationId xmlns:a16="http://schemas.microsoft.com/office/drawing/2014/main" id="{9BA432E6-1B3B-A40C-8225-BB6082DF2834}"/>
+                <a16:creationId xmlns:a16="http://schemas.microsoft.com/office/drawing/2014/main" id="{FDA77268-47C0-5813-C4FA-D23815A5A1E0}"/>
               </a:ext>
             </a:extLst>
           </p:cNvPr>
@@ -7202,9 +10078,10 @@
           <a:lstStyle/>
           <a:p>
             <a:r>
-              <a:rPr lang="ko-KR" altLang="en-US" dirty="0"/>
-              <a:t>순환 중복 검사</a:t>
-            </a:r>
+              <a:rPr lang="en-US" altLang="ko-KR" dirty="0"/>
+              <a:t>Ethernet, MAP</a:t>
+            </a:r>
+            <a:endParaRPr lang="ko-KR" altLang="en-US" dirty="0"/>
           </a:p>
         </p:txBody>
       </p:sp>
@@ -7213,7 +10090,7 @@
           <p:cNvPr id="3" name="내용 개체 틀 2">
             <a:extLst>
               <a:ext uri="{FF2B5EF4-FFF2-40B4-BE49-F238E27FC236}">
-                <a16:creationId xmlns:a16="http://schemas.microsoft.com/office/drawing/2014/main" id="{6E0724E2-29F6-92C8-C89F-B3357AFFF4DA}"/>
+                <a16:creationId xmlns:a16="http://schemas.microsoft.com/office/drawing/2014/main" id="{352D1D30-E06A-3FDF-AC6B-E9045CCE7593}"/>
               </a:ext>
             </a:extLst>
           </p:cNvPr>
@@ -7224,19 +10101,331 @@
             <p:ph idx="1"/>
           </p:nvPr>
         </p:nvSpPr>
-        <p:spPr/>
+        <p:spPr>
+          <a:xfrm>
+            <a:off x="762000" y="1765139"/>
+            <a:ext cx="10741742" cy="5030918"/>
+          </a:xfrm>
+        </p:spPr>
         <p:txBody>
           <a:bodyPr/>
           <a:lstStyle/>
           <a:p>
-            <a:endParaRPr lang="ko-KR" altLang="en-US"/>
+            <a:r>
+              <a:rPr lang="ko-KR" altLang="en-US" sz="1600" dirty="0"/>
+              <a:t>이더넷</a:t>
+            </a:r>
+            <a:r>
+              <a:rPr lang="en-US" altLang="ko-KR" sz="1600" dirty="0"/>
+              <a:t>(Ethernet)</a:t>
+            </a:r>
+            <a:r>
+              <a:rPr lang="ko-KR" altLang="en-US" sz="1600" dirty="0"/>
+              <a:t>은 </a:t>
+            </a:r>
+            <a:r>
+              <a:rPr lang="en-US" altLang="ko-KR" sz="1600" dirty="0"/>
+              <a:t>IEEE 802.3</a:t>
+            </a:r>
+            <a:r>
+              <a:rPr lang="ko-KR" altLang="en-US" sz="1600" dirty="0"/>
+              <a:t>그룹에 의해 표준화 된 프로토콜로</a:t>
+            </a:r>
+            <a:r>
+              <a:rPr lang="en-US" altLang="ko-KR" sz="1600" dirty="0"/>
+              <a:t>,</a:t>
+            </a:r>
+            <a:br>
+              <a:rPr lang="en-US" altLang="ko-KR" sz="1600" dirty="0"/>
+            </a:br>
+            <a:r>
+              <a:rPr lang="ko-KR" altLang="en-US" sz="1600" dirty="0"/>
+              <a:t>오늘날 </a:t>
+            </a:r>
+            <a:r>
+              <a:rPr lang="en-US" altLang="ko-KR" sz="1600" dirty="0"/>
+              <a:t>LAN, WAN, UTP, STP</a:t>
+            </a:r>
+            <a:r>
+              <a:rPr lang="ko-KR" altLang="en-US" sz="1600" dirty="0"/>
+              <a:t>를 사용하는 모든 장치는 이더넷 표준을 사용하는 것이라 볼 수 있습니다</a:t>
+            </a:r>
+            <a:br>
+              <a:rPr lang="en-US" altLang="ko-KR" sz="1600" dirty="0"/>
+            </a:br>
+            <a:r>
+              <a:rPr lang="en-US" altLang="ko-KR" sz="1600" dirty="0"/>
+              <a:t>(</a:t>
+            </a:r>
+            <a:r>
+              <a:rPr lang="ko-KR" altLang="en-US" sz="1600" dirty="0"/>
+              <a:t>이는 휴대전화나 포터블 기기 중에서 랜 선을 물릴 수 없는 장치는 이더넷을 쓰지 않는 경우가 됩니다</a:t>
+            </a:r>
+            <a:r>
+              <a:rPr lang="en-US" altLang="ko-KR" sz="1600" dirty="0"/>
+              <a:t>)</a:t>
+            </a:r>
+          </a:p>
+          <a:p>
+            <a:r>
+              <a:rPr lang="ko-KR" altLang="en-US" sz="1600" dirty="0"/>
+              <a:t>이더넷은 최초 </a:t>
+            </a:r>
+            <a:r>
+              <a:rPr lang="en-US" altLang="ko-KR" sz="1600" dirty="0"/>
+              <a:t>10 Mbps</a:t>
+            </a:r>
+            <a:r>
+              <a:rPr lang="ko-KR" altLang="en-US" sz="1600" dirty="0"/>
+              <a:t>에서 </a:t>
+            </a:r>
+            <a:r>
+              <a:rPr lang="en-US" altLang="ko-KR" sz="1600" dirty="0"/>
+              <a:t>100 Mbps, 1 Gbps, 10 Gbps</a:t>
+            </a:r>
+            <a:r>
+              <a:rPr lang="ko-KR" altLang="en-US" sz="1600" dirty="0"/>
+              <a:t>까지 발전했고</a:t>
+            </a:r>
+            <a:r>
+              <a:rPr lang="en-US" altLang="ko-KR" sz="1600" dirty="0"/>
+              <a:t>,</a:t>
+            </a:r>
+            <a:br>
+              <a:rPr lang="en-US" altLang="ko-KR" sz="1600" dirty="0"/>
+            </a:br>
+            <a:r>
+              <a:rPr lang="ko-KR" altLang="en-US" sz="1600" dirty="0"/>
+              <a:t>이를 </a:t>
+            </a:r>
+            <a:r>
+              <a:rPr lang="en-US" altLang="ko-KR" sz="1600" dirty="0"/>
+              <a:t>IEEE802</a:t>
+            </a:r>
+            <a:r>
+              <a:rPr lang="ko-KR" altLang="en-US" sz="1600" dirty="0"/>
+              <a:t>는 뒤에 알파벳 넘버링을 해서 구별하고</a:t>
+            </a:r>
+            <a:r>
+              <a:rPr lang="en-US" altLang="ko-KR" sz="1600" dirty="0"/>
+              <a:t>, UTP/STP </a:t>
+            </a:r>
+            <a:r>
+              <a:rPr lang="ko-KR" altLang="en-US" sz="1600" dirty="0"/>
+              <a:t>선은 </a:t>
+            </a:r>
+            <a:r>
+              <a:rPr lang="en-US" altLang="ko-KR" sz="1600" dirty="0" err="1"/>
+              <a:t>CAT.x</a:t>
+            </a:r>
+            <a:r>
+              <a:rPr lang="en-US" altLang="ko-KR" sz="1600" dirty="0"/>
+              <a:t> </a:t>
+            </a:r>
+            <a:r>
+              <a:rPr lang="ko-KR" altLang="en-US" sz="1600" dirty="0"/>
+              <a:t>로 이를 구별하여 사용됩니다</a:t>
+            </a:r>
+            <a:endParaRPr lang="en-US" altLang="ko-KR" sz="1600" dirty="0"/>
+          </a:p>
+          <a:p>
+            <a:r>
+              <a:rPr lang="ko-KR" altLang="en-US" sz="1600" dirty="0"/>
+              <a:t>다중 접속 프로토콜</a:t>
+            </a:r>
+            <a:r>
+              <a:rPr lang="en-US" altLang="ko-KR" sz="1600" dirty="0"/>
+              <a:t>(Multiple Access Protocol)</a:t>
+            </a:r>
+            <a:r>
+              <a:rPr lang="ko-KR" altLang="en-US" sz="1600" dirty="0"/>
+              <a:t>은 하나의 링크에서 여러 노드가 통신을 시도할 때</a:t>
+            </a:r>
+            <a:r>
+              <a:rPr lang="en-US" altLang="ko-KR" sz="1600" dirty="0"/>
+              <a:t>,</a:t>
+            </a:r>
+            <a:br>
+              <a:rPr lang="en-US" altLang="ko-KR" sz="1600" dirty="0"/>
+            </a:br>
+            <a:r>
+              <a:rPr lang="ko-KR" altLang="en-US" sz="1600" dirty="0"/>
+              <a:t>사용하는 프로토콜로 크게 세 가지 유형이 있습니다</a:t>
+            </a:r>
+            <a:endParaRPr lang="en-US" altLang="ko-KR" sz="1600" dirty="0"/>
+          </a:p>
+          <a:p>
+            <a:pPr marL="342900" indent="-342900">
+              <a:buFont typeface="+mj-lt"/>
+              <a:buAutoNum type="arabicPeriod"/>
+            </a:pPr>
+            <a:r>
+              <a:rPr lang="en-US" altLang="ko-KR" sz="1400" dirty="0"/>
+              <a:t>Channelization Protocols: </a:t>
+            </a:r>
+            <a:r>
+              <a:rPr lang="ko-KR" altLang="en-US" sz="1400" dirty="0"/>
+              <a:t>특정 채널을 사용하여 다중화 하는 방식으로</a:t>
+            </a:r>
+            <a:r>
+              <a:rPr lang="en-US" altLang="ko-KR" sz="1400" dirty="0"/>
+              <a:t>,</a:t>
+            </a:r>
+            <a:br>
+              <a:rPr lang="en-US" altLang="ko-KR" sz="1400" dirty="0"/>
+            </a:br>
+            <a:r>
+              <a:rPr lang="ko-KR" altLang="en-US" sz="1400" dirty="0"/>
+              <a:t>시 분할</a:t>
+            </a:r>
+            <a:r>
+              <a:rPr lang="en-US" altLang="ko-KR" sz="1400" dirty="0"/>
+              <a:t>: TDM(Time Division Multiplexing), </a:t>
+            </a:r>
+            <a:r>
+              <a:rPr lang="ko-KR" altLang="en-US" sz="1400" dirty="0"/>
+              <a:t>주파수 분할</a:t>
+            </a:r>
+            <a:r>
+              <a:rPr lang="en-US" altLang="ko-KR" sz="1400" dirty="0"/>
+              <a:t>: FDM(Frequency DM), </a:t>
+            </a:r>
+            <a:r>
+              <a:rPr lang="ko-KR" altLang="en-US" sz="1400" dirty="0"/>
+              <a:t>코드 분할</a:t>
+            </a:r>
+            <a:r>
+              <a:rPr lang="en-US" altLang="ko-KR" sz="1400" dirty="0"/>
+              <a:t>: CDMA(Code DM Access)</a:t>
+            </a:r>
+            <a:br>
+              <a:rPr lang="en-US" altLang="ko-KR" sz="1400" dirty="0"/>
+            </a:br>
+            <a:r>
+              <a:rPr lang="ko-KR" altLang="en-US" sz="1400" dirty="0"/>
+              <a:t>방식의 세 가지가 있습니다</a:t>
+            </a:r>
+            <a:endParaRPr lang="en-US" altLang="ko-KR" sz="1400" dirty="0"/>
+          </a:p>
+          <a:p>
+            <a:pPr marL="342900" indent="-342900">
+              <a:buFont typeface="+mj-lt"/>
+              <a:buAutoNum type="arabicPeriod"/>
+            </a:pPr>
+            <a:r>
+              <a:rPr lang="en-US" altLang="ko-KR" sz="1400" dirty="0"/>
+              <a:t>Random-access Protocols: </a:t>
+            </a:r>
+            <a:r>
+              <a:rPr lang="ko-KR" altLang="en-US" sz="1400" dirty="0"/>
+              <a:t>일반적인 다중화를 사용하지만 충돌을 검사하여 해결하는 방식입니다 </a:t>
+            </a:r>
+            <a:r>
+              <a:rPr lang="en-US" altLang="ko-KR" sz="1400" dirty="0"/>
+              <a:t>(CSMA/CD)</a:t>
+            </a:r>
+          </a:p>
+          <a:p>
+            <a:pPr marL="342900" indent="-342900">
+              <a:buFont typeface="+mj-lt"/>
+              <a:buAutoNum type="arabicPeriod"/>
+            </a:pPr>
+            <a:r>
+              <a:rPr lang="en-US" altLang="ko-KR" sz="1400" dirty="0"/>
+              <a:t>Controlled-access Protocols: </a:t>
+            </a:r>
+            <a:r>
+              <a:rPr lang="ko-KR" altLang="en-US" sz="1400" dirty="0"/>
+              <a:t>전송 기회를 컨트롤 하여 충돌을 사전에 막는 방식으로</a:t>
+            </a:r>
+            <a:r>
+              <a:rPr lang="en-US" altLang="ko-KR" sz="1400" dirty="0"/>
+              <a:t>,</a:t>
+            </a:r>
+            <a:br>
+              <a:rPr lang="en-US" altLang="ko-KR" sz="1400" dirty="0"/>
+            </a:br>
+            <a:r>
+              <a:rPr lang="en-US" altLang="ko-KR" sz="1400" dirty="0"/>
+              <a:t>Reservation, Polling, Token Passing </a:t>
+            </a:r>
+            <a:r>
+              <a:rPr lang="ko-KR" altLang="en-US" sz="1400" dirty="0"/>
+              <a:t>방식의 세 가지가 있습니다</a:t>
+            </a:r>
+            <a:endParaRPr lang="en-US" altLang="ko-KR" sz="1400" dirty="0"/>
+          </a:p>
+          <a:p>
+            <a:r>
+              <a:rPr lang="ko-KR" altLang="en-US" sz="1600" dirty="0"/>
+              <a:t>초기의 </a:t>
+            </a:r>
+            <a:r>
+              <a:rPr lang="ko-KR" altLang="en-US" sz="1600" dirty="0" err="1"/>
+              <a:t>동축</a:t>
+            </a:r>
+            <a:r>
+              <a:rPr lang="ko-KR" altLang="en-US" sz="1600" dirty="0"/>
+              <a:t> 케이블</a:t>
+            </a:r>
+            <a:r>
+              <a:rPr lang="en-US" altLang="ko-KR" sz="1600" dirty="0"/>
+              <a:t>(Coaxial cable)</a:t>
+            </a:r>
+            <a:r>
+              <a:rPr lang="ko-KR" altLang="en-US" sz="1600" dirty="0"/>
+              <a:t>은 단 하나의 네트워크 선으로 양방향 통신을 수행해야 했기 때문에</a:t>
+            </a:r>
+            <a:r>
+              <a:rPr lang="en-US" altLang="ko-KR" sz="1600" dirty="0"/>
+              <a:t>,</a:t>
+            </a:r>
+            <a:br>
+              <a:rPr lang="en-US" altLang="ko-KR" sz="1600" dirty="0"/>
+            </a:br>
+            <a:r>
+              <a:rPr lang="ko-KR" altLang="en-US" sz="1600" dirty="0"/>
+              <a:t>타이밍이 조금이라도 어긋나면 데이터 충돌</a:t>
+            </a:r>
+            <a:r>
+              <a:rPr lang="en-US" altLang="ko-KR" sz="1600" dirty="0"/>
+              <a:t>(Data</a:t>
+            </a:r>
+            <a:r>
+              <a:rPr lang="ko-KR" altLang="en-US" sz="1600" dirty="0"/>
+              <a:t> </a:t>
+            </a:r>
+            <a:r>
+              <a:rPr lang="en-US" altLang="ko-KR" sz="1600" dirty="0"/>
+              <a:t>Collision)</a:t>
+            </a:r>
+            <a:r>
+              <a:rPr lang="ko-KR" altLang="en-US" sz="1600" dirty="0"/>
+              <a:t>이 일어나 손실이 발생 했기 때문에</a:t>
+            </a:r>
+            <a:r>
+              <a:rPr lang="en-US" altLang="ko-KR" sz="1600" dirty="0"/>
+              <a:t>,</a:t>
+            </a:r>
+            <a:br>
+              <a:rPr lang="en-US" altLang="ko-KR" sz="1600" dirty="0"/>
+            </a:br>
+            <a:r>
+              <a:rPr lang="en-US" altLang="ko-KR" sz="1600" dirty="0"/>
+              <a:t>CSMA/CD</a:t>
+            </a:r>
+            <a:r>
+              <a:rPr lang="ko-KR" altLang="en-US" sz="1600" dirty="0"/>
+              <a:t>를 사용하여 데이터 충돌 검사를 수행하여 이를 해결 했습니다</a:t>
+            </a:r>
+            <a:endParaRPr lang="en-US" altLang="ko-KR" sz="1600" dirty="0"/>
           </a:p>
         </p:txBody>
       </p:sp>
     </p:spTree>
     <p:extLst>
       <p:ext uri="{BB962C8B-B14F-4D97-AF65-F5344CB8AC3E}">
-        <p14:creationId xmlns:p14="http://schemas.microsoft.com/office/powerpoint/2010/main" val="3701361518"/>
+        <p14:creationId xmlns:p14="http://schemas.microsoft.com/office/powerpoint/2010/main" val="219724582"/>
       </p:ext>
     </p:extLst>
   </p:cSld>
@@ -7286,7 +10475,7 @@
           <a:p>
             <a:r>
               <a:rPr lang="en-US" altLang="ko-KR" dirty="0"/>
-              <a:t>MAC </a:t>
+              <a:t>NIC, MAC </a:t>
             </a:r>
             <a:endParaRPr lang="ko-KR" altLang="en-US" dirty="0"/>
           </a:p>
@@ -7308,12 +10497,361 @@
             <p:ph idx="1"/>
           </p:nvPr>
         </p:nvSpPr>
-        <p:spPr/>
+        <p:spPr>
+          <a:xfrm>
+            <a:off x="762000" y="1765139"/>
+            <a:ext cx="10668000" cy="5036817"/>
+          </a:xfrm>
+        </p:spPr>
         <p:txBody>
           <a:bodyPr/>
           <a:lstStyle/>
           <a:p>
-            <a:endParaRPr lang="ko-KR" altLang="en-US"/>
+            <a:r>
+              <a:rPr lang="en-US" altLang="ko-KR" sz="1600" dirty="0"/>
+              <a:t>NIC(Network Interface Controller)</a:t>
+            </a:r>
+            <a:r>
+              <a:rPr lang="ko-KR" altLang="en-US" sz="1600" dirty="0"/>
+              <a:t>는 네트워크에 연결하여 통신하기 위해</a:t>
+            </a:r>
+            <a:br>
+              <a:rPr lang="en-US" altLang="ko-KR" sz="1600" dirty="0"/>
+            </a:br>
+            <a:r>
+              <a:rPr lang="ko-KR" altLang="en-US" sz="1600" dirty="0"/>
+              <a:t>사용하는 하드웨어 장치를 말합니다</a:t>
+            </a:r>
+            <a:br>
+              <a:rPr lang="en-US" altLang="ko-KR" sz="1600" dirty="0"/>
+            </a:br>
+            <a:r>
+              <a:rPr lang="ko-KR" altLang="en-US" sz="1600" dirty="0"/>
+              <a:t>일반적으로 사용하는 랜 카드는 대표적인 </a:t>
+            </a:r>
+            <a:r>
+              <a:rPr lang="en-US" altLang="ko-KR" sz="1600" dirty="0"/>
+              <a:t>Ethernet NIC</a:t>
+            </a:r>
+            <a:r>
+              <a:rPr lang="ko-KR" altLang="en-US" sz="1600" dirty="0"/>
+              <a:t>입니다</a:t>
+            </a:r>
+            <a:endParaRPr lang="en-US" altLang="ko-KR" sz="1600" dirty="0"/>
+          </a:p>
+          <a:p>
+            <a:r>
+              <a:rPr lang="en-US" altLang="ko-KR" sz="1600" dirty="0"/>
+              <a:t>NIC</a:t>
+            </a:r>
+            <a:r>
+              <a:rPr lang="ko-KR" altLang="en-US" sz="1600" dirty="0"/>
+              <a:t>는 메인보드 내장</a:t>
+            </a:r>
+            <a:r>
+              <a:rPr lang="en-US" altLang="ko-KR" sz="1600" dirty="0"/>
+              <a:t>, PCIE, USB-A, USB-C</a:t>
+            </a:r>
+            <a:r>
+              <a:rPr lang="ko-KR" altLang="en-US" sz="1600" dirty="0"/>
+              <a:t>까지 다양한 물리적 장치가 존재하고</a:t>
+            </a:r>
+            <a:br>
+              <a:rPr lang="en-US" altLang="ko-KR" sz="1600" dirty="0"/>
+            </a:br>
+            <a:r>
+              <a:rPr lang="ko-KR" altLang="en-US" sz="1600" dirty="0"/>
+              <a:t>가상 이더넷으로 만들어 사용 할 수도 있습니다 </a:t>
+            </a:r>
+            <a:r>
+              <a:rPr lang="en-US" altLang="ko-KR" sz="1600" dirty="0"/>
+              <a:t>(</a:t>
+            </a:r>
+            <a:r>
+              <a:rPr lang="ko-KR" altLang="en-US" sz="1600" dirty="0"/>
+              <a:t>가상 이더넷은 대표적으로 </a:t>
+            </a:r>
+            <a:r>
+              <a:rPr lang="en-US" altLang="ko-KR" sz="1600" dirty="0"/>
+              <a:t>TAP</a:t>
+            </a:r>
+            <a:r>
+              <a:rPr lang="ko-KR" altLang="en-US" sz="1600" dirty="0"/>
+              <a:t> </a:t>
+            </a:r>
+            <a:r>
+              <a:rPr lang="en-US" altLang="ko-KR" sz="1600" dirty="0"/>
+              <a:t>Device</a:t>
+            </a:r>
+            <a:r>
+              <a:rPr lang="ko-KR" altLang="en-US" sz="1600" dirty="0"/>
+              <a:t>가 있습니다</a:t>
+            </a:r>
+            <a:r>
+              <a:rPr lang="en-US" altLang="ko-KR" sz="1600" dirty="0"/>
+              <a:t>)</a:t>
+            </a:r>
+          </a:p>
+          <a:p>
+            <a:r>
+              <a:rPr lang="en-US" altLang="ko-KR" sz="1600" dirty="0"/>
+              <a:t>MAC address(Media Access Control address)</a:t>
+            </a:r>
+            <a:r>
+              <a:rPr lang="ko-KR" altLang="en-US" sz="1600" dirty="0"/>
+              <a:t>는 </a:t>
+            </a:r>
+            <a:r>
+              <a:rPr lang="en-US" altLang="ko-KR" sz="1600" dirty="0"/>
+              <a:t>L2 </a:t>
+            </a:r>
+            <a:r>
+              <a:rPr lang="ko-KR" altLang="en-US" sz="1600" dirty="0"/>
+              <a:t>계층에서 이루어지는 통신과정에서</a:t>
+            </a:r>
+            <a:br>
+              <a:rPr lang="en-US" altLang="ko-KR" sz="1600" dirty="0"/>
+            </a:br>
+            <a:r>
+              <a:rPr lang="ko-KR" altLang="en-US" sz="1600" dirty="0"/>
+              <a:t>거쳐가는 모든 물리적인 장치들을 식별하는 주소입니다</a:t>
+            </a:r>
+            <a:br>
+              <a:rPr lang="en-US" altLang="ko-KR" sz="1600" dirty="0"/>
+            </a:br>
+            <a:r>
+              <a:rPr lang="ko-KR" altLang="en-US" sz="1600" dirty="0"/>
+              <a:t>일반적으로 사용하는 랜 카드는 하나 이상의 </a:t>
+            </a:r>
+            <a:r>
+              <a:rPr lang="en-US" altLang="ko-KR" sz="1600" dirty="0"/>
+              <a:t>MAC address</a:t>
+            </a:r>
+            <a:r>
+              <a:rPr lang="ko-KR" altLang="en-US" sz="1600" dirty="0"/>
+              <a:t>를 가지고</a:t>
+            </a:r>
+            <a:br>
+              <a:rPr lang="en-US" altLang="ko-KR" sz="1600" dirty="0"/>
+            </a:br>
+            <a:r>
+              <a:rPr lang="en-US" altLang="ko-KR" sz="1600" dirty="0"/>
+              <a:t>L2 </a:t>
+            </a:r>
+            <a:r>
+              <a:rPr lang="ko-KR" altLang="en-US" sz="1600" dirty="0"/>
+              <a:t>계층에서 패킷을 주고 받는데 쓰입니다</a:t>
+            </a:r>
+            <a:endParaRPr lang="en-US" altLang="ko-KR" sz="1600" dirty="0"/>
+          </a:p>
+          <a:p>
+            <a:r>
+              <a:rPr lang="en-US" altLang="ko-KR" sz="1600" dirty="0"/>
+              <a:t>L3</a:t>
+            </a:r>
+            <a:r>
+              <a:rPr lang="ko-KR" altLang="en-US" sz="1600" dirty="0"/>
+              <a:t> 라우터나 </a:t>
+            </a:r>
+            <a:r>
+              <a:rPr lang="en-US" altLang="ko-KR" sz="1600" dirty="0"/>
+              <a:t>L2 </a:t>
+            </a:r>
+            <a:r>
+              <a:rPr lang="ko-KR" altLang="en-US" sz="1600" dirty="0"/>
+              <a:t>스위치도 동일하게 </a:t>
+            </a:r>
+            <a:r>
+              <a:rPr lang="en-US" altLang="ko-KR" sz="1600" dirty="0"/>
+              <a:t>MAC</a:t>
+            </a:r>
+            <a:r>
+              <a:rPr lang="ko-KR" altLang="en-US" sz="1600" dirty="0"/>
+              <a:t>주소를 가지고</a:t>
+            </a:r>
+            <a:r>
+              <a:rPr lang="en-US" altLang="ko-KR" sz="1600" dirty="0"/>
+              <a:t> MAC</a:t>
+            </a:r>
+            <a:r>
+              <a:rPr lang="ko-KR" altLang="en-US" sz="1600" dirty="0"/>
+              <a:t>을 통해 입출력을 결정하기도 합니다</a:t>
+            </a:r>
+            <a:br>
+              <a:rPr lang="en-US" altLang="ko-KR" sz="1600" dirty="0"/>
+            </a:br>
+            <a:r>
+              <a:rPr lang="en-US" altLang="ko-KR" sz="1600" dirty="0"/>
+              <a:t>MAC address </a:t>
+            </a:r>
+            <a:r>
+              <a:rPr lang="ko-KR" altLang="en-US" sz="1600" dirty="0"/>
+              <a:t>역시 물리 장치에는 고유 </a:t>
+            </a:r>
+            <a:r>
+              <a:rPr lang="en-US" altLang="ko-KR" sz="1600" dirty="0"/>
+              <a:t>MAC</a:t>
+            </a:r>
+            <a:r>
+              <a:rPr lang="ko-KR" altLang="en-US" sz="1600" dirty="0"/>
+              <a:t>이 있지만</a:t>
+            </a:r>
+            <a:r>
+              <a:rPr lang="en-US" altLang="ko-KR" sz="1600" dirty="0"/>
+              <a:t>, </a:t>
+            </a:r>
+            <a:r>
+              <a:rPr lang="ko-KR" altLang="en-US" sz="1600" dirty="0"/>
+              <a:t>가상화로 여러 개를 만들어 사용할 수도 있습니다</a:t>
+            </a:r>
+            <a:endParaRPr lang="en-US" altLang="ko-KR" sz="1600" dirty="0"/>
+          </a:p>
+          <a:p>
+            <a:r>
+              <a:rPr lang="en-US" altLang="ko-KR" sz="1600" dirty="0"/>
+              <a:t>MAC address</a:t>
+            </a:r>
+            <a:r>
+              <a:rPr lang="ko-KR" altLang="en-US" sz="1600" dirty="0"/>
+              <a:t>는 </a:t>
+            </a:r>
+            <a:r>
+              <a:rPr lang="en-US" altLang="ko-KR" sz="1600" dirty="0"/>
+              <a:t>16</a:t>
+            </a:r>
+            <a:r>
+              <a:rPr lang="ko-KR" altLang="en-US" sz="1600" dirty="0"/>
+              <a:t>진법 </a:t>
+            </a:r>
+            <a:r>
+              <a:rPr lang="en-US" altLang="ko-KR" sz="1600" dirty="0"/>
+              <a:t>6</a:t>
+            </a:r>
+            <a:r>
+              <a:rPr lang="ko-KR" altLang="en-US" sz="1600" dirty="0"/>
+              <a:t>바이트 길이로 표현되고</a:t>
+            </a:r>
+            <a:r>
+              <a:rPr lang="en-US" altLang="ko-KR" sz="1600" dirty="0"/>
+              <a:t>, 6</a:t>
+            </a:r>
+            <a:r>
+              <a:rPr lang="ko-KR" altLang="en-US" sz="1600" dirty="0"/>
+              <a:t>바이트 중 좌측 </a:t>
+            </a:r>
+            <a:r>
+              <a:rPr lang="en-US" altLang="ko-KR" sz="1600" dirty="0"/>
+              <a:t>3</a:t>
+            </a:r>
+            <a:r>
+              <a:rPr lang="ko-KR" altLang="en-US" sz="1600" dirty="0"/>
+              <a:t>바이트를</a:t>
+            </a:r>
+            <a:br>
+              <a:rPr lang="en-US" altLang="ko-KR" sz="1600" dirty="0"/>
+            </a:br>
+            <a:r>
+              <a:rPr lang="en-US" altLang="ko-KR" sz="1600" dirty="0"/>
+              <a:t>OUI(Organizationally Unique Identifier)</a:t>
+            </a:r>
+            <a:r>
+              <a:rPr lang="ko-KR" altLang="en-US" sz="1600" dirty="0"/>
+              <a:t>로 보통 제조사 식별 번호를 기입합니다</a:t>
+            </a:r>
+            <a:br>
+              <a:rPr lang="en-US" altLang="ko-KR" sz="1600" dirty="0"/>
+            </a:br>
+            <a:r>
+              <a:rPr lang="ko-KR" altLang="en-US" sz="1600" dirty="0"/>
+              <a:t>이 중 제일 좌측 </a:t>
+            </a:r>
+            <a:r>
+              <a:rPr lang="en-US" altLang="ko-KR" sz="1600" dirty="0"/>
+              <a:t>1</a:t>
+            </a:r>
+            <a:r>
+              <a:rPr lang="ko-KR" altLang="en-US" sz="1600" dirty="0"/>
+              <a:t>바이트의 가장 우측 </a:t>
+            </a:r>
+            <a:r>
+              <a:rPr lang="en-US" altLang="ko-KR" sz="1600" dirty="0"/>
+              <a:t>1</a:t>
+            </a:r>
+            <a:r>
+              <a:rPr lang="ko-KR" altLang="en-US" sz="1600" dirty="0"/>
+              <a:t>비트</a:t>
+            </a:r>
+            <a:r>
+              <a:rPr lang="en-US" altLang="ko-KR" sz="1600" dirty="0"/>
+              <a:t>(Least Significant Bit)</a:t>
+            </a:r>
+            <a:r>
+              <a:rPr lang="ko-KR" altLang="en-US" sz="1600" dirty="0"/>
+              <a:t>는 </a:t>
+            </a:r>
+            <a:r>
+              <a:rPr lang="en-US" altLang="ko-KR" sz="1600" dirty="0"/>
+              <a:t>I/G(Individual/Group)</a:t>
+            </a:r>
+            <a:r>
+              <a:rPr lang="ko-KR" altLang="en-US" sz="1600" dirty="0"/>
+              <a:t>플래그</a:t>
+            </a:r>
+            <a:r>
+              <a:rPr lang="en-US" altLang="ko-KR" sz="1600" dirty="0"/>
+              <a:t>,</a:t>
+            </a:r>
+            <a:br>
+              <a:rPr lang="en-US" altLang="ko-KR" sz="1600" dirty="0"/>
+            </a:br>
+            <a:r>
+              <a:rPr lang="ko-KR" altLang="en-US" sz="1600" dirty="0"/>
+              <a:t>추가로 제일 좌측 </a:t>
+            </a:r>
+            <a:r>
+              <a:rPr lang="en-US" altLang="ko-KR" sz="1600" dirty="0"/>
+              <a:t>1</a:t>
+            </a:r>
+            <a:r>
+              <a:rPr lang="ko-KR" altLang="en-US" sz="1600" dirty="0"/>
+              <a:t>바이트의 가장 우측에서 두 번째 </a:t>
+            </a:r>
+            <a:r>
+              <a:rPr lang="en-US" altLang="ko-KR" sz="1600" dirty="0"/>
+              <a:t>1</a:t>
+            </a:r>
+            <a:r>
+              <a:rPr lang="ko-KR" altLang="en-US" sz="1600" dirty="0"/>
+              <a:t>비트</a:t>
+            </a:r>
+            <a:r>
+              <a:rPr lang="en-US" altLang="ko-KR" sz="1600" dirty="0"/>
+              <a:t>(Second Least Significant Bit)</a:t>
+            </a:r>
+            <a:r>
+              <a:rPr lang="ko-KR" altLang="en-US" sz="1600" dirty="0"/>
+              <a:t>는</a:t>
+            </a:r>
+            <a:br>
+              <a:rPr lang="en-US" altLang="ko-KR" sz="1600" dirty="0"/>
+            </a:br>
+            <a:r>
+              <a:rPr lang="en-US" altLang="ko-KR" sz="1600" dirty="0"/>
+              <a:t>U/L(Universal/Local)</a:t>
+            </a:r>
+            <a:r>
+              <a:rPr lang="ko-KR" altLang="en-US" sz="1600" dirty="0"/>
+              <a:t>플래그로</a:t>
+            </a:r>
+            <a:r>
+              <a:rPr lang="en-US" altLang="ko-KR" sz="1600" dirty="0"/>
+              <a:t>,</a:t>
+            </a:r>
+            <a:r>
+              <a:rPr lang="ko-KR" altLang="en-US" sz="1600" dirty="0"/>
+              <a:t> 전송 방식과 고유식별 범위를 지정 할 수도 있습니다</a:t>
+            </a:r>
+            <a:endParaRPr lang="en-US" altLang="ko-KR" sz="1600" dirty="0"/>
           </a:p>
         </p:txBody>
       </p:sp>
@@ -7397,10 +10935,397 @@
           <a:bodyPr/>
           <a:lstStyle/>
           <a:p>
-            <a:endParaRPr lang="ko-KR" altLang="en-US"/>
+            <a:r>
+              <a:rPr lang="en-US" altLang="ko-KR" sz="1600" dirty="0"/>
+              <a:t>ARP(Address Resolution Protocol)</a:t>
+            </a:r>
+            <a:r>
+              <a:rPr lang="ko-KR" altLang="en-US" sz="1600" dirty="0"/>
+              <a:t>는 </a:t>
+            </a:r>
+            <a:r>
+              <a:rPr lang="en-US" altLang="ko-KR" sz="1600" dirty="0"/>
+              <a:t>L3</a:t>
+            </a:r>
+            <a:r>
+              <a:rPr lang="ko-KR" altLang="en-US" sz="1600" dirty="0"/>
+              <a:t>계층의 </a:t>
+            </a:r>
+            <a:r>
+              <a:rPr lang="en-US" altLang="ko-KR" sz="1600" dirty="0"/>
+              <a:t>IP</a:t>
+            </a:r>
+            <a:r>
+              <a:rPr lang="ko-KR" altLang="en-US" sz="1600" dirty="0"/>
+              <a:t>는 호스트를 특정할 수 있고</a:t>
+            </a:r>
+            <a:r>
+              <a:rPr lang="en-US" altLang="ko-KR" sz="1600" dirty="0"/>
+              <a:t>,</a:t>
+            </a:r>
+            <a:br>
+              <a:rPr lang="en-US" altLang="ko-KR" sz="1600" dirty="0"/>
+            </a:br>
+            <a:r>
+              <a:rPr lang="en-US" altLang="ko-KR" sz="1600" dirty="0"/>
+              <a:t>L2</a:t>
+            </a:r>
+            <a:r>
+              <a:rPr lang="ko-KR" altLang="en-US" sz="1600" dirty="0"/>
+              <a:t>계층의 </a:t>
+            </a:r>
+            <a:r>
+              <a:rPr lang="en-US" altLang="ko-KR" sz="1600" dirty="0"/>
+              <a:t>MAC</a:t>
+            </a:r>
+            <a:r>
+              <a:rPr lang="ko-KR" altLang="en-US" sz="1600" dirty="0"/>
+              <a:t>주소는 네트워크 장치를 특정할 수 있으므로</a:t>
+            </a:r>
+            <a:r>
+              <a:rPr lang="en-US" altLang="ko-KR" sz="1600" dirty="0"/>
+              <a:t>,</a:t>
+            </a:r>
+            <a:br>
+              <a:rPr lang="en-US" altLang="ko-KR" sz="1600" dirty="0"/>
+            </a:br>
+            <a:r>
+              <a:rPr lang="ko-KR" altLang="en-US" sz="1600" dirty="0"/>
+              <a:t>이 둘을 서로 대응</a:t>
+            </a:r>
+            <a:r>
+              <a:rPr lang="en-US" altLang="ko-KR" sz="1600" dirty="0"/>
+              <a:t>(Bind)</a:t>
+            </a:r>
+            <a:r>
+              <a:rPr lang="ko-KR" altLang="en-US" sz="1600" dirty="0"/>
+              <a:t>시키기 위한 프로토콜입니다</a:t>
+            </a:r>
+            <a:endParaRPr lang="en-US" altLang="ko-KR" sz="1600" dirty="0"/>
+          </a:p>
+          <a:p>
+            <a:r>
+              <a:rPr lang="en-US" altLang="ko-KR" sz="1600" dirty="0"/>
+              <a:t>IP</a:t>
+            </a:r>
+            <a:r>
+              <a:rPr lang="ko-KR" altLang="en-US" sz="1600" dirty="0"/>
+              <a:t>를 통해 전달된 패킷은 결국 물리 장치들을 거쳐야 하기 때문에</a:t>
+            </a:r>
+            <a:r>
+              <a:rPr lang="en-US" altLang="ko-KR" sz="1600" dirty="0"/>
+              <a:t>,</a:t>
+            </a:r>
+            <a:br>
+              <a:rPr lang="en-US" altLang="ko-KR" sz="1600" dirty="0"/>
+            </a:br>
+            <a:r>
+              <a:rPr lang="en-US" altLang="ko-KR" sz="1600" dirty="0"/>
+              <a:t>IP</a:t>
+            </a:r>
+            <a:r>
+              <a:rPr lang="ko-KR" altLang="en-US" sz="1600" dirty="0"/>
+              <a:t>를 통해 </a:t>
+            </a:r>
+            <a:r>
+              <a:rPr lang="en-US" altLang="ko-KR" sz="1600" dirty="0"/>
+              <a:t>MAC</a:t>
+            </a:r>
+            <a:r>
+              <a:rPr lang="ko-KR" altLang="en-US" sz="1600" dirty="0"/>
+              <a:t>주소를 알아내는 </a:t>
+            </a:r>
+            <a:r>
+              <a:rPr lang="en-US" altLang="ko-KR" sz="1600" dirty="0"/>
+              <a:t>ARP Table</a:t>
+            </a:r>
+            <a:r>
+              <a:rPr lang="ko-KR" altLang="en-US" sz="1600" dirty="0"/>
+              <a:t>을 참고하여</a:t>
+            </a:r>
+            <a:br>
+              <a:rPr lang="en-US" altLang="ko-KR" sz="1600" dirty="0"/>
+            </a:br>
+            <a:r>
+              <a:rPr lang="ko-KR" altLang="en-US" sz="1600" dirty="0"/>
+              <a:t>해당 </a:t>
+            </a:r>
+            <a:r>
+              <a:rPr lang="en-US" altLang="ko-KR" sz="1600" dirty="0"/>
+              <a:t>MAC</a:t>
+            </a:r>
+            <a:r>
+              <a:rPr lang="ko-KR" altLang="en-US" sz="1600" dirty="0"/>
+              <a:t>주소의 물리장치로 패킷을 전송하는 방식을 사용하게 됩니다</a:t>
+            </a:r>
+            <a:endParaRPr lang="en-US" altLang="ko-KR" sz="1600" dirty="0"/>
+          </a:p>
+          <a:p>
+            <a:r>
+              <a:rPr lang="en-US" altLang="ko-KR" sz="1600" dirty="0"/>
+              <a:t>RARP(Reverse ARP)</a:t>
+            </a:r>
+            <a:r>
+              <a:rPr lang="ko-KR" altLang="en-US" sz="1600" dirty="0"/>
+              <a:t>는 </a:t>
+            </a:r>
+            <a:r>
+              <a:rPr lang="en-US" altLang="ko-KR" sz="1600" dirty="0"/>
+              <a:t>ARP</a:t>
+            </a:r>
+            <a:r>
+              <a:rPr lang="ko-KR" altLang="en-US" sz="1600" dirty="0"/>
+              <a:t>가 </a:t>
+            </a:r>
+            <a:r>
+              <a:rPr lang="en-US" altLang="ko-KR" sz="1600" dirty="0"/>
+              <a:t>IP</a:t>
+            </a:r>
+            <a:r>
+              <a:rPr lang="ko-KR" altLang="en-US" sz="1600" dirty="0"/>
+              <a:t> </a:t>
+            </a:r>
+            <a:r>
+              <a:rPr lang="en-US" altLang="ko-KR" sz="1600" dirty="0"/>
+              <a:t>to</a:t>
+            </a:r>
+            <a:r>
+              <a:rPr lang="ko-KR" altLang="en-US" sz="1600" dirty="0"/>
+              <a:t> </a:t>
+            </a:r>
+            <a:r>
+              <a:rPr lang="en-US" altLang="ko-KR" sz="1600" dirty="0"/>
+              <a:t>MAC</a:t>
+            </a:r>
+            <a:r>
+              <a:rPr lang="ko-KR" altLang="en-US" sz="1600" dirty="0"/>
+              <a:t> 이면</a:t>
+            </a:r>
+            <a:r>
+              <a:rPr lang="en-US" altLang="ko-KR" sz="1600" dirty="0"/>
+              <a:t>, RARP</a:t>
+            </a:r>
+            <a:r>
+              <a:rPr lang="ko-KR" altLang="en-US" sz="1600" dirty="0"/>
+              <a:t>는 </a:t>
+            </a:r>
+            <a:r>
+              <a:rPr lang="en-US" altLang="ko-KR" sz="1600" dirty="0"/>
+              <a:t>MAC to IP</a:t>
+            </a:r>
+            <a:r>
+              <a:rPr lang="ko-KR" altLang="en-US" sz="1600" dirty="0"/>
+              <a:t>로</a:t>
+            </a:r>
+            <a:br>
+              <a:rPr lang="en-US" altLang="ko-KR" sz="1600" dirty="0"/>
+            </a:br>
+            <a:r>
+              <a:rPr lang="en-US" altLang="ko-KR" sz="1600" dirty="0"/>
+              <a:t>MAC</a:t>
+            </a:r>
+            <a:r>
+              <a:rPr lang="ko-KR" altLang="en-US" sz="1600" dirty="0"/>
+              <a:t>주소를 통해 </a:t>
+            </a:r>
+            <a:r>
+              <a:rPr lang="en-US" altLang="ko-KR" sz="1600" dirty="0"/>
+              <a:t>IP</a:t>
+            </a:r>
+            <a:r>
+              <a:rPr lang="ko-KR" altLang="en-US" sz="1600" dirty="0"/>
+              <a:t>를 알아내는</a:t>
+            </a:r>
+            <a:r>
+              <a:rPr lang="en-US" altLang="ko-KR" sz="1600" dirty="0"/>
+              <a:t> </a:t>
+            </a:r>
+            <a:r>
+              <a:rPr lang="ko-KR" altLang="en-US" sz="1600" dirty="0"/>
+              <a:t>프로토콜입니다</a:t>
+            </a:r>
+            <a:br>
+              <a:rPr lang="en-US" altLang="ko-KR" sz="1600" dirty="0"/>
+            </a:br>
+            <a:r>
+              <a:rPr lang="ko-KR" altLang="en-US" sz="1600" dirty="0"/>
+              <a:t>이는 옛날에 하드디스크 부팅계열에서 사용한 것으로</a:t>
+            </a:r>
+            <a:br>
+              <a:rPr lang="en-US" altLang="ko-KR" sz="1600" dirty="0"/>
+            </a:br>
+            <a:r>
+              <a:rPr lang="ko-KR" altLang="en-US" sz="1600" dirty="0"/>
+              <a:t>오늘날에는 잘 쓰이지는 않고 </a:t>
+            </a:r>
+            <a:r>
+              <a:rPr lang="en-US" altLang="ko-KR" sz="1600" dirty="0"/>
+              <a:t>BOOTP, DHCP</a:t>
+            </a:r>
+            <a:r>
+              <a:rPr lang="ko-KR" altLang="en-US" sz="1600" dirty="0"/>
+              <a:t>가 자주 사용됩니다</a:t>
+            </a:r>
+            <a:endParaRPr lang="en-US" altLang="ko-KR" sz="1600" dirty="0"/>
+          </a:p>
+          <a:p>
+            <a:r>
+              <a:rPr lang="en-US" altLang="ko-KR" sz="1600" dirty="0"/>
+              <a:t>ARP</a:t>
+            </a:r>
+            <a:r>
+              <a:rPr lang="ko-KR" altLang="en-US" sz="1600" dirty="0"/>
+              <a:t> </a:t>
+            </a:r>
+            <a:r>
+              <a:rPr lang="en-US" altLang="ko-KR" sz="1600" dirty="0"/>
+              <a:t>Table</a:t>
+            </a:r>
+            <a:r>
+              <a:rPr lang="ko-KR" altLang="en-US" sz="1600" dirty="0"/>
+              <a:t>은 </a:t>
+            </a:r>
+            <a:r>
+              <a:rPr lang="en-US" altLang="ko-KR" sz="1600" dirty="0"/>
+              <a:t>Cache</a:t>
+            </a:r>
+            <a:r>
+              <a:rPr lang="ko-KR" altLang="en-US" sz="1600" dirty="0"/>
+              <a:t>의 형태로 특정 시간이 지나면</a:t>
+            </a:r>
+            <a:br>
+              <a:rPr lang="en-US" altLang="ko-KR" sz="1600" dirty="0"/>
+            </a:br>
+            <a:r>
+              <a:rPr lang="ko-KR" altLang="en-US" sz="1600" dirty="0"/>
+              <a:t>폐기되는 성질이 있고</a:t>
+            </a:r>
+            <a:r>
+              <a:rPr lang="en-US" altLang="ko-KR" sz="1600" dirty="0"/>
+              <a:t>,</a:t>
+            </a:r>
+            <a:br>
+              <a:rPr lang="en-US" altLang="ko-KR" sz="1600" dirty="0"/>
+            </a:br>
+            <a:r>
+              <a:rPr lang="en-US" altLang="ko-KR" sz="1600" dirty="0"/>
+              <a:t>ARP</a:t>
+            </a:r>
+            <a:r>
+              <a:rPr lang="ko-KR" altLang="en-US" sz="1600" dirty="0"/>
+              <a:t> </a:t>
+            </a:r>
+            <a:r>
+              <a:rPr lang="en-US" altLang="ko-KR" sz="1600" dirty="0"/>
+              <a:t>Table</a:t>
+            </a:r>
+            <a:r>
+              <a:rPr lang="ko-KR" altLang="en-US" sz="1600" dirty="0"/>
+              <a:t>에 없는 내용이면</a:t>
+            </a:r>
+            <a:r>
+              <a:rPr lang="en-US" altLang="ko-KR" sz="1600" dirty="0"/>
+              <a:t>, ARP</a:t>
+            </a:r>
+            <a:r>
+              <a:rPr lang="ko-KR" altLang="en-US" sz="1600" dirty="0"/>
+              <a:t> 요청 패킷</a:t>
+            </a:r>
+            <a:r>
+              <a:rPr lang="en-US" altLang="ko-KR" sz="1600" dirty="0"/>
+              <a:t>(ARP</a:t>
+            </a:r>
+            <a:r>
+              <a:rPr lang="ko-KR" altLang="en-US" sz="1600" dirty="0"/>
+              <a:t> </a:t>
+            </a:r>
+            <a:r>
+              <a:rPr lang="en-US" altLang="ko-KR" sz="1600" dirty="0"/>
+              <a:t>Request Packet)</a:t>
+            </a:r>
+            <a:r>
+              <a:rPr lang="ko-KR" altLang="en-US" sz="1600" dirty="0"/>
+              <a:t>을 브로드 캐스트 방식으로</a:t>
+            </a:r>
+            <a:br>
+              <a:rPr lang="en-US" altLang="ko-KR" sz="1600" dirty="0"/>
+            </a:br>
+            <a:r>
+              <a:rPr lang="ko-KR" altLang="en-US" sz="1600" dirty="0"/>
+              <a:t>송출하여 답을 찾아내서 </a:t>
+            </a:r>
+            <a:r>
+              <a:rPr lang="en-US" altLang="ko-KR" sz="1600" dirty="0"/>
+              <a:t>Cache Table</a:t>
+            </a:r>
+            <a:r>
+              <a:rPr lang="ko-KR" altLang="en-US" sz="1600" dirty="0"/>
+              <a:t>에 등록하는 방식으로 동작합니다</a:t>
+            </a:r>
+            <a:br>
+              <a:rPr lang="en-US" altLang="ko-KR" sz="1600" dirty="0"/>
+            </a:br>
+            <a:r>
+              <a:rPr lang="en-US" altLang="ko-KR" sz="1600" dirty="0"/>
+              <a:t>(Broadcast</a:t>
+            </a:r>
+            <a:r>
+              <a:rPr lang="ko-KR" altLang="en-US" sz="1600" dirty="0"/>
+              <a:t>는 </a:t>
+            </a:r>
+            <a:r>
+              <a:rPr lang="en-US" altLang="ko-KR" sz="1600" dirty="0"/>
+              <a:t>FF:FF:FF:FF:FF:FF</a:t>
+            </a:r>
+            <a:r>
+              <a:rPr lang="ko-KR" altLang="en-US" sz="1600" dirty="0"/>
+              <a:t>로 </a:t>
+            </a:r>
+            <a:r>
+              <a:rPr lang="en-US" altLang="ko-KR" sz="1600" dirty="0"/>
+              <a:t>MAC</a:t>
+            </a:r>
+            <a:r>
+              <a:rPr lang="ko-KR" altLang="en-US" sz="1600" dirty="0"/>
+              <a:t>을 설정하여 동작합니다</a:t>
+            </a:r>
+            <a:r>
+              <a:rPr lang="en-US" altLang="ko-KR" sz="1600" dirty="0"/>
+              <a:t>)</a:t>
+            </a:r>
           </a:p>
         </p:txBody>
       </p:sp>
+      <p:pic>
+        <p:nvPicPr>
+          <p:cNvPr id="7" name="그림 6">
+            <a:extLst>
+              <a:ext uri="{FF2B5EF4-FFF2-40B4-BE49-F238E27FC236}">
+                <a16:creationId xmlns:a16="http://schemas.microsoft.com/office/drawing/2014/main" id="{A0CCA373-3CD3-2651-03EA-F4F32BA7FD2B}"/>
+              </a:ext>
+            </a:extLst>
+          </p:cNvPr>
+          <p:cNvPicPr>
+            <a:picLocks noChangeAspect="1"/>
+          </p:cNvPicPr>
+          <p:nvPr/>
+        </p:nvPicPr>
+        <p:blipFill>
+          <a:blip r:embed="rId2"/>
+          <a:stretch>
+            <a:fillRect/>
+          </a:stretch>
+        </p:blipFill>
+        <p:spPr>
+          <a:xfrm>
+            <a:off x="7801849" y="2181873"/>
+            <a:ext cx="4306217" cy="2912641"/>
+          </a:xfrm>
+          <a:prstGeom prst="rect">
+            <a:avLst/>
+          </a:prstGeom>
+        </p:spPr>
+      </p:pic>
     </p:spTree>
     <p:extLst>
       <p:ext uri="{BB962C8B-B14F-4D97-AF65-F5344CB8AC3E}">
@@ -7436,7 +11361,7 @@
           <p:cNvPr id="2" name="제목 1">
             <a:extLst>
               <a:ext uri="{FF2B5EF4-FFF2-40B4-BE49-F238E27FC236}">
-                <a16:creationId xmlns:a16="http://schemas.microsoft.com/office/drawing/2014/main" id="{FDA77268-47C0-5813-C4FA-D23815A5A1E0}"/>
+                <a16:creationId xmlns:a16="http://schemas.microsoft.com/office/drawing/2014/main" id="{86952E7E-7059-AC37-CD77-BB51F57694AF}"/>
               </a:ext>
             </a:extLst>
           </p:cNvPr>
@@ -7454,41 +11379,45 @@
           <a:p>
             <a:r>
               <a:rPr lang="en-US" altLang="ko-KR" dirty="0"/>
-              <a:t>Ethernet</a:t>
+              <a:t>ARP</a:t>
             </a:r>
             <a:endParaRPr lang="ko-KR" altLang="en-US" dirty="0"/>
           </a:p>
         </p:txBody>
       </p:sp>
-      <p:sp>
-        <p:nvSpPr>
-          <p:cNvPr id="3" name="내용 개체 틀 2">
+      <p:pic>
+        <p:nvPicPr>
+          <p:cNvPr id="5" name="내용 개체 틀 4">
             <a:extLst>
               <a:ext uri="{FF2B5EF4-FFF2-40B4-BE49-F238E27FC236}">
-                <a16:creationId xmlns:a16="http://schemas.microsoft.com/office/drawing/2014/main" id="{352D1D30-E06A-3FDF-AC6B-E9045CCE7593}"/>
+                <a16:creationId xmlns:a16="http://schemas.microsoft.com/office/drawing/2014/main" id="{757C01F6-A169-F51F-0713-EC00D4E7F4A3}"/>
               </a:ext>
             </a:extLst>
           </p:cNvPr>
-          <p:cNvSpPr>
-            <a:spLocks noGrp="1"/>
-          </p:cNvSpPr>
+          <p:cNvPicPr>
+            <a:picLocks noGrp="1" noChangeAspect="1"/>
+          </p:cNvPicPr>
           <p:nvPr>
             <p:ph idx="1"/>
           </p:nvPr>
-        </p:nvSpPr>
-        <p:spPr/>
-        <p:txBody>
-          <a:bodyPr/>
-          <a:lstStyle/>
-          <a:p>
-            <a:endParaRPr lang="ko-KR" altLang="en-US"/>
-          </a:p>
-        </p:txBody>
-      </p:sp>
+        </p:nvPicPr>
+        <p:blipFill>
+          <a:blip r:embed="rId2"/>
+          <a:stretch>
+            <a:fillRect/>
+          </a:stretch>
+        </p:blipFill>
+        <p:spPr>
+          <a:xfrm>
+            <a:off x="2213815" y="1765300"/>
+            <a:ext cx="7764370" cy="4899025"/>
+          </a:xfrm>
+        </p:spPr>
+      </p:pic>
     </p:spTree>
     <p:extLst>
       <p:ext uri="{BB962C8B-B14F-4D97-AF65-F5344CB8AC3E}">
-        <p14:creationId xmlns:p14="http://schemas.microsoft.com/office/powerpoint/2010/main" val="219724582"/>
+        <p14:creationId xmlns:p14="http://schemas.microsoft.com/office/powerpoint/2010/main" val="4004498531"/>
       </p:ext>
     </p:extLst>
   </p:cSld>
@@ -7520,7 +11449,7 @@
           <p:cNvPr id="2" name="제목 1">
             <a:extLst>
               <a:ext uri="{FF2B5EF4-FFF2-40B4-BE49-F238E27FC236}">
-                <a16:creationId xmlns:a16="http://schemas.microsoft.com/office/drawing/2014/main" id="{40EF865C-99C2-969A-33CB-633C1547A109}"/>
+                <a16:creationId xmlns:a16="http://schemas.microsoft.com/office/drawing/2014/main" id="{13D882CC-F556-0303-363C-34AA8C763FD7}"/>
               </a:ext>
             </a:extLst>
           </p:cNvPr>
@@ -7537,9 +11466,10 @@
           <a:lstStyle/>
           <a:p>
             <a:r>
-              <a:rPr lang="ko-KR" altLang="en-US" dirty="0"/>
-              <a:t>다중 접속 프로토콜</a:t>
-            </a:r>
+              <a:rPr lang="en-US" altLang="ko-KR" dirty="0"/>
+              <a:t>Switch</a:t>
+            </a:r>
+            <a:endParaRPr lang="ko-KR" altLang="en-US" dirty="0"/>
           </a:p>
         </p:txBody>
       </p:sp>
@@ -7548,7 +11478,7 @@
           <p:cNvPr id="3" name="내용 개체 틀 2">
             <a:extLst>
               <a:ext uri="{FF2B5EF4-FFF2-40B4-BE49-F238E27FC236}">
-                <a16:creationId xmlns:a16="http://schemas.microsoft.com/office/drawing/2014/main" id="{C40AC823-49BC-E0AC-7E87-EC7E94D52A4C}"/>
+                <a16:creationId xmlns:a16="http://schemas.microsoft.com/office/drawing/2014/main" id="{B48C4B06-E5BA-C721-9E39-4C426074D86F}"/>
               </a:ext>
             </a:extLst>
           </p:cNvPr>
@@ -7564,98 +11494,14 @@
           <a:bodyPr/>
           <a:lstStyle/>
           <a:p>
-            <a:endParaRPr lang="ko-KR" altLang="en-US"/>
+            <a:endParaRPr lang="ko-KR" altLang="en-US" sz="1600" dirty="0"/>
           </a:p>
         </p:txBody>
       </p:sp>
     </p:spTree>
     <p:extLst>
       <p:ext uri="{BB962C8B-B14F-4D97-AF65-F5344CB8AC3E}">
-        <p14:creationId xmlns:p14="http://schemas.microsoft.com/office/powerpoint/2010/main" val="160347746"/>
-      </p:ext>
-    </p:extLst>
-  </p:cSld>
-  <p:clrMapOvr>
-    <a:masterClrMapping/>
-  </p:clrMapOvr>
-</p:sld>
-</file>
-
-<file path=ppt/slides/slide29.xml><?xml version="1.0" encoding="utf-8"?>
-<p:sld xmlns:a="http://schemas.openxmlformats.org/drawingml/2006/main" xmlns:r="http://schemas.openxmlformats.org/officeDocument/2006/relationships" xmlns:p="http://schemas.openxmlformats.org/presentationml/2006/main">
-  <p:cSld>
-    <p:spTree>
-      <p:nvGrpSpPr>
-        <p:cNvPr id="1" name=""/>
-        <p:cNvGrpSpPr/>
-        <p:nvPr/>
-      </p:nvGrpSpPr>
-      <p:grpSpPr>
-        <a:xfrm>
-          <a:off x="0" y="0"/>
-          <a:ext cx="0" cy="0"/>
-          <a:chOff x="0" y="0"/>
-          <a:chExt cx="0" cy="0"/>
-        </a:xfrm>
-      </p:grpSpPr>
-      <p:sp>
-        <p:nvSpPr>
-          <p:cNvPr id="2" name="제목 1">
-            <a:extLst>
-              <a:ext uri="{FF2B5EF4-FFF2-40B4-BE49-F238E27FC236}">
-                <a16:creationId xmlns:a16="http://schemas.microsoft.com/office/drawing/2014/main" id="{0E6DF6C7-71C6-F41A-3C59-C6CDAEA1C5EB}"/>
-              </a:ext>
-            </a:extLst>
-          </p:cNvPr>
-          <p:cNvSpPr>
-            <a:spLocks noGrp="1"/>
-          </p:cNvSpPr>
-          <p:nvPr>
-            <p:ph type="title"/>
-          </p:nvPr>
-        </p:nvSpPr>
-        <p:spPr/>
-        <p:txBody>
-          <a:bodyPr/>
-          <a:lstStyle/>
-          <a:p>
-            <a:r>
-              <a:rPr lang="en-US" altLang="ko-KR" dirty="0"/>
-              <a:t>CSMA/CD</a:t>
-            </a:r>
-            <a:endParaRPr lang="ko-KR" altLang="en-US" dirty="0"/>
-          </a:p>
-        </p:txBody>
-      </p:sp>
-      <p:sp>
-        <p:nvSpPr>
-          <p:cNvPr id="3" name="내용 개체 틀 2">
-            <a:extLst>
-              <a:ext uri="{FF2B5EF4-FFF2-40B4-BE49-F238E27FC236}">
-                <a16:creationId xmlns:a16="http://schemas.microsoft.com/office/drawing/2014/main" id="{AD50170D-D0BB-69DC-D993-4EB7AE105F11}"/>
-              </a:ext>
-            </a:extLst>
-          </p:cNvPr>
-          <p:cNvSpPr>
-            <a:spLocks noGrp="1"/>
-          </p:cNvSpPr>
-          <p:nvPr>
-            <p:ph idx="1"/>
-          </p:nvPr>
-        </p:nvSpPr>
-        <p:spPr/>
-        <p:txBody>
-          <a:bodyPr/>
-          <a:lstStyle/>
-          <a:p>
-            <a:endParaRPr lang="ko-KR" altLang="en-US"/>
-          </a:p>
-        </p:txBody>
-      </p:sp>
-    </p:spTree>
-    <p:extLst>
-      <p:ext uri="{BB962C8B-B14F-4D97-AF65-F5344CB8AC3E}">
-        <p14:creationId xmlns:p14="http://schemas.microsoft.com/office/powerpoint/2010/main" val="3938073431"/>
+        <p14:creationId xmlns:p14="http://schemas.microsoft.com/office/powerpoint/2010/main" val="2994615564"/>
       </p:ext>
     </p:extLst>
   </p:cSld>
@@ -7763,90 +11609,6 @@
 </p:sld>
 </file>
 
-<file path=ppt/slides/slide30.xml><?xml version="1.0" encoding="utf-8"?>
-<p:sld xmlns:a="http://schemas.openxmlformats.org/drawingml/2006/main" xmlns:r="http://schemas.openxmlformats.org/officeDocument/2006/relationships" xmlns:p="http://schemas.openxmlformats.org/presentationml/2006/main">
-  <p:cSld>
-    <p:spTree>
-      <p:nvGrpSpPr>
-        <p:cNvPr id="1" name=""/>
-        <p:cNvGrpSpPr/>
-        <p:nvPr/>
-      </p:nvGrpSpPr>
-      <p:grpSpPr>
-        <a:xfrm>
-          <a:off x="0" y="0"/>
-          <a:ext cx="0" cy="0"/>
-          <a:chOff x="0" y="0"/>
-          <a:chExt cx="0" cy="0"/>
-        </a:xfrm>
-      </p:grpSpPr>
-      <p:sp>
-        <p:nvSpPr>
-          <p:cNvPr id="2" name="제목 1">
-            <a:extLst>
-              <a:ext uri="{FF2B5EF4-FFF2-40B4-BE49-F238E27FC236}">
-                <a16:creationId xmlns:a16="http://schemas.microsoft.com/office/drawing/2014/main" id="{13D882CC-F556-0303-363C-34AA8C763FD7}"/>
-              </a:ext>
-            </a:extLst>
-          </p:cNvPr>
-          <p:cNvSpPr>
-            <a:spLocks noGrp="1"/>
-          </p:cNvSpPr>
-          <p:nvPr>
-            <p:ph type="title"/>
-          </p:nvPr>
-        </p:nvSpPr>
-        <p:spPr/>
-        <p:txBody>
-          <a:bodyPr/>
-          <a:lstStyle/>
-          <a:p>
-            <a:r>
-              <a:rPr lang="en-US" altLang="ko-KR" dirty="0"/>
-              <a:t>Switch</a:t>
-            </a:r>
-            <a:endParaRPr lang="ko-KR" altLang="en-US" dirty="0"/>
-          </a:p>
-        </p:txBody>
-      </p:sp>
-      <p:sp>
-        <p:nvSpPr>
-          <p:cNvPr id="3" name="내용 개체 틀 2">
-            <a:extLst>
-              <a:ext uri="{FF2B5EF4-FFF2-40B4-BE49-F238E27FC236}">
-                <a16:creationId xmlns:a16="http://schemas.microsoft.com/office/drawing/2014/main" id="{B48C4B06-E5BA-C721-9E39-4C426074D86F}"/>
-              </a:ext>
-            </a:extLst>
-          </p:cNvPr>
-          <p:cNvSpPr>
-            <a:spLocks noGrp="1"/>
-          </p:cNvSpPr>
-          <p:nvPr>
-            <p:ph idx="1"/>
-          </p:nvPr>
-        </p:nvSpPr>
-        <p:spPr/>
-        <p:txBody>
-          <a:bodyPr/>
-          <a:lstStyle/>
-          <a:p>
-            <a:endParaRPr lang="ko-KR" altLang="en-US"/>
-          </a:p>
-        </p:txBody>
-      </p:sp>
-    </p:spTree>
-    <p:extLst>
-      <p:ext uri="{BB962C8B-B14F-4D97-AF65-F5344CB8AC3E}">
-        <p14:creationId xmlns:p14="http://schemas.microsoft.com/office/powerpoint/2010/main" val="2994615564"/>
-      </p:ext>
-    </p:extLst>
-  </p:cSld>
-  <p:clrMapOvr>
-    <a:masterClrMapping/>
-  </p:clrMapOvr>
-</p:sld>
-</file>
-
 <file path=ppt/slides/slide4.xml><?xml version="1.0" encoding="utf-8"?>
 <p:sld xmlns:a="http://schemas.openxmlformats.org/drawingml/2006/main" xmlns:r="http://schemas.openxmlformats.org/officeDocument/2006/relationships" xmlns:p="http://schemas.openxmlformats.org/presentationml/2006/main">
   <p:cSld>
@@ -8195,7 +11957,7 @@
             </a:r>
             <a:r>
               <a:rPr lang="ko-KR" altLang="en-US" sz="1600" dirty="0"/>
-              <a:t>억 개의 장치보다 인구 수 및 서버대수도</a:t>
+              <a:t>억 개의 장치보다 인구 수 및 서버 대수도</a:t>
             </a:r>
             <a:br>
               <a:rPr lang="en-US" altLang="ko-KR" sz="1600" dirty="0"/>
@@ -9228,7 +12990,7 @@
             </a:r>
             <a:r>
               <a:rPr lang="ko-KR" altLang="en-US" sz="1600" dirty="0"/>
-              <a:t>를 사용하여 보다 효율적인 통신을 하며</a:t>
+              <a:t>를 사용해서 보다 효율적인 통신을 하며</a:t>
             </a:r>
             <a:r>
               <a:rPr lang="en-US" altLang="ko-KR" sz="1600" dirty="0"/>
@@ -9555,7 +13317,12 @@
             <p:ph idx="1"/>
           </p:nvPr>
         </p:nvSpPr>
-        <p:spPr/>
+        <p:spPr>
+          <a:xfrm>
+            <a:off x="762000" y="1765139"/>
+            <a:ext cx="10668000" cy="5036817"/>
+          </a:xfrm>
+        </p:spPr>
         <p:txBody>
           <a:bodyPr/>
           <a:lstStyle/>
@@ -9790,11 +13557,11 @@
             </a:r>
             <a:r>
               <a:rPr lang="ko-KR" altLang="en-US" sz="1600" dirty="0"/>
-              <a:t>는 라우팅 테이블</a:t>
-            </a:r>
-            <a:r>
-              <a:rPr lang="en-US" altLang="ko-KR" sz="1600" dirty="0"/>
-              <a:t>(Routing Table)</a:t>
+              <a:t>는 바인딩 테이블</a:t>
+            </a:r>
+            <a:r>
+              <a:rPr lang="en-US" altLang="ko-KR" sz="1600" dirty="0"/>
+              <a:t>(Binding Table)</a:t>
             </a:r>
             <a:r>
               <a:rPr lang="ko-KR" altLang="en-US" sz="1600" dirty="0"/>
@@ -9832,7 +13599,23 @@
           <a:p>
             <a:r>
               <a:rPr lang="ko-KR" altLang="en-US" sz="1600" dirty="0"/>
-              <a:t>라우팅 테이블은 두 호스트가 </a:t>
+              <a:t>라우팅 테이블</a:t>
+            </a:r>
+            <a:r>
+              <a:rPr lang="en-US" altLang="ko-KR" sz="1600" dirty="0"/>
+              <a:t>(Routing</a:t>
+            </a:r>
+            <a:r>
+              <a:rPr lang="ko-KR" altLang="en-US" sz="1600" dirty="0"/>
+              <a:t> </a:t>
+            </a:r>
+            <a:r>
+              <a:rPr lang="en-US" altLang="ko-KR" sz="1600" dirty="0"/>
+              <a:t>Table)</a:t>
+            </a:r>
+            <a:r>
+              <a:rPr lang="ko-KR" altLang="en-US" sz="1600" dirty="0"/>
+              <a:t>은 두 호스트가 </a:t>
             </a:r>
             <a:r>
               <a:rPr lang="en-US" altLang="ko-KR" sz="1600" dirty="0"/>
@@ -9867,7 +13650,23 @@
             </a:br>
             <a:r>
               <a:rPr lang="ko-KR" altLang="en-US" sz="1600" dirty="0"/>
-              <a:t>테이블을 작성한 테이블 또는 둘 사이의 연결을 테이블을 통해 중재 해줍니다</a:t>
+              <a:t>테이블을 작성한 라우터가 두 호스트 사이의 </a:t>
+            </a:r>
+            <a:r>
+              <a:rPr lang="en-US" altLang="ko-KR" sz="1600" dirty="0"/>
+              <a:t>“</a:t>
+            </a:r>
+            <a:r>
+              <a:rPr lang="ko-KR" altLang="en-US" sz="1600" dirty="0"/>
+              <a:t>물리적 연결</a:t>
+            </a:r>
+            <a:r>
+              <a:rPr lang="en-US" altLang="ko-KR" sz="1600" dirty="0"/>
+              <a:t>”</a:t>
+            </a:r>
+            <a:r>
+              <a:rPr lang="ko-KR" altLang="en-US" sz="1600" dirty="0"/>
+              <a:t>을 라우팅 테이블을 통해 중재 해줍니다</a:t>
             </a:r>
             <a:endParaRPr lang="en-US" altLang="ko-KR" sz="1600" dirty="0"/>
           </a:p>
@@ -10110,7 +13909,7 @@
             </a:r>
             <a:r>
               <a:rPr lang="ko-KR" altLang="en-US" sz="1600" dirty="0"/>
-              <a:t>가 매핑 된 테이블을 사용해서 호스트와 통신 할 수 있습니다</a:t>
+              <a:t>가 매핑 된 바인딩 테이블을 사용해서 호스트와 통신 할 수 있습니다</a:t>
             </a:r>
             <a:endParaRPr lang="en-US" altLang="ko-KR" sz="1600" dirty="0"/>
           </a:p>
@@ -10162,7 +13961,7 @@
             </a:r>
             <a:r>
               <a:rPr lang="ko-KR" altLang="en-US" sz="1600" dirty="0"/>
-              <a:t>로 매핑 된 테이블을</a:t>
+              <a:t>로 매핑 된 바인딩 테이블을</a:t>
             </a:r>
             <a:br>
               <a:rPr lang="en-US" altLang="ko-KR" sz="1600" dirty="0"/>

--- a/3.pptx
+++ b/3.pptx
@@ -286,7 +286,7 @@
           <a:p>
             <a:fld id="{76969C88-B244-455D-A017-012B25B1ACDD}" type="datetimeFigureOut">
               <a:rPr lang="en-US" smtClean="0"/>
-              <a:t>2/5/2024</a:t>
+              <a:t>2/6/2024</a:t>
             </a:fld>
             <a:endParaRPr lang="en-US"/>
           </a:p>
@@ -500,7 +500,7 @@
           <a:p>
             <a:fld id="{76969C88-B244-455D-A017-012B25B1ACDD}" type="datetimeFigureOut">
               <a:rPr lang="en-US" smtClean="0"/>
-              <a:t>2/5/2024</a:t>
+              <a:t>2/6/2024</a:t>
             </a:fld>
             <a:endParaRPr lang="en-US"/>
           </a:p>
@@ -724,7 +724,7 @@
           <a:p>
             <a:fld id="{76969C88-B244-455D-A017-012B25B1ACDD}" type="datetimeFigureOut">
               <a:rPr lang="en-US" smtClean="0"/>
-              <a:t>2/5/2024</a:t>
+              <a:t>2/6/2024</a:t>
             </a:fld>
             <a:endParaRPr lang="en-US"/>
           </a:p>
@@ -964,7 +964,7 @@
           <a:p>
             <a:fld id="{76969C88-B244-455D-A017-012B25B1ACDD}" type="datetimeFigureOut">
               <a:rPr lang="en-US" smtClean="0"/>
-              <a:t>2/5/2024</a:t>
+              <a:t>2/6/2024</a:t>
             </a:fld>
             <a:endParaRPr lang="en-US" dirty="0"/>
           </a:p>
@@ -1185,7 +1185,7 @@
           <a:p>
             <a:fld id="{76969C88-B244-455D-A017-012B25B1ACDD}" type="datetimeFigureOut">
               <a:rPr lang="en-US" smtClean="0"/>
-              <a:t>2/5/2024</a:t>
+              <a:t>2/6/2024</a:t>
             </a:fld>
             <a:endParaRPr lang="en-US"/>
           </a:p>
@@ -1475,7 +1475,7 @@
           <a:p>
             <a:fld id="{76969C88-B244-455D-A017-012B25B1ACDD}" type="datetimeFigureOut">
               <a:rPr lang="en-US" smtClean="0"/>
-              <a:t>2/5/2024</a:t>
+              <a:t>2/6/2024</a:t>
             </a:fld>
             <a:endParaRPr lang="en-US"/>
           </a:p>
@@ -1833,7 +1833,7 @@
           <a:p>
             <a:fld id="{76969C88-B244-455D-A017-012B25B1ACDD}" type="datetimeFigureOut">
               <a:rPr lang="en-US" smtClean="0"/>
-              <a:t>2/5/2024</a:t>
+              <a:t>2/6/2024</a:t>
             </a:fld>
             <a:endParaRPr lang="en-US"/>
           </a:p>
@@ -1999,7 +1999,7 @@
           <a:p>
             <a:fld id="{76969C88-B244-455D-A017-012B25B1ACDD}" type="datetimeFigureOut">
               <a:rPr lang="en-US" smtClean="0"/>
-              <a:t>2/5/2024</a:t>
+              <a:t>2/6/2024</a:t>
             </a:fld>
             <a:endParaRPr lang="en-US"/>
           </a:p>
@@ -2058,7 +2058,7 @@
           <a:p>
             <a:fld id="{76969C88-B244-455D-A017-012B25B1ACDD}" type="datetimeFigureOut">
               <a:rPr lang="en-US" smtClean="0"/>
-              <a:t>2/5/2024</a:t>
+              <a:t>2/6/2024</a:t>
             </a:fld>
             <a:endParaRPr lang="en-US"/>
           </a:p>
@@ -2386,7 +2386,7 @@
           <a:p>
             <a:fld id="{76969C88-B244-455D-A017-012B25B1ACDD}" type="datetimeFigureOut">
               <a:rPr lang="en-US" smtClean="0"/>
-              <a:t>2/5/2024</a:t>
+              <a:t>2/6/2024</a:t>
             </a:fld>
             <a:endParaRPr lang="en-US"/>
           </a:p>
@@ -2693,7 +2693,7 @@
           <a:p>
             <a:fld id="{76969C88-B244-455D-A017-012B25B1ACDD}" type="datetimeFigureOut">
               <a:rPr lang="en-US" smtClean="0"/>
-              <a:t>2/5/2024</a:t>
+              <a:t>2/6/2024</a:t>
             </a:fld>
             <a:endParaRPr lang="en-US"/>
           </a:p>
@@ -3459,7 +3459,7 @@
             <a:fld id="{76969C88-B244-455D-A017-012B25B1ACDD}" type="datetimeFigureOut">
               <a:rPr lang="en-US" smtClean="0"/>
               <a:pPr/>
-              <a:t>2/5/2024</a:t>
+              <a:t>2/6/2024</a:t>
             </a:fld>
             <a:endParaRPr lang="en-US"/>
           </a:p>
@@ -8955,6 +8955,14 @@
 <file path=ppt/slides/slide2.xml><?xml version="1.0" encoding="utf-8"?>
 <p:sld xmlns:a="http://schemas.openxmlformats.org/drawingml/2006/main" xmlns:r="http://schemas.openxmlformats.org/officeDocument/2006/relationships" xmlns:p="http://schemas.openxmlformats.org/presentationml/2006/main">
   <p:cSld>
+    <p:bg>
+      <p:bgPr>
+        <a:solidFill>
+          <a:schemeClr val="bg2"/>
+        </a:solidFill>
+        <a:effectLst/>
+      </p:bgPr>
+    </p:bg>
     <p:spTree>
       <p:nvGrpSpPr>
         <p:cNvPr id="1" name=""/>
@@ -8969,31 +8977,338 @@
           <a:chExt cx="0" cy="0"/>
         </a:xfrm>
       </p:grpSpPr>
-      <p:sp>
+      <p:sp useBgFill="1">
         <p:nvSpPr>
-          <p:cNvPr id="2" name="제목 1">
+          <p:cNvPr id="9" name="Rectangle 8">
             <a:extLst>
               <a:ext uri="{FF2B5EF4-FFF2-40B4-BE49-F238E27FC236}">
-                <a16:creationId xmlns:a16="http://schemas.microsoft.com/office/drawing/2014/main" id="{E7A09945-111B-6696-B5D9-E52DF9208B85}"/>
+                <a16:creationId xmlns:a16="http://schemas.microsoft.com/office/drawing/2014/main" id="{987A0FBA-CC04-4256-A8EB-BB3C543E989C}"/>
+              </a:ext>
+              <a:ext uri="{C183D7F6-B498-43B3-948B-1728B52AA6E4}">
+                <adec:decorative xmlns:adec="http://schemas.microsoft.com/office/drawing/2017/decorative" val="1"/>
               </a:ext>
             </a:extLst>
           </p:cNvPr>
           <p:cNvSpPr>
-            <a:spLocks noGrp="1"/>
+            <a:spLocks noGrp="1" noRot="1" noChangeAspect="1" noMove="1" noResize="1" noEditPoints="1" noAdjustHandles="1" noChangeArrowheads="1" noChangeShapeType="1" noTextEdit="1"/>
           </p:cNvSpPr>
           <p:nvPr>
-            <p:ph type="title"/>
+            <p:extLst>
+              <p:ext uri="{386F3935-93C4-4BCD-93E2-E3B085C9AB24}">
+                <p16:designElem xmlns:p16="http://schemas.microsoft.com/office/powerpoint/2015/main" val="1"/>
+              </p:ext>
+            </p:extLst>
           </p:nvPr>
         </p:nvSpPr>
-        <p:spPr/>
+        <p:spPr>
+          <a:xfrm>
+            <a:off x="0" y="0"/>
+            <a:ext cx="12192000" cy="6858000"/>
+          </a:xfrm>
+          <a:prstGeom prst="rect">
+            <a:avLst/>
+          </a:prstGeom>
+          <a:ln w="12700" cap="flat" cmpd="sng" algn="ctr">
+            <a:noFill/>
+            <a:prstDash val="solid"/>
+            <a:miter lim="800000"/>
+          </a:ln>
+          <a:effectLst/>
+          <a:extLst>
+            <a:ext uri="{91240B29-F687-4F45-9708-019B960494DF}">
+              <a14:hiddenLine xmlns:a14="http://schemas.microsoft.com/office/drawing/2010/main" w="12700" cap="flat" cmpd="sng" algn="ctr">
+                <a:solidFill>
+                  <a:schemeClr val="accent1">
+                    <a:shade val="50000"/>
+                  </a:schemeClr>
+                </a:solidFill>
+                <a:prstDash val="solid"/>
+                <a:miter lim="800000"/>
+              </a14:hiddenLine>
+            </a:ext>
+          </a:extLst>
+        </p:spPr>
+        <p:style>
+          <a:lnRef idx="2">
+            <a:schemeClr val="accent1">
+              <a:shade val="50000"/>
+            </a:schemeClr>
+          </a:lnRef>
+          <a:fillRef idx="1">
+            <a:schemeClr val="accent1"/>
+          </a:fillRef>
+          <a:effectRef idx="0">
+            <a:schemeClr val="accent1"/>
+          </a:effectRef>
+          <a:fontRef idx="minor">
+            <a:schemeClr val="lt1"/>
+          </a:fontRef>
+        </p:style>
         <p:txBody>
-          <a:bodyPr/>
+          <a:bodyPr rtlCol="0" anchor="ctr"/>
           <a:lstStyle/>
           <a:p>
-            <a:r>
-              <a:rPr lang="ko-KR" altLang="en-US" dirty="0"/>
-              <a:t>목차</a:t>
-            </a:r>
+            <a:pPr algn="ctr"/>
+            <a:endParaRPr lang="en-US"/>
+          </a:p>
+        </p:txBody>
+      </p:sp>
+      <p:pic>
+        <p:nvPicPr>
+          <p:cNvPr id="5" name="Picture 4" descr="Close-up of a server network panel with lights and cables">
+            <a:extLst>
+              <a:ext uri="{FF2B5EF4-FFF2-40B4-BE49-F238E27FC236}">
+                <a16:creationId xmlns:a16="http://schemas.microsoft.com/office/drawing/2014/main" id="{C19D09C8-954D-328A-4AFD-8A020478EDA6}"/>
+              </a:ext>
+            </a:extLst>
+          </p:cNvPr>
+          <p:cNvPicPr>
+            <a:picLocks noChangeAspect="1"/>
+          </p:cNvPicPr>
+          <p:nvPr/>
+        </p:nvPicPr>
+        <p:blipFill rotWithShape="1">
+          <a:blip r:embed="rId2"/>
+          <a:srcRect l="1872" r="36355" b="1"/>
+          <a:stretch/>
+        </p:blipFill>
+        <p:spPr>
+          <a:xfrm>
+            <a:off x="6613174" y="10"/>
+            <a:ext cx="5578824" cy="6028246"/>
+          </a:xfrm>
+          <a:custGeom>
+            <a:avLst/>
+            <a:gdLst/>
+            <a:ahLst/>
+            <a:cxnLst/>
+            <a:rect l="l" t="t" r="r" b="b"/>
+            <a:pathLst>
+              <a:path w="5578824" h="6028256">
+                <a:moveTo>
+                  <a:pt x="1681218" y="0"/>
+                </a:moveTo>
+                <a:lnTo>
+                  <a:pt x="5578824" y="0"/>
+                </a:lnTo>
+                <a:lnTo>
+                  <a:pt x="5578824" y="5760161"/>
+                </a:lnTo>
+                <a:lnTo>
+                  <a:pt x="5441231" y="5804042"/>
+                </a:lnTo>
+                <a:cubicBezTo>
+                  <a:pt x="5079089" y="5907589"/>
+                  <a:pt x="4674877" y="5944442"/>
+                  <a:pt x="4253224" y="5980388"/>
+                </a:cubicBezTo>
+                <a:cubicBezTo>
+                  <a:pt x="2813852" y="6102970"/>
+                  <a:pt x="1551586" y="6071494"/>
+                  <a:pt x="837278" y="4877588"/>
+                </a:cubicBezTo>
+                <a:cubicBezTo>
+                  <a:pt x="529862" y="4363935"/>
+                  <a:pt x="255162" y="3847185"/>
+                  <a:pt x="109626" y="3329255"/>
+                </a:cubicBezTo>
+                <a:cubicBezTo>
+                  <a:pt x="-35907" y="2811325"/>
+                  <a:pt x="-52277" y="2292214"/>
+                  <a:pt x="156962" y="1773839"/>
+                </a:cubicBezTo>
+                <a:cubicBezTo>
+                  <a:pt x="296494" y="1428108"/>
+                  <a:pt x="536161" y="1082881"/>
+                  <a:pt x="904890" y="738354"/>
+                </a:cubicBezTo>
+                <a:cubicBezTo>
+                  <a:pt x="1036690" y="615181"/>
+                  <a:pt x="1169968" y="488910"/>
+                  <a:pt x="1304592" y="360545"/>
+                </a:cubicBezTo>
+                <a:close/>
+              </a:path>
+            </a:pathLst>
+          </a:custGeom>
+        </p:spPr>
+      </p:pic>
+      <p:sp>
+        <p:nvSpPr>
+          <p:cNvPr id="11" name="Freeform: Shape 10">
+            <a:extLst>
+              <a:ext uri="{FF2B5EF4-FFF2-40B4-BE49-F238E27FC236}">
+                <a16:creationId xmlns:a16="http://schemas.microsoft.com/office/drawing/2014/main" id="{3362A0EA-3E81-4464-94B8-70BE5870EDC0}"/>
+              </a:ext>
+              <a:ext uri="{C183D7F6-B498-43B3-948B-1728B52AA6E4}">
+                <adec:decorative xmlns:adec="http://schemas.microsoft.com/office/drawing/2017/decorative" val="1"/>
+              </a:ext>
+            </a:extLst>
+          </p:cNvPr>
+          <p:cNvSpPr>
+            <a:spLocks noGrp="1" noRot="1" noChangeAspect="1" noMove="1" noResize="1" noEditPoints="1" noAdjustHandles="1" noChangeArrowheads="1" noChangeShapeType="1" noTextEdit="1"/>
+          </p:cNvSpPr>
+          <p:nvPr>
+            <p:extLst>
+              <p:ext uri="{386F3935-93C4-4BCD-93E2-E3B085C9AB24}">
+                <p16:designElem xmlns:p16="http://schemas.microsoft.com/office/powerpoint/2015/main" val="1"/>
+              </p:ext>
+            </p:extLst>
+          </p:nvPr>
+        </p:nvSpPr>
+        <p:spPr>
+          <a:xfrm flipH="1">
+            <a:off x="6487883" y="0"/>
+            <a:ext cx="5704117" cy="6096000"/>
+          </a:xfrm>
+          <a:custGeom>
+            <a:avLst/>
+            <a:gdLst>
+              <a:gd name="connsiteX0" fmla="*/ 0 w 5704117"/>
+              <a:gd name="connsiteY0" fmla="*/ 0 h 6096000"/>
+              <a:gd name="connsiteX1" fmla="*/ 4562795 w 5704117"/>
+              <a:gd name="connsiteY1" fmla="*/ 0 h 6096000"/>
+              <a:gd name="connsiteX2" fmla="*/ 4721192 w 5704117"/>
+              <a:gd name="connsiteY2" fmla="*/ 133595 h 6096000"/>
+              <a:gd name="connsiteX3" fmla="*/ 5467522 w 5704117"/>
+              <a:gd name="connsiteY3" fmla="*/ 1054328 h 6096000"/>
+              <a:gd name="connsiteX4" fmla="*/ 5538873 w 5704117"/>
+              <a:gd name="connsiteY4" fmla="*/ 2897564 h 6096000"/>
+              <a:gd name="connsiteX5" fmla="*/ 4442050 w 5704117"/>
+              <a:gd name="connsiteY5" fmla="*/ 4732407 h 6096000"/>
+              <a:gd name="connsiteX6" fmla="*/ 93046 w 5704117"/>
+              <a:gd name="connsiteY6" fmla="*/ 6082857 h 6096000"/>
+              <a:gd name="connsiteX7" fmla="*/ 0 w 5704117"/>
+              <a:gd name="connsiteY7" fmla="*/ 6078450 h 6096000"/>
+              <a:gd name="connsiteX0" fmla="*/ 4562795 w 5704117"/>
+              <a:gd name="connsiteY0" fmla="*/ 0 h 6096000"/>
+              <a:gd name="connsiteX1" fmla="*/ 4721192 w 5704117"/>
+              <a:gd name="connsiteY1" fmla="*/ 133595 h 6096000"/>
+              <a:gd name="connsiteX2" fmla="*/ 5467522 w 5704117"/>
+              <a:gd name="connsiteY2" fmla="*/ 1054328 h 6096000"/>
+              <a:gd name="connsiteX3" fmla="*/ 5538873 w 5704117"/>
+              <a:gd name="connsiteY3" fmla="*/ 2897564 h 6096000"/>
+              <a:gd name="connsiteX4" fmla="*/ 4442050 w 5704117"/>
+              <a:gd name="connsiteY4" fmla="*/ 4732407 h 6096000"/>
+              <a:gd name="connsiteX5" fmla="*/ 93046 w 5704117"/>
+              <a:gd name="connsiteY5" fmla="*/ 6082857 h 6096000"/>
+              <a:gd name="connsiteX6" fmla="*/ 0 w 5704117"/>
+              <a:gd name="connsiteY6" fmla="*/ 6078450 h 6096000"/>
+              <a:gd name="connsiteX7" fmla="*/ 91440 w 5704117"/>
+              <a:gd name="connsiteY7" fmla="*/ 91440 h 6096000"/>
+              <a:gd name="connsiteX0" fmla="*/ 4562795 w 5704117"/>
+              <a:gd name="connsiteY0" fmla="*/ 0 h 6096000"/>
+              <a:gd name="connsiteX1" fmla="*/ 4721192 w 5704117"/>
+              <a:gd name="connsiteY1" fmla="*/ 133595 h 6096000"/>
+              <a:gd name="connsiteX2" fmla="*/ 5467522 w 5704117"/>
+              <a:gd name="connsiteY2" fmla="*/ 1054328 h 6096000"/>
+              <a:gd name="connsiteX3" fmla="*/ 5538873 w 5704117"/>
+              <a:gd name="connsiteY3" fmla="*/ 2897564 h 6096000"/>
+              <a:gd name="connsiteX4" fmla="*/ 4442050 w 5704117"/>
+              <a:gd name="connsiteY4" fmla="*/ 4732407 h 6096000"/>
+              <a:gd name="connsiteX5" fmla="*/ 93046 w 5704117"/>
+              <a:gd name="connsiteY5" fmla="*/ 6082857 h 6096000"/>
+              <a:gd name="connsiteX6" fmla="*/ 0 w 5704117"/>
+              <a:gd name="connsiteY6" fmla="*/ 6078450 h 6096000"/>
+            </a:gdLst>
+            <a:ahLst/>
+            <a:cxnLst>
+              <a:cxn ang="0">
+                <a:pos x="connsiteX0" y="connsiteY0"/>
+              </a:cxn>
+              <a:cxn ang="0">
+                <a:pos x="connsiteX1" y="connsiteY1"/>
+              </a:cxn>
+              <a:cxn ang="0">
+                <a:pos x="connsiteX2" y="connsiteY2"/>
+              </a:cxn>
+              <a:cxn ang="0">
+                <a:pos x="connsiteX3" y="connsiteY3"/>
+              </a:cxn>
+              <a:cxn ang="0">
+                <a:pos x="connsiteX4" y="connsiteY4"/>
+              </a:cxn>
+              <a:cxn ang="0">
+                <a:pos x="connsiteX5" y="connsiteY5"/>
+              </a:cxn>
+              <a:cxn ang="0">
+                <a:pos x="connsiteX6" y="connsiteY6"/>
+              </a:cxn>
+            </a:cxnLst>
+            <a:rect l="l" t="t" r="r" b="b"/>
+            <a:pathLst>
+              <a:path w="5704117" h="6096000">
+                <a:moveTo>
+                  <a:pt x="4562795" y="0"/>
+                </a:moveTo>
+                <a:lnTo>
+                  <a:pt x="4721192" y="133595"/>
+                </a:lnTo>
+                <a:cubicBezTo>
+                  <a:pt x="5067135" y="440105"/>
+                  <a:pt x="5309779" y="747048"/>
+                  <a:pt x="5467522" y="1054328"/>
+                </a:cubicBezTo>
+                <a:cubicBezTo>
+                  <a:pt x="5782917" y="1668625"/>
+                  <a:pt x="5758242" y="2283795"/>
+                  <a:pt x="5538873" y="2897564"/>
+                </a:cubicBezTo>
+                <a:cubicBezTo>
+                  <a:pt x="5319500" y="3511334"/>
+                  <a:pt x="4905433" y="4123706"/>
+                  <a:pt x="4442050" y="4732407"/>
+                </a:cubicBezTo>
+                <a:cubicBezTo>
+                  <a:pt x="3499930" y="5970384"/>
+                  <a:pt x="1925433" y="6153690"/>
+                  <a:pt x="93046" y="6082857"/>
+                </a:cubicBezTo>
+                <a:lnTo>
+                  <a:pt x="0" y="6078450"/>
+                </a:lnTo>
+              </a:path>
+            </a:pathLst>
+          </a:custGeom>
+          <a:noFill/>
+          <a:ln w="19050">
+            <a:solidFill>
+              <a:schemeClr val="accent2">
+                <a:lumMod val="60000"/>
+                <a:lumOff val="40000"/>
+              </a:schemeClr>
+            </a:solidFill>
+          </a:ln>
+        </p:spPr>
+        <p:style>
+          <a:lnRef idx="2">
+            <a:schemeClr val="accent1">
+              <a:shade val="50000"/>
+            </a:schemeClr>
+          </a:lnRef>
+          <a:fillRef idx="1">
+            <a:schemeClr val="accent1"/>
+          </a:fillRef>
+          <a:effectRef idx="0">
+            <a:schemeClr val="accent1"/>
+          </a:effectRef>
+          <a:fontRef idx="minor">
+            <a:schemeClr val="lt1"/>
+          </a:fontRef>
+        </p:style>
+        <p:txBody>
+          <a:bodyPr wrap="square" rtlCol="0" anchor="ctr">
+            <a:noAutofit/>
+          </a:bodyPr>
+          <a:lstStyle/>
+          <a:p>
+            <a:pPr algn="ctr"/>
+            <a:endParaRPr lang="en-US">
+              <a:solidFill>
+                <a:prstClr val="white"/>
+              </a:solidFill>
+              <a:latin typeface="Avenir Next LT Pro Light"/>
+            </a:endParaRPr>
           </a:p>
         </p:txBody>
       </p:sp>
@@ -9013,16 +9328,162 @@
             <p:ph idx="1"/>
           </p:nvPr>
         </p:nvSpPr>
-        <p:spPr/>
+        <p:spPr>
+          <a:xfrm>
+            <a:off x="762000" y="2046514"/>
+            <a:ext cx="5334000" cy="4702629"/>
+          </a:xfrm>
+        </p:spPr>
         <p:txBody>
-          <a:bodyPr/>
+          <a:bodyPr>
+            <a:normAutofit/>
+          </a:bodyPr>
           <a:lstStyle/>
           <a:p>
             <a:pPr marL="457200" indent="-457200">
+              <a:lnSpc>
+                <a:spcPct val="102000"/>
+              </a:lnSpc>
               <a:buFont typeface="+mj-lt"/>
               <a:buAutoNum type="arabicPeriod"/>
             </a:pPr>
-            <a:endParaRPr lang="ko-KR" altLang="en-US" dirty="0"/>
+            <a:r>
+              <a:rPr lang="en-US" altLang="ko-KR" dirty="0"/>
+              <a:t>Layer 3</a:t>
+            </a:r>
+            <a:br>
+              <a:rPr lang="en-US" altLang="ko-KR" dirty="0"/>
+            </a:br>
+            <a:r>
+              <a:rPr lang="en-US" altLang="ko-KR" dirty="0"/>
+              <a:t>- IP</a:t>
+            </a:r>
+            <a:br>
+              <a:rPr lang="en-US" altLang="ko-KR" dirty="0"/>
+            </a:br>
+            <a:r>
+              <a:rPr lang="en-US" altLang="ko-KR" dirty="0"/>
+              <a:t>- DHCP</a:t>
+            </a:r>
+            <a:br>
+              <a:rPr lang="en-US" altLang="ko-KR" dirty="0"/>
+            </a:br>
+            <a:r>
+              <a:rPr lang="en-US" altLang="ko-KR" dirty="0"/>
+              <a:t>- NAT</a:t>
+            </a:r>
+            <a:br>
+              <a:rPr lang="en-US" altLang="ko-KR" dirty="0"/>
+            </a:br>
+            <a:r>
+              <a:rPr lang="en-US" altLang="ko-KR" dirty="0"/>
+              <a:t>- Hole Punching</a:t>
+            </a:r>
+            <a:br>
+              <a:rPr lang="en-US" altLang="ko-KR" dirty="0"/>
+            </a:br>
+            <a:r>
+              <a:rPr lang="en-US" altLang="ko-KR" dirty="0"/>
+              <a:t>- ICMP</a:t>
+            </a:r>
+            <a:br>
+              <a:rPr lang="en-US" altLang="ko-KR" dirty="0"/>
+            </a:br>
+            <a:r>
+              <a:rPr lang="en-US" altLang="ko-KR" dirty="0"/>
+              <a:t>- Routing</a:t>
+            </a:r>
+            <a:br>
+              <a:rPr lang="en-US" altLang="ko-KR" dirty="0"/>
+            </a:br>
+            <a:r>
+              <a:rPr lang="en-US" altLang="ko-KR" dirty="0"/>
+              <a:t>- BGP(AS)</a:t>
+            </a:r>
+          </a:p>
+          <a:p>
+            <a:pPr marL="457200" indent="-457200">
+              <a:lnSpc>
+                <a:spcPct val="102000"/>
+              </a:lnSpc>
+              <a:buFont typeface="+mj-lt"/>
+              <a:buAutoNum type="arabicPeriod"/>
+            </a:pPr>
+            <a:r>
+              <a:rPr lang="en-US" altLang="ko-KR" dirty="0"/>
+              <a:t>Layer 2</a:t>
+            </a:r>
+            <a:br>
+              <a:rPr lang="en-US" altLang="ko-KR" dirty="0"/>
+            </a:br>
+            <a:r>
+              <a:rPr lang="en-US" altLang="ko-KR" dirty="0"/>
+              <a:t>-</a:t>
+            </a:r>
+            <a:r>
+              <a:rPr lang="ko-KR" altLang="en-US" dirty="0"/>
+              <a:t> </a:t>
+            </a:r>
+            <a:r>
+              <a:rPr lang="en-US" altLang="ko-KR" dirty="0"/>
+              <a:t>Link</a:t>
+            </a:r>
+            <a:br>
+              <a:rPr lang="en-US" altLang="ko-KR" dirty="0"/>
+            </a:br>
+            <a:r>
+              <a:rPr lang="en-US" altLang="ko-KR" dirty="0"/>
+              <a:t>- Error Detection</a:t>
+            </a:r>
+            <a:br>
+              <a:rPr lang="en-US" altLang="ko-KR" dirty="0"/>
+            </a:br>
+            <a:r>
+              <a:rPr lang="en-US" altLang="ko-KR" dirty="0"/>
+              <a:t>- Ethernet</a:t>
+            </a:r>
+            <a:br>
+              <a:rPr lang="en-US" altLang="ko-KR" dirty="0"/>
+            </a:br>
+            <a:r>
+              <a:rPr lang="en-US" altLang="ko-KR" dirty="0"/>
+              <a:t>- NIC, ARP, MAC</a:t>
+            </a:r>
+          </a:p>
+        </p:txBody>
+      </p:sp>
+      <p:sp>
+        <p:nvSpPr>
+          <p:cNvPr id="2" name="제목 1">
+            <a:extLst>
+              <a:ext uri="{FF2B5EF4-FFF2-40B4-BE49-F238E27FC236}">
+                <a16:creationId xmlns:a16="http://schemas.microsoft.com/office/drawing/2014/main" id="{E7A09945-111B-6696-B5D9-E52DF9208B85}"/>
+              </a:ext>
+            </a:extLst>
+          </p:cNvPr>
+          <p:cNvSpPr>
+            <a:spLocks noGrp="1"/>
+          </p:cNvSpPr>
+          <p:nvPr>
+            <p:ph type="title"/>
+          </p:nvPr>
+        </p:nvSpPr>
+        <p:spPr>
+          <a:xfrm>
+            <a:off x="762000" y="762000"/>
+            <a:ext cx="5334000" cy="1524000"/>
+          </a:xfrm>
+        </p:spPr>
+        <p:txBody>
+          <a:bodyPr>
+            <a:normAutofit/>
+          </a:bodyPr>
+          <a:lstStyle/>
+          <a:p>
+            <a:r>
+              <a:rPr lang="ko-KR" altLang="en-US" sz="3200"/>
+              <a:t>목차</a:t>
+            </a:r>
           </a:p>
         </p:txBody>
       </p:sp>
@@ -11494,7 +11955,375 @@
           <a:bodyPr/>
           <a:lstStyle/>
           <a:p>
-            <a:endParaRPr lang="ko-KR" altLang="en-US" sz="1600" dirty="0"/>
+            <a:r>
+              <a:rPr lang="ko-KR" altLang="en-US" sz="1600" dirty="0"/>
+              <a:t>스위치</a:t>
+            </a:r>
+            <a:r>
+              <a:rPr lang="en-US" altLang="ko-KR" sz="1600" dirty="0"/>
+              <a:t>(Switch)</a:t>
+            </a:r>
+            <a:r>
+              <a:rPr lang="ko-KR" altLang="en-US" sz="1600" dirty="0"/>
+              <a:t>는 </a:t>
+            </a:r>
+            <a:r>
+              <a:rPr lang="en-US" altLang="ko-KR" sz="1600" dirty="0"/>
+              <a:t>L2 </a:t>
+            </a:r>
+            <a:r>
+              <a:rPr lang="ko-KR" altLang="en-US" sz="1600" dirty="0"/>
+              <a:t>계층 장치로 연결된 모든 노드의 </a:t>
+            </a:r>
+            <a:r>
+              <a:rPr lang="en-US" altLang="ko-KR" sz="1600" dirty="0"/>
+              <a:t>MAC</a:t>
+            </a:r>
+            <a:r>
+              <a:rPr lang="ko-KR" altLang="en-US" sz="1600" dirty="0"/>
+              <a:t>주소를 가진</a:t>
+            </a:r>
+            <a:br>
+              <a:rPr lang="en-US" altLang="ko-KR" sz="1600" dirty="0"/>
+            </a:br>
+            <a:r>
+              <a:rPr lang="en-US" altLang="ko-KR" sz="1600" dirty="0"/>
+              <a:t>MAC</a:t>
+            </a:r>
+            <a:r>
+              <a:rPr lang="ko-KR" altLang="en-US" sz="1600" dirty="0"/>
+              <a:t>주소 테이블</a:t>
+            </a:r>
+            <a:r>
+              <a:rPr lang="en-US" altLang="ko-KR" sz="1600" dirty="0"/>
+              <a:t>(MAC Address Table)</a:t>
+            </a:r>
+            <a:r>
+              <a:rPr lang="ko-KR" altLang="en-US" sz="1600" dirty="0"/>
+              <a:t>을 가지고 패킷을 스위칭</a:t>
+            </a:r>
+            <a:r>
+              <a:rPr lang="en-US" altLang="ko-KR" sz="1600" dirty="0"/>
+              <a:t>(</a:t>
+            </a:r>
+            <a:r>
+              <a:rPr lang="ko-KR" altLang="en-US" sz="1600" dirty="0"/>
+              <a:t>원하는 곳으로 포워딩</a:t>
+            </a:r>
+            <a:r>
+              <a:rPr lang="en-US" altLang="ko-KR" sz="1600" dirty="0"/>
+              <a:t>)</a:t>
+            </a:r>
+            <a:r>
+              <a:rPr lang="ko-KR" altLang="en-US" sz="1600" dirty="0"/>
+              <a:t>합니다</a:t>
+            </a:r>
+            <a:endParaRPr lang="en-US" altLang="ko-KR" sz="1600" dirty="0"/>
+          </a:p>
+          <a:p>
+            <a:r>
+              <a:rPr lang="ko-KR" altLang="en-US" sz="1600" dirty="0"/>
+              <a:t>스위치는 </a:t>
+            </a:r>
+            <a:r>
+              <a:rPr lang="en-US" altLang="ko-KR" sz="1600" dirty="0"/>
+              <a:t>L2</a:t>
+            </a:r>
+            <a:r>
+              <a:rPr lang="ko-KR" altLang="en-US" sz="1600" dirty="0"/>
+              <a:t>에만 있는 것이 아닌 범용적인 개념으로</a:t>
+            </a:r>
+            <a:r>
+              <a:rPr lang="en-US" altLang="ko-KR" sz="1600" dirty="0"/>
+              <a:t>,</a:t>
+            </a:r>
+            <a:br>
+              <a:rPr lang="en-US" altLang="ko-KR" sz="1600" dirty="0"/>
+            </a:br>
+            <a:r>
+              <a:rPr lang="ko-KR" altLang="en-US" sz="1600" dirty="0"/>
+              <a:t>오늘날에는 총 </a:t>
+            </a:r>
+            <a:r>
+              <a:rPr lang="en-US" altLang="ko-KR" sz="1600" dirty="0"/>
+              <a:t>5</a:t>
+            </a:r>
+            <a:r>
+              <a:rPr lang="ko-KR" altLang="en-US" sz="1600" dirty="0"/>
+              <a:t>가지의 계층에서 각 계층의 스타일에 맞게 스위칭 하는 장비들을</a:t>
+            </a:r>
+            <a:br>
+              <a:rPr lang="en-US" altLang="ko-KR" sz="1600" dirty="0"/>
+            </a:br>
+            <a:r>
+              <a:rPr lang="ko-KR" altLang="en-US" sz="1600" dirty="0"/>
+              <a:t>모두 스위치로 통칭합니다</a:t>
+            </a:r>
+            <a:endParaRPr lang="en-US" altLang="ko-KR" sz="1600" dirty="0"/>
+          </a:p>
+          <a:p>
+            <a:pPr marL="342900" indent="-342900">
+              <a:buFont typeface="+mj-lt"/>
+              <a:buAutoNum type="arabicPeriod"/>
+            </a:pPr>
+            <a:r>
+              <a:rPr lang="en-US" altLang="ko-KR" sz="1600" dirty="0"/>
+              <a:t>L1</a:t>
+            </a:r>
+            <a:r>
+              <a:rPr lang="ko-KR" altLang="en-US" sz="1600" dirty="0"/>
+              <a:t> </a:t>
+            </a:r>
+            <a:r>
+              <a:rPr lang="en-US" altLang="ko-KR" sz="1600" dirty="0"/>
+              <a:t>Switch (</a:t>
+            </a:r>
+            <a:r>
+              <a:rPr lang="ko-KR" altLang="en-US" sz="1600" dirty="0"/>
+              <a:t>일명 </a:t>
+            </a:r>
+            <a:r>
+              <a:rPr lang="en-US" altLang="ko-KR" sz="1600" dirty="0"/>
+              <a:t>Hub): </a:t>
+            </a:r>
+            <a:r>
+              <a:rPr lang="ko-KR" altLang="en-US" sz="1600" dirty="0"/>
+              <a:t>물리 선을 연결하여</a:t>
+            </a:r>
+            <a:r>
+              <a:rPr lang="en-US" altLang="ko-KR" sz="1600" dirty="0"/>
+              <a:t>,</a:t>
+            </a:r>
+            <a:r>
+              <a:rPr lang="ko-KR" altLang="en-US" sz="1600" dirty="0"/>
+              <a:t> 연결 된 모든 선이 같은 내용을 공유합니다</a:t>
+            </a:r>
+            <a:endParaRPr lang="en-US" altLang="ko-KR" sz="1600" dirty="0"/>
+          </a:p>
+          <a:p>
+            <a:pPr marL="342900" indent="-342900">
+              <a:buFont typeface="+mj-lt"/>
+              <a:buAutoNum type="arabicPeriod"/>
+            </a:pPr>
+            <a:r>
+              <a:rPr lang="en-US" altLang="ko-KR" sz="1600" dirty="0"/>
+              <a:t>L2</a:t>
+            </a:r>
+            <a:r>
+              <a:rPr lang="ko-KR" altLang="en-US" sz="1600" dirty="0"/>
+              <a:t> </a:t>
+            </a:r>
+            <a:r>
+              <a:rPr lang="en-US" altLang="ko-KR" sz="1600" dirty="0"/>
+              <a:t>Switch:</a:t>
+            </a:r>
+            <a:r>
+              <a:rPr lang="ko-KR" altLang="en-US" sz="1600" dirty="0"/>
+              <a:t> </a:t>
+            </a:r>
+            <a:r>
+              <a:rPr lang="en-US" altLang="ko-KR" sz="1600" dirty="0"/>
+              <a:t>MAC</a:t>
+            </a:r>
+            <a:r>
+              <a:rPr lang="ko-KR" altLang="en-US" sz="1600" dirty="0"/>
+              <a:t>주소를 사용하여 물리 선 스위칭</a:t>
+            </a:r>
+            <a:r>
+              <a:rPr lang="en-US" altLang="ko-KR" sz="1600" dirty="0"/>
+              <a:t>(</a:t>
+            </a:r>
+            <a:r>
+              <a:rPr lang="ko-KR" altLang="en-US" sz="1600" dirty="0"/>
+              <a:t>포워딩</a:t>
+            </a:r>
+            <a:r>
+              <a:rPr lang="en-US" altLang="ko-KR" sz="1600" dirty="0"/>
+              <a:t>)</a:t>
+            </a:r>
+            <a:r>
+              <a:rPr lang="ko-KR" altLang="en-US" sz="1600" dirty="0"/>
+              <a:t>을 시도합니다</a:t>
+            </a:r>
+            <a:endParaRPr lang="en-US" altLang="ko-KR" sz="1600" dirty="0"/>
+          </a:p>
+          <a:p>
+            <a:pPr marL="342900" indent="-342900">
+              <a:buFont typeface="+mj-lt"/>
+              <a:buAutoNum type="arabicPeriod"/>
+            </a:pPr>
+            <a:r>
+              <a:rPr lang="en-US" altLang="ko-KR" sz="1600" dirty="0"/>
+              <a:t>L3 Switch: IP</a:t>
+            </a:r>
+            <a:r>
+              <a:rPr lang="ko-KR" altLang="en-US" sz="1600" dirty="0"/>
+              <a:t>주소를 사용하여 물리 선 스위칭</a:t>
+            </a:r>
+            <a:r>
+              <a:rPr lang="en-US" altLang="ko-KR" sz="1600" dirty="0"/>
+              <a:t>(</a:t>
+            </a:r>
+            <a:r>
+              <a:rPr lang="ko-KR" altLang="en-US" sz="1600" dirty="0"/>
+              <a:t>포워딩</a:t>
+            </a:r>
+            <a:r>
+              <a:rPr lang="en-US" altLang="ko-KR" sz="1600" dirty="0"/>
+              <a:t>)</a:t>
+            </a:r>
+            <a:r>
+              <a:rPr lang="ko-KR" altLang="en-US" sz="1600" dirty="0"/>
+              <a:t>을 시도합니다</a:t>
+            </a:r>
+            <a:endParaRPr lang="en-US" altLang="ko-KR" sz="1600" dirty="0"/>
+          </a:p>
+          <a:p>
+            <a:pPr marL="342900" indent="-342900">
+              <a:buFont typeface="+mj-lt"/>
+              <a:buAutoNum type="arabicPeriod"/>
+            </a:pPr>
+            <a:r>
+              <a:rPr lang="en-US" altLang="ko-KR" sz="1600" dirty="0"/>
+              <a:t>L4</a:t>
+            </a:r>
+            <a:r>
+              <a:rPr lang="ko-KR" altLang="en-US" sz="1600" dirty="0"/>
+              <a:t> </a:t>
+            </a:r>
+            <a:r>
+              <a:rPr lang="en-US" altLang="ko-KR" sz="1600" dirty="0"/>
+              <a:t>Switch: </a:t>
+            </a:r>
+            <a:r>
+              <a:rPr lang="en-US" altLang="ko-KR" sz="1600" dirty="0" err="1"/>
+              <a:t>IP:Port</a:t>
+            </a:r>
+            <a:r>
+              <a:rPr lang="en-US" altLang="ko-KR" sz="1600" dirty="0"/>
+              <a:t>(</a:t>
+            </a:r>
+            <a:r>
+              <a:rPr lang="ko-KR" altLang="en-US" sz="1600" dirty="0"/>
+              <a:t>세션 단위</a:t>
+            </a:r>
+            <a:r>
+              <a:rPr lang="en-US" altLang="ko-KR" sz="1600" dirty="0"/>
+              <a:t>)</a:t>
+            </a:r>
+            <a:r>
+              <a:rPr lang="ko-KR" altLang="en-US" sz="1600" dirty="0"/>
+              <a:t>조합을 사용하여 물리</a:t>
+            </a:r>
+            <a:r>
+              <a:rPr lang="en-US" altLang="ko-KR" sz="1600" dirty="0"/>
+              <a:t>/</a:t>
+            </a:r>
+            <a:r>
+              <a:rPr lang="ko-KR" altLang="en-US" sz="1600" dirty="0"/>
+              <a:t>논리 </a:t>
+            </a:r>
+            <a:r>
+              <a:rPr lang="ko-KR" altLang="en-US" sz="1600" dirty="0" err="1"/>
+              <a:t>스위칭을</a:t>
+            </a:r>
+            <a:r>
+              <a:rPr lang="ko-KR" altLang="en-US" sz="1600" dirty="0"/>
+              <a:t> 시도합니다</a:t>
+            </a:r>
+            <a:endParaRPr lang="en-US" altLang="ko-KR" sz="1600" dirty="0"/>
+          </a:p>
+          <a:p>
+            <a:pPr marL="342900" indent="-342900">
+              <a:buFont typeface="+mj-lt"/>
+              <a:buAutoNum type="arabicPeriod"/>
+            </a:pPr>
+            <a:r>
+              <a:rPr lang="en-US" altLang="ko-KR" sz="1600" dirty="0"/>
+              <a:t>L5</a:t>
+            </a:r>
+            <a:r>
+              <a:rPr lang="ko-KR" altLang="en-US" sz="1600" dirty="0"/>
+              <a:t> </a:t>
+            </a:r>
+            <a:r>
+              <a:rPr lang="en-US" altLang="ko-KR" sz="1600" dirty="0"/>
+              <a:t>Switch: </a:t>
+            </a:r>
+            <a:r>
+              <a:rPr lang="ko-KR" altLang="en-US" sz="1600" dirty="0"/>
+              <a:t>어플리케이션 데이터를 보고 논리 </a:t>
+            </a:r>
+            <a:r>
+              <a:rPr lang="ko-KR" altLang="en-US" sz="1600" dirty="0" err="1"/>
+              <a:t>스위칭을</a:t>
+            </a:r>
+            <a:r>
+              <a:rPr lang="ko-KR" altLang="en-US" sz="1600" dirty="0"/>
+              <a:t> 시도합니다</a:t>
+            </a:r>
+            <a:endParaRPr lang="en-US" altLang="ko-KR" sz="1600" dirty="0"/>
+          </a:p>
+          <a:p>
+            <a:endParaRPr lang="en-US" altLang="ko-KR" sz="1600" dirty="0"/>
+          </a:p>
+          <a:p>
+            <a:r>
+              <a:rPr lang="ko-KR" altLang="en-US" sz="1600" dirty="0"/>
+              <a:t>스위치는 장치의 부하도 적으면서 효율적인 </a:t>
+            </a:r>
+            <a:r>
+              <a:rPr lang="ko-KR" altLang="en-US" sz="1600" dirty="0" err="1"/>
+              <a:t>스위칭을</a:t>
+            </a:r>
+            <a:r>
+              <a:rPr lang="ko-KR" altLang="en-US" sz="1600" dirty="0"/>
+              <a:t> 할 수 있게 해주고</a:t>
+            </a:r>
+            <a:r>
+              <a:rPr lang="en-US" altLang="ko-KR" sz="1600" dirty="0"/>
+              <a:t>,</a:t>
+            </a:r>
+            <a:br>
+              <a:rPr lang="en-US" altLang="ko-KR" sz="1600" dirty="0"/>
+            </a:br>
+            <a:r>
+              <a:rPr lang="ko-KR" altLang="en-US" sz="1600" dirty="0"/>
+              <a:t>구조도 단순하여</a:t>
+            </a:r>
+            <a:r>
+              <a:rPr lang="en-US" altLang="ko-KR" sz="1600" dirty="0"/>
+              <a:t> </a:t>
+            </a:r>
+            <a:r>
+              <a:rPr lang="ko-KR" altLang="en-US" sz="1600" dirty="0"/>
+              <a:t>공유기</a:t>
+            </a:r>
+            <a:r>
+              <a:rPr lang="en-US" altLang="ko-KR" sz="1600" dirty="0"/>
+              <a:t>(L3</a:t>
+            </a:r>
+            <a:r>
+              <a:rPr lang="ko-KR" altLang="en-US" sz="1600" dirty="0"/>
+              <a:t> </a:t>
+            </a:r>
+            <a:r>
+              <a:rPr lang="en-US" altLang="ko-KR" sz="1600" dirty="0"/>
+              <a:t>Switch)</a:t>
+            </a:r>
+            <a:r>
+              <a:rPr lang="ko-KR" altLang="en-US" sz="1600" dirty="0"/>
+              <a:t> 하위</a:t>
+            </a:r>
+            <a:r>
+              <a:rPr lang="en-US" altLang="ko-KR" sz="1600" dirty="0"/>
+              <a:t> </a:t>
+            </a:r>
+            <a:r>
+              <a:rPr lang="ko-KR" altLang="en-US" sz="1600" dirty="0"/>
+              <a:t>물리 장치로 쓰기 좋은 편이라 볼 수 있습니다</a:t>
+            </a:r>
+            <a:endParaRPr lang="en-US" altLang="ko-KR" sz="1600" dirty="0"/>
           </a:p>
         </p:txBody>
       </p:sp>
@@ -11687,7 +12516,7 @@
             </a:r>
             <a:r>
               <a:rPr lang="ko-KR" altLang="en-US" sz="1600" dirty="0"/>
-              <a:t>은 인터넷 표준 프로토콜로 인터넷을 하는 모든 장치</a:t>
+              <a:t>는 인터넷 표준 프로토콜로 인터넷을 하는 모든 장치</a:t>
             </a:r>
             <a:r>
               <a:rPr lang="en-US" altLang="ko-KR" sz="1600" dirty="0"/>
@@ -11964,7 +12793,7 @@
             </a:br>
             <a:r>
               <a:rPr lang="ko-KR" altLang="en-US" sz="1600" dirty="0"/>
-              <a:t>많을 여지가 다분하여 대체제로 </a:t>
+              <a:t>많을 여지가 다분하여 대체재로 </a:t>
             </a:r>
             <a:r>
               <a:rPr lang="en-US" altLang="ko-KR" sz="1600" dirty="0"/>
@@ -12344,15 +13173,7 @@
             </a:r>
             <a:r>
               <a:rPr lang="en-US" altLang="ko-KR" sz="1600" dirty="0"/>
-              <a:t>, </a:t>
-            </a:r>
-            <a:r>
-              <a:rPr lang="en-US" altLang="ko-KR" sz="1600" dirty="0" err="1"/>
-              <a:t>SubnetMask</a:t>
-            </a:r>
-            <a:r>
-              <a:rPr lang="en-US" altLang="ko-KR" sz="1600" dirty="0"/>
-              <a:t>: 255.255.255.0</a:t>
+              <a:t>, Subnet Mask: 255.255.255.0</a:t>
             </a:r>
             <a:r>
               <a:rPr lang="ko-KR" altLang="en-US" sz="1600" dirty="0"/>

--- a/3.pptx
+++ b/3.pptx
@@ -33,6 +33,10 @@
     <p:sldId id="301" r:id="rId27"/>
     <p:sldId id="339" r:id="rId28"/>
     <p:sldId id="305" r:id="rId29"/>
+    <p:sldId id="296" r:id="rId30"/>
+    <p:sldId id="306" r:id="rId31"/>
+    <p:sldId id="307" r:id="rId32"/>
+    <p:sldId id="308" r:id="rId33"/>
   </p:sldIdLst>
   <p:sldSz cx="12192000" cy="6858000"/>
   <p:notesSz cx="6858000" cy="9144000"/>
@@ -286,7 +290,7 @@
           <a:p>
             <a:fld id="{76969C88-B244-455D-A017-012B25B1ACDD}" type="datetimeFigureOut">
               <a:rPr lang="en-US" smtClean="0"/>
-              <a:t>2/6/2024</a:t>
+              <a:t>2/15/2024</a:t>
             </a:fld>
             <a:endParaRPr lang="en-US"/>
           </a:p>
@@ -500,7 +504,7 @@
           <a:p>
             <a:fld id="{76969C88-B244-455D-A017-012B25B1ACDD}" type="datetimeFigureOut">
               <a:rPr lang="en-US" smtClean="0"/>
-              <a:t>2/6/2024</a:t>
+              <a:t>2/15/2024</a:t>
             </a:fld>
             <a:endParaRPr lang="en-US"/>
           </a:p>
@@ -724,7 +728,7 @@
           <a:p>
             <a:fld id="{76969C88-B244-455D-A017-012B25B1ACDD}" type="datetimeFigureOut">
               <a:rPr lang="en-US" smtClean="0"/>
-              <a:t>2/6/2024</a:t>
+              <a:t>2/15/2024</a:t>
             </a:fld>
             <a:endParaRPr lang="en-US"/>
           </a:p>
@@ -964,7 +968,7 @@
           <a:p>
             <a:fld id="{76969C88-B244-455D-A017-012B25B1ACDD}" type="datetimeFigureOut">
               <a:rPr lang="en-US" smtClean="0"/>
-              <a:t>2/6/2024</a:t>
+              <a:t>2/15/2024</a:t>
             </a:fld>
             <a:endParaRPr lang="en-US" dirty="0"/>
           </a:p>
@@ -1185,7 +1189,7 @@
           <a:p>
             <a:fld id="{76969C88-B244-455D-A017-012B25B1ACDD}" type="datetimeFigureOut">
               <a:rPr lang="en-US" smtClean="0"/>
-              <a:t>2/6/2024</a:t>
+              <a:t>2/15/2024</a:t>
             </a:fld>
             <a:endParaRPr lang="en-US"/>
           </a:p>
@@ -1475,7 +1479,7 @@
           <a:p>
             <a:fld id="{76969C88-B244-455D-A017-012B25B1ACDD}" type="datetimeFigureOut">
               <a:rPr lang="en-US" smtClean="0"/>
-              <a:t>2/6/2024</a:t>
+              <a:t>2/15/2024</a:t>
             </a:fld>
             <a:endParaRPr lang="en-US"/>
           </a:p>
@@ -1833,7 +1837,7 @@
           <a:p>
             <a:fld id="{76969C88-B244-455D-A017-012B25B1ACDD}" type="datetimeFigureOut">
               <a:rPr lang="en-US" smtClean="0"/>
-              <a:t>2/6/2024</a:t>
+              <a:t>2/15/2024</a:t>
             </a:fld>
             <a:endParaRPr lang="en-US"/>
           </a:p>
@@ -1999,7 +2003,7 @@
           <a:p>
             <a:fld id="{76969C88-B244-455D-A017-012B25B1ACDD}" type="datetimeFigureOut">
               <a:rPr lang="en-US" smtClean="0"/>
-              <a:t>2/6/2024</a:t>
+              <a:t>2/15/2024</a:t>
             </a:fld>
             <a:endParaRPr lang="en-US"/>
           </a:p>
@@ -2058,7 +2062,7 @@
           <a:p>
             <a:fld id="{76969C88-B244-455D-A017-012B25B1ACDD}" type="datetimeFigureOut">
               <a:rPr lang="en-US" smtClean="0"/>
-              <a:t>2/6/2024</a:t>
+              <a:t>2/15/2024</a:t>
             </a:fld>
             <a:endParaRPr lang="en-US"/>
           </a:p>
@@ -2386,7 +2390,7 @@
           <a:p>
             <a:fld id="{76969C88-B244-455D-A017-012B25B1ACDD}" type="datetimeFigureOut">
               <a:rPr lang="en-US" smtClean="0"/>
-              <a:t>2/6/2024</a:t>
+              <a:t>2/15/2024</a:t>
             </a:fld>
             <a:endParaRPr lang="en-US"/>
           </a:p>
@@ -2693,7 +2697,7 @@
           <a:p>
             <a:fld id="{76969C88-B244-455D-A017-012B25B1ACDD}" type="datetimeFigureOut">
               <a:rPr lang="en-US" smtClean="0"/>
-              <a:t>2/6/2024</a:t>
+              <a:t>2/15/2024</a:t>
             </a:fld>
             <a:endParaRPr lang="en-US"/>
           </a:p>
@@ -3459,7 +3463,7 @@
             <a:fld id="{76969C88-B244-455D-A017-012B25B1ACDD}" type="datetimeFigureOut">
               <a:rPr lang="en-US" smtClean="0"/>
               <a:pPr/>
-              <a:t>2/6/2024</a:t>
+              <a:t>2/15/2024</a:t>
             </a:fld>
             <a:endParaRPr lang="en-US"/>
           </a:p>
@@ -9336,7 +9340,7 @@
         </p:spPr>
         <p:txBody>
           <a:bodyPr>
-            <a:normAutofit/>
+            <a:noAutofit/>
           </a:bodyPr>
           <a:lstStyle/>
           <a:p>
@@ -9348,56 +9352,56 @@
               <a:buAutoNum type="arabicPeriod"/>
             </a:pPr>
             <a:r>
-              <a:rPr lang="en-US" altLang="ko-KR" dirty="0"/>
+              <a:rPr lang="en-US" altLang="ko-KR" sz="1800" dirty="0"/>
               <a:t>Layer 3</a:t>
             </a:r>
             <a:br>
-              <a:rPr lang="en-US" altLang="ko-KR" dirty="0"/>
-            </a:br>
-            <a:r>
-              <a:rPr lang="en-US" altLang="ko-KR" dirty="0"/>
+              <a:rPr lang="en-US" altLang="ko-KR" sz="1800" dirty="0"/>
+            </a:br>
+            <a:r>
+              <a:rPr lang="en-US" altLang="ko-KR" sz="1600" dirty="0"/>
               <a:t>- IP</a:t>
             </a:r>
             <a:br>
-              <a:rPr lang="en-US" altLang="ko-KR" dirty="0"/>
-            </a:br>
-            <a:r>
-              <a:rPr lang="en-US" altLang="ko-KR" dirty="0"/>
+              <a:rPr lang="en-US" altLang="ko-KR" sz="1600" dirty="0"/>
+            </a:br>
+            <a:r>
+              <a:rPr lang="en-US" altLang="ko-KR" sz="1600" dirty="0"/>
               <a:t>- DHCP</a:t>
             </a:r>
             <a:br>
-              <a:rPr lang="en-US" altLang="ko-KR" dirty="0"/>
-            </a:br>
-            <a:r>
-              <a:rPr lang="en-US" altLang="ko-KR" dirty="0"/>
+              <a:rPr lang="en-US" altLang="ko-KR" sz="1600" dirty="0"/>
+            </a:br>
+            <a:r>
+              <a:rPr lang="en-US" altLang="ko-KR" sz="1600" dirty="0"/>
               <a:t>- NAT</a:t>
             </a:r>
             <a:br>
-              <a:rPr lang="en-US" altLang="ko-KR" dirty="0"/>
-            </a:br>
-            <a:r>
-              <a:rPr lang="en-US" altLang="ko-KR" dirty="0"/>
+              <a:rPr lang="en-US" altLang="ko-KR" sz="1600" dirty="0"/>
+            </a:br>
+            <a:r>
+              <a:rPr lang="en-US" altLang="ko-KR" sz="1600" dirty="0"/>
               <a:t>- Hole Punching</a:t>
             </a:r>
             <a:br>
-              <a:rPr lang="en-US" altLang="ko-KR" dirty="0"/>
-            </a:br>
-            <a:r>
-              <a:rPr lang="en-US" altLang="ko-KR" dirty="0"/>
+              <a:rPr lang="en-US" altLang="ko-KR" sz="1600" dirty="0"/>
+            </a:br>
+            <a:r>
+              <a:rPr lang="en-US" altLang="ko-KR" sz="1600" dirty="0"/>
               <a:t>- ICMP</a:t>
             </a:r>
             <a:br>
-              <a:rPr lang="en-US" altLang="ko-KR" dirty="0"/>
-            </a:br>
-            <a:r>
-              <a:rPr lang="en-US" altLang="ko-KR" dirty="0"/>
+              <a:rPr lang="en-US" altLang="ko-KR" sz="1600" dirty="0"/>
+            </a:br>
+            <a:r>
+              <a:rPr lang="en-US" altLang="ko-KR" sz="1600" dirty="0"/>
               <a:t>- Routing</a:t>
             </a:r>
             <a:br>
-              <a:rPr lang="en-US" altLang="ko-KR" dirty="0"/>
-            </a:br>
-            <a:r>
-              <a:rPr lang="en-US" altLang="ko-KR" dirty="0"/>
+              <a:rPr lang="en-US" altLang="ko-KR" sz="1600" dirty="0"/>
+            </a:br>
+            <a:r>
+              <a:rPr lang="en-US" altLang="ko-KR" sz="1600" dirty="0"/>
               <a:t>- BGP(AS)</a:t>
             </a:r>
           </a:p>
@@ -9410,44 +9414,78 @@
               <a:buAutoNum type="arabicPeriod"/>
             </a:pPr>
             <a:r>
-              <a:rPr lang="en-US" altLang="ko-KR" dirty="0"/>
+              <a:rPr lang="en-US" altLang="ko-KR" sz="1800" dirty="0"/>
               <a:t>Layer 2</a:t>
             </a:r>
             <a:br>
-              <a:rPr lang="en-US" altLang="ko-KR" dirty="0"/>
-            </a:br>
-            <a:r>
-              <a:rPr lang="en-US" altLang="ko-KR" dirty="0"/>
+              <a:rPr lang="en-US" altLang="ko-KR" sz="1800" dirty="0"/>
+            </a:br>
+            <a:r>
+              <a:rPr lang="en-US" altLang="ko-KR" sz="1600" dirty="0"/>
               <a:t>-</a:t>
             </a:r>
             <a:r>
-              <a:rPr lang="ko-KR" altLang="en-US" dirty="0"/>
+              <a:rPr lang="ko-KR" altLang="en-US" sz="1600" dirty="0"/>
               <a:t> </a:t>
             </a:r>
             <a:r>
-              <a:rPr lang="en-US" altLang="ko-KR" dirty="0"/>
+              <a:rPr lang="en-US" altLang="ko-KR" sz="1600" dirty="0"/>
               <a:t>Link</a:t>
             </a:r>
             <a:br>
-              <a:rPr lang="en-US" altLang="ko-KR" dirty="0"/>
-            </a:br>
-            <a:r>
-              <a:rPr lang="en-US" altLang="ko-KR" dirty="0"/>
+              <a:rPr lang="en-US" altLang="ko-KR" sz="1600" dirty="0"/>
+            </a:br>
+            <a:r>
+              <a:rPr lang="en-US" altLang="ko-KR" sz="1600" dirty="0"/>
               <a:t>- Error Detection</a:t>
             </a:r>
             <a:br>
-              <a:rPr lang="en-US" altLang="ko-KR" dirty="0"/>
-            </a:br>
-            <a:r>
-              <a:rPr lang="en-US" altLang="ko-KR" dirty="0"/>
+              <a:rPr lang="en-US" altLang="ko-KR" sz="1600" dirty="0"/>
+            </a:br>
+            <a:r>
+              <a:rPr lang="en-US" altLang="ko-KR" sz="1600" dirty="0"/>
               <a:t>- Ethernet</a:t>
             </a:r>
             <a:br>
-              <a:rPr lang="en-US" altLang="ko-KR" dirty="0"/>
-            </a:br>
-            <a:r>
-              <a:rPr lang="en-US" altLang="ko-KR" dirty="0"/>
+              <a:rPr lang="en-US" altLang="ko-KR" sz="1600" dirty="0"/>
+            </a:br>
+            <a:r>
+              <a:rPr lang="en-US" altLang="ko-KR" sz="1600" dirty="0"/>
               <a:t>- NIC, ARP, MAC</a:t>
+            </a:r>
+          </a:p>
+          <a:p>
+            <a:pPr marL="457200" indent="-457200">
+              <a:lnSpc>
+                <a:spcPct val="102000"/>
+              </a:lnSpc>
+              <a:buFont typeface="+mj-lt"/>
+              <a:buAutoNum type="arabicPeriod"/>
+            </a:pPr>
+            <a:r>
+              <a:rPr lang="en-US" altLang="ko-KR" sz="1800" dirty="0"/>
+              <a:t>Layer 1</a:t>
+            </a:r>
+            <a:br>
+              <a:rPr lang="en-US" altLang="ko-KR" sz="1800" dirty="0"/>
+            </a:br>
+            <a:r>
+              <a:rPr lang="en-US" altLang="ko-KR" sz="1600" dirty="0"/>
+              <a:t>- Transport mode</a:t>
+            </a:r>
+            <a:br>
+              <a:rPr lang="en-US" altLang="ko-KR" sz="1600" dirty="0"/>
+            </a:br>
+            <a:r>
+              <a:rPr lang="en-US" altLang="ko-KR" sz="1600" dirty="0"/>
+              <a:t>- Wireless LAN</a:t>
+            </a:r>
+            <a:br>
+              <a:rPr lang="en-US" altLang="ko-KR" sz="1600" dirty="0"/>
+            </a:br>
+            <a:r>
+              <a:rPr lang="en-US" altLang="ko-KR" sz="1600" dirty="0"/>
+              <a:t>- CSMA/CA</a:t>
             </a:r>
           </a:p>
         </p:txBody>
@@ -12340,6 +12378,104 @@
 </p:sld>
 </file>
 
+<file path=ppt/slides/slide29.xml><?xml version="1.0" encoding="utf-8"?>
+<p:sld xmlns:a="http://schemas.openxmlformats.org/drawingml/2006/main" xmlns:r="http://schemas.openxmlformats.org/officeDocument/2006/relationships" xmlns:p="http://schemas.openxmlformats.org/presentationml/2006/main">
+  <p:cSld>
+    <p:spTree>
+      <p:nvGrpSpPr>
+        <p:cNvPr id="1" name=""/>
+        <p:cNvGrpSpPr/>
+        <p:nvPr/>
+      </p:nvGrpSpPr>
+      <p:grpSpPr>
+        <a:xfrm>
+          <a:off x="0" y="0"/>
+          <a:ext cx="0" cy="0"/>
+          <a:chOff x="0" y="0"/>
+          <a:chExt cx="0" cy="0"/>
+        </a:xfrm>
+      </p:grpSpPr>
+      <p:sp>
+        <p:nvSpPr>
+          <p:cNvPr id="6" name="제목 5">
+            <a:extLst>
+              <a:ext uri="{FF2B5EF4-FFF2-40B4-BE49-F238E27FC236}">
+                <a16:creationId xmlns:a16="http://schemas.microsoft.com/office/drawing/2014/main" id="{F826D273-7332-66DA-9DCE-2EDFAAD4D461}"/>
+              </a:ext>
+            </a:extLst>
+          </p:cNvPr>
+          <p:cNvSpPr>
+            <a:spLocks noGrp="1"/>
+          </p:cNvSpPr>
+          <p:nvPr>
+            <p:ph type="ctrTitle"/>
+          </p:nvPr>
+        </p:nvSpPr>
+        <p:spPr/>
+        <p:txBody>
+          <a:bodyPr/>
+          <a:lstStyle/>
+          <a:p>
+            <a:r>
+              <a:rPr lang="en-US" altLang="ko-KR" dirty="0"/>
+              <a:t>Layer 1 </a:t>
+            </a:r>
+            <a:endParaRPr lang="ko-KR" altLang="en-US" dirty="0"/>
+          </a:p>
+        </p:txBody>
+      </p:sp>
+      <p:sp>
+        <p:nvSpPr>
+          <p:cNvPr id="7" name="부제목 6">
+            <a:extLst>
+              <a:ext uri="{FF2B5EF4-FFF2-40B4-BE49-F238E27FC236}">
+                <a16:creationId xmlns:a16="http://schemas.microsoft.com/office/drawing/2014/main" id="{4FD3139D-811E-04AA-6A66-753832B7229B}"/>
+              </a:ext>
+            </a:extLst>
+          </p:cNvPr>
+          <p:cNvSpPr>
+            <a:spLocks noGrp="1"/>
+          </p:cNvSpPr>
+          <p:nvPr>
+            <p:ph type="subTitle" idx="1"/>
+          </p:nvPr>
+        </p:nvSpPr>
+        <p:spPr/>
+        <p:txBody>
+          <a:bodyPr/>
+          <a:lstStyle/>
+          <a:p>
+            <a:r>
+              <a:rPr lang="ko-KR" altLang="en-US" dirty="0"/>
+              <a:t>물리 계층</a:t>
+            </a:r>
+            <a:br>
+              <a:rPr lang="en-US" altLang="ko-KR" dirty="0"/>
+            </a:br>
+            <a:r>
+              <a:rPr lang="en-US" altLang="ko-KR" dirty="0"/>
+              <a:t>(Physical Layer)</a:t>
+            </a:r>
+            <a:endParaRPr lang="ko-KR" altLang="en-US" dirty="0"/>
+          </a:p>
+          <a:p>
+            <a:endParaRPr lang="ko-KR" altLang="en-US" dirty="0"/>
+          </a:p>
+        </p:txBody>
+      </p:sp>
+    </p:spTree>
+    <p:extLst>
+      <p:ext uri="{BB962C8B-B14F-4D97-AF65-F5344CB8AC3E}">
+        <p14:creationId xmlns:p14="http://schemas.microsoft.com/office/powerpoint/2010/main" val="2904713976"/>
+      </p:ext>
+    </p:extLst>
+  </p:cSld>
+  <p:clrMapOvr>
+    <a:masterClrMapping/>
+  </p:clrMapOvr>
+</p:sld>
+</file>
+
 <file path=ppt/slides/slide3.xml><?xml version="1.0" encoding="utf-8"?>
 <p:sld xmlns:a="http://schemas.openxmlformats.org/drawingml/2006/main" xmlns:r="http://schemas.openxmlformats.org/officeDocument/2006/relationships" xmlns:p="http://schemas.openxmlformats.org/presentationml/2006/main">
   <p:cSld>
@@ -12429,6 +12565,1295 @@
     <p:extLst>
       <p:ext uri="{BB962C8B-B14F-4D97-AF65-F5344CB8AC3E}">
         <p14:creationId xmlns:p14="http://schemas.microsoft.com/office/powerpoint/2010/main" val="2509722968"/>
+      </p:ext>
+    </p:extLst>
+  </p:cSld>
+  <p:clrMapOvr>
+    <a:masterClrMapping/>
+  </p:clrMapOvr>
+</p:sld>
+</file>
+
+<file path=ppt/slides/slide30.xml><?xml version="1.0" encoding="utf-8"?>
+<p:sld xmlns:a="http://schemas.openxmlformats.org/drawingml/2006/main" xmlns:r="http://schemas.openxmlformats.org/officeDocument/2006/relationships" xmlns:p="http://schemas.openxmlformats.org/presentationml/2006/main">
+  <p:cSld>
+    <p:spTree>
+      <p:nvGrpSpPr>
+        <p:cNvPr id="1" name=""/>
+        <p:cNvGrpSpPr/>
+        <p:nvPr/>
+      </p:nvGrpSpPr>
+      <p:grpSpPr>
+        <a:xfrm>
+          <a:off x="0" y="0"/>
+          <a:ext cx="0" cy="0"/>
+          <a:chOff x="0" y="0"/>
+          <a:chExt cx="0" cy="0"/>
+        </a:xfrm>
+      </p:grpSpPr>
+      <p:sp>
+        <p:nvSpPr>
+          <p:cNvPr id="2" name="제목 1">
+            <a:extLst>
+              <a:ext uri="{FF2B5EF4-FFF2-40B4-BE49-F238E27FC236}">
+                <a16:creationId xmlns:a16="http://schemas.microsoft.com/office/drawing/2014/main" id="{0DD83260-336B-170C-E91B-F2E68EB53686}"/>
+              </a:ext>
+            </a:extLst>
+          </p:cNvPr>
+          <p:cNvSpPr>
+            <a:spLocks noGrp="1"/>
+          </p:cNvSpPr>
+          <p:nvPr>
+            <p:ph type="title"/>
+          </p:nvPr>
+        </p:nvSpPr>
+        <p:spPr/>
+        <p:txBody>
+          <a:bodyPr/>
+          <a:lstStyle/>
+          <a:p>
+            <a:r>
+              <a:rPr lang="ko-KR" altLang="en-US" dirty="0"/>
+              <a:t>전송모드</a:t>
+            </a:r>
+          </a:p>
+        </p:txBody>
+      </p:sp>
+      <p:sp>
+        <p:nvSpPr>
+          <p:cNvPr id="3" name="내용 개체 틀 2">
+            <a:extLst>
+              <a:ext uri="{FF2B5EF4-FFF2-40B4-BE49-F238E27FC236}">
+                <a16:creationId xmlns:a16="http://schemas.microsoft.com/office/drawing/2014/main" id="{F382FC43-75CE-4290-A052-49397A645387}"/>
+              </a:ext>
+            </a:extLst>
+          </p:cNvPr>
+          <p:cNvSpPr>
+            <a:spLocks noGrp="1"/>
+          </p:cNvSpPr>
+          <p:nvPr>
+            <p:ph idx="1"/>
+          </p:nvPr>
+        </p:nvSpPr>
+        <p:spPr>
+          <a:xfrm>
+            <a:off x="762000" y="1765139"/>
+            <a:ext cx="10668000" cy="5001421"/>
+          </a:xfrm>
+        </p:spPr>
+        <p:txBody>
+          <a:bodyPr/>
+          <a:lstStyle/>
+          <a:p>
+            <a:r>
+              <a:rPr lang="en-US" altLang="ko-KR" sz="1600" dirty="0"/>
+              <a:t>L1</a:t>
+            </a:r>
+            <a:r>
+              <a:rPr lang="ko-KR" altLang="en-US" sz="1600" dirty="0"/>
+              <a:t>은 물리적인 선 또는 전파 등의 통신을 정의한 계층입니다</a:t>
+            </a:r>
+            <a:br>
+              <a:rPr lang="en-US" altLang="ko-KR" sz="1600" dirty="0"/>
+            </a:br>
+            <a:r>
+              <a:rPr lang="ko-KR" altLang="en-US" sz="1600" dirty="0"/>
+              <a:t>이 때</a:t>
+            </a:r>
+            <a:r>
+              <a:rPr lang="en-US" altLang="ko-KR" sz="1600" dirty="0"/>
+              <a:t>, </a:t>
+            </a:r>
+            <a:r>
+              <a:rPr lang="ko-KR" altLang="en-US" sz="1600" dirty="0"/>
+              <a:t>선 또는 전파는 두 장치간 통신을 수행 할 때</a:t>
+            </a:r>
+            <a:br>
+              <a:rPr lang="en-US" altLang="ko-KR" sz="1600" dirty="0"/>
+            </a:br>
+            <a:r>
+              <a:rPr lang="ko-KR" altLang="en-US" sz="1600" dirty="0"/>
+              <a:t>각 장치는 수신과 송신이 모두 이루어져야 하기 때문에 두 방향으로 통신을 수행할 수 밖에 없습니다</a:t>
+            </a:r>
+            <a:endParaRPr lang="en-US" altLang="ko-KR" sz="1600" dirty="0"/>
+          </a:p>
+          <a:p>
+            <a:r>
+              <a:rPr lang="ko-KR" altLang="en-US" sz="1600" dirty="0"/>
+              <a:t>하지만</a:t>
+            </a:r>
+            <a:r>
+              <a:rPr lang="en-US" altLang="ko-KR" sz="1600" dirty="0"/>
+              <a:t>, </a:t>
+            </a:r>
+            <a:r>
+              <a:rPr lang="ko-KR" altLang="en-US" sz="1600" dirty="0"/>
+              <a:t>물리장치는 보통 하나의 선이나 같은 장소를 사용하는 방향이 다른 두 전파가 일반적이기 때문에</a:t>
+            </a:r>
+            <a:br>
+              <a:rPr lang="en-US" altLang="ko-KR" sz="1600" dirty="0"/>
+            </a:br>
+            <a:r>
+              <a:rPr lang="ko-KR" altLang="en-US" sz="1600" dirty="0"/>
+              <a:t>다양한 전송모드가 생길 수 있습니다</a:t>
+            </a:r>
+            <a:endParaRPr lang="en-US" altLang="ko-KR" sz="1600" dirty="0"/>
+          </a:p>
+          <a:p>
+            <a:pPr marL="342900" indent="-342900">
+              <a:buFont typeface="+mj-lt"/>
+              <a:buAutoNum type="arabicPeriod"/>
+            </a:pPr>
+            <a:r>
+              <a:rPr lang="en-US" altLang="ko-KR" sz="1600" dirty="0"/>
+              <a:t>Simplex:</a:t>
+            </a:r>
+            <a:r>
+              <a:rPr lang="ko-KR" altLang="en-US" sz="1600" dirty="0"/>
+              <a:t> 두 장치는 각자 다른 작업만을 수행하여</a:t>
+            </a:r>
+            <a:br>
+              <a:rPr lang="en-US" altLang="ko-KR" sz="1600" dirty="0"/>
+            </a:br>
+            <a:r>
+              <a:rPr lang="ko-KR" altLang="en-US" sz="1600" dirty="0"/>
+              <a:t>단 방향 통신을 하는 경우를 말합니다</a:t>
+            </a:r>
+            <a:endParaRPr lang="en-US" altLang="ko-KR" sz="1600" dirty="0"/>
+          </a:p>
+          <a:p>
+            <a:pPr marL="342900" indent="-342900">
+              <a:buFont typeface="+mj-lt"/>
+              <a:buAutoNum type="arabicPeriod"/>
+            </a:pPr>
+            <a:r>
+              <a:rPr lang="en-US" altLang="ko-KR" sz="1600" dirty="0"/>
+              <a:t>Half-Duplex: </a:t>
+            </a:r>
+            <a:r>
+              <a:rPr lang="ko-KR" altLang="en-US" sz="1600" dirty="0"/>
+              <a:t>두 장치는 모두 같은 작업을 수행하고</a:t>
+            </a:r>
+            <a:br>
+              <a:rPr lang="en-US" altLang="ko-KR" sz="1600" dirty="0"/>
+            </a:br>
+            <a:r>
+              <a:rPr lang="ko-KR" altLang="en-US" sz="1600" dirty="0"/>
+              <a:t>하나의 물리장치로부터 서로 간의 순서를 지켜</a:t>
+            </a:r>
+            <a:br>
+              <a:rPr lang="en-US" altLang="ko-KR" sz="1600" dirty="0"/>
+            </a:br>
+            <a:r>
+              <a:rPr lang="ko-KR" altLang="en-US" sz="1600" dirty="0"/>
+              <a:t>양 방향 통신을 하는 경우를 말합니다</a:t>
+            </a:r>
+            <a:br>
+              <a:rPr lang="en-US" altLang="ko-KR" sz="1600" dirty="0"/>
+            </a:br>
+            <a:r>
+              <a:rPr lang="ko-KR" altLang="en-US" sz="1600" dirty="0"/>
+              <a:t>다양한 방법이 존재하지만</a:t>
+            </a:r>
+            <a:r>
+              <a:rPr lang="en-US" altLang="ko-KR" sz="1600" dirty="0"/>
+              <a:t>(</a:t>
+            </a:r>
+            <a:r>
+              <a:rPr lang="ko-KR" altLang="en-US" sz="1600" dirty="0"/>
+              <a:t>무전기 등</a:t>
+            </a:r>
+            <a:r>
+              <a:rPr lang="en-US" altLang="ko-KR" sz="1600" dirty="0"/>
+              <a:t>),</a:t>
+            </a:r>
+            <a:br>
+              <a:rPr lang="en-US" altLang="ko-KR" sz="1600" dirty="0"/>
+            </a:br>
+            <a:r>
+              <a:rPr lang="ko-KR" altLang="en-US" sz="1600" dirty="0"/>
+              <a:t>대표적으로 </a:t>
+            </a:r>
+            <a:r>
+              <a:rPr lang="en-US" altLang="ko-KR" sz="1600" dirty="0"/>
+              <a:t>CSMA/CD, CSMA/CA</a:t>
+            </a:r>
+            <a:r>
+              <a:rPr lang="ko-KR" altLang="en-US" sz="1600" dirty="0"/>
+              <a:t>등이 있습니다</a:t>
+            </a:r>
+            <a:endParaRPr lang="en-US" altLang="ko-KR" sz="1600" dirty="0"/>
+          </a:p>
+          <a:p>
+            <a:pPr marL="342900" indent="-342900">
+              <a:buFont typeface="+mj-lt"/>
+              <a:buAutoNum type="arabicPeriod"/>
+            </a:pPr>
+            <a:r>
+              <a:rPr lang="en-US" altLang="ko-KR" sz="1600" dirty="0"/>
+              <a:t>Full-Duplex: </a:t>
+            </a:r>
+            <a:r>
+              <a:rPr lang="ko-KR" altLang="en-US" sz="1600" dirty="0"/>
+              <a:t>두 장치는 모두 같은 작업을 수행하고</a:t>
+            </a:r>
+            <a:br>
+              <a:rPr lang="en-US" altLang="ko-KR" sz="1600" dirty="0"/>
+            </a:br>
+            <a:r>
+              <a:rPr lang="ko-KR" altLang="en-US" sz="1600" dirty="0"/>
+              <a:t>두 개의 물리장치로부터 독립적인 송수신을 하여</a:t>
+            </a:r>
+            <a:br>
+              <a:rPr lang="en-US" altLang="ko-KR" sz="1600" dirty="0"/>
+            </a:br>
+            <a:r>
+              <a:rPr lang="ko-KR" altLang="en-US" sz="1600" dirty="0"/>
+              <a:t>양방향 통신을 하는 경우를 말합니다</a:t>
+            </a:r>
+            <a:br>
+              <a:rPr lang="en-US" altLang="ko-KR" sz="1600" dirty="0"/>
+            </a:br>
+            <a:r>
+              <a:rPr lang="ko-KR" altLang="en-US" sz="1600" dirty="0"/>
+              <a:t>오늘날 일반적인 랜 선들은 대부분 이 방식을 사용합니다</a:t>
+            </a:r>
+            <a:endParaRPr lang="en-US" altLang="ko-KR" sz="1600" dirty="0"/>
+          </a:p>
+        </p:txBody>
+      </p:sp>
+      <p:pic>
+        <p:nvPicPr>
+          <p:cNvPr id="5" name="그림 4" descr="스크린샷, 라인, 도표, 직사각형이(가) 표시된 사진&#10;&#10;자동 생성된 설명">
+            <a:extLst>
+              <a:ext uri="{FF2B5EF4-FFF2-40B4-BE49-F238E27FC236}">
+                <a16:creationId xmlns:a16="http://schemas.microsoft.com/office/drawing/2014/main" id="{3D9DF440-C580-0FFC-9E28-3884D072C00E}"/>
+              </a:ext>
+            </a:extLst>
+          </p:cNvPr>
+          <p:cNvPicPr>
+            <a:picLocks noChangeAspect="1"/>
+          </p:cNvPicPr>
+          <p:nvPr/>
+        </p:nvPicPr>
+        <p:blipFill>
+          <a:blip r:embed="rId2">
+            <a:extLst>
+              <a:ext uri="{28A0092B-C50C-407E-A947-70E740481C1C}">
+                <a14:useLocalDpi xmlns:a14="http://schemas.microsoft.com/office/drawing/2010/main" val="0"/>
+              </a:ext>
+            </a:extLst>
+          </a:blip>
+          <a:stretch>
+            <a:fillRect/>
+          </a:stretch>
+        </p:blipFill>
+        <p:spPr>
+          <a:xfrm>
+            <a:off x="6729548" y="3191462"/>
+            <a:ext cx="5376454" cy="1016416"/>
+          </a:xfrm>
+          <a:prstGeom prst="rect">
+            <a:avLst/>
+          </a:prstGeom>
+        </p:spPr>
+      </p:pic>
+      <p:pic>
+        <p:nvPicPr>
+          <p:cNvPr id="7" name="그림 6" descr="도표, 라인, 텍스트, 스크린샷이(가) 표시된 사진&#10;&#10;자동 생성된 설명">
+            <a:extLst>
+              <a:ext uri="{FF2B5EF4-FFF2-40B4-BE49-F238E27FC236}">
+                <a16:creationId xmlns:a16="http://schemas.microsoft.com/office/drawing/2014/main" id="{C0B98A30-C924-26E9-2A3D-FEBE01E8BA86}"/>
+              </a:ext>
+            </a:extLst>
+          </p:cNvPr>
+          <p:cNvPicPr>
+            <a:picLocks noChangeAspect="1"/>
+          </p:cNvPicPr>
+          <p:nvPr/>
+        </p:nvPicPr>
+        <p:blipFill>
+          <a:blip r:embed="rId3">
+            <a:extLst>
+              <a:ext uri="{28A0092B-C50C-407E-A947-70E740481C1C}">
+                <a14:useLocalDpi xmlns:a14="http://schemas.microsoft.com/office/drawing/2010/main" val="0"/>
+              </a:ext>
+            </a:extLst>
+          </a:blip>
+          <a:stretch>
+            <a:fillRect/>
+          </a:stretch>
+        </p:blipFill>
+        <p:spPr>
+          <a:xfrm>
+            <a:off x="6728793" y="4220940"/>
+            <a:ext cx="5376454" cy="1283017"/>
+          </a:xfrm>
+          <a:prstGeom prst="rect">
+            <a:avLst/>
+          </a:prstGeom>
+        </p:spPr>
+      </p:pic>
+      <p:pic>
+        <p:nvPicPr>
+          <p:cNvPr id="9" name="그림 8" descr="라인, 텍스트, 스크린샷, 직사각형이(가) 표시된 사진&#10;&#10;자동 생성된 설명">
+            <a:extLst>
+              <a:ext uri="{FF2B5EF4-FFF2-40B4-BE49-F238E27FC236}">
+                <a16:creationId xmlns:a16="http://schemas.microsoft.com/office/drawing/2014/main" id="{867FDA75-EACA-A71A-DFE9-C8B46842BE8E}"/>
+              </a:ext>
+            </a:extLst>
+          </p:cNvPr>
+          <p:cNvPicPr>
+            <a:picLocks noChangeAspect="1"/>
+          </p:cNvPicPr>
+          <p:nvPr/>
+        </p:nvPicPr>
+        <p:blipFill>
+          <a:blip r:embed="rId4">
+            <a:extLst>
+              <a:ext uri="{28A0092B-C50C-407E-A947-70E740481C1C}">
+                <a14:useLocalDpi xmlns:a14="http://schemas.microsoft.com/office/drawing/2010/main" val="0"/>
+              </a:ext>
+            </a:extLst>
+          </a:blip>
+          <a:stretch>
+            <a:fillRect/>
+          </a:stretch>
+        </p:blipFill>
+        <p:spPr>
+          <a:xfrm>
+            <a:off x="6728791" y="5517020"/>
+            <a:ext cx="5376455" cy="1171934"/>
+          </a:xfrm>
+          <a:prstGeom prst="rect">
+            <a:avLst/>
+          </a:prstGeom>
+        </p:spPr>
+      </p:pic>
+      <p:pic>
+        <p:nvPicPr>
+          <p:cNvPr id="10" name="그림 9" descr="스크린샷, 라인, 도표, 직사각형이(가) 표시된 사진&#10;&#10;자동 생성된 설명">
+            <a:extLst>
+              <a:ext uri="{FF2B5EF4-FFF2-40B4-BE49-F238E27FC236}">
+                <a16:creationId xmlns:a16="http://schemas.microsoft.com/office/drawing/2014/main" id="{0BF602EF-74A4-6205-214C-AA941408B100}"/>
+              </a:ext>
+            </a:extLst>
+          </p:cNvPr>
+          <p:cNvPicPr>
+            <a:picLocks noChangeAspect="1"/>
+          </p:cNvPicPr>
+          <p:nvPr/>
+        </p:nvPicPr>
+        <p:blipFill>
+          <a:blip r:embed="rId2">
+            <a:extLst>
+              <a:ext uri="{28A0092B-C50C-407E-A947-70E740481C1C}">
+                <a14:useLocalDpi xmlns:a14="http://schemas.microsoft.com/office/drawing/2010/main" val="0"/>
+              </a:ext>
+            </a:extLst>
+          </a:blip>
+          <a:stretch>
+            <a:fillRect/>
+          </a:stretch>
+        </p:blipFill>
+        <p:spPr>
+          <a:xfrm>
+            <a:off x="6768735" y="3191462"/>
+            <a:ext cx="5376454" cy="1016416"/>
+          </a:xfrm>
+          <a:prstGeom prst="rect">
+            <a:avLst/>
+          </a:prstGeom>
+        </p:spPr>
+      </p:pic>
+      <p:pic>
+        <p:nvPicPr>
+          <p:cNvPr id="11" name="그림 10" descr="도표, 라인, 텍스트, 스크린샷이(가) 표시된 사진&#10;&#10;자동 생성된 설명">
+            <a:extLst>
+              <a:ext uri="{FF2B5EF4-FFF2-40B4-BE49-F238E27FC236}">
+                <a16:creationId xmlns:a16="http://schemas.microsoft.com/office/drawing/2014/main" id="{2ABA417C-3314-B0D0-A605-891E11849515}"/>
+              </a:ext>
+            </a:extLst>
+          </p:cNvPr>
+          <p:cNvPicPr>
+            <a:picLocks noChangeAspect="1"/>
+          </p:cNvPicPr>
+          <p:nvPr/>
+        </p:nvPicPr>
+        <p:blipFill>
+          <a:blip r:embed="rId3">
+            <a:extLst>
+              <a:ext uri="{28A0092B-C50C-407E-A947-70E740481C1C}">
+                <a14:useLocalDpi xmlns:a14="http://schemas.microsoft.com/office/drawing/2010/main" val="0"/>
+              </a:ext>
+            </a:extLst>
+          </a:blip>
+          <a:stretch>
+            <a:fillRect/>
+          </a:stretch>
+        </p:blipFill>
+        <p:spPr>
+          <a:xfrm>
+            <a:off x="6767980" y="4220940"/>
+            <a:ext cx="5376454" cy="1283017"/>
+          </a:xfrm>
+          <a:prstGeom prst="rect">
+            <a:avLst/>
+          </a:prstGeom>
+        </p:spPr>
+      </p:pic>
+      <p:pic>
+        <p:nvPicPr>
+          <p:cNvPr id="12" name="그림 11" descr="라인, 텍스트, 스크린샷, 직사각형이(가) 표시된 사진&#10;&#10;자동 생성된 설명">
+            <a:extLst>
+              <a:ext uri="{FF2B5EF4-FFF2-40B4-BE49-F238E27FC236}">
+                <a16:creationId xmlns:a16="http://schemas.microsoft.com/office/drawing/2014/main" id="{8301DA9C-F064-9ED0-A099-B0411BC57161}"/>
+              </a:ext>
+            </a:extLst>
+          </p:cNvPr>
+          <p:cNvPicPr>
+            <a:picLocks noChangeAspect="1"/>
+          </p:cNvPicPr>
+          <p:nvPr/>
+        </p:nvPicPr>
+        <p:blipFill>
+          <a:blip r:embed="rId4">
+            <a:extLst>
+              <a:ext uri="{28A0092B-C50C-407E-A947-70E740481C1C}">
+                <a14:useLocalDpi xmlns:a14="http://schemas.microsoft.com/office/drawing/2010/main" val="0"/>
+              </a:ext>
+            </a:extLst>
+          </a:blip>
+          <a:stretch>
+            <a:fillRect/>
+          </a:stretch>
+        </p:blipFill>
+        <p:spPr>
+          <a:xfrm>
+            <a:off x="6767978" y="5517020"/>
+            <a:ext cx="5376455" cy="1171934"/>
+          </a:xfrm>
+          <a:prstGeom prst="rect">
+            <a:avLst/>
+          </a:prstGeom>
+        </p:spPr>
+      </p:pic>
+    </p:spTree>
+    <p:extLst>
+      <p:ext uri="{BB962C8B-B14F-4D97-AF65-F5344CB8AC3E}">
+        <p14:creationId xmlns:p14="http://schemas.microsoft.com/office/powerpoint/2010/main" val="306307204"/>
+      </p:ext>
+    </p:extLst>
+  </p:cSld>
+  <p:clrMapOvr>
+    <a:masterClrMapping/>
+  </p:clrMapOvr>
+</p:sld>
+</file>
+
+<file path=ppt/slides/slide31.xml><?xml version="1.0" encoding="utf-8"?>
+<p:sld xmlns:a="http://schemas.openxmlformats.org/drawingml/2006/main" xmlns:r="http://schemas.openxmlformats.org/officeDocument/2006/relationships" xmlns:p="http://schemas.openxmlformats.org/presentationml/2006/main">
+  <p:cSld>
+    <p:spTree>
+      <p:nvGrpSpPr>
+        <p:cNvPr id="1" name=""/>
+        <p:cNvGrpSpPr/>
+        <p:nvPr/>
+      </p:nvGrpSpPr>
+      <p:grpSpPr>
+        <a:xfrm>
+          <a:off x="0" y="0"/>
+          <a:ext cx="0" cy="0"/>
+          <a:chOff x="0" y="0"/>
+          <a:chExt cx="0" cy="0"/>
+        </a:xfrm>
+      </p:grpSpPr>
+      <p:sp>
+        <p:nvSpPr>
+          <p:cNvPr id="2" name="제목 1">
+            <a:extLst>
+              <a:ext uri="{FF2B5EF4-FFF2-40B4-BE49-F238E27FC236}">
+                <a16:creationId xmlns:a16="http://schemas.microsoft.com/office/drawing/2014/main" id="{DD6320BC-53F4-CE76-EA60-9FDA50B62C12}"/>
+              </a:ext>
+            </a:extLst>
+          </p:cNvPr>
+          <p:cNvSpPr>
+            <a:spLocks noGrp="1"/>
+          </p:cNvSpPr>
+          <p:nvPr>
+            <p:ph type="title"/>
+          </p:nvPr>
+        </p:nvSpPr>
+        <p:spPr/>
+        <p:txBody>
+          <a:bodyPr/>
+          <a:lstStyle/>
+          <a:p>
+            <a:r>
+              <a:rPr lang="en-US" altLang="ko-KR" dirty="0"/>
+              <a:t>Wireless LAN</a:t>
+            </a:r>
+            <a:endParaRPr lang="ko-KR" altLang="en-US" dirty="0"/>
+          </a:p>
+        </p:txBody>
+      </p:sp>
+      <p:sp>
+        <p:nvSpPr>
+          <p:cNvPr id="3" name="내용 개체 틀 2">
+            <a:extLst>
+              <a:ext uri="{FF2B5EF4-FFF2-40B4-BE49-F238E27FC236}">
+                <a16:creationId xmlns:a16="http://schemas.microsoft.com/office/drawing/2014/main" id="{953E09DC-3047-015A-89FB-7EC983ACD03B}"/>
+              </a:ext>
+            </a:extLst>
+          </p:cNvPr>
+          <p:cNvSpPr>
+            <a:spLocks noGrp="1"/>
+          </p:cNvSpPr>
+          <p:nvPr>
+            <p:ph idx="1"/>
+          </p:nvPr>
+        </p:nvSpPr>
+        <p:spPr>
+          <a:xfrm>
+            <a:off x="761999" y="1765139"/>
+            <a:ext cx="10759441" cy="5030918"/>
+          </a:xfrm>
+        </p:spPr>
+        <p:txBody>
+          <a:bodyPr/>
+          <a:lstStyle/>
+          <a:p>
+            <a:r>
+              <a:rPr lang="ko-KR" altLang="en-US" sz="1600" dirty="0"/>
+              <a:t>오늘날 통신은 </a:t>
+            </a:r>
+            <a:r>
+              <a:rPr lang="en-US" altLang="ko-KR" sz="1600" dirty="0"/>
+              <a:t>LAN </a:t>
+            </a:r>
+            <a:r>
+              <a:rPr lang="ko-KR" altLang="en-US" sz="1600" dirty="0"/>
+              <a:t>선을 사용한 컴퓨터보다도</a:t>
+            </a:r>
+            <a:r>
+              <a:rPr lang="en-US" altLang="ko-KR" sz="1600" dirty="0"/>
+              <a:t> </a:t>
+            </a:r>
+            <a:r>
+              <a:rPr lang="ko-KR" altLang="en-US" sz="1600" dirty="0"/>
+              <a:t>스마트폰</a:t>
+            </a:r>
+            <a:r>
+              <a:rPr lang="en-US" altLang="ko-KR" sz="1600" dirty="0"/>
+              <a:t>, </a:t>
+            </a:r>
+            <a:r>
+              <a:rPr lang="ko-KR" altLang="en-US" sz="1600" dirty="0"/>
+              <a:t>태블릿 등의 무선을 더 많이 사용하는 추세입니다</a:t>
+            </a:r>
+            <a:br>
+              <a:rPr lang="en-US" altLang="ko-KR" sz="1600" dirty="0"/>
+            </a:br>
+            <a:r>
+              <a:rPr lang="ko-KR" altLang="en-US" sz="1600" dirty="0"/>
+              <a:t>무선 통신은 </a:t>
+            </a:r>
+            <a:r>
+              <a:rPr lang="en-US" altLang="ko-KR" sz="1600" dirty="0"/>
+              <a:t>Wi-Fi 802.11 wireless LAN </a:t>
+            </a:r>
+            <a:r>
+              <a:rPr lang="ko-KR" altLang="en-US" sz="1600" dirty="0"/>
+              <a:t>표준을 사용하고</a:t>
+            </a:r>
+            <a:r>
+              <a:rPr lang="en-US" altLang="ko-KR" sz="1600" dirty="0"/>
+              <a:t>,</a:t>
+            </a:r>
+            <a:br>
+              <a:rPr lang="en-US" altLang="ko-KR" sz="1600" dirty="0"/>
+            </a:br>
+            <a:r>
+              <a:rPr lang="en-US" altLang="ko-KR" sz="1600" dirty="0"/>
+              <a:t>2G, 3G, 4G(LTE), 5G, 6G</a:t>
+            </a:r>
+            <a:r>
+              <a:rPr lang="ko-KR" altLang="en-US" sz="1600" dirty="0"/>
+              <a:t>들은 대표적인 </a:t>
+            </a:r>
+            <a:r>
+              <a:rPr lang="en-US" altLang="ko-KR" sz="1600" dirty="0"/>
+              <a:t>IEEE 802.11(Wi-Fi)</a:t>
+            </a:r>
+            <a:r>
+              <a:rPr lang="ko-KR" altLang="en-US" sz="1600" dirty="0"/>
+              <a:t>표준 기술들입니다</a:t>
+            </a:r>
+            <a:endParaRPr lang="en-US" altLang="ko-KR" sz="1600" dirty="0"/>
+          </a:p>
+          <a:p>
+            <a:r>
+              <a:rPr lang="ko-KR" altLang="en-US" sz="1600" dirty="0"/>
+              <a:t>무선 통신은 여러 대의 무선 스테이션</a:t>
+            </a:r>
+            <a:r>
+              <a:rPr lang="en-US" altLang="ko-KR" sz="1600" dirty="0"/>
+              <a:t>(</a:t>
+            </a:r>
+            <a:r>
+              <a:rPr lang="ko-KR" altLang="en-US" sz="1600" dirty="0"/>
+              <a:t>무선 단말기</a:t>
+            </a:r>
+            <a:r>
+              <a:rPr lang="en-US" altLang="ko-KR" sz="1600" dirty="0"/>
+              <a:t>)</a:t>
+            </a:r>
+            <a:r>
+              <a:rPr lang="ko-KR" altLang="en-US" sz="1600" dirty="0"/>
+              <a:t>와 하나의 무선 기지국</a:t>
+            </a:r>
+            <a:r>
+              <a:rPr lang="en-US" altLang="ko-KR" sz="1600" dirty="0"/>
+              <a:t>(</a:t>
+            </a:r>
+            <a:r>
+              <a:rPr lang="ko-KR" altLang="en-US" sz="1600" dirty="0"/>
+              <a:t>무선 신호기</a:t>
+            </a:r>
+            <a:r>
+              <a:rPr lang="en-US" altLang="ko-KR" sz="1600" dirty="0"/>
+              <a:t>)</a:t>
+            </a:r>
+            <a:r>
+              <a:rPr lang="ko-KR" altLang="en-US" sz="1600" dirty="0"/>
+              <a:t>가 있고</a:t>
+            </a:r>
+            <a:r>
+              <a:rPr lang="en-US" altLang="ko-KR" sz="1600" dirty="0"/>
+              <a:t>,</a:t>
+            </a:r>
+            <a:br>
+              <a:rPr lang="en-US" altLang="ko-KR" sz="1600" dirty="0"/>
+            </a:br>
+            <a:r>
+              <a:rPr lang="ko-KR" altLang="en-US" sz="1600" dirty="0"/>
+              <a:t>상호 연결된 해당 그룹을 </a:t>
+            </a:r>
+            <a:r>
+              <a:rPr lang="en-US" altLang="ko-KR" sz="1600" dirty="0"/>
+              <a:t>BSS(Basic Service Set)</a:t>
+            </a:r>
+            <a:r>
+              <a:rPr lang="ko-KR" altLang="en-US" sz="1600" dirty="0"/>
+              <a:t>라고 표현합니다</a:t>
+            </a:r>
+            <a:endParaRPr lang="en-US" altLang="ko-KR" sz="1600" dirty="0"/>
+          </a:p>
+          <a:p>
+            <a:r>
+              <a:rPr lang="ko-KR" altLang="en-US" sz="1600" dirty="0"/>
+              <a:t>하나의 무선 신호기는 </a:t>
+            </a:r>
+            <a:r>
+              <a:rPr lang="en-US" altLang="ko-KR" sz="1600" dirty="0"/>
+              <a:t>SSID(Service Set Identifier)</a:t>
+            </a:r>
+            <a:r>
+              <a:rPr lang="ko-KR" altLang="en-US" sz="1600" dirty="0"/>
+              <a:t>를 가지고 있으며</a:t>
+            </a:r>
+            <a:r>
+              <a:rPr lang="en-US" altLang="ko-KR" sz="1600" dirty="0"/>
+              <a:t>,</a:t>
+            </a:r>
+            <a:br>
+              <a:rPr lang="en-US" altLang="ko-KR" sz="1600" dirty="0"/>
+            </a:br>
+            <a:r>
+              <a:rPr lang="ko-KR" altLang="en-US" sz="1600" dirty="0"/>
+              <a:t>여러 대의 무선 단말기는 </a:t>
+            </a:r>
+            <a:r>
+              <a:rPr lang="en-US" altLang="ko-KR" sz="1600" dirty="0"/>
+              <a:t>MAC</a:t>
+            </a:r>
+            <a:r>
+              <a:rPr lang="ko-KR" altLang="en-US" sz="1600" dirty="0"/>
+              <a:t>주소를 가지고</a:t>
+            </a:r>
+            <a:r>
+              <a:rPr lang="en-US" altLang="ko-KR" sz="1600" dirty="0"/>
+              <a:t>, </a:t>
+            </a:r>
+            <a:r>
+              <a:rPr lang="ko-KR" altLang="en-US" sz="1600" dirty="0"/>
+              <a:t>신호기가 </a:t>
+            </a:r>
+            <a:r>
+              <a:rPr lang="en-US" altLang="ko-KR" sz="1600" dirty="0"/>
+              <a:t>SSID-MAC </a:t>
+            </a:r>
+            <a:r>
+              <a:rPr lang="ko-KR" altLang="en-US" sz="1600" dirty="0"/>
+              <a:t>조합의 비컨 프레임</a:t>
+            </a:r>
+            <a:r>
+              <a:rPr lang="en-US" altLang="ko-KR" sz="1600" dirty="0"/>
+              <a:t>(beacon</a:t>
+            </a:r>
+            <a:r>
+              <a:rPr lang="ko-KR" altLang="en-US" sz="1600" dirty="0"/>
+              <a:t> </a:t>
+            </a:r>
+            <a:r>
+              <a:rPr lang="en-US" altLang="ko-KR" sz="1600" dirty="0"/>
+              <a:t>frame)</a:t>
+            </a:r>
+            <a:r>
+              <a:rPr lang="ko-KR" altLang="en-US" sz="1600" dirty="0"/>
+              <a:t>을</a:t>
+            </a:r>
+            <a:br>
+              <a:rPr lang="en-US" altLang="ko-KR" sz="1600" dirty="0"/>
+            </a:br>
+            <a:r>
+              <a:rPr lang="ko-KR" altLang="en-US" sz="1600" dirty="0"/>
+              <a:t>주기적으로 전송하여 단말기가 조합에 맞으면 주고 받는 방식으로 통신을 수행합니다</a:t>
+            </a:r>
+            <a:endParaRPr lang="en-US" altLang="ko-KR" sz="1600" dirty="0"/>
+          </a:p>
+          <a:p>
+            <a:pPr marL="342900" indent="-342900">
+              <a:buFont typeface="+mj-lt"/>
+              <a:buAutoNum type="arabicPeriod"/>
+            </a:pPr>
+            <a:r>
+              <a:rPr lang="ko-KR" altLang="en-US" sz="1400" dirty="0"/>
+              <a:t>수동 스캐닝</a:t>
+            </a:r>
+            <a:r>
+              <a:rPr lang="en-US" altLang="ko-KR" sz="1400" dirty="0"/>
+              <a:t>: </a:t>
+            </a:r>
+            <a:r>
+              <a:rPr lang="ko-KR" altLang="en-US" sz="1400" dirty="0"/>
+              <a:t>신호기가 임의로 뿌린 비컨 프레임을 단말기가 받으면</a:t>
+            </a:r>
+            <a:r>
+              <a:rPr lang="en-US" altLang="ko-KR" sz="1400" dirty="0"/>
+              <a:t>, </a:t>
+            </a:r>
+            <a:r>
+              <a:rPr lang="ko-KR" altLang="en-US" sz="1400" dirty="0"/>
+              <a:t>단말기는 뿌린 신호기에게</a:t>
+            </a:r>
+            <a:br>
+              <a:rPr lang="en-US" altLang="ko-KR" sz="1400" dirty="0"/>
+            </a:br>
+            <a:r>
+              <a:rPr lang="ko-KR" altLang="en-US" sz="1400" dirty="0"/>
+              <a:t>응답 프레임을 보내는 구조로 연결을 맺습니다 </a:t>
+            </a:r>
+            <a:endParaRPr lang="en-US" altLang="ko-KR" sz="1400" dirty="0"/>
+          </a:p>
+          <a:p>
+            <a:pPr marL="342900" indent="-342900">
+              <a:buFont typeface="+mj-lt"/>
+              <a:buAutoNum type="arabicPeriod"/>
+            </a:pPr>
+            <a:r>
+              <a:rPr lang="ko-KR" altLang="en-US" sz="1400" dirty="0"/>
+              <a:t>능동 스캐닝</a:t>
+            </a:r>
+            <a:r>
+              <a:rPr lang="en-US" altLang="ko-KR" sz="1400" dirty="0"/>
+              <a:t>: </a:t>
+            </a:r>
+            <a:r>
+              <a:rPr lang="ko-KR" altLang="en-US" sz="1400" dirty="0"/>
+              <a:t>단말기가 신호기에게 정기적으로 </a:t>
+            </a:r>
+            <a:r>
+              <a:rPr lang="ko-KR" altLang="en-US" sz="1400" dirty="0" err="1"/>
+              <a:t>프로브</a:t>
+            </a:r>
+            <a:r>
+              <a:rPr lang="en-US" altLang="ko-KR" sz="1400" dirty="0"/>
+              <a:t>(probe)</a:t>
+            </a:r>
+            <a:r>
+              <a:rPr lang="ko-KR" altLang="en-US" sz="1400" dirty="0"/>
+              <a:t>프레임을 보내면</a:t>
+            </a:r>
+            <a:r>
+              <a:rPr lang="en-US" altLang="ko-KR" sz="1400" dirty="0"/>
+              <a:t>,</a:t>
+            </a:r>
+            <a:br>
+              <a:rPr lang="en-US" altLang="ko-KR" sz="1400" dirty="0"/>
+            </a:br>
+            <a:r>
+              <a:rPr lang="ko-KR" altLang="en-US" sz="1400" dirty="0"/>
+              <a:t>신호기는 해당 요청에 응답 프레임을 보내는 구조로 연결을 맺습니다</a:t>
+            </a:r>
+            <a:endParaRPr lang="en-US" altLang="ko-KR" sz="1400" dirty="0"/>
+          </a:p>
+          <a:p>
+            <a:r>
+              <a:rPr lang="ko-KR" altLang="en-US" sz="1600" dirty="0"/>
+              <a:t>무선랜은 매체접근을 </a:t>
+            </a:r>
+            <a:r>
+              <a:rPr lang="en-US" altLang="ko-KR" sz="1600" dirty="0"/>
+              <a:t>MAC</a:t>
+            </a:r>
+            <a:r>
+              <a:rPr lang="ko-KR" altLang="en-US" sz="1600" dirty="0"/>
+              <a:t>을 통해서 수행합니다 다음은 매체접근제어방식 두 가지를 나열 한 것입니다</a:t>
+            </a:r>
+            <a:endParaRPr lang="en-US" altLang="ko-KR" sz="1600" dirty="0"/>
+          </a:p>
+          <a:p>
+            <a:pPr marL="342900" indent="-342900">
+              <a:buFont typeface="+mj-lt"/>
+              <a:buAutoNum type="arabicPeriod"/>
+            </a:pPr>
+            <a:r>
+              <a:rPr lang="en-US" altLang="ko-KR" sz="1400" dirty="0"/>
+              <a:t>DCF(Distributed Coordination Function): </a:t>
+            </a:r>
+            <a:r>
+              <a:rPr lang="ko-KR" altLang="en-US" sz="1400" dirty="0"/>
+              <a:t>단말기들이 데이터 충돌을 회피</a:t>
+            </a:r>
+            <a:r>
+              <a:rPr lang="en-US" altLang="ko-KR" sz="1400" dirty="0"/>
+              <a:t>(CSMA/CA)</a:t>
+            </a:r>
+            <a:r>
+              <a:rPr lang="ko-KR" altLang="en-US" sz="1400" dirty="0"/>
+              <a:t>하기 위해 미리 감지 후 대기</a:t>
+            </a:r>
+            <a:endParaRPr lang="en-US" altLang="ko-KR" sz="1400" dirty="0"/>
+          </a:p>
+          <a:p>
+            <a:pPr marL="342900" indent="-342900">
+              <a:buFont typeface="+mj-lt"/>
+              <a:buAutoNum type="arabicPeriod"/>
+            </a:pPr>
+            <a:r>
+              <a:rPr lang="en-US" altLang="ko-KR" sz="1400" dirty="0"/>
+              <a:t>PCF(Point Coordination Function): </a:t>
+            </a:r>
+            <a:r>
+              <a:rPr lang="ko-KR" altLang="en-US" sz="1400" dirty="0"/>
+              <a:t>신호기가 단말기들에게 직접 중재하는 방식으로 대기</a:t>
+            </a:r>
+          </a:p>
+        </p:txBody>
+      </p:sp>
+    </p:spTree>
+    <p:extLst>
+      <p:ext uri="{BB962C8B-B14F-4D97-AF65-F5344CB8AC3E}">
+        <p14:creationId xmlns:p14="http://schemas.microsoft.com/office/powerpoint/2010/main" val="1303002981"/>
+      </p:ext>
+    </p:extLst>
+  </p:cSld>
+  <p:clrMapOvr>
+    <a:masterClrMapping/>
+  </p:clrMapOvr>
+</p:sld>
+</file>
+
+<file path=ppt/slides/slide32.xml><?xml version="1.0" encoding="utf-8"?>
+<p:sld xmlns:a="http://schemas.openxmlformats.org/drawingml/2006/main" xmlns:r="http://schemas.openxmlformats.org/officeDocument/2006/relationships" xmlns:p="http://schemas.openxmlformats.org/presentationml/2006/main">
+  <p:cSld>
+    <p:spTree>
+      <p:nvGrpSpPr>
+        <p:cNvPr id="1" name=""/>
+        <p:cNvGrpSpPr/>
+        <p:nvPr/>
+      </p:nvGrpSpPr>
+      <p:grpSpPr>
+        <a:xfrm>
+          <a:off x="0" y="0"/>
+          <a:ext cx="0" cy="0"/>
+          <a:chOff x="0" y="0"/>
+          <a:chExt cx="0" cy="0"/>
+        </a:xfrm>
+      </p:grpSpPr>
+      <p:sp>
+        <p:nvSpPr>
+          <p:cNvPr id="2" name="제목 1">
+            <a:extLst>
+              <a:ext uri="{FF2B5EF4-FFF2-40B4-BE49-F238E27FC236}">
+                <a16:creationId xmlns:a16="http://schemas.microsoft.com/office/drawing/2014/main" id="{65102E3B-2E4F-EFAD-BE72-F2112DA6669F}"/>
+              </a:ext>
+            </a:extLst>
+          </p:cNvPr>
+          <p:cNvSpPr>
+            <a:spLocks noGrp="1"/>
+          </p:cNvSpPr>
+          <p:nvPr>
+            <p:ph type="title"/>
+          </p:nvPr>
+        </p:nvSpPr>
+        <p:spPr/>
+        <p:txBody>
+          <a:bodyPr/>
+          <a:lstStyle/>
+          <a:p>
+            <a:r>
+              <a:rPr lang="en-US" altLang="ko-KR" dirty="0"/>
+              <a:t>CSMA/CA</a:t>
+            </a:r>
+            <a:endParaRPr lang="ko-KR" altLang="en-US" dirty="0"/>
+          </a:p>
+        </p:txBody>
+      </p:sp>
+      <p:sp>
+        <p:nvSpPr>
+          <p:cNvPr id="3" name="내용 개체 틀 2">
+            <a:extLst>
+              <a:ext uri="{FF2B5EF4-FFF2-40B4-BE49-F238E27FC236}">
+                <a16:creationId xmlns:a16="http://schemas.microsoft.com/office/drawing/2014/main" id="{EF57BD06-CFF3-DFC1-936E-107FDBA5AF0A}"/>
+              </a:ext>
+            </a:extLst>
+          </p:cNvPr>
+          <p:cNvSpPr>
+            <a:spLocks noGrp="1"/>
+          </p:cNvSpPr>
+          <p:nvPr>
+            <p:ph idx="1"/>
+          </p:nvPr>
+        </p:nvSpPr>
+        <p:spPr>
+          <a:xfrm>
+            <a:off x="762000" y="1765139"/>
+            <a:ext cx="10759440" cy="5048616"/>
+          </a:xfrm>
+        </p:spPr>
+        <p:txBody>
+          <a:bodyPr/>
+          <a:lstStyle/>
+          <a:p>
+            <a:r>
+              <a:rPr lang="ko-KR" altLang="en-US" sz="1600" dirty="0"/>
+              <a:t>무선 신호기의 태생적인 구조와 다중 접속 중인 단말기들을 네트워크에서는</a:t>
+            </a:r>
+            <a:br>
+              <a:rPr lang="en-US" altLang="ko-KR" sz="1600" dirty="0"/>
+            </a:br>
+            <a:r>
+              <a:rPr lang="ko-KR" altLang="en-US" sz="1600" dirty="0"/>
+              <a:t>다중 접속 프로토콜</a:t>
+            </a:r>
+            <a:r>
+              <a:rPr lang="en-US" altLang="ko-KR" sz="1600" dirty="0"/>
+              <a:t>(</a:t>
+            </a:r>
+            <a:r>
+              <a:rPr lang="ko-KR" altLang="en-US" sz="1600" dirty="0"/>
+              <a:t>충돌회피</a:t>
+            </a:r>
+            <a:r>
+              <a:rPr lang="en-US" altLang="ko-KR" sz="1600" dirty="0"/>
+              <a:t>)</a:t>
+            </a:r>
+            <a:r>
+              <a:rPr lang="ko-KR" altLang="en-US" sz="1600" dirty="0"/>
+              <a:t>이 필수적으로 존재해야 할 것입니다</a:t>
+            </a:r>
+            <a:endParaRPr lang="en-US" altLang="ko-KR" sz="1600" dirty="0"/>
+          </a:p>
+          <a:p>
+            <a:r>
+              <a:rPr lang="en-US" altLang="ko-KR" sz="1600" dirty="0"/>
+              <a:t>CSMA/CA(Carrier-Sense Multiple Access with Collision Avoidance)</a:t>
+            </a:r>
+            <a:r>
+              <a:rPr lang="ko-KR" altLang="en-US" sz="1600" dirty="0"/>
+              <a:t>는</a:t>
+            </a:r>
+            <a:br>
+              <a:rPr lang="en-US" altLang="ko-KR" sz="1600" dirty="0"/>
+            </a:br>
+            <a:r>
+              <a:rPr lang="ko-KR" altLang="en-US" sz="1600" dirty="0"/>
+              <a:t>데이터의 충돌을 최대한 회피하는 방향으로 설계된 프로토콜로 다음 다섯 가지 단계를 거칩니다</a:t>
+            </a:r>
+            <a:endParaRPr lang="en-US" altLang="ko-KR" sz="1600" dirty="0"/>
+          </a:p>
+          <a:p>
+            <a:pPr marL="342900" indent="-342900">
+              <a:buFont typeface="+mj-lt"/>
+              <a:buAutoNum type="arabicPeriod"/>
+            </a:pPr>
+            <a:r>
+              <a:rPr lang="ko-KR" altLang="en-US" sz="1400" dirty="0"/>
+              <a:t>프레임을 전송하고자 하는 단말기는 신호기가 </a:t>
+            </a:r>
+            <a:r>
+              <a:rPr lang="en-US" altLang="ko-KR" sz="1400" dirty="0"/>
+              <a:t>idle</a:t>
+            </a:r>
+            <a:r>
+              <a:rPr lang="ko-KR" altLang="en-US" sz="1400" dirty="0"/>
+              <a:t>인 상태가 될 때까지 기다립니다</a:t>
+            </a:r>
+            <a:endParaRPr lang="en-US" altLang="ko-KR" sz="1400" dirty="0"/>
+          </a:p>
+          <a:p>
+            <a:pPr marL="342900" indent="-342900">
+              <a:buFont typeface="+mj-lt"/>
+              <a:buAutoNum type="arabicPeriod"/>
+            </a:pPr>
+            <a:r>
+              <a:rPr lang="ko-KR" altLang="en-US" sz="1400" dirty="0"/>
+              <a:t>만약 </a:t>
+            </a:r>
+            <a:r>
+              <a:rPr lang="en-US" altLang="ko-KR" sz="1400" dirty="0"/>
+              <a:t>idle </a:t>
+            </a:r>
+            <a:r>
+              <a:rPr lang="ko-KR" altLang="en-US" sz="1400" dirty="0"/>
+              <a:t>상태가 된다면</a:t>
+            </a:r>
+            <a:r>
+              <a:rPr lang="en-US" altLang="ko-KR" sz="1400" dirty="0"/>
+              <a:t>, </a:t>
+            </a:r>
+            <a:r>
+              <a:rPr lang="ko-KR" altLang="en-US" sz="1400" dirty="0"/>
+              <a:t>다른 단말기가 사용할 가능성도 있기 때문에</a:t>
+            </a:r>
+            <a:r>
+              <a:rPr lang="en-US" altLang="ko-KR" sz="1400" dirty="0"/>
+              <a:t>,</a:t>
+            </a:r>
+            <a:br>
+              <a:rPr lang="en-US" altLang="ko-KR" sz="1400" dirty="0"/>
+            </a:br>
+            <a:r>
+              <a:rPr lang="en-US" altLang="ko-KR" sz="1400" dirty="0"/>
+              <a:t>DIFS(Distributed </a:t>
+            </a:r>
+            <a:r>
+              <a:rPr lang="en-US" altLang="ko-KR" sz="1400" dirty="0" err="1"/>
+              <a:t>InterFrame</a:t>
+            </a:r>
+            <a:r>
+              <a:rPr lang="en-US" altLang="ko-KR" sz="1400" dirty="0"/>
+              <a:t> Space)</a:t>
+            </a:r>
+            <a:r>
+              <a:rPr lang="ko-KR" altLang="en-US" sz="1400" dirty="0"/>
+              <a:t>시간동안 추가로 대기합니다</a:t>
+            </a:r>
+            <a:endParaRPr lang="en-US" altLang="ko-KR" sz="1400" dirty="0"/>
+          </a:p>
+          <a:p>
+            <a:pPr marL="342900" indent="-342900">
+              <a:buFont typeface="+mj-lt"/>
+              <a:buAutoNum type="arabicPeriod"/>
+            </a:pPr>
+            <a:r>
+              <a:rPr lang="en-US" altLang="ko-KR" sz="1400" dirty="0"/>
+              <a:t>DIFS</a:t>
+            </a:r>
+            <a:r>
+              <a:rPr lang="ko-KR" altLang="en-US" sz="1400" dirty="0"/>
+              <a:t>가 지난 뒤에도 </a:t>
+            </a:r>
+            <a:r>
+              <a:rPr lang="en-US" altLang="ko-KR" sz="1400" dirty="0"/>
+              <a:t>idle</a:t>
+            </a:r>
+            <a:r>
+              <a:rPr lang="ko-KR" altLang="en-US" sz="1400" dirty="0"/>
+              <a:t>이라면</a:t>
+            </a:r>
+            <a:r>
+              <a:rPr lang="en-US" altLang="ko-KR" sz="1400" dirty="0"/>
+              <a:t>, </a:t>
+            </a:r>
+            <a:r>
+              <a:rPr lang="ko-KR" altLang="en-US" sz="1400" dirty="0"/>
+              <a:t>수신자로부터 응답을 대기하고 프레임을 전송합니다</a:t>
+            </a:r>
+            <a:endParaRPr lang="en-US" altLang="ko-KR" sz="1400" dirty="0"/>
+          </a:p>
+          <a:p>
+            <a:pPr marL="342900" indent="-342900">
+              <a:buFont typeface="+mj-lt"/>
+              <a:buAutoNum type="arabicPeriod"/>
+            </a:pPr>
+            <a:r>
+              <a:rPr lang="ko-KR" altLang="en-US" sz="1400" dirty="0"/>
+              <a:t>만약</a:t>
+            </a:r>
+            <a:r>
+              <a:rPr lang="en-US" altLang="ko-KR" sz="1400" dirty="0"/>
+              <a:t>, idle</a:t>
+            </a:r>
+            <a:r>
+              <a:rPr lang="ko-KR" altLang="en-US" sz="1400" dirty="0"/>
+              <a:t>이 아니라면</a:t>
+            </a:r>
+            <a:r>
+              <a:rPr lang="en-US" altLang="ko-KR" sz="1400" dirty="0"/>
+              <a:t>, </a:t>
+            </a:r>
+            <a:r>
+              <a:rPr lang="ko-KR" altLang="en-US" sz="1400" dirty="0"/>
+              <a:t>랜덤 </a:t>
+            </a:r>
+            <a:r>
+              <a:rPr lang="ko-KR" altLang="en-US" sz="1400" dirty="0" err="1"/>
+              <a:t>백오프</a:t>
+            </a:r>
+            <a:r>
+              <a:rPr lang="en-US" altLang="ko-KR" sz="1400" dirty="0"/>
+              <a:t>(Random Backoff)</a:t>
+            </a:r>
+            <a:r>
+              <a:rPr lang="ko-KR" altLang="en-US" sz="1400" dirty="0"/>
+              <a:t>시간을 추가하여 대기하고</a:t>
+            </a:r>
+            <a:r>
+              <a:rPr lang="en-US" altLang="ko-KR" sz="1400" dirty="0"/>
+              <a:t>,</a:t>
+            </a:r>
+            <a:br>
+              <a:rPr lang="en-US" altLang="ko-KR" sz="1400" dirty="0"/>
+            </a:br>
+            <a:r>
+              <a:rPr lang="ko-KR" altLang="en-US" sz="1400" dirty="0" err="1"/>
+              <a:t>백오프</a:t>
+            </a:r>
+            <a:r>
+              <a:rPr lang="ko-KR" altLang="en-US" sz="1400" dirty="0"/>
+              <a:t> 시간 카운터는 정해진 슬롯 시간</a:t>
+            </a:r>
+            <a:r>
+              <a:rPr lang="en-US" altLang="ko-KR" sz="1400" dirty="0"/>
+              <a:t>(slot time)</a:t>
+            </a:r>
+            <a:r>
+              <a:rPr lang="ko-KR" altLang="en-US" sz="1400" dirty="0"/>
+              <a:t>마다 감소하는 방식으로</a:t>
+            </a:r>
+            <a:br>
+              <a:rPr lang="en-US" altLang="ko-KR" sz="1400" dirty="0"/>
+            </a:br>
+            <a:r>
+              <a:rPr lang="ko-KR" altLang="en-US" sz="1400" dirty="0"/>
+              <a:t>카운터가 다 되면</a:t>
+            </a:r>
+            <a:r>
+              <a:rPr lang="en-US" altLang="ko-KR" sz="1400" dirty="0"/>
+              <a:t>(0</a:t>
+            </a:r>
+            <a:r>
+              <a:rPr lang="ko-KR" altLang="en-US" sz="1400" dirty="0"/>
+              <a:t>에 다다르면</a:t>
+            </a:r>
+            <a:r>
+              <a:rPr lang="en-US" altLang="ko-KR" sz="1400" dirty="0"/>
+              <a:t>), </a:t>
+            </a:r>
+            <a:r>
+              <a:rPr lang="ko-KR" altLang="en-US" sz="1400" dirty="0"/>
+              <a:t>프레임을 전송하고 응답을 대기합니다</a:t>
+            </a:r>
+            <a:endParaRPr lang="en-US" altLang="ko-KR" sz="1400" dirty="0"/>
+          </a:p>
+          <a:p>
+            <a:pPr marL="342900" indent="-342900">
+              <a:buFont typeface="+mj-lt"/>
+              <a:buAutoNum type="arabicPeriod"/>
+            </a:pPr>
+            <a:r>
+              <a:rPr lang="ko-KR" altLang="en-US" sz="1400" dirty="0"/>
+              <a:t>응답이 오지 않을 경우 더 큰 </a:t>
+            </a:r>
+            <a:r>
+              <a:rPr lang="ko-KR" altLang="en-US" sz="1400" dirty="0" err="1"/>
+              <a:t>백오프</a:t>
+            </a:r>
+            <a:r>
+              <a:rPr lang="ko-KR" altLang="en-US" sz="1400" dirty="0"/>
+              <a:t> 시간을 세팅하고 다시 </a:t>
+            </a:r>
+            <a:r>
+              <a:rPr lang="ko-KR" altLang="en-US" sz="1400" dirty="0" err="1"/>
+              <a:t>백오프</a:t>
+            </a:r>
+            <a:r>
+              <a:rPr lang="ko-KR" altLang="en-US" sz="1400" dirty="0"/>
+              <a:t> 절차를 수행하는 방식으로 동작합니다</a:t>
+            </a:r>
+            <a:endParaRPr lang="en-US" altLang="ko-KR" sz="1400" dirty="0"/>
+          </a:p>
+          <a:p>
+            <a:r>
+              <a:rPr lang="ko-KR" altLang="en-US" sz="1600" dirty="0"/>
+              <a:t>그러나 랜덤 </a:t>
+            </a:r>
+            <a:r>
+              <a:rPr lang="ko-KR" altLang="en-US" sz="1600" dirty="0" err="1"/>
+              <a:t>백오프</a:t>
+            </a:r>
+            <a:r>
+              <a:rPr lang="ko-KR" altLang="en-US" sz="1600" dirty="0"/>
+              <a:t> 시간 지연 전략을 사용하더라도 숨겨진 단말 문제는 해결 할 수 없어</a:t>
+            </a:r>
+            <a:br>
+              <a:rPr lang="en-US" altLang="ko-KR" sz="1600" dirty="0"/>
+            </a:br>
+            <a:r>
+              <a:rPr lang="en-US" altLang="ko-KR" sz="1600" dirty="0"/>
+              <a:t>RTS/CTS </a:t>
+            </a:r>
+            <a:r>
+              <a:rPr lang="ko-KR" altLang="en-US" sz="1600" dirty="0"/>
+              <a:t>프레임 교환방식을 추가로 사용하여 이를 해결합니다</a:t>
+            </a:r>
+            <a:br>
+              <a:rPr lang="en-US" altLang="ko-KR" sz="1600" dirty="0"/>
+            </a:br>
+            <a:r>
+              <a:rPr lang="en-US" altLang="ko-KR" sz="1600" dirty="0"/>
+              <a:t>(</a:t>
+            </a:r>
+            <a:r>
+              <a:rPr lang="ko-KR" altLang="en-US" sz="1600" dirty="0"/>
+              <a:t>숨겨진 단말</a:t>
+            </a:r>
+            <a:r>
+              <a:rPr lang="en-US" altLang="ko-KR" sz="1600" dirty="0"/>
+              <a:t>(hidden terminal): </a:t>
+            </a:r>
+            <a:r>
+              <a:rPr lang="ko-KR" altLang="en-US" sz="1600" dirty="0"/>
+              <a:t>두 단말기가 서로 물리적 통신 범위를 벗어나 서로에 대해 모르는 경우</a:t>
+            </a:r>
+            <a:r>
+              <a:rPr lang="en-US" altLang="ko-KR" sz="1600" dirty="0"/>
+              <a:t>)</a:t>
+            </a:r>
+            <a:br>
+              <a:rPr lang="en-US" altLang="ko-KR" sz="1400" dirty="0"/>
+            </a:br>
+            <a:endParaRPr lang="ko-KR" altLang="en-US" sz="1400" dirty="0"/>
+          </a:p>
+        </p:txBody>
+      </p:sp>
+    </p:spTree>
+    <p:extLst>
+      <p:ext uri="{BB962C8B-B14F-4D97-AF65-F5344CB8AC3E}">
+        <p14:creationId xmlns:p14="http://schemas.microsoft.com/office/powerpoint/2010/main" val="4216409230"/>
       </p:ext>
     </p:extLst>
   </p:cSld>
